--- a/module_02/pres.pptx
+++ b/module_02/pres.pptx
@@ -5,7 +5,7 @@
     <p:sldMasterId id="2147483648" r:id="rId1"/>
   </p:sldMasterIdLst>
   <p:notesMasterIdLst>
-    <p:notesMasterId r:id="rId19"/>
+    <p:notesMasterId r:id="rId16"/>
   </p:notesMasterIdLst>
   <p:sldIdLst>
     <p:sldId id="256" r:id="rId2"/>
@@ -15,16 +15,13 @@
     <p:sldId id="260" r:id="rId6"/>
     <p:sldId id="268" r:id="rId7"/>
     <p:sldId id="261" r:id="rId8"/>
-    <p:sldId id="262" r:id="rId9"/>
-    <p:sldId id="270" r:id="rId10"/>
-    <p:sldId id="272" r:id="rId11"/>
-    <p:sldId id="263" r:id="rId12"/>
-    <p:sldId id="264" r:id="rId13"/>
-    <p:sldId id="265" r:id="rId14"/>
-    <p:sldId id="271" r:id="rId15"/>
-    <p:sldId id="273" r:id="rId16"/>
-    <p:sldId id="269" r:id="rId17"/>
-    <p:sldId id="266" r:id="rId18"/>
+    <p:sldId id="275" r:id="rId9"/>
+    <p:sldId id="262" r:id="rId10"/>
+    <p:sldId id="270" r:id="rId11"/>
+    <p:sldId id="272" r:id="rId12"/>
+    <p:sldId id="274" r:id="rId13"/>
+    <p:sldId id="269" r:id="rId14"/>
+    <p:sldId id="266" r:id="rId15"/>
   </p:sldIdLst>
   <p:sldSz cx="12192000" cy="6858000"/>
   <p:notesSz cx="6858000" cy="9144000"/>
@@ -925,19 +922,19 @@
   </pc:docChgLst>
   <pc:docChgLst>
     <pc:chgData name="Мария Савинова" userId="e24eaf7e9b1ed84c" providerId="LiveId" clId="{82BEC481-F629-41F1-95E7-D263E5810322}"/>
-    <pc:docChg chg="modSld">
-      <pc:chgData name="Мария Савинова" userId="e24eaf7e9b1ed84c" providerId="LiveId" clId="{82BEC481-F629-41F1-95E7-D263E5810322}" dt="2024-09-25T15:35:49.852" v="4" actId="20577"/>
+    <pc:docChg chg="undo custSel addSld delSld modSld">
+      <pc:chgData name="Мария Савинова" userId="e24eaf7e9b1ed84c" providerId="LiveId" clId="{82BEC481-F629-41F1-95E7-D263E5810322}" dt="2024-10-01T08:21:59.027" v="1215" actId="207"/>
       <pc:docMkLst>
         <pc:docMk/>
       </pc:docMkLst>
       <pc:sldChg chg="modSp mod">
-        <pc:chgData name="Мария Савинова" userId="e24eaf7e9b1ed84c" providerId="LiveId" clId="{82BEC481-F629-41F1-95E7-D263E5810322}" dt="2024-09-25T15:35:49.852" v="4" actId="20577"/>
+        <pc:chgData name="Мария Савинова" userId="e24eaf7e9b1ed84c" providerId="LiveId" clId="{82BEC481-F629-41F1-95E7-D263E5810322}" dt="2024-09-30T20:22:24.585" v="6" actId="27636"/>
         <pc:sldMkLst>
           <pc:docMk/>
           <pc:sldMk cId="967994007" sldId="256"/>
         </pc:sldMkLst>
         <pc:spChg chg="mod">
-          <ac:chgData name="Мария Савинова" userId="e24eaf7e9b1ed84c" providerId="LiveId" clId="{82BEC481-F629-41F1-95E7-D263E5810322}" dt="2024-09-25T15:35:44.260" v="3" actId="20577"/>
+          <ac:chgData name="Мария Савинова" userId="e24eaf7e9b1ed84c" providerId="LiveId" clId="{82BEC481-F629-41F1-95E7-D263E5810322}" dt="2024-09-30T20:22:24.585" v="6" actId="27636"/>
           <ac:spMkLst>
             <pc:docMk/>
             <pc:sldMk cId="967994007" sldId="256"/>
@@ -950,6 +947,421 @@
             <pc:docMk/>
             <pc:sldMk cId="967994007" sldId="256"/>
             <ac:spMk id="7" creationId="{00000000-0000-0000-0000-000000000000}"/>
+          </ac:spMkLst>
+        </pc:spChg>
+      </pc:sldChg>
+      <pc:sldChg chg="modSp mod">
+        <pc:chgData name="Мария Савинова" userId="e24eaf7e9b1ed84c" providerId="LiveId" clId="{82BEC481-F629-41F1-95E7-D263E5810322}" dt="2024-09-30T20:27:15.879" v="132" actId="20577"/>
+        <pc:sldMkLst>
+          <pc:docMk/>
+          <pc:sldMk cId="4014811966" sldId="257"/>
+        </pc:sldMkLst>
+        <pc:spChg chg="mod">
+          <ac:chgData name="Мария Савинова" userId="e24eaf7e9b1ed84c" providerId="LiveId" clId="{82BEC481-F629-41F1-95E7-D263E5810322}" dt="2024-09-30T20:27:15.879" v="132" actId="20577"/>
+          <ac:spMkLst>
+            <pc:docMk/>
+            <pc:sldMk cId="4014811966" sldId="257"/>
+            <ac:spMk id="3" creationId="{00000000-0000-0000-0000-000000000000}"/>
+          </ac:spMkLst>
+        </pc:spChg>
+      </pc:sldChg>
+      <pc:sldChg chg="delSp modSp mod">
+        <pc:chgData name="Мария Савинова" userId="e24eaf7e9b1ed84c" providerId="LiveId" clId="{82BEC481-F629-41F1-95E7-D263E5810322}" dt="2024-09-30T20:49:28.878" v="166"/>
+        <pc:sldMkLst>
+          <pc:docMk/>
+          <pc:sldMk cId="742912908" sldId="258"/>
+        </pc:sldMkLst>
+        <pc:spChg chg="mod">
+          <ac:chgData name="Мария Савинова" userId="e24eaf7e9b1ed84c" providerId="LiveId" clId="{82BEC481-F629-41F1-95E7-D263E5810322}" dt="2024-09-30T20:48:21.598" v="144" actId="20577"/>
+          <ac:spMkLst>
+            <pc:docMk/>
+            <pc:sldMk cId="742912908" sldId="258"/>
+            <ac:spMk id="2" creationId="{00000000-0000-0000-0000-000000000000}"/>
+          </ac:spMkLst>
+        </pc:spChg>
+        <pc:spChg chg="mod">
+          <ac:chgData name="Мария Савинова" userId="e24eaf7e9b1ed84c" providerId="LiveId" clId="{82BEC481-F629-41F1-95E7-D263E5810322}" dt="2024-09-30T20:49:28.878" v="166"/>
+          <ac:spMkLst>
+            <pc:docMk/>
+            <pc:sldMk cId="742912908" sldId="258"/>
+            <ac:spMk id="3" creationId="{00000000-0000-0000-0000-000000000000}"/>
+          </ac:spMkLst>
+        </pc:spChg>
+        <pc:spChg chg="del mod">
+          <ac:chgData name="Мария Савинова" userId="e24eaf7e9b1ed84c" providerId="LiveId" clId="{82BEC481-F629-41F1-95E7-D263E5810322}" dt="2024-09-30T20:48:50.748" v="150" actId="478"/>
+          <ac:spMkLst>
+            <pc:docMk/>
+            <pc:sldMk cId="742912908" sldId="258"/>
+            <ac:spMk id="8" creationId="{143DF86B-0F1D-4327-BA47-4BA88D0280EF}"/>
+          </ac:spMkLst>
+        </pc:spChg>
+        <pc:spChg chg="del">
+          <ac:chgData name="Мария Савинова" userId="e24eaf7e9b1ed84c" providerId="LiveId" clId="{82BEC481-F629-41F1-95E7-D263E5810322}" dt="2024-09-30T20:48:45.587" v="146" actId="478"/>
+          <ac:spMkLst>
+            <pc:docMk/>
+            <pc:sldMk cId="742912908" sldId="258"/>
+            <ac:spMk id="9" creationId="{8FAC235C-B49B-40FD-A71D-CEF085AC2F61}"/>
+          </ac:spMkLst>
+        </pc:spChg>
+      </pc:sldChg>
+      <pc:sldChg chg="addSp delSp modSp mod">
+        <pc:chgData name="Мария Савинова" userId="e24eaf7e9b1ed84c" providerId="LiveId" clId="{82BEC481-F629-41F1-95E7-D263E5810322}" dt="2024-09-30T21:16:54.150" v="568" actId="207"/>
+        <pc:sldMkLst>
+          <pc:docMk/>
+          <pc:sldMk cId="2839600060" sldId="259"/>
+        </pc:sldMkLst>
+        <pc:spChg chg="del">
+          <ac:chgData name="Мария Савинова" userId="e24eaf7e9b1ed84c" providerId="LiveId" clId="{82BEC481-F629-41F1-95E7-D263E5810322}" dt="2024-09-30T20:49:55.925" v="167" actId="478"/>
+          <ac:spMkLst>
+            <pc:docMk/>
+            <pc:sldMk cId="2839600060" sldId="259"/>
+            <ac:spMk id="2" creationId="{00000000-0000-0000-0000-000000000000}"/>
+          </ac:spMkLst>
+        </pc:spChg>
+        <pc:spChg chg="mod">
+          <ac:chgData name="Мария Савинова" userId="e24eaf7e9b1ed84c" providerId="LiveId" clId="{82BEC481-F629-41F1-95E7-D263E5810322}" dt="2024-09-30T21:16:54.150" v="568" actId="207"/>
+          <ac:spMkLst>
+            <pc:docMk/>
+            <pc:sldMk cId="2839600060" sldId="259"/>
+            <ac:spMk id="3" creationId="{00000000-0000-0000-0000-000000000000}"/>
+          </ac:spMkLst>
+        </pc:spChg>
+        <pc:spChg chg="add del mod">
+          <ac:chgData name="Мария Савинова" userId="e24eaf7e9b1ed84c" providerId="LiveId" clId="{82BEC481-F629-41F1-95E7-D263E5810322}" dt="2024-09-30T20:49:58.553" v="168" actId="478"/>
+          <ac:spMkLst>
+            <pc:docMk/>
+            <pc:sldMk cId="2839600060" sldId="259"/>
+            <ac:spMk id="8" creationId="{1A8B546D-116D-4E49-87C4-F015DC94B872}"/>
+          </ac:spMkLst>
+        </pc:spChg>
+        <pc:spChg chg="add mod">
+          <ac:chgData name="Мария Савинова" userId="e24eaf7e9b1ed84c" providerId="LiveId" clId="{82BEC481-F629-41F1-95E7-D263E5810322}" dt="2024-09-30T20:50:24.246" v="197" actId="255"/>
+          <ac:spMkLst>
+            <pc:docMk/>
+            <pc:sldMk cId="2839600060" sldId="259"/>
+            <ac:spMk id="9" creationId="{51BCBF61-FCB3-4D40-A556-5F4855C3AE1A}"/>
+          </ac:spMkLst>
+        </pc:spChg>
+      </pc:sldChg>
+      <pc:sldChg chg="modSp mod">
+        <pc:chgData name="Мария Савинова" userId="e24eaf7e9b1ed84c" providerId="LiveId" clId="{82BEC481-F629-41F1-95E7-D263E5810322}" dt="2024-09-30T21:16:48.631" v="567" actId="207"/>
+        <pc:sldMkLst>
+          <pc:docMk/>
+          <pc:sldMk cId="1758739892" sldId="260"/>
+        </pc:sldMkLst>
+        <pc:spChg chg="mod">
+          <ac:chgData name="Мария Савинова" userId="e24eaf7e9b1ed84c" providerId="LiveId" clId="{82BEC481-F629-41F1-95E7-D263E5810322}" dt="2024-09-30T20:58:37.695" v="350" actId="255"/>
+          <ac:spMkLst>
+            <pc:docMk/>
+            <pc:sldMk cId="1758739892" sldId="260"/>
+            <ac:spMk id="2" creationId="{00000000-0000-0000-0000-000000000000}"/>
+          </ac:spMkLst>
+        </pc:spChg>
+        <pc:spChg chg="mod">
+          <ac:chgData name="Мария Савинова" userId="e24eaf7e9b1ed84c" providerId="LiveId" clId="{82BEC481-F629-41F1-95E7-D263E5810322}" dt="2024-09-30T21:16:48.631" v="567" actId="207"/>
+          <ac:spMkLst>
+            <pc:docMk/>
+            <pc:sldMk cId="1758739892" sldId="260"/>
+            <ac:spMk id="3" creationId="{00000000-0000-0000-0000-000000000000}"/>
+          </ac:spMkLst>
+        </pc:spChg>
+      </pc:sldChg>
+      <pc:sldChg chg="addSp delSp modSp mod">
+        <pc:chgData name="Мария Савинова" userId="e24eaf7e9b1ed84c" providerId="LiveId" clId="{82BEC481-F629-41F1-95E7-D263E5810322}" dt="2024-09-30T21:50:50.430" v="1097" actId="207"/>
+        <pc:sldMkLst>
+          <pc:docMk/>
+          <pc:sldMk cId="600860783" sldId="261"/>
+        </pc:sldMkLst>
+        <pc:spChg chg="mod">
+          <ac:chgData name="Мария Савинова" userId="e24eaf7e9b1ed84c" providerId="LiveId" clId="{82BEC481-F629-41F1-95E7-D263E5810322}" dt="2024-09-30T21:19:26.588" v="637" actId="255"/>
+          <ac:spMkLst>
+            <pc:docMk/>
+            <pc:sldMk cId="600860783" sldId="261"/>
+            <ac:spMk id="2" creationId="{00000000-0000-0000-0000-000000000000}"/>
+          </ac:spMkLst>
+        </pc:spChg>
+        <pc:spChg chg="add del mod">
+          <ac:chgData name="Мария Савинова" userId="e24eaf7e9b1ed84c" providerId="LiveId" clId="{82BEC481-F629-41F1-95E7-D263E5810322}" dt="2024-09-30T21:50:50.430" v="1097" actId="207"/>
+          <ac:spMkLst>
+            <pc:docMk/>
+            <pc:sldMk cId="600860783" sldId="261"/>
+            <ac:spMk id="3" creationId="{00000000-0000-0000-0000-000000000000}"/>
+          </ac:spMkLst>
+        </pc:spChg>
+        <pc:spChg chg="add del mod">
+          <ac:chgData name="Мария Савинова" userId="e24eaf7e9b1ed84c" providerId="LiveId" clId="{82BEC481-F629-41F1-95E7-D263E5810322}" dt="2024-09-30T21:48:39.762" v="1058" actId="22"/>
+          <ac:spMkLst>
+            <pc:docMk/>
+            <pc:sldMk cId="600860783" sldId="261"/>
+            <ac:spMk id="10" creationId="{B13FCCE0-7192-4530-8DF3-EFC2F04EBF10}"/>
+          </ac:spMkLst>
+        </pc:spChg>
+        <pc:graphicFrameChg chg="add del mod">
+          <ac:chgData name="Мария Савинова" userId="e24eaf7e9b1ed84c" providerId="LiveId" clId="{82BEC481-F629-41F1-95E7-D263E5810322}" dt="2024-09-30T21:48:40.367" v="1059" actId="12084"/>
+          <ac:graphicFrameMkLst>
+            <pc:docMk/>
+            <pc:sldMk cId="600860783" sldId="261"/>
+            <ac:graphicFrameMk id="6" creationId="{8E501619-0913-4D1B-BC93-F6F5214062A3}"/>
+          </ac:graphicFrameMkLst>
+        </pc:graphicFrameChg>
+        <pc:picChg chg="del">
+          <ac:chgData name="Мария Савинова" userId="e24eaf7e9b1ed84c" providerId="LiveId" clId="{82BEC481-F629-41F1-95E7-D263E5810322}" dt="2024-09-30T21:19:16.070" v="627" actId="478"/>
+          <ac:picMkLst>
+            <pc:docMk/>
+            <pc:sldMk cId="600860783" sldId="261"/>
+            <ac:picMk id="12" creationId="{3C7851B5-3554-480E-BE26-3BB8F8EB47A8}"/>
+          </ac:picMkLst>
+        </pc:picChg>
+      </pc:sldChg>
+      <pc:sldChg chg="modSp mod">
+        <pc:chgData name="Мария Савинова" userId="e24eaf7e9b1ed84c" providerId="LiveId" clId="{82BEC481-F629-41F1-95E7-D263E5810322}" dt="2024-09-30T21:38:13.760" v="927" actId="207"/>
+        <pc:sldMkLst>
+          <pc:docMk/>
+          <pc:sldMk cId="2293707358" sldId="262"/>
+        </pc:sldMkLst>
+        <pc:spChg chg="mod">
+          <ac:chgData name="Мария Савинова" userId="e24eaf7e9b1ed84c" providerId="LiveId" clId="{82BEC481-F629-41F1-95E7-D263E5810322}" dt="2024-09-30T21:22:53.898" v="649"/>
+          <ac:spMkLst>
+            <pc:docMk/>
+            <pc:sldMk cId="2293707358" sldId="262"/>
+            <ac:spMk id="2" creationId="{00000000-0000-0000-0000-000000000000}"/>
+          </ac:spMkLst>
+        </pc:spChg>
+        <pc:spChg chg="mod">
+          <ac:chgData name="Мария Савинова" userId="e24eaf7e9b1ed84c" providerId="LiveId" clId="{82BEC481-F629-41F1-95E7-D263E5810322}" dt="2024-09-30T21:38:13.760" v="927" actId="207"/>
+          <ac:spMkLst>
+            <pc:docMk/>
+            <pc:sldMk cId="2293707358" sldId="262"/>
+            <ac:spMk id="3" creationId="{00000000-0000-0000-0000-000000000000}"/>
+          </ac:spMkLst>
+        </pc:spChg>
+      </pc:sldChg>
+      <pc:sldChg chg="del">
+        <pc:chgData name="Мария Савинова" userId="e24eaf7e9b1ed84c" providerId="LiveId" clId="{82BEC481-F629-41F1-95E7-D263E5810322}" dt="2024-09-30T21:40:37.238" v="936" actId="47"/>
+        <pc:sldMkLst>
+          <pc:docMk/>
+          <pc:sldMk cId="3632604304" sldId="263"/>
+        </pc:sldMkLst>
+      </pc:sldChg>
+      <pc:sldChg chg="del">
+        <pc:chgData name="Мария Савинова" userId="e24eaf7e9b1ed84c" providerId="LiveId" clId="{82BEC481-F629-41F1-95E7-D263E5810322}" dt="2024-09-30T21:40:38.383" v="937" actId="47"/>
+        <pc:sldMkLst>
+          <pc:docMk/>
+          <pc:sldMk cId="36148254" sldId="264"/>
+        </pc:sldMkLst>
+      </pc:sldChg>
+      <pc:sldChg chg="del">
+        <pc:chgData name="Мария Савинова" userId="e24eaf7e9b1ed84c" providerId="LiveId" clId="{82BEC481-F629-41F1-95E7-D263E5810322}" dt="2024-09-30T21:40:39.240" v="938" actId="47"/>
+        <pc:sldMkLst>
+          <pc:docMk/>
+          <pc:sldMk cId="2299204813" sldId="265"/>
+        </pc:sldMkLst>
+      </pc:sldChg>
+      <pc:sldChg chg="addSp delSp modSp mod">
+        <pc:chgData name="Мария Савинова" userId="e24eaf7e9b1ed84c" providerId="LiveId" clId="{82BEC481-F629-41F1-95E7-D263E5810322}" dt="2024-09-30T21:19:04.881" v="621" actId="478"/>
+        <pc:sldMkLst>
+          <pc:docMk/>
+          <pc:sldMk cId="3551373186" sldId="268"/>
+        </pc:sldMkLst>
+        <pc:spChg chg="mod">
+          <ac:chgData name="Мария Савинова" userId="e24eaf7e9b1ed84c" providerId="LiveId" clId="{82BEC481-F629-41F1-95E7-D263E5810322}" dt="2024-09-30T21:04:08.154" v="435" actId="20577"/>
+          <ac:spMkLst>
+            <pc:docMk/>
+            <pc:sldMk cId="3551373186" sldId="268"/>
+            <ac:spMk id="2" creationId="{00000000-0000-0000-0000-000000000000}"/>
+          </ac:spMkLst>
+        </pc:spChg>
+        <pc:spChg chg="mod">
+          <ac:chgData name="Мария Савинова" userId="e24eaf7e9b1ed84c" providerId="LiveId" clId="{82BEC481-F629-41F1-95E7-D263E5810322}" dt="2024-09-30T21:18:05.734" v="589" actId="20577"/>
+          <ac:spMkLst>
+            <pc:docMk/>
+            <pc:sldMk cId="3551373186" sldId="268"/>
+            <ac:spMk id="3" creationId="{00000000-0000-0000-0000-000000000000}"/>
+          </ac:spMkLst>
+        </pc:spChg>
+        <pc:spChg chg="add del mod">
+          <ac:chgData name="Мария Савинова" userId="e24eaf7e9b1ed84c" providerId="LiveId" clId="{82BEC481-F629-41F1-95E7-D263E5810322}" dt="2024-09-30T21:17:41.374" v="570" actId="478"/>
+          <ac:spMkLst>
+            <pc:docMk/>
+            <pc:sldMk cId="3551373186" sldId="268"/>
+            <ac:spMk id="9" creationId="{3A88AC73-20C9-4D6C-9669-2423BE508CDE}"/>
+          </ac:spMkLst>
+        </pc:spChg>
+        <pc:spChg chg="add del mod">
+          <ac:chgData name="Мария Савинова" userId="e24eaf7e9b1ed84c" providerId="LiveId" clId="{82BEC481-F629-41F1-95E7-D263E5810322}" dt="2024-09-30T21:19:04.881" v="621" actId="478"/>
+          <ac:spMkLst>
+            <pc:docMk/>
+            <pc:sldMk cId="3551373186" sldId="268"/>
+            <ac:spMk id="11" creationId="{FFFE86F1-5558-4A28-9B60-028EA404AEC3}"/>
+          </ac:spMkLst>
+        </pc:spChg>
+        <pc:picChg chg="del">
+          <ac:chgData name="Мария Савинова" userId="e24eaf7e9b1ed84c" providerId="LiveId" clId="{82BEC481-F629-41F1-95E7-D263E5810322}" dt="2024-09-30T21:04:10.175" v="436" actId="478"/>
+          <ac:picMkLst>
+            <pc:docMk/>
+            <pc:sldMk cId="3551373186" sldId="268"/>
+            <ac:picMk id="8" creationId="{D8BA093B-DDAC-4953-BA84-FAB983FB2288}"/>
+          </ac:picMkLst>
+        </pc:picChg>
+      </pc:sldChg>
+      <pc:sldChg chg="modSp mod">
+        <pc:chgData name="Мария Савинова" userId="e24eaf7e9b1ed84c" providerId="LiveId" clId="{82BEC481-F629-41F1-95E7-D263E5810322}" dt="2024-09-30T21:42:10.419" v="973" actId="242"/>
+        <pc:sldMkLst>
+          <pc:docMk/>
+          <pc:sldMk cId="2023720995" sldId="269"/>
+        </pc:sldMkLst>
+        <pc:spChg chg="mod">
+          <ac:chgData name="Мария Савинова" userId="e24eaf7e9b1ed84c" providerId="LiveId" clId="{82BEC481-F629-41F1-95E7-D263E5810322}" dt="2024-09-30T21:42:10.419" v="973" actId="242"/>
+          <ac:spMkLst>
+            <pc:docMk/>
+            <pc:sldMk cId="2023720995" sldId="269"/>
+            <ac:spMk id="3" creationId="{00000000-0000-0000-0000-000000000000}"/>
+          </ac:spMkLst>
+        </pc:spChg>
+      </pc:sldChg>
+      <pc:sldChg chg="addSp delSp modSp mod">
+        <pc:chgData name="Мария Савинова" userId="e24eaf7e9b1ed84c" providerId="LiveId" clId="{82BEC481-F629-41F1-95E7-D263E5810322}" dt="2024-09-30T21:37:29.271" v="919" actId="207"/>
+        <pc:sldMkLst>
+          <pc:docMk/>
+          <pc:sldMk cId="1268225968" sldId="270"/>
+        </pc:sldMkLst>
+        <pc:spChg chg="mod">
+          <ac:chgData name="Мария Савинова" userId="e24eaf7e9b1ed84c" providerId="LiveId" clId="{82BEC481-F629-41F1-95E7-D263E5810322}" dt="2024-09-30T21:30:53.539" v="767" actId="255"/>
+          <ac:spMkLst>
+            <pc:docMk/>
+            <pc:sldMk cId="1268225968" sldId="270"/>
+            <ac:spMk id="2" creationId="{00000000-0000-0000-0000-000000000000}"/>
+          </ac:spMkLst>
+        </pc:spChg>
+        <pc:spChg chg="del">
+          <ac:chgData name="Мария Савинова" userId="e24eaf7e9b1ed84c" providerId="LiveId" clId="{82BEC481-F629-41F1-95E7-D263E5810322}" dt="2024-09-30T21:30:35" v="764" actId="478"/>
+          <ac:spMkLst>
+            <pc:docMk/>
+            <pc:sldMk cId="1268225968" sldId="270"/>
+            <ac:spMk id="3" creationId="{00000000-0000-0000-0000-000000000000}"/>
+          </ac:spMkLst>
+        </pc:spChg>
+        <pc:spChg chg="add mod">
+          <ac:chgData name="Мария Савинова" userId="e24eaf7e9b1ed84c" providerId="LiveId" clId="{82BEC481-F629-41F1-95E7-D263E5810322}" dt="2024-09-30T21:37:29.271" v="919" actId="207"/>
+          <ac:spMkLst>
+            <pc:docMk/>
+            <pc:sldMk cId="1268225968" sldId="270"/>
+            <ac:spMk id="8" creationId="{A227D1F5-EE09-4BAB-8EF1-3AC29685FF88}"/>
+          </ac:spMkLst>
+        </pc:spChg>
+        <pc:picChg chg="del">
+          <ac:chgData name="Мария Савинова" userId="e24eaf7e9b1ed84c" providerId="LiveId" clId="{82BEC481-F629-41F1-95E7-D263E5810322}" dt="2024-09-30T21:30:31.285" v="763" actId="478"/>
+          <ac:picMkLst>
+            <pc:docMk/>
+            <pc:sldMk cId="1268225968" sldId="270"/>
+            <ac:picMk id="12" creationId="{3F1EB2CD-076C-49FD-891B-CE588A6566AA}"/>
+          </ac:picMkLst>
+        </pc:picChg>
+      </pc:sldChg>
+      <pc:sldChg chg="del">
+        <pc:chgData name="Мария Савинова" userId="e24eaf7e9b1ed84c" providerId="LiveId" clId="{82BEC481-F629-41F1-95E7-D263E5810322}" dt="2024-09-30T21:40:39.764" v="939" actId="47"/>
+        <pc:sldMkLst>
+          <pc:docMk/>
+          <pc:sldMk cId="1773754508" sldId="271"/>
+        </pc:sldMkLst>
+      </pc:sldChg>
+      <pc:sldChg chg="addSp delSp modSp mod">
+        <pc:chgData name="Мария Савинова" userId="e24eaf7e9b1ed84c" providerId="LiveId" clId="{82BEC481-F629-41F1-95E7-D263E5810322}" dt="2024-10-01T08:15:56.370" v="1158" actId="242"/>
+        <pc:sldMkLst>
+          <pc:docMk/>
+          <pc:sldMk cId="2214237742" sldId="272"/>
+        </pc:sldMkLst>
+        <pc:spChg chg="mod">
+          <ac:chgData name="Мария Савинова" userId="e24eaf7e9b1ed84c" providerId="LiveId" clId="{82BEC481-F629-41F1-95E7-D263E5810322}" dt="2024-09-30T21:40:06.719" v="930" actId="20577"/>
+          <ac:spMkLst>
+            <pc:docMk/>
+            <pc:sldMk cId="2214237742" sldId="272"/>
+            <ac:spMk id="2" creationId="{00000000-0000-0000-0000-000000000000}"/>
+          </ac:spMkLst>
+        </pc:spChg>
+        <pc:spChg chg="del">
+          <ac:chgData name="Мария Савинова" userId="e24eaf7e9b1ed84c" providerId="LiveId" clId="{82BEC481-F629-41F1-95E7-D263E5810322}" dt="2024-09-30T21:40:15.612" v="934" actId="478"/>
+          <ac:spMkLst>
+            <pc:docMk/>
+            <pc:sldMk cId="2214237742" sldId="272"/>
+            <ac:spMk id="3" creationId="{00000000-0000-0000-0000-000000000000}"/>
+          </ac:spMkLst>
+        </pc:spChg>
+        <pc:spChg chg="del">
+          <ac:chgData name="Мария Савинова" userId="e24eaf7e9b1ed84c" providerId="LiveId" clId="{82BEC481-F629-41F1-95E7-D263E5810322}" dt="2024-09-30T21:40:12.168" v="932" actId="478"/>
+          <ac:spMkLst>
+            <pc:docMk/>
+            <pc:sldMk cId="2214237742" sldId="272"/>
+            <ac:spMk id="8" creationId="{426C69A6-A2F1-40A8-B889-C63B1AE0A2E3}"/>
+          </ac:spMkLst>
+        </pc:spChg>
+        <pc:spChg chg="add mod">
+          <ac:chgData name="Мария Савинова" userId="e24eaf7e9b1ed84c" providerId="LiveId" clId="{82BEC481-F629-41F1-95E7-D263E5810322}" dt="2024-10-01T08:15:56.370" v="1158" actId="242"/>
+          <ac:spMkLst>
+            <pc:docMk/>
+            <pc:sldMk cId="2214237742" sldId="272"/>
+            <ac:spMk id="9" creationId="{35FF70C8-7562-46A9-9709-8669F194B77B}"/>
+          </ac:spMkLst>
+        </pc:spChg>
+        <pc:spChg chg="del">
+          <ac:chgData name="Мария Савинова" userId="e24eaf7e9b1ed84c" providerId="LiveId" clId="{82BEC481-F629-41F1-95E7-D263E5810322}" dt="2024-09-30T21:40:13.719" v="933" actId="478"/>
+          <ac:spMkLst>
+            <pc:docMk/>
+            <pc:sldMk cId="2214237742" sldId="272"/>
+            <ac:spMk id="10" creationId="{CA34E12E-4C3B-42AE-966D-48234B6733F0}"/>
+          </ac:spMkLst>
+        </pc:spChg>
+        <pc:spChg chg="del">
+          <ac:chgData name="Мария Савинова" userId="e24eaf7e9b1ed84c" providerId="LiveId" clId="{82BEC481-F629-41F1-95E7-D263E5810322}" dt="2024-09-30T21:40:10.456" v="931" actId="478"/>
+          <ac:spMkLst>
+            <pc:docMk/>
+            <pc:sldMk cId="2214237742" sldId="272"/>
+            <ac:spMk id="13" creationId="{8EB44BDF-E5AA-4176-B86D-E881FC5501F9}"/>
+          </ac:spMkLst>
+        </pc:spChg>
+      </pc:sldChg>
+      <pc:sldChg chg="del">
+        <pc:chgData name="Мария Савинова" userId="e24eaf7e9b1ed84c" providerId="LiveId" clId="{82BEC481-F629-41F1-95E7-D263E5810322}" dt="2024-09-30T21:40:40.879" v="940" actId="47"/>
+        <pc:sldMkLst>
+          <pc:docMk/>
+          <pc:sldMk cId="1900805023" sldId="273"/>
+        </pc:sldMkLst>
+      </pc:sldChg>
+      <pc:sldChg chg="addSp modSp add mod">
+        <pc:chgData name="Мария Савинова" userId="e24eaf7e9b1ed84c" providerId="LiveId" clId="{82BEC481-F629-41F1-95E7-D263E5810322}" dt="2024-10-01T08:21:59.027" v="1215" actId="207"/>
+        <pc:sldMkLst>
+          <pc:docMk/>
+          <pc:sldMk cId="1759888321" sldId="274"/>
+        </pc:sldMkLst>
+        <pc:spChg chg="mod">
+          <ac:chgData name="Мария Савинова" userId="e24eaf7e9b1ed84c" providerId="LiveId" clId="{82BEC481-F629-41F1-95E7-D263E5810322}" dt="2024-10-01T08:21:59.027" v="1215" actId="207"/>
+          <ac:spMkLst>
+            <pc:docMk/>
+            <pc:sldMk cId="1759888321" sldId="274"/>
+            <ac:spMk id="9" creationId="{35FF70C8-7562-46A9-9709-8669F194B77B}"/>
+          </ac:spMkLst>
+        </pc:spChg>
+        <pc:picChg chg="add mod">
+          <ac:chgData name="Мария Савинова" userId="e24eaf7e9b1ed84c" providerId="LiveId" clId="{82BEC481-F629-41F1-95E7-D263E5810322}" dt="2024-10-01T08:17:25.273" v="1176" actId="1076"/>
+          <ac:picMkLst>
+            <pc:docMk/>
+            <pc:sldMk cId="1759888321" sldId="274"/>
+            <ac:picMk id="6" creationId="{35A904AA-3B4C-48F3-8736-A85AB5942329}"/>
+          </ac:picMkLst>
+        </pc:picChg>
+      </pc:sldChg>
+      <pc:sldChg chg="modSp add mod">
+        <pc:chgData name="Мария Савинова" userId="e24eaf7e9b1ed84c" providerId="LiveId" clId="{82BEC481-F629-41F1-95E7-D263E5810322}" dt="2024-09-30T21:51:16.202" v="1100" actId="207"/>
+        <pc:sldMkLst>
+          <pc:docMk/>
+          <pc:sldMk cId="1818109047" sldId="275"/>
+        </pc:sldMkLst>
+        <pc:spChg chg="mod">
+          <ac:chgData name="Мария Савинова" userId="e24eaf7e9b1ed84c" providerId="LiveId" clId="{82BEC481-F629-41F1-95E7-D263E5810322}" dt="2024-09-30T21:51:16.202" v="1100" actId="207"/>
+          <ac:spMkLst>
+            <pc:docMk/>
+            <pc:sldMk cId="1818109047" sldId="275"/>
+            <ac:spMk id="3" creationId="{00000000-0000-0000-0000-000000000000}"/>
           </ac:spMkLst>
         </pc:spChg>
       </pc:sldChg>
@@ -1123,7 +1535,7 @@
             <a:fld id="{C65AC966-90DC-47D7-B999-4B8AD4DFB48E}" type="datetimeFigureOut">
               <a:rPr lang="ru-RU" smtClean="0"/>
               <a:pPr/>
-              <a:t>25.09.2024</a:t>
+              <a:t>01.10.2024</a:t>
             </a:fld>
             <a:endParaRPr lang="ru-RU" dirty="0"/>
           </a:p>
@@ -1553,7 +1965,7 @@
     </p:spTree>
     <p:extLst>
       <p:ext uri="{BB962C8B-B14F-4D97-AF65-F5344CB8AC3E}">
-        <p14:creationId xmlns:p14="http://schemas.microsoft.com/office/powerpoint/2010/main" val="2825640308"/>
+        <p14:creationId xmlns:p14="http://schemas.microsoft.com/office/powerpoint/2010/main" val="4208627764"/>
       </p:ext>
     </p:extLst>
   </p:cSld>
@@ -1637,7 +2049,7 @@
     </p:spTree>
     <p:extLst>
       <p:ext uri="{BB962C8B-B14F-4D97-AF65-F5344CB8AC3E}">
-        <p14:creationId xmlns:p14="http://schemas.microsoft.com/office/powerpoint/2010/main" val="2253522954"/>
+        <p14:creationId xmlns:p14="http://schemas.microsoft.com/office/powerpoint/2010/main" val="2825640308"/>
       </p:ext>
     </p:extLst>
   </p:cSld>
@@ -1721,7 +2133,7 @@
     </p:spTree>
     <p:extLst>
       <p:ext uri="{BB962C8B-B14F-4D97-AF65-F5344CB8AC3E}">
-        <p14:creationId xmlns:p14="http://schemas.microsoft.com/office/powerpoint/2010/main" val="4198363041"/>
+        <p14:creationId xmlns:p14="http://schemas.microsoft.com/office/powerpoint/2010/main" val="257841126"/>
       </p:ext>
     </p:extLst>
   </p:cSld>
@@ -1805,7 +2217,7 @@
     </p:spTree>
     <p:extLst>
       <p:ext uri="{BB962C8B-B14F-4D97-AF65-F5344CB8AC3E}">
-        <p14:creationId xmlns:p14="http://schemas.microsoft.com/office/powerpoint/2010/main" val="316091197"/>
+        <p14:creationId xmlns:p14="http://schemas.microsoft.com/office/powerpoint/2010/main" val="1113517491"/>
       </p:ext>
     </p:extLst>
   </p:cSld>
@@ -1881,258 +2293,6 @@
             <a:fld id="{2C580A59-B265-4FF3-9170-5C16494D3846}" type="slidenum">
               <a:rPr lang="ru-RU" smtClean="0"/>
               <a:t>14</a:t>
-            </a:fld>
-            <a:endParaRPr lang="ru-RU"/>
-          </a:p>
-        </p:txBody>
-      </p:sp>
-    </p:spTree>
-    <p:extLst>
-      <p:ext uri="{BB962C8B-B14F-4D97-AF65-F5344CB8AC3E}">
-        <p14:creationId xmlns:p14="http://schemas.microsoft.com/office/powerpoint/2010/main" val="3037284497"/>
-      </p:ext>
-    </p:extLst>
-  </p:cSld>
-  <p:clrMapOvr>
-    <a:masterClrMapping/>
-  </p:clrMapOvr>
-</p:notes>
-</file>
-
-<file path=ppt/notesSlides/notesSlide15.xml><?xml version="1.0" encoding="utf-8"?>
-<p:notes xmlns:a="http://schemas.openxmlformats.org/drawingml/2006/main" xmlns:r="http://schemas.openxmlformats.org/officeDocument/2006/relationships" xmlns:p="http://schemas.openxmlformats.org/presentationml/2006/main">
-  <p:cSld>
-    <p:spTree>
-      <p:nvGrpSpPr>
-        <p:cNvPr id="1" name=""/>
-        <p:cNvGrpSpPr/>
-        <p:nvPr/>
-      </p:nvGrpSpPr>
-      <p:grpSpPr>
-        <a:xfrm>
-          <a:off x="0" y="0"/>
-          <a:ext cx="0" cy="0"/>
-          <a:chOff x="0" y="0"/>
-          <a:chExt cx="0" cy="0"/>
-        </a:xfrm>
-      </p:grpSpPr>
-      <p:sp>
-        <p:nvSpPr>
-          <p:cNvPr id="2" name="Образ слайда 1"/>
-          <p:cNvSpPr>
-            <a:spLocks noGrp="1" noRot="1" noChangeAspect="1"/>
-          </p:cNvSpPr>
-          <p:nvPr>
-            <p:ph type="sldImg"/>
-          </p:nvPr>
-        </p:nvSpPr>
-        <p:spPr/>
-      </p:sp>
-      <p:sp>
-        <p:nvSpPr>
-          <p:cNvPr id="3" name="Заметки 2"/>
-          <p:cNvSpPr>
-            <a:spLocks noGrp="1"/>
-          </p:cNvSpPr>
-          <p:nvPr>
-            <p:ph type="body" idx="1"/>
-          </p:nvPr>
-        </p:nvSpPr>
-        <p:spPr/>
-        <p:txBody>
-          <a:bodyPr/>
-          <a:lstStyle/>
-          <a:p>
-            <a:endParaRPr lang="ru-RU"/>
-          </a:p>
-        </p:txBody>
-      </p:sp>
-      <p:sp>
-        <p:nvSpPr>
-          <p:cNvPr id="4" name="Номер слайда 3"/>
-          <p:cNvSpPr>
-            <a:spLocks noGrp="1"/>
-          </p:cNvSpPr>
-          <p:nvPr>
-            <p:ph type="sldNum" sz="quarter" idx="10"/>
-          </p:nvPr>
-        </p:nvSpPr>
-        <p:spPr/>
-        <p:txBody>
-          <a:bodyPr/>
-          <a:lstStyle/>
-          <a:p>
-            <a:fld id="{2C580A59-B265-4FF3-9170-5C16494D3846}" type="slidenum">
-              <a:rPr lang="ru-RU" smtClean="0"/>
-              <a:t>15</a:t>
-            </a:fld>
-            <a:endParaRPr lang="ru-RU"/>
-          </a:p>
-        </p:txBody>
-      </p:sp>
-    </p:spTree>
-    <p:extLst>
-      <p:ext uri="{BB962C8B-B14F-4D97-AF65-F5344CB8AC3E}">
-        <p14:creationId xmlns:p14="http://schemas.microsoft.com/office/powerpoint/2010/main" val="352740653"/>
-      </p:ext>
-    </p:extLst>
-  </p:cSld>
-  <p:clrMapOvr>
-    <a:masterClrMapping/>
-  </p:clrMapOvr>
-</p:notes>
-</file>
-
-<file path=ppt/notesSlides/notesSlide16.xml><?xml version="1.0" encoding="utf-8"?>
-<p:notes xmlns:a="http://schemas.openxmlformats.org/drawingml/2006/main" xmlns:r="http://schemas.openxmlformats.org/officeDocument/2006/relationships" xmlns:p="http://schemas.openxmlformats.org/presentationml/2006/main">
-  <p:cSld>
-    <p:spTree>
-      <p:nvGrpSpPr>
-        <p:cNvPr id="1" name=""/>
-        <p:cNvGrpSpPr/>
-        <p:nvPr/>
-      </p:nvGrpSpPr>
-      <p:grpSpPr>
-        <a:xfrm>
-          <a:off x="0" y="0"/>
-          <a:ext cx="0" cy="0"/>
-          <a:chOff x="0" y="0"/>
-          <a:chExt cx="0" cy="0"/>
-        </a:xfrm>
-      </p:grpSpPr>
-      <p:sp>
-        <p:nvSpPr>
-          <p:cNvPr id="2" name="Образ слайда 1"/>
-          <p:cNvSpPr>
-            <a:spLocks noGrp="1" noRot="1" noChangeAspect="1"/>
-          </p:cNvSpPr>
-          <p:nvPr>
-            <p:ph type="sldImg"/>
-          </p:nvPr>
-        </p:nvSpPr>
-        <p:spPr/>
-      </p:sp>
-      <p:sp>
-        <p:nvSpPr>
-          <p:cNvPr id="3" name="Заметки 2"/>
-          <p:cNvSpPr>
-            <a:spLocks noGrp="1"/>
-          </p:cNvSpPr>
-          <p:nvPr>
-            <p:ph type="body" idx="1"/>
-          </p:nvPr>
-        </p:nvSpPr>
-        <p:spPr/>
-        <p:txBody>
-          <a:bodyPr/>
-          <a:lstStyle/>
-          <a:p>
-            <a:endParaRPr lang="ru-RU"/>
-          </a:p>
-        </p:txBody>
-      </p:sp>
-      <p:sp>
-        <p:nvSpPr>
-          <p:cNvPr id="4" name="Номер слайда 3"/>
-          <p:cNvSpPr>
-            <a:spLocks noGrp="1"/>
-          </p:cNvSpPr>
-          <p:nvPr>
-            <p:ph type="sldNum" sz="quarter" idx="10"/>
-          </p:nvPr>
-        </p:nvSpPr>
-        <p:spPr/>
-        <p:txBody>
-          <a:bodyPr/>
-          <a:lstStyle/>
-          <a:p>
-            <a:fld id="{2C580A59-B265-4FF3-9170-5C16494D3846}" type="slidenum">
-              <a:rPr lang="ru-RU" smtClean="0"/>
-              <a:t>16</a:t>
-            </a:fld>
-            <a:endParaRPr lang="ru-RU"/>
-          </a:p>
-        </p:txBody>
-      </p:sp>
-    </p:spTree>
-    <p:extLst>
-      <p:ext uri="{BB962C8B-B14F-4D97-AF65-F5344CB8AC3E}">
-        <p14:creationId xmlns:p14="http://schemas.microsoft.com/office/powerpoint/2010/main" val="1113517491"/>
-      </p:ext>
-    </p:extLst>
-  </p:cSld>
-  <p:clrMapOvr>
-    <a:masterClrMapping/>
-  </p:clrMapOvr>
-</p:notes>
-</file>
-
-<file path=ppt/notesSlides/notesSlide17.xml><?xml version="1.0" encoding="utf-8"?>
-<p:notes xmlns:a="http://schemas.openxmlformats.org/drawingml/2006/main" xmlns:r="http://schemas.openxmlformats.org/officeDocument/2006/relationships" xmlns:p="http://schemas.openxmlformats.org/presentationml/2006/main">
-  <p:cSld>
-    <p:spTree>
-      <p:nvGrpSpPr>
-        <p:cNvPr id="1" name=""/>
-        <p:cNvGrpSpPr/>
-        <p:nvPr/>
-      </p:nvGrpSpPr>
-      <p:grpSpPr>
-        <a:xfrm>
-          <a:off x="0" y="0"/>
-          <a:ext cx="0" cy="0"/>
-          <a:chOff x="0" y="0"/>
-          <a:chExt cx="0" cy="0"/>
-        </a:xfrm>
-      </p:grpSpPr>
-      <p:sp>
-        <p:nvSpPr>
-          <p:cNvPr id="2" name="Образ слайда 1"/>
-          <p:cNvSpPr>
-            <a:spLocks noGrp="1" noRot="1" noChangeAspect="1"/>
-          </p:cNvSpPr>
-          <p:nvPr>
-            <p:ph type="sldImg"/>
-          </p:nvPr>
-        </p:nvSpPr>
-        <p:spPr/>
-      </p:sp>
-      <p:sp>
-        <p:nvSpPr>
-          <p:cNvPr id="3" name="Заметки 2"/>
-          <p:cNvSpPr>
-            <a:spLocks noGrp="1"/>
-          </p:cNvSpPr>
-          <p:nvPr>
-            <p:ph type="body" idx="1"/>
-          </p:nvPr>
-        </p:nvSpPr>
-        <p:spPr/>
-        <p:txBody>
-          <a:bodyPr/>
-          <a:lstStyle/>
-          <a:p>
-            <a:endParaRPr lang="ru-RU"/>
-          </a:p>
-        </p:txBody>
-      </p:sp>
-      <p:sp>
-        <p:nvSpPr>
-          <p:cNvPr id="4" name="Номер слайда 3"/>
-          <p:cNvSpPr>
-            <a:spLocks noGrp="1"/>
-          </p:cNvSpPr>
-          <p:nvPr>
-            <p:ph type="sldNum" sz="quarter" idx="10"/>
-          </p:nvPr>
-        </p:nvSpPr>
-        <p:spPr/>
-        <p:txBody>
-          <a:bodyPr/>
-          <a:lstStyle/>
-          <a:p>
-            <a:fld id="{2C580A59-B265-4FF3-9170-5C16494D3846}" type="slidenum">
-              <a:rPr lang="ru-RU" smtClean="0"/>
-              <a:t>17</a:t>
             </a:fld>
             <a:endParaRPr lang="ru-RU"/>
           </a:p>
@@ -2729,7 +2889,7 @@
     </p:spTree>
     <p:extLst>
       <p:ext uri="{BB962C8B-B14F-4D97-AF65-F5344CB8AC3E}">
-        <p14:creationId xmlns:p14="http://schemas.microsoft.com/office/powerpoint/2010/main" val="2155741999"/>
+        <p14:creationId xmlns:p14="http://schemas.microsoft.com/office/powerpoint/2010/main" val="2069019637"/>
       </p:ext>
     </p:extLst>
   </p:cSld>
@@ -2813,7 +2973,7 @@
     </p:spTree>
     <p:extLst>
       <p:ext uri="{BB962C8B-B14F-4D97-AF65-F5344CB8AC3E}">
-        <p14:creationId xmlns:p14="http://schemas.microsoft.com/office/powerpoint/2010/main" val="4208627764"/>
+        <p14:creationId xmlns:p14="http://schemas.microsoft.com/office/powerpoint/2010/main" val="2155741999"/>
       </p:ext>
     </p:extLst>
   </p:cSld>
@@ -2952,7 +3112,7 @@
           <a:p>
             <a:fld id="{ECC89CEC-ADFD-4489-90FF-547616DBC041}" type="datetime1">
               <a:rPr lang="ru-RU" smtClean="0"/>
-              <a:t>25.09.2024</a:t>
+              <a:t>01.10.2024</a:t>
             </a:fld>
             <a:endParaRPr lang="ru-RU"/>
           </a:p>
@@ -3123,7 +3283,7 @@
           <a:p>
             <a:fld id="{86B7BB86-73CF-40D4-8C7F-CA234FF7A1EB}" type="datetime1">
               <a:rPr lang="ru-RU" smtClean="0"/>
-              <a:t>25.09.2024</a:t>
+              <a:t>01.10.2024</a:t>
             </a:fld>
             <a:endParaRPr lang="ru-RU"/>
           </a:p>
@@ -3304,7 +3464,7 @@
           <a:p>
             <a:fld id="{36B73C63-5989-47F0-8A38-867659112843}" type="datetime1">
               <a:rPr lang="ru-RU" smtClean="0"/>
-              <a:t>25.09.2024</a:t>
+              <a:t>01.10.2024</a:t>
             </a:fld>
             <a:endParaRPr lang="ru-RU"/>
           </a:p>
@@ -3475,7 +3635,7 @@
           <a:p>
             <a:fld id="{3BF531FB-401D-4CE6-8E3E-F90EF76016F4}" type="datetime1">
               <a:rPr lang="ru-RU" smtClean="0"/>
-              <a:t>25.09.2024</a:t>
+              <a:t>01.10.2024</a:t>
             </a:fld>
             <a:endParaRPr lang="ru-RU"/>
           </a:p>
@@ -3723,7 +3883,7 @@
           <a:p>
             <a:fld id="{90C6E959-BFD7-4835-A209-4198B71FE91E}" type="datetime1">
               <a:rPr lang="ru-RU" smtClean="0"/>
-              <a:t>25.09.2024</a:t>
+              <a:t>01.10.2024</a:t>
             </a:fld>
             <a:endParaRPr lang="ru-RU"/>
           </a:p>
@@ -3955,7 +4115,7 @@
           <a:p>
             <a:fld id="{523FC2E9-7EB8-4737-8E9A-9590B7C8EA3D}" type="datetime1">
               <a:rPr lang="ru-RU" smtClean="0"/>
-              <a:t>25.09.2024</a:t>
+              <a:t>01.10.2024</a:t>
             </a:fld>
             <a:endParaRPr lang="ru-RU"/>
           </a:p>
@@ -4322,7 +4482,7 @@
           <a:p>
             <a:fld id="{AD9897CF-2BDA-410D-933A-6B9BAFD70E05}" type="datetime1">
               <a:rPr lang="ru-RU" smtClean="0"/>
-              <a:t>25.09.2024</a:t>
+              <a:t>01.10.2024</a:t>
             </a:fld>
             <a:endParaRPr lang="ru-RU"/>
           </a:p>
@@ -4442,7 +4602,7 @@
           <a:p>
             <a:fld id="{417622BC-58AC-4A2D-91CE-B90BE15D141D}" type="datetime1">
               <a:rPr lang="ru-RU" smtClean="0"/>
-              <a:t>25.09.2024</a:t>
+              <a:t>01.10.2024</a:t>
             </a:fld>
             <a:endParaRPr lang="ru-RU"/>
           </a:p>
@@ -4540,7 +4700,7 @@
           <a:p>
             <a:fld id="{2DD411C1-03FD-4174-8B29-1952A17761AD}" type="datetime1">
               <a:rPr lang="ru-RU" smtClean="0"/>
-              <a:t>25.09.2024</a:t>
+              <a:t>01.10.2024</a:t>
             </a:fld>
             <a:endParaRPr lang="ru-RU"/>
           </a:p>
@@ -4818,7 +4978,7 @@
           <a:p>
             <a:fld id="{8CD6FCDF-025A-4558-B7C0-9D70D2EBCE6F}" type="datetime1">
               <a:rPr lang="ru-RU" smtClean="0"/>
-              <a:t>25.09.2024</a:t>
+              <a:t>01.10.2024</a:t>
             </a:fld>
             <a:endParaRPr lang="ru-RU"/>
           </a:p>
@@ -5073,7 +5233,7 @@
           <a:p>
             <a:fld id="{4636EB14-F614-45DD-AF15-06D5CD69D646}" type="datetime1">
               <a:rPr lang="ru-RU" smtClean="0"/>
-              <a:t>25.09.2024</a:t>
+              <a:t>01.10.2024</a:t>
             </a:fld>
             <a:endParaRPr lang="ru-RU"/>
           </a:p>
@@ -5289,7 +5449,7 @@
             <a:fld id="{149376B8-C295-4A7D-87DF-C95CA526DB0A}" type="datetime1">
               <a:rPr lang="ru-RU" smtClean="0"/>
               <a:pPr/>
-              <a:t>25.09.2024</a:t>
+              <a:t>01.10.2024</a:t>
             </a:fld>
             <a:endParaRPr lang="ru-RU" dirty="0"/>
           </a:p>
@@ -5719,7 +5879,7 @@
         </p:spPr>
         <p:txBody>
           <a:bodyPr>
-            <a:normAutofit/>
+            <a:normAutofit fontScale="90000"/>
           </a:bodyPr>
           <a:lstStyle/>
           <a:p>
@@ -5744,7 +5904,26 @@
                 <a:latin typeface="Montserrat" panose="00000500000000000000" pitchFamily="2" charset="0"/>
                 <a:cs typeface="Arial" panose="020B0604020202020204" pitchFamily="34" charset="0"/>
               </a:rPr>
-              <a:t>«Цена и рынок. Использование метода целевых издержек для обеспечения конкурентоспособности продукции»</a:t>
+              <a:t>«Цена и рынок. </a:t>
+            </a:r>
+            <a:br>
+              <a:rPr lang="ru-RU" sz="2800" b="1" dirty="0">
+                <a:solidFill>
+                  <a:srgbClr val="326CDB"/>
+                </a:solidFill>
+                <a:latin typeface="Montserrat" panose="00000500000000000000" pitchFamily="2" charset="0"/>
+                <a:cs typeface="Arial" panose="020B0604020202020204" pitchFamily="34" charset="0"/>
+              </a:rPr>
+            </a:br>
+            <a:r>
+              <a:rPr lang="ru-RU" sz="2800" b="1" dirty="0">
+                <a:solidFill>
+                  <a:srgbClr val="326CDB"/>
+                </a:solidFill>
+                <a:latin typeface="Montserrat" panose="00000500000000000000" pitchFamily="2" charset="0"/>
+                <a:cs typeface="Arial" panose="020B0604020202020204" pitchFamily="34" charset="0"/>
+              </a:rPr>
+              <a:t>Использование метода целевых издержек для обеспечения конкурентоспособности продукции»</a:t>
             </a:r>
           </a:p>
         </p:txBody>
@@ -6168,7 +6347,7 @@
                 <a:latin typeface="Montserrat" panose="00000500000000000000" pitchFamily="2" charset="0"/>
                 <a:cs typeface="Arial" panose="020B0604020202020204" pitchFamily="34" charset="0"/>
               </a:rPr>
-              <a:t>Эластичность спроса</a:t>
+              <a:t>Конкурентоспособность</a:t>
             </a:r>
             <a:br>
               <a:rPr lang="ru-RU" b="1" dirty="0">
@@ -6180,81 +6359,15 @@
               </a:rPr>
             </a:br>
             <a:r>
-              <a:rPr lang="ru-RU" sz="2800" b="1" dirty="0">
+              <a:rPr lang="ru-RU" sz="2200" b="1" dirty="0">
                 <a:solidFill>
                   <a:srgbClr val="326CDB"/>
                 </a:solidFill>
                 <a:latin typeface="Montserrat" panose="00000500000000000000" pitchFamily="2" charset="0"/>
                 <a:cs typeface="Arial" panose="020B0604020202020204" pitchFamily="34" charset="0"/>
               </a:rPr>
-              <a:t>по цене</a:t>
-            </a:r>
-          </a:p>
-        </p:txBody>
-      </p:sp>
-      <p:sp>
-        <p:nvSpPr>
-          <p:cNvPr id="3" name="Объект 2"/>
-          <p:cNvSpPr>
-            <a:spLocks noGrp="1"/>
-          </p:cNvSpPr>
-          <p:nvPr>
-            <p:ph idx="1"/>
-          </p:nvPr>
-        </p:nvSpPr>
-        <p:spPr>
-          <a:xfrm>
-            <a:off x="838200" y="2179201"/>
-            <a:ext cx="4897582" cy="1472955"/>
-          </a:xfrm>
-        </p:spPr>
-        <p:txBody>
-          <a:bodyPr>
-            <a:normAutofit/>
-          </a:bodyPr>
-          <a:lstStyle/>
-          <a:p>
-            <a:pPr marL="0" indent="0" algn="ctr">
-              <a:lnSpc>
-                <a:spcPct val="100000"/>
-              </a:lnSpc>
-              <a:buNone/>
-            </a:pPr>
-            <a:r>
-              <a:rPr lang="ru-RU" sz="1800" b="1" dirty="0">
-                <a:solidFill>
-                  <a:srgbClr val="326CDB"/>
-                </a:solidFill>
-                <a:latin typeface="Montserrat" panose="00000500000000000000" pitchFamily="2" charset="0"/>
-              </a:rPr>
-              <a:t>Неэластичный спрос</a:t>
-            </a:r>
-          </a:p>
-          <a:p>
-            <a:pPr marL="0" indent="0" algn="ctr">
-              <a:lnSpc>
-                <a:spcPct val="100000"/>
-              </a:lnSpc>
-              <a:buNone/>
-            </a:pPr>
-            <a:r>
-              <a:rPr lang="ru-RU" sz="1800" dirty="0">
-                <a:solidFill>
-                  <a:schemeClr val="bg1">
-                    <a:lumMod val="50000"/>
-                  </a:schemeClr>
-                </a:solidFill>
-                <a:latin typeface="Montserrat" panose="00000500000000000000" pitchFamily="2" charset="0"/>
-              </a:rPr>
-              <a:t>базовые лекарства, молоко, крупы, хлеб, соль, сахар</a:t>
-            </a:r>
-            <a:endParaRPr lang="ru-RU" sz="1800" dirty="0">
-              <a:solidFill>
-                <a:schemeClr val="bg1">
-                  <a:lumMod val="50000"/>
-                </a:schemeClr>
-              </a:solidFill>
-            </a:endParaRPr>
+              <a:t>Оценка и определение уровня конкурентоспособности</a:t>
+            </a:r>
           </a:p>
         </p:txBody>
       </p:sp>
@@ -6355,413 +6468,127 @@
       </p:pic>
       <p:sp>
         <p:nvSpPr>
-          <p:cNvPr id="8" name="Объект 2">
+          <p:cNvPr id="8" name="Объект 7">
             <a:extLst>
               <a:ext uri="{FF2B5EF4-FFF2-40B4-BE49-F238E27FC236}">
-                <a16:creationId xmlns:a16="http://schemas.microsoft.com/office/drawing/2014/main" id="{426C69A6-A2F1-40A8-B889-C63B1AE0A2E3}"/>
+                <a16:creationId xmlns:a16="http://schemas.microsoft.com/office/drawing/2014/main" id="{A227D1F5-EE09-4BAB-8EF1-3AC29685FF88}"/>
               </a:ext>
             </a:extLst>
           </p:cNvPr>
-          <p:cNvSpPr txBox="1">
-            <a:spLocks/>
-          </p:cNvSpPr>
-          <p:nvPr/>
-        </p:nvSpPr>
-        <p:spPr>
-          <a:xfrm>
-            <a:off x="6096000" y="2179201"/>
-            <a:ext cx="4897582" cy="1472955"/>
-          </a:xfrm>
-          <a:prstGeom prst="rect">
-            <a:avLst/>
-          </a:prstGeom>
-        </p:spPr>
-        <p:txBody>
-          <a:bodyPr vert="horz" lIns="91440" tIns="45720" rIns="91440" bIns="45720" rtlCol="0">
+          <p:cNvSpPr>
+            <a:spLocks noGrp="1"/>
+          </p:cNvSpPr>
+          <p:nvPr>
+            <p:ph idx="1"/>
+          </p:nvPr>
+        </p:nvSpPr>
+        <p:spPr/>
+        <p:txBody>
+          <a:bodyPr anchor="ctr">
             <a:normAutofit/>
           </a:bodyPr>
-          <a:lstStyle>
-            <a:lvl1pPr marL="228600" indent="-228600" algn="l" defTabSz="914400" rtl="0" eaLnBrk="1" latinLnBrk="0" hangingPunct="1">
-              <a:lnSpc>
-                <a:spcPct val="90000"/>
-              </a:lnSpc>
-              <a:spcBef>
-                <a:spcPts val="1000"/>
-              </a:spcBef>
-              <a:buFont typeface="Arial" panose="020B0604020202020204" pitchFamily="34" charset="0"/>
-              <a:buChar char="•"/>
-              <a:defRPr sz="2800" kern="1200">
-                <a:solidFill>
-                  <a:schemeClr val="tx1"/>
-                </a:solidFill>
-                <a:latin typeface="Montserrat" panose="00000500000000000000" pitchFamily="2" charset="0"/>
-                <a:ea typeface="+mn-ea"/>
-                <a:cs typeface="+mn-cs"/>
-              </a:defRPr>
-            </a:lvl1pPr>
-            <a:lvl2pPr marL="685800" indent="-228600" algn="l" defTabSz="914400" rtl="0" eaLnBrk="1" latinLnBrk="0" hangingPunct="1">
-              <a:lnSpc>
-                <a:spcPct val="90000"/>
-              </a:lnSpc>
-              <a:spcBef>
-                <a:spcPts val="500"/>
-              </a:spcBef>
-              <a:buFont typeface="Arial" panose="020B0604020202020204" pitchFamily="34" charset="0"/>
-              <a:buChar char="•"/>
-              <a:defRPr sz="2400" kern="1200">
-                <a:solidFill>
-                  <a:schemeClr val="tx1"/>
-                </a:solidFill>
-                <a:latin typeface="Montserrat" panose="00000500000000000000" pitchFamily="2" charset="0"/>
-                <a:ea typeface="+mn-ea"/>
-                <a:cs typeface="+mn-cs"/>
-              </a:defRPr>
-            </a:lvl2pPr>
-            <a:lvl3pPr marL="1143000" indent="-228600" algn="l" defTabSz="914400" rtl="0" eaLnBrk="1" latinLnBrk="0" hangingPunct="1">
-              <a:lnSpc>
-                <a:spcPct val="90000"/>
-              </a:lnSpc>
-              <a:spcBef>
-                <a:spcPts val="500"/>
-              </a:spcBef>
-              <a:buFont typeface="Arial" panose="020B0604020202020204" pitchFamily="34" charset="0"/>
-              <a:buChar char="•"/>
-              <a:defRPr sz="2000" kern="1200">
-                <a:solidFill>
-                  <a:schemeClr val="tx1"/>
-                </a:solidFill>
-                <a:latin typeface="Montserrat" panose="00000500000000000000" pitchFamily="2" charset="0"/>
-                <a:ea typeface="+mn-ea"/>
-                <a:cs typeface="+mn-cs"/>
-              </a:defRPr>
-            </a:lvl3pPr>
-            <a:lvl4pPr marL="1600200" indent="-228600" algn="l" defTabSz="914400" rtl="0" eaLnBrk="1" latinLnBrk="0" hangingPunct="1">
-              <a:lnSpc>
-                <a:spcPct val="90000"/>
-              </a:lnSpc>
-              <a:spcBef>
-                <a:spcPts val="500"/>
-              </a:spcBef>
-              <a:buFont typeface="Arial" panose="020B0604020202020204" pitchFamily="34" charset="0"/>
-              <a:buChar char="•"/>
-              <a:defRPr sz="1800" kern="1200">
-                <a:solidFill>
-                  <a:schemeClr val="tx1"/>
-                </a:solidFill>
-                <a:latin typeface="Montserrat" panose="00000500000000000000" pitchFamily="2" charset="0"/>
-                <a:ea typeface="+mn-ea"/>
-                <a:cs typeface="+mn-cs"/>
-              </a:defRPr>
-            </a:lvl4pPr>
-            <a:lvl5pPr marL="2057400" indent="-228600" algn="l" defTabSz="914400" rtl="0" eaLnBrk="1" latinLnBrk="0" hangingPunct="1">
-              <a:lnSpc>
-                <a:spcPct val="90000"/>
-              </a:lnSpc>
-              <a:spcBef>
-                <a:spcPts val="500"/>
-              </a:spcBef>
-              <a:buFont typeface="Arial" panose="020B0604020202020204" pitchFamily="34" charset="0"/>
-              <a:buChar char="•"/>
-              <a:defRPr sz="1800" kern="1200">
-                <a:solidFill>
-                  <a:schemeClr val="tx1"/>
-                </a:solidFill>
-                <a:latin typeface="Montserrat" panose="00000500000000000000" pitchFamily="2" charset="0"/>
-                <a:ea typeface="+mn-ea"/>
-                <a:cs typeface="+mn-cs"/>
-              </a:defRPr>
-            </a:lvl5pPr>
-            <a:lvl6pPr marL="2514600" indent="-228600" algn="l" defTabSz="914400" rtl="0" eaLnBrk="1" latinLnBrk="0" hangingPunct="1">
-              <a:lnSpc>
-                <a:spcPct val="90000"/>
-              </a:lnSpc>
-              <a:spcBef>
-                <a:spcPts val="500"/>
-              </a:spcBef>
-              <a:buFont typeface="Arial" panose="020B0604020202020204" pitchFamily="34" charset="0"/>
-              <a:buChar char="•"/>
-              <a:defRPr sz="1800" kern="1200">
-                <a:solidFill>
-                  <a:schemeClr val="tx1"/>
-                </a:solidFill>
-                <a:latin typeface="+mn-lt"/>
-                <a:ea typeface="+mn-ea"/>
-                <a:cs typeface="+mn-cs"/>
-              </a:defRPr>
-            </a:lvl6pPr>
-            <a:lvl7pPr marL="2971800" indent="-228600" algn="l" defTabSz="914400" rtl="0" eaLnBrk="1" latinLnBrk="0" hangingPunct="1">
-              <a:lnSpc>
-                <a:spcPct val="90000"/>
-              </a:lnSpc>
-              <a:spcBef>
-                <a:spcPts val="500"/>
-              </a:spcBef>
-              <a:buFont typeface="Arial" panose="020B0604020202020204" pitchFamily="34" charset="0"/>
-              <a:buChar char="•"/>
-              <a:defRPr sz="1800" kern="1200">
-                <a:solidFill>
-                  <a:schemeClr val="tx1"/>
-                </a:solidFill>
-                <a:latin typeface="+mn-lt"/>
-                <a:ea typeface="+mn-ea"/>
-                <a:cs typeface="+mn-cs"/>
-              </a:defRPr>
-            </a:lvl7pPr>
-            <a:lvl8pPr marL="3429000" indent="-228600" algn="l" defTabSz="914400" rtl="0" eaLnBrk="1" latinLnBrk="0" hangingPunct="1">
-              <a:lnSpc>
-                <a:spcPct val="90000"/>
-              </a:lnSpc>
-              <a:spcBef>
-                <a:spcPts val="500"/>
-              </a:spcBef>
-              <a:buFont typeface="Arial" panose="020B0604020202020204" pitchFamily="34" charset="0"/>
-              <a:buChar char="•"/>
-              <a:defRPr sz="1800" kern="1200">
-                <a:solidFill>
-                  <a:schemeClr val="tx1"/>
-                </a:solidFill>
-                <a:latin typeface="+mn-lt"/>
-                <a:ea typeface="+mn-ea"/>
-                <a:cs typeface="+mn-cs"/>
-              </a:defRPr>
-            </a:lvl8pPr>
-            <a:lvl9pPr marL="3886200" indent="-228600" algn="l" defTabSz="914400" rtl="0" eaLnBrk="1" latinLnBrk="0" hangingPunct="1">
-              <a:lnSpc>
-                <a:spcPct val="90000"/>
-              </a:lnSpc>
-              <a:spcBef>
-                <a:spcPts val="500"/>
-              </a:spcBef>
-              <a:buFont typeface="Arial" panose="020B0604020202020204" pitchFamily="34" charset="0"/>
-              <a:buChar char="•"/>
-              <a:defRPr sz="1800" kern="1200">
-                <a:solidFill>
-                  <a:schemeClr val="tx1"/>
-                </a:solidFill>
-                <a:latin typeface="+mn-lt"/>
-                <a:ea typeface="+mn-ea"/>
-                <a:cs typeface="+mn-cs"/>
-              </a:defRPr>
-            </a:lvl9pPr>
-          </a:lstStyle>
-          <a:p>
-            <a:pPr marL="0" indent="0" algn="ctr">
-              <a:lnSpc>
-                <a:spcPct val="100000"/>
-              </a:lnSpc>
-              <a:buFont typeface="Arial" panose="020B0604020202020204" pitchFamily="34" charset="0"/>
-              <a:buNone/>
-            </a:pPr>
-            <a:r>
-              <a:rPr lang="ru-RU" sz="1800" b="1" dirty="0">
-                <a:solidFill>
-                  <a:srgbClr val="326CDB"/>
-                </a:solidFill>
-              </a:rPr>
-              <a:t>Эластичный спрос</a:t>
-            </a:r>
-          </a:p>
-          <a:p>
-            <a:pPr marL="0" indent="0" algn="ctr">
-              <a:lnSpc>
-                <a:spcPct val="100000"/>
-              </a:lnSpc>
-              <a:buFont typeface="Arial" panose="020B0604020202020204" pitchFamily="34" charset="0"/>
-              <a:buNone/>
-            </a:pPr>
-            <a:r>
-              <a:rPr lang="ru-RU" sz="1800" dirty="0">
-                <a:solidFill>
-                  <a:schemeClr val="bg1">
-                    <a:lumMod val="50000"/>
-                  </a:schemeClr>
-                </a:solidFill>
-              </a:rPr>
-              <a:t>деликатесы, фрукты, сладости, мебель и бытовая техника, а также сфера услуг и развлечений</a:t>
-            </a:r>
-          </a:p>
-          <a:p>
-            <a:pPr marL="0" indent="0">
+          <a:lstStyle/>
+          <a:p>
+            <a:pPr>
               <a:lnSpc>
                 <a:spcPct val="150000"/>
               </a:lnSpc>
-              <a:buFont typeface="Arial" panose="020B0604020202020204" pitchFamily="34" charset="0"/>
-              <a:buNone/>
             </a:pPr>
-            <a:endParaRPr lang="ru-RU" sz="1500" dirty="0">
-              <a:solidFill>
-                <a:schemeClr val="bg1">
-                  <a:lumMod val="50000"/>
-                </a:schemeClr>
-              </a:solidFill>
-            </a:endParaRPr>
-          </a:p>
-          <a:p>
-            <a:pPr marL="0" indent="0">
+            <a:r>
+              <a:rPr lang="ru-RU" sz="1800" b="1" dirty="0">
+                <a:solidFill>
+                  <a:srgbClr val="326CDB"/>
+                </a:solidFill>
+              </a:rPr>
+              <a:t>Исследование</a:t>
+            </a:r>
+          </a:p>
+          <a:p>
+            <a:pPr lvl="1">
               <a:lnSpc>
                 <a:spcPct val="150000"/>
               </a:lnSpc>
-              <a:buFont typeface="Arial" panose="020B0604020202020204" pitchFamily="34" charset="0"/>
-              <a:buNone/>
             </a:pPr>
-            <a:endParaRPr lang="ru-RU" sz="1500" dirty="0">
-              <a:solidFill>
-                <a:schemeClr val="bg1">
-                  <a:lumMod val="50000"/>
-                </a:schemeClr>
-              </a:solidFill>
-            </a:endParaRPr>
-          </a:p>
-        </p:txBody>
-      </p:sp>
-      <p:sp>
-        <p:nvSpPr>
-          <p:cNvPr id="10" name="TextBox 9">
-            <a:extLst>
-              <a:ext uri="{FF2B5EF4-FFF2-40B4-BE49-F238E27FC236}">
-                <a16:creationId xmlns:a16="http://schemas.microsoft.com/office/drawing/2014/main" id="{CA34E12E-4C3B-42AE-966D-48234B6733F0}"/>
-              </a:ext>
-            </a:extLst>
-          </p:cNvPr>
-          <p:cNvSpPr txBox="1"/>
-          <p:nvPr/>
-        </p:nvSpPr>
-        <p:spPr>
-          <a:xfrm>
-            <a:off x="838200" y="3949967"/>
-            <a:ext cx="4765964" cy="1161280"/>
-          </a:xfrm>
-          <a:prstGeom prst="rect">
-            <a:avLst/>
-          </a:prstGeom>
-          <a:noFill/>
-        </p:spPr>
-        <p:txBody>
-          <a:bodyPr wrap="square">
-            <a:spAutoFit/>
-          </a:bodyPr>
-          <a:lstStyle/>
-          <a:p>
-            <a:pPr marL="0" indent="0" algn="ctr">
+            <a:r>
+              <a:rPr lang="ru-RU" sz="1800" dirty="0"/>
+              <a:t>анализ рынка</a:t>
+            </a:r>
+          </a:p>
+          <a:p>
+            <a:pPr lvl="1">
               <a:lnSpc>
                 <a:spcPct val="150000"/>
               </a:lnSpc>
-              <a:buNone/>
             </a:pPr>
             <a:r>
-              <a:rPr lang="ru-RU" sz="1800" b="1" dirty="0">
-                <a:solidFill>
-                  <a:srgbClr val="326CDB"/>
-                </a:solidFill>
-                <a:latin typeface="Montserrat" panose="00000500000000000000" pitchFamily="2" charset="0"/>
-              </a:rPr>
-              <a:t>Товары </a:t>
-            </a:r>
-            <a:r>
-              <a:rPr lang="ru-RU" sz="1800" b="1" dirty="0" err="1">
-                <a:solidFill>
-                  <a:srgbClr val="326CDB"/>
-                </a:solidFill>
-                <a:latin typeface="Montserrat" panose="00000500000000000000" pitchFamily="2" charset="0"/>
-              </a:rPr>
-              <a:t>Гиффена</a:t>
-            </a:r>
-            <a:endParaRPr lang="ru-RU" sz="1800" b="1" dirty="0">
-              <a:solidFill>
-                <a:srgbClr val="326CDB"/>
-              </a:solidFill>
-              <a:latin typeface="Montserrat" panose="00000500000000000000" pitchFamily="2" charset="0"/>
-            </a:endParaRPr>
-          </a:p>
-          <a:p>
-            <a:pPr marL="0" indent="0" algn="ctr">
+              <a:rPr lang="ru-RU" sz="1800" dirty="0"/>
+              <a:t>изучение особенностей конкуренции</a:t>
+            </a:r>
+          </a:p>
+          <a:p>
+            <a:pPr>
               <a:lnSpc>
                 <a:spcPct val="150000"/>
               </a:lnSpc>
-              <a:buNone/>
             </a:pPr>
             <a:r>
-              <a:rPr lang="ru-RU" sz="1500" dirty="0">
-                <a:latin typeface="Montserrat" panose="00000500000000000000" pitchFamily="2" charset="0"/>
-              </a:rPr>
-              <a:t>люди будут покупать их, даже если стоимость сильно изменится</a:t>
-            </a:r>
-          </a:p>
-        </p:txBody>
-      </p:sp>
-      <p:sp>
-        <p:nvSpPr>
-          <p:cNvPr id="13" name="TextBox 12">
-            <a:extLst>
-              <a:ext uri="{FF2B5EF4-FFF2-40B4-BE49-F238E27FC236}">
-                <a16:creationId xmlns:a16="http://schemas.microsoft.com/office/drawing/2014/main" id="{8EB44BDF-E5AA-4176-B86D-E881FC5501F9}"/>
-              </a:ext>
-            </a:extLst>
-          </p:cNvPr>
-          <p:cNvSpPr txBox="1"/>
-          <p:nvPr/>
-        </p:nvSpPr>
-        <p:spPr>
-          <a:xfrm>
-            <a:off x="6104776" y="3949967"/>
-            <a:ext cx="4888805" cy="1161280"/>
-          </a:xfrm>
-          <a:prstGeom prst="rect">
-            <a:avLst/>
-          </a:prstGeom>
-          <a:noFill/>
-        </p:spPr>
-        <p:txBody>
-          <a:bodyPr wrap="square">
-            <a:spAutoFit/>
-          </a:bodyPr>
-          <a:lstStyle/>
-          <a:p>
-            <a:pPr marL="0" indent="0" algn="ctr">
+              <a:rPr lang="ru-RU" sz="1800" b="1" dirty="0">
+                <a:solidFill>
+                  <a:srgbClr val="326CDB"/>
+                </a:solidFill>
+              </a:rPr>
+              <a:t>Сравнение</a:t>
+            </a:r>
+            <a:r>
+              <a:rPr lang="ru-RU" sz="1800" dirty="0"/>
+              <a:t> показателей компании с показателями конкурентов</a:t>
+            </a:r>
+          </a:p>
+          <a:p>
+            <a:pPr>
               <a:lnSpc>
                 <a:spcPct val="150000"/>
               </a:lnSpc>
-              <a:buFont typeface="Arial" panose="020B0604020202020204" pitchFamily="34" charset="0"/>
-              <a:buNone/>
             </a:pPr>
             <a:r>
+              <a:rPr lang="en-US" sz="1800" b="1" dirty="0">
+                <a:solidFill>
+                  <a:srgbClr val="326CDB"/>
+                </a:solidFill>
+              </a:rPr>
+              <a:t>SWOT-</a:t>
+            </a:r>
+            <a:r>
               <a:rPr lang="ru-RU" sz="1800" b="1" dirty="0">
                 <a:solidFill>
                   <a:srgbClr val="326CDB"/>
                 </a:solidFill>
-                <a:latin typeface="Montserrat" panose="00000500000000000000" pitchFamily="2" charset="0"/>
-              </a:rPr>
-              <a:t>эффектом </a:t>
-            </a:r>
-            <a:r>
-              <a:rPr lang="ru-RU" sz="1800" b="1" dirty="0" err="1">
-                <a:solidFill>
-                  <a:srgbClr val="326CDB"/>
-                </a:solidFill>
-                <a:latin typeface="Montserrat" panose="00000500000000000000" pitchFamily="2" charset="0"/>
-              </a:rPr>
-              <a:t>Веблена</a:t>
-            </a:r>
-            <a:endParaRPr lang="ru-RU" sz="1800" b="1" dirty="0">
-              <a:solidFill>
-                <a:srgbClr val="326CDB"/>
-              </a:solidFill>
-              <a:latin typeface="Montserrat" panose="00000500000000000000" pitchFamily="2" charset="0"/>
-            </a:endParaRPr>
-          </a:p>
-          <a:p>
-            <a:pPr marL="0" indent="0" algn="ctr">
+              </a:rPr>
+              <a:t>анализ </a:t>
+            </a:r>
+            <a:r>
+              <a:rPr lang="ru-RU" sz="1800" dirty="0"/>
+              <a:t>своих сильных и слабых сторон, а также возможностей и угроз</a:t>
+            </a:r>
+            <a:endParaRPr lang="en-US" sz="1800" dirty="0"/>
+          </a:p>
+          <a:p>
+            <a:pPr>
               <a:lnSpc>
                 <a:spcPct val="150000"/>
               </a:lnSpc>
-              <a:buFont typeface="Arial" panose="020B0604020202020204" pitchFamily="34" charset="0"/>
-              <a:buNone/>
             </a:pPr>
             <a:r>
-              <a:rPr lang="ru-RU" sz="1500" dirty="0">
-                <a:latin typeface="Montserrat" panose="00000500000000000000" pitchFamily="2" charset="0"/>
-              </a:rPr>
-              <a:t>сбыт престижных товаров растет вслед за увеличением цен</a:t>
+              <a:rPr lang="ru-RU" sz="1800" b="1" dirty="0">
+                <a:solidFill>
+                  <a:srgbClr val="326CDB"/>
+                </a:solidFill>
+              </a:rPr>
+              <a:t>Анализ</a:t>
+            </a:r>
+            <a:r>
+              <a:rPr lang="ru-RU" sz="1800" dirty="0"/>
+              <a:t> показателей производительности</a:t>
             </a:r>
           </a:p>
         </p:txBody>
@@ -6769,7 +6596,7 @@
     </p:spTree>
     <p:extLst>
       <p:ext uri="{BB962C8B-B14F-4D97-AF65-F5344CB8AC3E}">
-        <p14:creationId xmlns:p14="http://schemas.microsoft.com/office/powerpoint/2010/main" val="2214237742"/>
+        <p14:creationId xmlns:p14="http://schemas.microsoft.com/office/powerpoint/2010/main" val="1268225968"/>
       </p:ext>
     </p:extLst>
   </p:cSld>
@@ -6826,7 +6653,7 @@
                 <a:latin typeface="Montserrat" panose="00000500000000000000" pitchFamily="2" charset="0"/>
                 <a:cs typeface="Arial" panose="020B0604020202020204" pitchFamily="34" charset="0"/>
               </a:rPr>
-              <a:t>Эластичность спроса</a:t>
+              <a:t>Метод целевых издержек </a:t>
             </a:r>
             <a:br>
               <a:rPr lang="ru-RU" b="1" dirty="0">
@@ -6838,96 +6665,15 @@
               </a:rPr>
             </a:br>
             <a:r>
-              <a:rPr lang="ru-RU" sz="2800" b="1" dirty="0">
+              <a:rPr lang="ru-RU" sz="2200" b="1" dirty="0">
                 <a:solidFill>
                   <a:srgbClr val="326CDB"/>
                 </a:solidFill>
                 <a:latin typeface="Montserrat" panose="00000500000000000000" pitchFamily="2" charset="0"/>
                 <a:cs typeface="Arial" panose="020B0604020202020204" pitchFamily="34" charset="0"/>
               </a:rPr>
-              <a:t>по доходу</a:t>
-            </a:r>
-          </a:p>
-        </p:txBody>
-      </p:sp>
-      <p:sp>
-        <p:nvSpPr>
-          <p:cNvPr id="3" name="Объект 2"/>
-          <p:cNvSpPr>
-            <a:spLocks noGrp="1"/>
-          </p:cNvSpPr>
-          <p:nvPr>
-            <p:ph idx="1"/>
-          </p:nvPr>
-        </p:nvSpPr>
-        <p:spPr>
-          <a:xfrm>
-            <a:off x="838200" y="1825625"/>
-            <a:ext cx="10515600" cy="3992847"/>
-          </a:xfrm>
-        </p:spPr>
-        <p:txBody>
-          <a:bodyPr numCol="1">
-            <a:noAutofit/>
-          </a:bodyPr>
-          <a:lstStyle/>
-          <a:p>
-            <a:pPr marL="0" indent="0">
-              <a:lnSpc>
-                <a:spcPct val="150000"/>
-              </a:lnSpc>
-              <a:buNone/>
-            </a:pPr>
-            <a:r>
-              <a:rPr lang="ru-RU" sz="1800" dirty="0">
-                <a:latin typeface="Montserrat" panose="00000500000000000000" pitchFamily="2" charset="0"/>
-              </a:rPr>
-              <a:t>показывает, как изменится спрос, если доходы потребителей вырастут или упадут</a:t>
-            </a:r>
-          </a:p>
-          <a:p>
-            <a:pPr marL="0" indent="0">
-              <a:lnSpc>
-                <a:spcPct val="150000"/>
-              </a:lnSpc>
-              <a:buNone/>
-            </a:pPr>
-            <a:endParaRPr lang="ru-RU" sz="1800" dirty="0">
-              <a:latin typeface="Montserrat" panose="00000500000000000000" pitchFamily="2" charset="0"/>
-            </a:endParaRPr>
-          </a:p>
-          <a:p>
-            <a:pPr marL="0" indent="0">
-              <a:lnSpc>
-                <a:spcPct val="150000"/>
-              </a:lnSpc>
-              <a:buNone/>
-            </a:pPr>
-            <a:endParaRPr lang="ru-RU" sz="1800" dirty="0">
-              <a:latin typeface="Montserrat" panose="00000500000000000000" pitchFamily="2" charset="0"/>
-            </a:endParaRPr>
-          </a:p>
-          <a:p>
-            <a:pPr marL="0" indent="0">
-              <a:lnSpc>
-                <a:spcPct val="150000"/>
-              </a:lnSpc>
-              <a:buNone/>
-            </a:pPr>
-            <a:endParaRPr lang="ru-RU" sz="1800" b="0" i="0" u="none" strike="noStrike" baseline="0" dirty="0">
-              <a:latin typeface="SFRM1440"/>
-            </a:endParaRPr>
-          </a:p>
-          <a:p>
-            <a:pPr marL="0" indent="0">
-              <a:lnSpc>
-                <a:spcPct val="150000"/>
-              </a:lnSpc>
-              <a:buNone/>
-            </a:pPr>
-            <a:endParaRPr lang="ru-RU" sz="1800" b="1" i="1" dirty="0">
-              <a:latin typeface="Montserrat" panose="00000500000000000000" pitchFamily="2" charset="0"/>
-            </a:endParaRPr>
+              <a:t>для обеспечения конкурентоспособности</a:t>
+            </a:r>
           </a:p>
         </p:txBody>
       </p:sp>
@@ -6975,7 +6721,7 @@
               <a:rPr lang="ru-RU" smtClean="0"/>
               <a:t>11</a:t>
             </a:fld>
-            <a:endParaRPr lang="ru-RU"/>
+            <a:endParaRPr lang="ru-RU" dirty="0"/>
           </a:p>
         </p:txBody>
       </p:sp>
@@ -7026,676 +6772,26 @@
           </a:extLst>
         </p:spPr>
       </p:pic>
-      <p:pic>
-        <p:nvPicPr>
-          <p:cNvPr id="8" name="Рисунок 7">
+      <p:sp>
+        <p:nvSpPr>
+          <p:cNvPr id="9" name="Объект 8">
             <a:extLst>
               <a:ext uri="{FF2B5EF4-FFF2-40B4-BE49-F238E27FC236}">
-                <a16:creationId xmlns:a16="http://schemas.microsoft.com/office/drawing/2014/main" id="{A51CFDCE-016F-46DE-A41A-3E752F019132}"/>
+                <a16:creationId xmlns:a16="http://schemas.microsoft.com/office/drawing/2014/main" id="{35FF70C8-7562-46A9-9709-8669F194B77B}"/>
               </a:ext>
             </a:extLst>
           </p:cNvPr>
-          <p:cNvPicPr>
-            <a:picLocks noChangeAspect="1"/>
-          </p:cNvPicPr>
-          <p:nvPr/>
-        </p:nvPicPr>
-        <p:blipFill>
-          <a:blip r:embed="rId4"/>
-          <a:stretch>
-            <a:fillRect/>
-          </a:stretch>
-        </p:blipFill>
-        <p:spPr>
-          <a:xfrm>
-            <a:off x="838200" y="2414703"/>
-            <a:ext cx="3099508" cy="3040805"/>
-          </a:xfrm>
-          <a:prstGeom prst="rect">
-            <a:avLst/>
-          </a:prstGeom>
-        </p:spPr>
-      </p:pic>
-      <mc:AlternateContent xmlns:mc="http://schemas.openxmlformats.org/markup-compatibility/2006" xmlns:a14="http://schemas.microsoft.com/office/drawing/2010/main">
-        <mc:Choice Requires="a14">
-          <p:sp>
-            <p:nvSpPr>
-              <p:cNvPr id="10" name="TextBox 9">
-                <a:extLst>
-                  <a:ext uri="{FF2B5EF4-FFF2-40B4-BE49-F238E27FC236}">
-                    <a16:creationId xmlns:a16="http://schemas.microsoft.com/office/drawing/2014/main" id="{06F7FA00-9462-463A-82F0-CF3D67B70160}"/>
-                  </a:ext>
-                </a:extLst>
-              </p:cNvPr>
-              <p:cNvSpPr txBox="1"/>
-              <p:nvPr/>
-            </p:nvSpPr>
-            <p:spPr>
-              <a:xfrm>
-                <a:off x="4076344" y="2327687"/>
-                <a:ext cx="7396213" cy="2898614"/>
-              </a:xfrm>
-              <a:prstGeom prst="rect">
-                <a:avLst/>
-              </a:prstGeom>
-              <a:noFill/>
-            </p:spPr>
-            <p:txBody>
-              <a:bodyPr wrap="square">
-                <a:spAutoFit/>
-              </a:bodyPr>
-              <a:lstStyle/>
-              <a:p>
-                <a:pPr>
-                  <a:lnSpc>
-                    <a:spcPct val="150000"/>
-                  </a:lnSpc>
-                </a:pPr>
-                <a14:m>
-                  <m:oMathPara xmlns:m="http://schemas.openxmlformats.org/officeDocument/2006/math">
-                    <m:oMathParaPr>
-                      <m:jc m:val="centerGroup"/>
-                    </m:oMathParaPr>
-                    <m:oMath xmlns:m="http://schemas.openxmlformats.org/officeDocument/2006/math">
-                      <m:sSubSup>
-                        <m:sSubSupPr>
-                          <m:ctrlPr>
-                            <a:rPr lang="ru-RU" sz="1500" b="1" i="1" smtClean="0">
-                              <a:solidFill>
-                                <a:schemeClr val="tx1"/>
-                              </a:solidFill>
-                              <a:latin typeface="Cambria Math" panose="02040503050406030204" pitchFamily="18" charset="0"/>
-                            </a:rPr>
-                          </m:ctrlPr>
-                        </m:sSubSupPr>
-                        <m:e>
-                          <m:r>
-                            <a:rPr lang="en-US" sz="1500" b="1" i="1" smtClean="0">
-                              <a:solidFill>
-                                <a:schemeClr val="tx1"/>
-                              </a:solidFill>
-                              <a:latin typeface="Cambria Math" panose="02040503050406030204" pitchFamily="18" charset="0"/>
-                            </a:rPr>
-                            <m:t>𝑬</m:t>
-                          </m:r>
-                        </m:e>
-                        <m:sub>
-                          <m:r>
-                            <a:rPr lang="en-US" sz="1500" b="1" i="1" smtClean="0">
-                              <a:solidFill>
-                                <a:schemeClr val="tx1"/>
-                              </a:solidFill>
-                              <a:latin typeface="Cambria Math" panose="02040503050406030204" pitchFamily="18" charset="0"/>
-                            </a:rPr>
-                            <m:t>𝑰</m:t>
-                          </m:r>
-                        </m:sub>
-                        <m:sup>
-                          <m:r>
-                            <a:rPr lang="en-US" sz="1500" b="1" i="1" smtClean="0">
-                              <a:solidFill>
-                                <a:schemeClr val="tx1"/>
-                              </a:solidFill>
-                              <a:latin typeface="Cambria Math" panose="02040503050406030204" pitchFamily="18" charset="0"/>
-                            </a:rPr>
-                            <m:t>𝑫</m:t>
-                          </m:r>
-                        </m:sup>
-                      </m:sSubSup>
-                      <m:r>
-                        <a:rPr lang="en-US" sz="1500" b="1" i="1" smtClean="0">
-                          <a:solidFill>
-                            <a:schemeClr val="tx1"/>
-                          </a:solidFill>
-                          <a:latin typeface="Cambria Math" panose="02040503050406030204" pitchFamily="18" charset="0"/>
-                        </a:rPr>
-                        <m:t>=</m:t>
-                      </m:r>
-                      <m:f>
-                        <m:fPr>
-                          <m:ctrlPr>
-                            <a:rPr lang="en-US" sz="1500" b="1" i="1" smtClean="0">
-                              <a:solidFill>
-                                <a:schemeClr val="tx1"/>
-                              </a:solidFill>
-                              <a:latin typeface="Cambria Math" panose="02040503050406030204" pitchFamily="18" charset="0"/>
-                            </a:rPr>
-                          </m:ctrlPr>
-                        </m:fPr>
-                        <m:num>
-                          <m:r>
-                            <a:rPr lang="en-US" sz="1500" b="1" i="1" smtClean="0">
-                              <a:solidFill>
-                                <a:schemeClr val="tx1"/>
-                              </a:solidFill>
-                              <a:latin typeface="Cambria Math" panose="02040503050406030204" pitchFamily="18" charset="0"/>
-                              <a:ea typeface="Cambria Math" panose="02040503050406030204" pitchFamily="18" charset="0"/>
-                            </a:rPr>
-                            <m:t>∆</m:t>
-                          </m:r>
-                          <m:r>
-                            <a:rPr lang="en-US" sz="1500" b="1" i="1" smtClean="0">
-                              <a:solidFill>
-                                <a:schemeClr val="tx1"/>
-                              </a:solidFill>
-                              <a:latin typeface="Cambria Math" panose="02040503050406030204" pitchFamily="18" charset="0"/>
-                              <a:ea typeface="Cambria Math" panose="02040503050406030204" pitchFamily="18" charset="0"/>
-                            </a:rPr>
-                            <m:t>𝑸</m:t>
-                          </m:r>
-                          <m:r>
-                            <a:rPr lang="en-US" sz="1500" b="1" i="1" smtClean="0">
-                              <a:solidFill>
-                                <a:schemeClr val="tx1"/>
-                              </a:solidFill>
-                              <a:latin typeface="Cambria Math" panose="02040503050406030204" pitchFamily="18" charset="0"/>
-                              <a:ea typeface="Cambria Math" panose="02040503050406030204" pitchFamily="18" charset="0"/>
-                            </a:rPr>
-                            <m:t>\</m:t>
-                          </m:r>
-                          <m:r>
-                            <a:rPr lang="en-US" sz="1500" b="1" i="1" smtClean="0">
-                              <a:solidFill>
-                                <a:schemeClr val="tx1"/>
-                              </a:solidFill>
-                              <a:latin typeface="Cambria Math" panose="02040503050406030204" pitchFamily="18" charset="0"/>
-                              <a:ea typeface="Cambria Math" panose="02040503050406030204" pitchFamily="18" charset="0"/>
-                            </a:rPr>
-                            <m:t>𝑸</m:t>
-                          </m:r>
-                        </m:num>
-                        <m:den>
-                          <m:r>
-                            <a:rPr lang="en-US" sz="1500" b="1" i="1">
-                              <a:solidFill>
-                                <a:schemeClr val="tx1"/>
-                              </a:solidFill>
-                              <a:latin typeface="Cambria Math" panose="02040503050406030204" pitchFamily="18" charset="0"/>
-                              <a:ea typeface="Cambria Math" panose="02040503050406030204" pitchFamily="18" charset="0"/>
-                            </a:rPr>
-                            <m:t>∆</m:t>
-                          </m:r>
-                          <m:r>
-                            <a:rPr lang="en-US" sz="1500" b="1" i="1" smtClean="0">
-                              <a:solidFill>
-                                <a:schemeClr val="tx1"/>
-                              </a:solidFill>
-                              <a:latin typeface="Cambria Math" panose="02040503050406030204" pitchFamily="18" charset="0"/>
-                              <a:ea typeface="Cambria Math" panose="02040503050406030204" pitchFamily="18" charset="0"/>
-                            </a:rPr>
-                            <m:t>𝑰</m:t>
-                          </m:r>
-                          <m:r>
-                            <a:rPr lang="en-US" sz="1500" b="1" i="1">
-                              <a:solidFill>
-                                <a:schemeClr val="tx1"/>
-                              </a:solidFill>
-                              <a:latin typeface="Cambria Math" panose="02040503050406030204" pitchFamily="18" charset="0"/>
-                              <a:ea typeface="Cambria Math" panose="02040503050406030204" pitchFamily="18" charset="0"/>
-                            </a:rPr>
-                            <m:t>\</m:t>
-                          </m:r>
-                          <m:r>
-                            <a:rPr lang="en-US" sz="1500" b="1" i="1" smtClean="0">
-                              <a:solidFill>
-                                <a:schemeClr val="tx1"/>
-                              </a:solidFill>
-                              <a:latin typeface="Cambria Math" panose="02040503050406030204" pitchFamily="18" charset="0"/>
-                              <a:ea typeface="Cambria Math" panose="02040503050406030204" pitchFamily="18" charset="0"/>
-                            </a:rPr>
-                            <m:t>𝑰</m:t>
-                          </m:r>
-                        </m:den>
-                      </m:f>
-                      <m:r>
-                        <a:rPr lang="ru-RU" sz="1600" b="1" i="1">
-                          <a:latin typeface="Cambria Math" panose="02040503050406030204" pitchFamily="18" charset="0"/>
-                          <a:ea typeface="Cambria Math" panose="02040503050406030204" pitchFamily="18" charset="0"/>
-                        </a:rPr>
-                        <m:t>(%)</m:t>
-                      </m:r>
-                    </m:oMath>
-                  </m:oMathPara>
-                </a14:m>
-                <a:endParaRPr lang="ru-RU" sz="1500" i="1" dirty="0">
-                  <a:solidFill>
-                    <a:schemeClr val="tx1"/>
-                  </a:solidFill>
-                  <a:latin typeface="Montserrat" panose="00000500000000000000" pitchFamily="2" charset="0"/>
-                </a:endParaRPr>
-              </a:p>
-              <a:p>
-                <a:pPr>
-                  <a:lnSpc>
-                    <a:spcPct val="150000"/>
-                  </a:lnSpc>
-                </a:pPr>
-                <a:r>
-                  <a:rPr lang="en-US" sz="1500" dirty="0">
-                    <a:solidFill>
-                      <a:schemeClr val="tx1"/>
-                    </a:solidFill>
-                    <a:latin typeface="Montserrat" panose="00000500000000000000" pitchFamily="2" charset="0"/>
-                  </a:rPr>
-                  <a:t>I - </a:t>
-                </a:r>
-                <a:r>
-                  <a:rPr lang="ru-RU" sz="1500" dirty="0">
-                    <a:solidFill>
-                      <a:schemeClr val="tx1"/>
-                    </a:solidFill>
-                    <a:latin typeface="Montserrat" panose="00000500000000000000" pitchFamily="2" charset="0"/>
-                  </a:rPr>
-                  <a:t>доходы</a:t>
-                </a:r>
-                <a:endParaRPr lang="en-US" sz="1500" dirty="0">
-                  <a:solidFill>
-                    <a:schemeClr val="tx1"/>
-                  </a:solidFill>
-                  <a:latin typeface="Montserrat" panose="00000500000000000000" pitchFamily="2" charset="0"/>
-                </a:endParaRPr>
-              </a:p>
-              <a:p>
-                <a:pPr marL="0" indent="0">
-                  <a:lnSpc>
-                    <a:spcPct val="150000"/>
-                  </a:lnSpc>
-                  <a:buNone/>
-                </a:pPr>
-                <a:endParaRPr lang="ru-RU" sz="1500" b="0" i="1" u="none" strike="noStrike" baseline="0" dirty="0">
-                  <a:solidFill>
-                    <a:schemeClr val="tx1"/>
-                  </a:solidFill>
-                  <a:latin typeface="Montserrat" panose="00000500000000000000" pitchFamily="2" charset="0"/>
-                </a:endParaRPr>
-              </a:p>
-              <a:p>
-                <a:pPr marL="0" indent="0">
-                  <a:lnSpc>
-                    <a:spcPct val="150000"/>
-                  </a:lnSpc>
-                  <a:buNone/>
-                </a:pPr>
-                <a:endParaRPr lang="en-US" sz="1500" b="0" i="1" u="none" strike="noStrike" baseline="0" dirty="0">
-                  <a:solidFill>
-                    <a:schemeClr val="tx1"/>
-                  </a:solidFill>
-                  <a:latin typeface="Montserrat" panose="00000500000000000000" pitchFamily="2" charset="0"/>
-                </a:endParaRPr>
-              </a:p>
-              <a:p>
-                <a:pPr marL="342900" indent="-342900">
-                  <a:lnSpc>
-                    <a:spcPct val="150000"/>
-                  </a:lnSpc>
-                  <a:buFont typeface="+mj-lt"/>
-                  <a:buAutoNum type="arabicPeriod"/>
-                </a:pPr>
-                <a:r>
-                  <a:rPr lang="ru-RU" sz="1500" b="0" u="none" strike="noStrike" baseline="0" dirty="0">
-                    <a:solidFill>
-                      <a:schemeClr val="tx1"/>
-                    </a:solidFill>
-                    <a:latin typeface="Montserrat" panose="00000500000000000000" pitchFamily="2" charset="0"/>
-                  </a:rPr>
-                  <a:t>нормальные товары</a:t>
-                </a:r>
-                <a:r>
-                  <a:rPr lang="en-US" sz="1500" b="0" u="none" strike="noStrike" baseline="0" dirty="0">
-                    <a:solidFill>
-                      <a:schemeClr val="tx1"/>
-                    </a:solidFill>
-                    <a:latin typeface="Montserrat" panose="00000500000000000000" pitchFamily="2" charset="0"/>
-                  </a:rPr>
-                  <a:t> </a:t>
-                </a:r>
-                <a14:m>
-                  <m:oMath xmlns:m="http://schemas.openxmlformats.org/officeDocument/2006/math">
-                    <m:sSubSup>
-                      <m:sSubSupPr>
-                        <m:ctrlPr>
-                          <a:rPr lang="ru-RU" sz="1500" b="1" i="1" smtClean="0">
-                            <a:solidFill>
-                              <a:schemeClr val="tx1"/>
-                            </a:solidFill>
-                            <a:latin typeface="Cambria Math" panose="02040503050406030204" pitchFamily="18" charset="0"/>
-                          </a:rPr>
-                        </m:ctrlPr>
-                      </m:sSubSupPr>
-                      <m:e>
-                        <m:r>
-                          <a:rPr lang="en-US" sz="1500" b="1" i="1" smtClean="0">
-                            <a:solidFill>
-                              <a:schemeClr val="tx1"/>
-                            </a:solidFill>
-                            <a:latin typeface="Cambria Math" panose="02040503050406030204" pitchFamily="18" charset="0"/>
-                          </a:rPr>
-                          <m:t>𝑬</m:t>
-                        </m:r>
-                      </m:e>
-                      <m:sub>
-                        <m:r>
-                          <a:rPr lang="en-US" sz="1500" b="1" i="1" smtClean="0">
-                            <a:solidFill>
-                              <a:schemeClr val="tx1"/>
-                            </a:solidFill>
-                            <a:latin typeface="Cambria Math" panose="02040503050406030204" pitchFamily="18" charset="0"/>
-                          </a:rPr>
-                          <m:t>𝑰</m:t>
-                        </m:r>
-                      </m:sub>
-                      <m:sup>
-                        <m:r>
-                          <a:rPr lang="en-US" sz="1500" b="1" i="1" smtClean="0">
-                            <a:solidFill>
-                              <a:schemeClr val="tx1"/>
-                            </a:solidFill>
-                            <a:latin typeface="Cambria Math" panose="02040503050406030204" pitchFamily="18" charset="0"/>
-                          </a:rPr>
-                          <m:t>𝑫</m:t>
-                        </m:r>
-                      </m:sup>
-                    </m:sSubSup>
-                    <m:r>
-                      <a:rPr lang="en-US" sz="1500" b="1" i="1" smtClean="0">
-                        <a:solidFill>
-                          <a:schemeClr val="tx1"/>
-                        </a:solidFill>
-                        <a:latin typeface="Cambria Math" panose="02040503050406030204" pitchFamily="18" charset="0"/>
-                      </a:rPr>
-                      <m:t>&gt;</m:t>
-                    </m:r>
-                    <m:r>
-                      <a:rPr lang="en-US" sz="1500" b="1" i="1" smtClean="0">
-                        <a:solidFill>
-                          <a:schemeClr val="tx1"/>
-                        </a:solidFill>
-                        <a:latin typeface="Cambria Math" panose="02040503050406030204" pitchFamily="18" charset="0"/>
-                      </a:rPr>
-                      <m:t>𝟎</m:t>
-                    </m:r>
-                  </m:oMath>
-                </a14:m>
-                <a:endParaRPr lang="ru-RU" sz="1500" b="1" i="1" dirty="0">
-                  <a:solidFill>
-                    <a:schemeClr val="tx1"/>
-                  </a:solidFill>
-                  <a:latin typeface="Montserrat" panose="00000500000000000000" pitchFamily="2" charset="0"/>
-                </a:endParaRPr>
-              </a:p>
-              <a:p>
-                <a:pPr marL="342900" indent="-342900">
-                  <a:lnSpc>
-                    <a:spcPct val="150000"/>
-                  </a:lnSpc>
-                  <a:buFont typeface="+mj-lt"/>
-                  <a:buAutoNum type="arabicPeriod"/>
-                </a:pPr>
-                <a:r>
-                  <a:rPr lang="ru-RU" sz="1500" b="0" u="none" strike="noStrike" baseline="0" dirty="0">
-                    <a:solidFill>
-                      <a:schemeClr val="tx1"/>
-                    </a:solidFill>
-                    <a:latin typeface="Montserrat" panose="00000500000000000000" pitchFamily="2" charset="0"/>
-                  </a:rPr>
-                  <a:t>предметы роскоши</a:t>
-                </a:r>
-                <a:r>
-                  <a:rPr lang="en-US" sz="1500" b="0" u="none" strike="noStrike" baseline="0" dirty="0">
-                    <a:solidFill>
-                      <a:schemeClr val="tx1"/>
-                    </a:solidFill>
-                    <a:latin typeface="Montserrat" panose="00000500000000000000" pitchFamily="2" charset="0"/>
-                  </a:rPr>
-                  <a:t> </a:t>
-                </a:r>
-                <a14:m>
-                  <m:oMath xmlns:m="http://schemas.openxmlformats.org/officeDocument/2006/math">
-                    <m:sSubSup>
-                      <m:sSubSupPr>
-                        <m:ctrlPr>
-                          <a:rPr lang="ru-RU" sz="1500" b="1" i="1" smtClean="0">
-                            <a:solidFill>
-                              <a:schemeClr val="tx1"/>
-                            </a:solidFill>
-                            <a:latin typeface="Cambria Math" panose="02040503050406030204" pitchFamily="18" charset="0"/>
-                          </a:rPr>
-                        </m:ctrlPr>
-                      </m:sSubSupPr>
-                      <m:e>
-                        <m:r>
-                          <a:rPr lang="en-US" sz="1500" b="1" i="1" smtClean="0">
-                            <a:solidFill>
-                              <a:schemeClr val="tx1"/>
-                            </a:solidFill>
-                            <a:latin typeface="Cambria Math" panose="02040503050406030204" pitchFamily="18" charset="0"/>
-                          </a:rPr>
-                          <m:t>𝑬</m:t>
-                        </m:r>
-                      </m:e>
-                      <m:sub>
-                        <m:r>
-                          <a:rPr lang="en-US" sz="1500" b="1" i="1" smtClean="0">
-                            <a:solidFill>
-                              <a:schemeClr val="tx1"/>
-                            </a:solidFill>
-                            <a:latin typeface="Cambria Math" panose="02040503050406030204" pitchFamily="18" charset="0"/>
-                          </a:rPr>
-                          <m:t>𝑰</m:t>
-                        </m:r>
-                      </m:sub>
-                      <m:sup>
-                        <m:r>
-                          <a:rPr lang="en-US" sz="1500" b="1" i="1" smtClean="0">
-                            <a:solidFill>
-                              <a:schemeClr val="tx1"/>
-                            </a:solidFill>
-                            <a:latin typeface="Cambria Math" panose="02040503050406030204" pitchFamily="18" charset="0"/>
-                          </a:rPr>
-                          <m:t>𝑫</m:t>
-                        </m:r>
-                      </m:sup>
-                    </m:sSubSup>
-                    <m:r>
-                      <a:rPr lang="en-US" sz="1500" b="1" i="1" smtClean="0">
-                        <a:solidFill>
-                          <a:schemeClr val="tx1"/>
-                        </a:solidFill>
-                        <a:latin typeface="Cambria Math" panose="02040503050406030204" pitchFamily="18" charset="0"/>
-                      </a:rPr>
-                      <m:t>&gt;</m:t>
-                    </m:r>
-                    <m:r>
-                      <a:rPr lang="en-US" sz="1500" b="1" i="1" smtClean="0">
-                        <a:solidFill>
-                          <a:schemeClr val="tx1"/>
-                        </a:solidFill>
-                        <a:latin typeface="Cambria Math" panose="02040503050406030204" pitchFamily="18" charset="0"/>
-                      </a:rPr>
-                      <m:t>𝟏</m:t>
-                    </m:r>
-                  </m:oMath>
-                </a14:m>
-                <a:endParaRPr lang="ru-RU" sz="1500" b="1" i="1" dirty="0">
-                  <a:solidFill>
-                    <a:schemeClr val="tx1"/>
-                  </a:solidFill>
-                  <a:latin typeface="Montserrat" panose="00000500000000000000" pitchFamily="2" charset="0"/>
-                </a:endParaRPr>
-              </a:p>
-              <a:p>
-                <a:pPr marL="342900" indent="-342900">
-                  <a:lnSpc>
-                    <a:spcPct val="150000"/>
-                  </a:lnSpc>
-                  <a:buFont typeface="+mj-lt"/>
-                  <a:buAutoNum type="arabicPeriod"/>
-                </a:pPr>
-                <a:r>
-                  <a:rPr lang="ru-RU" sz="1500" b="0" u="none" strike="noStrike" baseline="0" dirty="0">
-                    <a:solidFill>
-                      <a:schemeClr val="tx1"/>
-                    </a:solidFill>
-                    <a:latin typeface="Montserrat" panose="00000500000000000000" pitchFamily="2" charset="0"/>
-                  </a:rPr>
-                  <a:t>низкокачественные товары</a:t>
-                </a:r>
-                <a:r>
-                  <a:rPr lang="en-US" sz="1500" b="0" u="none" strike="noStrike" baseline="0" dirty="0">
-                    <a:solidFill>
-                      <a:schemeClr val="tx1"/>
-                    </a:solidFill>
-                    <a:latin typeface="Montserrat" panose="00000500000000000000" pitchFamily="2" charset="0"/>
-                  </a:rPr>
-                  <a:t> </a:t>
-                </a:r>
-                <a14:m>
-                  <m:oMath xmlns:m="http://schemas.openxmlformats.org/officeDocument/2006/math">
-                    <m:sSubSup>
-                      <m:sSubSupPr>
-                        <m:ctrlPr>
-                          <a:rPr lang="ru-RU" sz="1500" b="1" i="1" smtClean="0">
-                            <a:solidFill>
-                              <a:schemeClr val="tx1"/>
-                            </a:solidFill>
-                            <a:latin typeface="Cambria Math" panose="02040503050406030204" pitchFamily="18" charset="0"/>
-                          </a:rPr>
-                        </m:ctrlPr>
-                      </m:sSubSupPr>
-                      <m:e>
-                        <m:r>
-                          <a:rPr lang="en-US" sz="1500" b="1" i="1" smtClean="0">
-                            <a:solidFill>
-                              <a:schemeClr val="tx1"/>
-                            </a:solidFill>
-                            <a:latin typeface="Cambria Math" panose="02040503050406030204" pitchFamily="18" charset="0"/>
-                          </a:rPr>
-                          <m:t>𝑬</m:t>
-                        </m:r>
-                      </m:e>
-                      <m:sub>
-                        <m:r>
-                          <a:rPr lang="en-US" sz="1500" b="1" i="1" smtClean="0">
-                            <a:solidFill>
-                              <a:schemeClr val="tx1"/>
-                            </a:solidFill>
-                            <a:latin typeface="Cambria Math" panose="02040503050406030204" pitchFamily="18" charset="0"/>
-                          </a:rPr>
-                          <m:t>𝑰</m:t>
-                        </m:r>
-                      </m:sub>
-                      <m:sup>
-                        <m:r>
-                          <a:rPr lang="en-US" sz="1500" b="1" i="1" smtClean="0">
-                            <a:solidFill>
-                              <a:schemeClr val="tx1"/>
-                            </a:solidFill>
-                            <a:latin typeface="Cambria Math" panose="02040503050406030204" pitchFamily="18" charset="0"/>
-                          </a:rPr>
-                          <m:t>𝑫</m:t>
-                        </m:r>
-                      </m:sup>
-                    </m:sSubSup>
-                    <m:r>
-                      <a:rPr lang="en-US" sz="1500" b="1" i="1" smtClean="0">
-                        <a:solidFill>
-                          <a:schemeClr val="tx1"/>
-                        </a:solidFill>
-                        <a:latin typeface="Cambria Math" panose="02040503050406030204" pitchFamily="18" charset="0"/>
-                      </a:rPr>
-                      <m:t>&lt;</m:t>
-                    </m:r>
-                    <m:r>
-                      <a:rPr lang="en-US" sz="1500" b="1" i="1" smtClean="0">
-                        <a:solidFill>
-                          <a:schemeClr val="tx1"/>
-                        </a:solidFill>
-                        <a:latin typeface="Cambria Math" panose="02040503050406030204" pitchFamily="18" charset="0"/>
-                      </a:rPr>
-                      <m:t>𝟎</m:t>
-                    </m:r>
-                  </m:oMath>
-                </a14:m>
-                <a:endParaRPr lang="ru-RU" sz="1500" i="1" dirty="0">
-                  <a:solidFill>
-                    <a:schemeClr val="tx1"/>
-                  </a:solidFill>
-                  <a:latin typeface="Montserrat" panose="00000500000000000000" pitchFamily="2" charset="0"/>
-                </a:endParaRPr>
-              </a:p>
-            </p:txBody>
-          </p:sp>
-        </mc:Choice>
-        <mc:Fallback xmlns="">
-          <p:sp>
-            <p:nvSpPr>
-              <p:cNvPr id="10" name="TextBox 9">
-                <a:extLst>
-                  <a:ext uri="{FF2B5EF4-FFF2-40B4-BE49-F238E27FC236}">
-                    <a16:creationId xmlns:a16="http://schemas.microsoft.com/office/drawing/2014/main" id="{06F7FA00-9462-463A-82F0-CF3D67B70160}"/>
-                  </a:ext>
-                </a:extLst>
-              </p:cNvPr>
-              <p:cNvSpPr txBox="1">
-                <a:spLocks noRot="1" noChangeAspect="1" noMove="1" noResize="1" noEditPoints="1" noAdjustHandles="1" noChangeArrowheads="1" noChangeShapeType="1" noTextEdit="1"/>
-              </p:cNvSpPr>
-              <p:nvPr/>
-            </p:nvSpPr>
-            <p:spPr>
-              <a:xfrm>
-                <a:off x="4076344" y="2327687"/>
-                <a:ext cx="7396213" cy="2898614"/>
-              </a:xfrm>
-              <a:prstGeom prst="rect">
-                <a:avLst/>
-              </a:prstGeom>
-              <a:blipFill>
-                <a:blip r:embed="rId5"/>
-                <a:stretch>
-                  <a:fillRect l="-515" b="-7424"/>
-                </a:stretch>
-              </a:blipFill>
-            </p:spPr>
-            <p:txBody>
-              <a:bodyPr/>
-              <a:lstStyle/>
-              <a:p>
-                <a:r>
-                  <a:rPr lang="en-RU">
-                    <a:noFill/>
-                  </a:rPr>
-                  <a:t> </a:t>
-                </a:r>
-              </a:p>
-            </p:txBody>
-          </p:sp>
-        </mc:Fallback>
-      </mc:AlternateContent>
-      <p:sp>
-        <p:nvSpPr>
-          <p:cNvPr id="11" name="TextBox 10">
-            <a:extLst>
-              <a:ext uri="{FF2B5EF4-FFF2-40B4-BE49-F238E27FC236}">
-                <a16:creationId xmlns:a16="http://schemas.microsoft.com/office/drawing/2014/main" id="{0E686081-C68F-4292-B742-E5FC2F20847F}"/>
-              </a:ext>
-            </a:extLst>
-          </p:cNvPr>
-          <p:cNvSpPr txBox="1"/>
-          <p:nvPr/>
-        </p:nvSpPr>
-        <p:spPr>
-          <a:xfrm>
-            <a:off x="1000590" y="5276196"/>
-            <a:ext cx="2774728" cy="358624"/>
-          </a:xfrm>
-          <a:prstGeom prst="rect">
-            <a:avLst/>
-          </a:prstGeom>
-          <a:noFill/>
-        </p:spPr>
-        <p:txBody>
-          <a:bodyPr wrap="square">
-            <a:spAutoFit/>
+          <p:cNvSpPr>
+            <a:spLocks noGrp="1"/>
+          </p:cNvSpPr>
+          <p:nvPr>
+            <p:ph idx="1"/>
+          </p:nvPr>
+        </p:nvSpPr>
+        <p:spPr/>
+        <p:txBody>
+          <a:bodyPr anchor="ctr">
+            <a:normAutofit/>
           </a:bodyPr>
           <a:lstStyle/>
           <a:p>
@@ -7706,42 +6802,81 @@
               <a:buNone/>
             </a:pPr>
             <a:r>
-              <a:rPr lang="ru-RU" sz="1300" dirty="0">
-                <a:solidFill>
-                  <a:schemeClr val="bg1">
-                    <a:lumMod val="50000"/>
-                  </a:schemeClr>
-                </a:solidFill>
-                <a:latin typeface="Montserrat" panose="00000500000000000000" pitchFamily="2" charset="0"/>
-              </a:rPr>
-              <a:t>кривые </a:t>
-            </a:r>
-            <a:r>
-              <a:rPr lang="ru-RU" sz="1300" dirty="0" err="1">
-                <a:solidFill>
-                  <a:schemeClr val="bg1">
-                    <a:lumMod val="50000"/>
-                  </a:schemeClr>
-                </a:solidFill>
-                <a:latin typeface="Montserrat" panose="00000500000000000000" pitchFamily="2" charset="0"/>
-              </a:rPr>
-              <a:t>Энгеля</a:t>
-            </a:r>
-            <a:endParaRPr lang="ru-RU" sz="1300" dirty="0">
-              <a:solidFill>
-                <a:schemeClr val="bg1">
-                  <a:lumMod val="50000"/>
-                </a:schemeClr>
-              </a:solidFill>
-              <a:latin typeface="Montserrat" panose="00000500000000000000" pitchFamily="2" charset="0"/>
-            </a:endParaRPr>
+              <a:rPr lang="ru-RU" sz="1800" b="1" dirty="0">
+                <a:solidFill>
+                  <a:srgbClr val="326CDB"/>
+                </a:solidFill>
+              </a:rPr>
+              <a:t>Принцип:</a:t>
+            </a:r>
+            <a:r>
+              <a:rPr lang="ru-RU" sz="1800" dirty="0"/>
+              <a:t> сначала определяют рыночную цену на данный вид продукции, затем устанавливают желаемый размер прибыли, а потом рассчитывают максимально допустимый размер себестоимости</a:t>
+            </a:r>
+          </a:p>
+          <a:p>
+            <a:pPr marL="0" indent="0" algn="ctr">
+              <a:lnSpc>
+                <a:spcPct val="150000"/>
+              </a:lnSpc>
+              <a:buNone/>
+            </a:pPr>
+            <a:r>
+              <a:rPr lang="ru-RU" sz="1800" b="1" dirty="0"/>
+              <a:t>Цена - Прибыль = Себестоимость</a:t>
+            </a:r>
+          </a:p>
+          <a:p>
+            <a:pPr>
+              <a:lnSpc>
+                <a:spcPct val="150000"/>
+              </a:lnSpc>
+            </a:pPr>
+            <a:r>
+              <a:rPr lang="en-US" sz="1800" dirty="0"/>
+              <a:t>target price</a:t>
+            </a:r>
+            <a:r>
+              <a:rPr lang="ru-RU" sz="1800" dirty="0"/>
+              <a:t> - рыночная цена</a:t>
+            </a:r>
+          </a:p>
+          <a:p>
+            <a:pPr>
+              <a:lnSpc>
+                <a:spcPct val="150000"/>
+              </a:lnSpc>
+            </a:pPr>
+            <a:r>
+              <a:rPr lang="en-US" sz="1800" dirty="0"/>
+              <a:t>target profit</a:t>
+            </a:r>
+            <a:r>
+              <a:rPr lang="ru-RU" sz="1800" dirty="0"/>
+              <a:t> - целевая прибыль</a:t>
+            </a:r>
+          </a:p>
+          <a:p>
+            <a:pPr>
+              <a:lnSpc>
+                <a:spcPct val="150000"/>
+              </a:lnSpc>
+            </a:pPr>
+            <a:r>
+              <a:rPr lang="en-US" sz="1800" dirty="0"/>
+              <a:t>target cost</a:t>
+            </a:r>
+            <a:r>
+              <a:rPr lang="ru-RU" sz="1800" dirty="0"/>
+              <a:t> - целевой себестоимостью</a:t>
+            </a:r>
           </a:p>
         </p:txBody>
       </p:sp>
     </p:spTree>
     <p:extLst>
       <p:ext uri="{BB962C8B-B14F-4D97-AF65-F5344CB8AC3E}">
-        <p14:creationId xmlns:p14="http://schemas.microsoft.com/office/powerpoint/2010/main" val="3632604304"/>
+        <p14:creationId xmlns:p14="http://schemas.microsoft.com/office/powerpoint/2010/main" val="2214237742"/>
       </p:ext>
     </p:extLst>
   </p:cSld>
@@ -7798,7 +6933,7 @@
                 <a:latin typeface="Montserrat" panose="00000500000000000000" pitchFamily="2" charset="0"/>
                 <a:cs typeface="Arial" panose="020B0604020202020204" pitchFamily="34" charset="0"/>
               </a:rPr>
-              <a:t>Эластичность спроса</a:t>
+              <a:t>Метод целевых издержек </a:t>
             </a:r>
             <a:br>
               <a:rPr lang="ru-RU" b="1" dirty="0">
@@ -7810,573 +6945,18 @@
               </a:rPr>
             </a:br>
             <a:r>
-              <a:rPr lang="ru-RU" sz="2800" b="1" dirty="0">
+              <a:rPr lang="ru-RU" sz="2200" b="1" dirty="0">
                 <a:solidFill>
                   <a:srgbClr val="326CDB"/>
                 </a:solidFill>
                 <a:latin typeface="Montserrat" panose="00000500000000000000" pitchFamily="2" charset="0"/>
                 <a:cs typeface="Arial" panose="020B0604020202020204" pitchFamily="34" charset="0"/>
               </a:rPr>
-              <a:t>перекрестная эластичность</a:t>
-            </a:r>
-          </a:p>
-        </p:txBody>
-      </p:sp>
-      <mc:AlternateContent xmlns:mc="http://schemas.openxmlformats.org/markup-compatibility/2006" xmlns:a14="http://schemas.microsoft.com/office/drawing/2010/main">
-        <mc:Choice Requires="a14">
-          <p:sp>
-            <p:nvSpPr>
-              <p:cNvPr id="3" name="Объект 2"/>
-              <p:cNvSpPr>
-                <a:spLocks noGrp="1"/>
-              </p:cNvSpPr>
-              <p:nvPr>
-                <p:ph idx="1"/>
-              </p:nvPr>
-            </p:nvSpPr>
-            <p:spPr>
-              <a:xfrm>
-                <a:off x="838200" y="2022765"/>
-                <a:ext cx="10515600" cy="4154198"/>
-              </a:xfrm>
-            </p:spPr>
-            <p:txBody>
-              <a:bodyPr anchor="t">
-                <a:normAutofit/>
-              </a:bodyPr>
-              <a:lstStyle/>
-              <a:p>
-                <a:pPr marL="0" indent="0">
-                  <a:lnSpc>
-                    <a:spcPct val="150000"/>
-                  </a:lnSpc>
-                  <a:buNone/>
-                </a:pPr>
-                <a:r>
-                  <a:rPr lang="ru-RU" sz="1800" dirty="0"/>
-                  <a:t>п</a:t>
-                </a:r>
-                <a:r>
-                  <a:rPr lang="ru-RU" sz="1800" dirty="0">
-                    <a:latin typeface="Montserrat" panose="00000500000000000000" pitchFamily="2" charset="0"/>
-                  </a:rPr>
-                  <a:t>оказывает, как изменится </a:t>
-                </a:r>
-                <a:r>
-                  <a:rPr lang="ru-RU" sz="1800" b="1" dirty="0">
-                    <a:latin typeface="Montserrat" panose="00000500000000000000" pitchFamily="2" charset="0"/>
-                  </a:rPr>
-                  <a:t>спрос</a:t>
-                </a:r>
-                <a:r>
-                  <a:rPr lang="ru-RU" sz="1800" dirty="0">
-                    <a:latin typeface="Montserrat" panose="00000500000000000000" pitchFamily="2" charset="0"/>
-                  </a:rPr>
-                  <a:t> на один товар, если </a:t>
-                </a:r>
-                <a:r>
-                  <a:rPr lang="ru-RU" sz="1800" b="1" dirty="0">
-                    <a:latin typeface="Montserrat" panose="00000500000000000000" pitchFamily="2" charset="0"/>
-                  </a:rPr>
-                  <a:t>поднять</a:t>
-                </a:r>
-                <a:r>
-                  <a:rPr lang="ru-RU" sz="1800" dirty="0">
-                    <a:latin typeface="Montserrat" panose="00000500000000000000" pitchFamily="2" charset="0"/>
-                  </a:rPr>
-                  <a:t> или </a:t>
-                </a:r>
-                <a:r>
-                  <a:rPr lang="ru-RU" sz="1800" b="1" dirty="0">
-                    <a:latin typeface="Montserrat" panose="00000500000000000000" pitchFamily="2" charset="0"/>
-                  </a:rPr>
-                  <a:t>понизить</a:t>
-                </a:r>
-                <a:r>
-                  <a:rPr lang="ru-RU" sz="1800" dirty="0">
-                    <a:latin typeface="Montserrat" panose="00000500000000000000" pitchFamily="2" charset="0"/>
-                  </a:rPr>
-                  <a:t> цену другого товара</a:t>
-                </a:r>
-                <a:endParaRPr lang="en-US" sz="1800" dirty="0">
-                  <a:latin typeface="Montserrat" panose="00000500000000000000" pitchFamily="2" charset="0"/>
-                </a:endParaRPr>
-              </a:p>
-              <a:p>
-                <a:pPr marL="0" indent="0">
-                  <a:lnSpc>
-                    <a:spcPct val="150000"/>
-                  </a:lnSpc>
-                  <a:buNone/>
-                </a:pPr>
-                <a14:m>
-                  <m:oMathPara xmlns:m="http://schemas.openxmlformats.org/officeDocument/2006/math">
-                    <m:oMathParaPr>
-                      <m:jc m:val="centerGroup"/>
-                    </m:oMathParaPr>
-                    <m:oMath xmlns:m="http://schemas.openxmlformats.org/officeDocument/2006/math">
-                      <m:sSubSup>
-                        <m:sSubSupPr>
-                          <m:ctrlPr>
-                            <a:rPr lang="en-US" sz="1800" i="1" smtClean="0">
-                              <a:latin typeface="Cambria Math" panose="02040503050406030204" pitchFamily="18" charset="0"/>
-                            </a:rPr>
-                          </m:ctrlPr>
-                        </m:sSubSupPr>
-                        <m:e>
-                          <m:r>
-                            <a:rPr lang="en-US" sz="1800" b="0" i="1" smtClean="0">
-                              <a:latin typeface="Cambria Math" panose="02040503050406030204" pitchFamily="18" charset="0"/>
-                            </a:rPr>
-                            <m:t>𝐸</m:t>
-                          </m:r>
-                        </m:e>
-                        <m:sub>
-                          <m:r>
-                            <a:rPr lang="en-US" sz="1800" b="0" i="1" smtClean="0">
-                              <a:latin typeface="Cambria Math" panose="02040503050406030204" pitchFamily="18" charset="0"/>
-                            </a:rPr>
-                            <m:t>𝑋𝑌</m:t>
-                          </m:r>
-                        </m:sub>
-                        <m:sup>
-                          <m:r>
-                            <a:rPr lang="en-US" sz="1800" b="0" i="1" smtClean="0">
-                              <a:latin typeface="Cambria Math" panose="02040503050406030204" pitchFamily="18" charset="0"/>
-                            </a:rPr>
-                            <m:t>𝐷</m:t>
-                          </m:r>
-                        </m:sup>
-                      </m:sSubSup>
-                      <m:r>
-                        <a:rPr lang="en-US" sz="1800" b="0" i="1" smtClean="0">
-                          <a:latin typeface="Cambria Math" panose="02040503050406030204" pitchFamily="18" charset="0"/>
-                        </a:rPr>
-                        <m:t>=</m:t>
-                      </m:r>
-                      <m:f>
-                        <m:fPr>
-                          <m:ctrlPr>
-                            <a:rPr lang="en-US" sz="1800" b="1" i="1">
-                              <a:latin typeface="Cambria Math" panose="02040503050406030204" pitchFamily="18" charset="0"/>
-                            </a:rPr>
-                          </m:ctrlPr>
-                        </m:fPr>
-                        <m:num>
-                          <m:r>
-                            <a:rPr lang="en-US" sz="1800" b="1" i="1">
-                              <a:latin typeface="Cambria Math" panose="02040503050406030204" pitchFamily="18" charset="0"/>
-                              <a:ea typeface="Cambria Math" panose="02040503050406030204" pitchFamily="18" charset="0"/>
-                            </a:rPr>
-                            <m:t>∆</m:t>
-                          </m:r>
-                          <m:sSub>
-                            <m:sSubPr>
-                              <m:ctrlPr>
-                                <a:rPr lang="en-US" sz="1800" b="1" i="1" smtClean="0">
-                                  <a:latin typeface="Cambria Math" panose="02040503050406030204" pitchFamily="18" charset="0"/>
-                                  <a:ea typeface="Cambria Math" panose="02040503050406030204" pitchFamily="18" charset="0"/>
-                                </a:rPr>
-                              </m:ctrlPr>
-                            </m:sSubPr>
-                            <m:e>
-                              <m:r>
-                                <a:rPr lang="en-US" sz="1800" b="1" i="1" smtClean="0">
-                                  <a:latin typeface="Cambria Math" panose="02040503050406030204" pitchFamily="18" charset="0"/>
-                                  <a:ea typeface="Cambria Math" panose="02040503050406030204" pitchFamily="18" charset="0"/>
-                                </a:rPr>
-                                <m:t>𝑸</m:t>
-                              </m:r>
-                            </m:e>
-                            <m:sub>
-                              <m:r>
-                                <a:rPr lang="en-US" sz="1800" b="1" i="1" smtClean="0">
-                                  <a:latin typeface="Cambria Math" panose="02040503050406030204" pitchFamily="18" charset="0"/>
-                                  <a:ea typeface="Cambria Math" panose="02040503050406030204" pitchFamily="18" charset="0"/>
-                                </a:rPr>
-                                <m:t>𝑿</m:t>
-                              </m:r>
-                            </m:sub>
-                          </m:sSub>
-                          <m:r>
-                            <a:rPr lang="en-US" sz="1800" b="1" i="1">
-                              <a:latin typeface="Cambria Math" panose="02040503050406030204" pitchFamily="18" charset="0"/>
-                              <a:ea typeface="Cambria Math" panose="02040503050406030204" pitchFamily="18" charset="0"/>
-                            </a:rPr>
-                            <m:t>\</m:t>
-                          </m:r>
-                          <m:sSub>
-                            <m:sSubPr>
-                              <m:ctrlPr>
-                                <a:rPr lang="en-US" sz="1800" b="1" i="1">
-                                  <a:latin typeface="Cambria Math" panose="02040503050406030204" pitchFamily="18" charset="0"/>
-                                  <a:ea typeface="Cambria Math" panose="02040503050406030204" pitchFamily="18" charset="0"/>
-                                </a:rPr>
-                              </m:ctrlPr>
-                            </m:sSubPr>
-                            <m:e>
-                              <m:r>
-                                <a:rPr lang="en-US" sz="1800" b="1" i="1">
-                                  <a:latin typeface="Cambria Math" panose="02040503050406030204" pitchFamily="18" charset="0"/>
-                                  <a:ea typeface="Cambria Math" panose="02040503050406030204" pitchFamily="18" charset="0"/>
-                                </a:rPr>
-                                <m:t>𝑸</m:t>
-                              </m:r>
-                            </m:e>
-                            <m:sub>
-                              <m:r>
-                                <a:rPr lang="en-US" sz="1800" b="1" i="1">
-                                  <a:latin typeface="Cambria Math" panose="02040503050406030204" pitchFamily="18" charset="0"/>
-                                  <a:ea typeface="Cambria Math" panose="02040503050406030204" pitchFamily="18" charset="0"/>
-                                </a:rPr>
-                                <m:t>𝑿</m:t>
-                              </m:r>
-                            </m:sub>
-                          </m:sSub>
-                        </m:num>
-                        <m:den>
-                          <m:r>
-                            <a:rPr lang="en-US" sz="1800" b="1" i="1">
-                              <a:latin typeface="Cambria Math" panose="02040503050406030204" pitchFamily="18" charset="0"/>
-                              <a:ea typeface="Cambria Math" panose="02040503050406030204" pitchFamily="18" charset="0"/>
-                            </a:rPr>
-                            <m:t>∆</m:t>
-                          </m:r>
-                          <m:sSub>
-                            <m:sSubPr>
-                              <m:ctrlPr>
-                                <a:rPr lang="en-US" sz="1800" b="1" i="1">
-                                  <a:latin typeface="Cambria Math" panose="02040503050406030204" pitchFamily="18" charset="0"/>
-                                  <a:ea typeface="Cambria Math" panose="02040503050406030204" pitchFamily="18" charset="0"/>
-                                </a:rPr>
-                              </m:ctrlPr>
-                            </m:sSubPr>
-                            <m:e>
-                              <m:r>
-                                <a:rPr lang="en-US" sz="1800" b="1" i="1" smtClean="0">
-                                  <a:latin typeface="Cambria Math" panose="02040503050406030204" pitchFamily="18" charset="0"/>
-                                  <a:ea typeface="Cambria Math" panose="02040503050406030204" pitchFamily="18" charset="0"/>
-                                </a:rPr>
-                                <m:t>𝑷</m:t>
-                              </m:r>
-                            </m:e>
-                            <m:sub>
-                              <m:r>
-                                <a:rPr lang="en-US" sz="1800" b="1" i="1" smtClean="0">
-                                  <a:latin typeface="Cambria Math" panose="02040503050406030204" pitchFamily="18" charset="0"/>
-                                  <a:ea typeface="Cambria Math" panose="02040503050406030204" pitchFamily="18" charset="0"/>
-                                </a:rPr>
-                                <m:t>𝒀</m:t>
-                              </m:r>
-                            </m:sub>
-                          </m:sSub>
-                          <m:r>
-                            <a:rPr lang="en-US" sz="1800" b="1" i="1">
-                              <a:latin typeface="Cambria Math" panose="02040503050406030204" pitchFamily="18" charset="0"/>
-                              <a:ea typeface="Cambria Math" panose="02040503050406030204" pitchFamily="18" charset="0"/>
-                            </a:rPr>
-                            <m:t>\</m:t>
-                          </m:r>
-                          <m:sSub>
-                            <m:sSubPr>
-                              <m:ctrlPr>
-                                <a:rPr lang="en-US" sz="1800" b="1" i="1">
-                                  <a:latin typeface="Cambria Math" panose="02040503050406030204" pitchFamily="18" charset="0"/>
-                                  <a:ea typeface="Cambria Math" panose="02040503050406030204" pitchFamily="18" charset="0"/>
-                                </a:rPr>
-                              </m:ctrlPr>
-                            </m:sSubPr>
-                            <m:e>
-                              <m:r>
-                                <a:rPr lang="en-US" sz="1800" b="1" i="1" smtClean="0">
-                                  <a:latin typeface="Cambria Math" panose="02040503050406030204" pitchFamily="18" charset="0"/>
-                                  <a:ea typeface="Cambria Math" panose="02040503050406030204" pitchFamily="18" charset="0"/>
-                                </a:rPr>
-                                <m:t>𝑷</m:t>
-                              </m:r>
-                            </m:e>
-                            <m:sub>
-                              <m:r>
-                                <a:rPr lang="en-US" sz="1800" b="1" i="1" smtClean="0">
-                                  <a:latin typeface="Cambria Math" panose="02040503050406030204" pitchFamily="18" charset="0"/>
-                                  <a:ea typeface="Cambria Math" panose="02040503050406030204" pitchFamily="18" charset="0"/>
-                                </a:rPr>
-                                <m:t>𝒀</m:t>
-                              </m:r>
-                            </m:sub>
-                          </m:sSub>
-                        </m:den>
-                      </m:f>
-                      <m:r>
-                        <a:rPr lang="ru-RU" sz="1800" b="1" i="1">
-                          <a:latin typeface="Cambria Math" panose="02040503050406030204" pitchFamily="18" charset="0"/>
-                          <a:ea typeface="Cambria Math" panose="02040503050406030204" pitchFamily="18" charset="0"/>
-                        </a:rPr>
-                        <m:t>(%)</m:t>
-                      </m:r>
-                    </m:oMath>
-                  </m:oMathPara>
-                </a14:m>
-                <a:endParaRPr lang="en-US" sz="1800" dirty="0"/>
-              </a:p>
-              <a:p>
-                <a:pPr marL="0" indent="0">
-                  <a:lnSpc>
-                    <a:spcPct val="150000"/>
-                  </a:lnSpc>
-                  <a:buNone/>
-                </a:pPr>
-                <a:r>
-                  <a:rPr lang="en-US" sz="1500" dirty="0"/>
-                  <a:t>X, Y - </a:t>
-                </a:r>
-                <a:r>
-                  <a:rPr lang="ru-RU" sz="1500" dirty="0"/>
-                  <a:t>товары</a:t>
-                </a:r>
-                <a:endParaRPr lang="en-US" sz="1500" dirty="0"/>
-              </a:p>
-              <a:p>
-                <a:pPr marL="342900" indent="-342900">
-                  <a:lnSpc>
-                    <a:spcPct val="150000"/>
-                  </a:lnSpc>
-                  <a:buFont typeface="+mj-lt"/>
-                  <a:buAutoNum type="arabicPeriod"/>
-                </a:pPr>
-                <a:r>
-                  <a:rPr lang="ru-RU" sz="1500" dirty="0"/>
-                  <a:t>взаимозаменяемое благо </a:t>
-                </a:r>
-                <a14:m>
-                  <m:oMath xmlns:m="http://schemas.openxmlformats.org/officeDocument/2006/math">
-                    <m:sSubSup>
-                      <m:sSubSupPr>
-                        <m:ctrlPr>
-                          <a:rPr lang="en-US" sz="1500" b="1" i="1" smtClean="0">
-                            <a:latin typeface="Cambria Math" panose="02040503050406030204" pitchFamily="18" charset="0"/>
-                          </a:rPr>
-                        </m:ctrlPr>
-                      </m:sSubSupPr>
-                      <m:e>
-                        <m:r>
-                          <a:rPr lang="en-US" sz="1500" b="1" i="1" smtClean="0">
-                            <a:latin typeface="Cambria Math" panose="02040503050406030204" pitchFamily="18" charset="0"/>
-                          </a:rPr>
-                          <m:t>𝑬</m:t>
-                        </m:r>
-                      </m:e>
-                      <m:sub>
-                        <m:r>
-                          <a:rPr lang="en-US" sz="1500" b="1" i="1" smtClean="0">
-                            <a:latin typeface="Cambria Math" panose="02040503050406030204" pitchFamily="18" charset="0"/>
-                          </a:rPr>
-                          <m:t>𝑿𝒀</m:t>
-                        </m:r>
-                      </m:sub>
-                      <m:sup>
-                        <m:r>
-                          <a:rPr lang="en-US" sz="1500" b="1" i="1" smtClean="0">
-                            <a:latin typeface="Cambria Math" panose="02040503050406030204" pitchFamily="18" charset="0"/>
-                          </a:rPr>
-                          <m:t>𝑫</m:t>
-                        </m:r>
-                      </m:sup>
-                    </m:sSubSup>
-                    <m:r>
-                      <a:rPr lang="en-US" sz="1500" b="1" i="1" smtClean="0">
-                        <a:latin typeface="Cambria Math" panose="02040503050406030204" pitchFamily="18" charset="0"/>
-                      </a:rPr>
-                      <m:t>&gt;</m:t>
-                    </m:r>
-                    <m:r>
-                      <a:rPr lang="en-US" sz="1500" b="1" i="1" smtClean="0">
-                        <a:latin typeface="Cambria Math" panose="02040503050406030204" pitchFamily="18" charset="0"/>
-                      </a:rPr>
-                      <m:t>𝟎</m:t>
-                    </m:r>
-                  </m:oMath>
-                </a14:m>
-                <a:endParaRPr lang="ru-RU" sz="1500" b="1" dirty="0"/>
-              </a:p>
-              <a:p>
-                <a:pPr marL="342900" indent="-342900">
-                  <a:lnSpc>
-                    <a:spcPct val="150000"/>
-                  </a:lnSpc>
-                  <a:buFont typeface="+mj-lt"/>
-                  <a:buAutoNum type="arabicPeriod"/>
-                </a:pPr>
-                <a:r>
-                  <a:rPr lang="ru-RU" sz="1500" dirty="0"/>
-                  <a:t>комплементарные благ </a:t>
-                </a:r>
-                <a14:m>
-                  <m:oMath xmlns:m="http://schemas.openxmlformats.org/officeDocument/2006/math">
-                    <m:sSubSup>
-                      <m:sSubSupPr>
-                        <m:ctrlPr>
-                          <a:rPr lang="en-US" sz="1500" b="1" i="1" smtClean="0">
-                            <a:latin typeface="Cambria Math" panose="02040503050406030204" pitchFamily="18" charset="0"/>
-                          </a:rPr>
-                        </m:ctrlPr>
-                      </m:sSubSupPr>
-                      <m:e>
-                        <m:r>
-                          <a:rPr lang="en-US" sz="1500" b="1" i="1" smtClean="0">
-                            <a:latin typeface="Cambria Math" panose="02040503050406030204" pitchFamily="18" charset="0"/>
-                          </a:rPr>
-                          <m:t>𝑬</m:t>
-                        </m:r>
-                      </m:e>
-                      <m:sub>
-                        <m:r>
-                          <a:rPr lang="en-US" sz="1500" b="1" i="1" smtClean="0">
-                            <a:latin typeface="Cambria Math" panose="02040503050406030204" pitchFamily="18" charset="0"/>
-                          </a:rPr>
-                          <m:t>𝑿𝒀</m:t>
-                        </m:r>
-                      </m:sub>
-                      <m:sup>
-                        <m:r>
-                          <a:rPr lang="en-US" sz="1500" b="1" i="1" smtClean="0">
-                            <a:latin typeface="Cambria Math" panose="02040503050406030204" pitchFamily="18" charset="0"/>
-                          </a:rPr>
-                          <m:t>𝑫</m:t>
-                        </m:r>
-                      </m:sup>
-                    </m:sSubSup>
-                    <m:r>
-                      <a:rPr lang="en-US" sz="1500" b="1" i="1" smtClean="0">
-                        <a:latin typeface="Cambria Math" panose="02040503050406030204" pitchFamily="18" charset="0"/>
-                      </a:rPr>
-                      <m:t>&lt;</m:t>
-                    </m:r>
-                    <m:r>
-                      <a:rPr lang="en-US" sz="1500" b="1" i="1" smtClean="0">
-                        <a:latin typeface="Cambria Math" panose="02040503050406030204" pitchFamily="18" charset="0"/>
-                      </a:rPr>
-                      <m:t>𝟎</m:t>
-                    </m:r>
-                  </m:oMath>
-                </a14:m>
-                <a:endParaRPr lang="ru-RU" sz="1500" b="1" dirty="0"/>
-              </a:p>
-              <a:p>
-                <a:pPr marL="342900" indent="-342900">
-                  <a:lnSpc>
-                    <a:spcPct val="150000"/>
-                  </a:lnSpc>
-                  <a:buFont typeface="+mj-lt"/>
-                  <a:buAutoNum type="arabicPeriod"/>
-                </a:pPr>
-                <a:r>
-                  <a:rPr lang="ru-RU" sz="1500" dirty="0"/>
-                  <a:t>независимые друг от друга блага </a:t>
-                </a:r>
-                <a14:m>
-                  <m:oMath xmlns:m="http://schemas.openxmlformats.org/officeDocument/2006/math">
-                    <m:sSubSup>
-                      <m:sSubSupPr>
-                        <m:ctrlPr>
-                          <a:rPr lang="en-US" sz="1500" b="1" i="1" smtClean="0">
-                            <a:latin typeface="Cambria Math" panose="02040503050406030204" pitchFamily="18" charset="0"/>
-                          </a:rPr>
-                        </m:ctrlPr>
-                      </m:sSubSupPr>
-                      <m:e>
-                        <m:r>
-                          <a:rPr lang="en-US" sz="1500" b="1" i="1" smtClean="0">
-                            <a:latin typeface="Cambria Math" panose="02040503050406030204" pitchFamily="18" charset="0"/>
-                          </a:rPr>
-                          <m:t>𝑬</m:t>
-                        </m:r>
-                      </m:e>
-                      <m:sub>
-                        <m:r>
-                          <a:rPr lang="en-US" sz="1500" b="1" i="1" smtClean="0">
-                            <a:latin typeface="Cambria Math" panose="02040503050406030204" pitchFamily="18" charset="0"/>
-                          </a:rPr>
-                          <m:t>𝑿𝒀</m:t>
-                        </m:r>
-                      </m:sub>
-                      <m:sup>
-                        <m:r>
-                          <a:rPr lang="en-US" sz="1500" b="1" i="1" smtClean="0">
-                            <a:latin typeface="Cambria Math" panose="02040503050406030204" pitchFamily="18" charset="0"/>
-                          </a:rPr>
-                          <m:t>𝑫</m:t>
-                        </m:r>
-                      </m:sup>
-                    </m:sSubSup>
-                    <m:r>
-                      <a:rPr lang="en-US" sz="1500" b="1" i="1" smtClean="0">
-                        <a:latin typeface="Cambria Math" panose="02040503050406030204" pitchFamily="18" charset="0"/>
-                      </a:rPr>
-                      <m:t>=</m:t>
-                    </m:r>
-                    <m:r>
-                      <a:rPr lang="en-US" sz="1500" b="1" i="1" smtClean="0">
-                        <a:latin typeface="Cambria Math" panose="02040503050406030204" pitchFamily="18" charset="0"/>
-                      </a:rPr>
-                      <m:t>𝟎</m:t>
-                    </m:r>
-                  </m:oMath>
-                </a14:m>
-                <a:endParaRPr lang="ru-RU" sz="1500" b="1" dirty="0"/>
-              </a:p>
-              <a:p>
-                <a:pPr marL="0" indent="0">
-                  <a:lnSpc>
-                    <a:spcPct val="150000"/>
-                  </a:lnSpc>
-                  <a:buNone/>
-                </a:pPr>
-                <a:endParaRPr lang="ru-RU" sz="1800" dirty="0">
-                  <a:latin typeface="Montserrat" panose="00000500000000000000" pitchFamily="2" charset="0"/>
-                </a:endParaRPr>
-              </a:p>
-            </p:txBody>
-          </p:sp>
-        </mc:Choice>
-        <mc:Fallback xmlns="">
-          <p:sp>
-            <p:nvSpPr>
-              <p:cNvPr id="3" name="Объект 2"/>
-              <p:cNvSpPr>
-                <a:spLocks noGrp="1" noRot="1" noChangeAspect="1" noMove="1" noResize="1" noEditPoints="1" noAdjustHandles="1" noChangeArrowheads="1" noChangeShapeType="1" noTextEdit="1"/>
-              </p:cNvSpPr>
-              <p:nvPr>
-                <p:ph idx="1"/>
-              </p:nvPr>
-            </p:nvSpPr>
-            <p:spPr>
-              <a:xfrm>
-                <a:off x="838200" y="2022765"/>
-                <a:ext cx="10515600" cy="4154198"/>
-              </a:xfrm>
-              <a:blipFill>
-                <a:blip r:embed="rId3"/>
-                <a:stretch>
-                  <a:fillRect l="-522"/>
-                </a:stretch>
-              </a:blipFill>
-            </p:spPr>
-            <p:txBody>
-              <a:bodyPr/>
-              <a:lstStyle/>
-              <a:p>
-                <a:r>
-                  <a:rPr lang="ru-RU">
-                    <a:noFill/>
-                  </a:rPr>
-                  <a:t> </a:t>
-                </a:r>
-              </a:p>
-            </p:txBody>
-          </p:sp>
-        </mc:Fallback>
-      </mc:AlternateContent>
+              <a:t>для обеспечения конкурентоспособности</a:t>
+            </a:r>
+          </a:p>
+        </p:txBody>
+      </p:sp>
       <p:sp>
         <p:nvSpPr>
           <p:cNvPr id="4" name="Нижний колонтитул 3"/>
@@ -8421,807 +7001,7 @@
               <a:rPr lang="ru-RU" smtClean="0"/>
               <a:t>12</a:t>
             </a:fld>
-            <a:endParaRPr lang="ru-RU"/>
-          </a:p>
-        </p:txBody>
-      </p:sp>
-      <p:pic>
-        <p:nvPicPr>
-          <p:cNvPr id="7" name="Picture 2" descr="image">
-            <a:extLst>
-              <a:ext uri="{FF2B5EF4-FFF2-40B4-BE49-F238E27FC236}">
-                <a16:creationId xmlns:a16="http://schemas.microsoft.com/office/drawing/2014/main" id="{CFC6836E-3700-421C-8822-6708949CADCA}"/>
-              </a:ext>
-            </a:extLst>
-          </p:cNvPr>
-          <p:cNvPicPr>
-            <a:picLocks noChangeAspect="1" noChangeArrowheads="1"/>
-          </p:cNvPicPr>
-          <p:nvPr/>
-        </p:nvPicPr>
-        <p:blipFill>
-          <a:blip r:embed="rId4" cstate="print">
-            <a:extLst>
-              <a:ext uri="{28A0092B-C50C-407E-A947-70E740481C1C}">
-                <a14:useLocalDpi xmlns:a14="http://schemas.microsoft.com/office/drawing/2010/main" val="0"/>
-              </a:ext>
-            </a:extLst>
-          </a:blip>
-          <a:srcRect/>
-          <a:stretch>
-            <a:fillRect/>
-          </a:stretch>
-        </p:blipFill>
-        <p:spPr bwMode="auto">
-          <a:xfrm>
-            <a:off x="10193246" y="360436"/>
-            <a:ext cx="1520954" cy="1520954"/>
-          </a:xfrm>
-          <a:prstGeom prst="rect">
-            <a:avLst/>
-          </a:prstGeom>
-          <a:noFill/>
-          <a:extLst>
-            <a:ext uri="{909E8E84-426E-40DD-AFC4-6F175D3DCCD1}">
-              <a14:hiddenFill xmlns:a14="http://schemas.microsoft.com/office/drawing/2010/main">
-                <a:solidFill>
-                  <a:srgbClr val="FFFFFF"/>
-                </a:solidFill>
-              </a14:hiddenFill>
-            </a:ext>
-          </a:extLst>
-        </p:spPr>
-      </p:pic>
-    </p:spTree>
-    <p:extLst>
-      <p:ext uri="{BB962C8B-B14F-4D97-AF65-F5344CB8AC3E}">
-        <p14:creationId xmlns:p14="http://schemas.microsoft.com/office/powerpoint/2010/main" val="36148254"/>
-      </p:ext>
-    </p:extLst>
-  </p:cSld>
-  <p:clrMapOvr>
-    <a:masterClrMapping/>
-  </p:clrMapOvr>
-</p:sld>
-</file>
-
-<file path=ppt/slides/slide13.xml><?xml version="1.0" encoding="utf-8"?>
-<p:sld xmlns:a="http://schemas.openxmlformats.org/drawingml/2006/main" xmlns:r="http://schemas.openxmlformats.org/officeDocument/2006/relationships" xmlns:p="http://schemas.openxmlformats.org/presentationml/2006/main">
-  <p:cSld>
-    <p:spTree>
-      <p:nvGrpSpPr>
-        <p:cNvPr id="1" name=""/>
-        <p:cNvGrpSpPr/>
-        <p:nvPr/>
-      </p:nvGrpSpPr>
-      <p:grpSpPr>
-        <a:xfrm>
-          <a:off x="0" y="0"/>
-          <a:ext cx="0" cy="0"/>
-          <a:chOff x="0" y="0"/>
-          <a:chExt cx="0" cy="0"/>
-        </a:xfrm>
-      </p:grpSpPr>
-      <p:sp>
-        <p:nvSpPr>
-          <p:cNvPr id="2" name="Заголовок 1"/>
-          <p:cNvSpPr>
-            <a:spLocks noGrp="1"/>
-          </p:cNvSpPr>
-          <p:nvPr>
-            <p:ph type="title"/>
-          </p:nvPr>
-        </p:nvSpPr>
-        <p:spPr>
-          <a:xfrm>
-            <a:off x="838200" y="1039528"/>
-            <a:ext cx="10515600" cy="651160"/>
-          </a:xfrm>
-        </p:spPr>
-        <p:txBody>
-          <a:bodyPr>
-            <a:normAutofit fontScale="90000"/>
-          </a:bodyPr>
-          <a:lstStyle/>
-          <a:p>
-            <a:r>
-              <a:rPr lang="ru-RU" b="1" dirty="0">
-                <a:solidFill>
-                  <a:srgbClr val="326CDB"/>
-                </a:solidFill>
-                <a:latin typeface="Montserrat" panose="00000500000000000000" pitchFamily="2" charset="0"/>
-                <a:cs typeface="Arial" panose="020B0604020202020204" pitchFamily="34" charset="0"/>
-              </a:rPr>
-              <a:t>Эластичность предложения</a:t>
-            </a:r>
-          </a:p>
-        </p:txBody>
-      </p:sp>
-      <mc:AlternateContent xmlns:mc="http://schemas.openxmlformats.org/markup-compatibility/2006" xmlns:a14="http://schemas.microsoft.com/office/drawing/2010/main">
-        <mc:Choice Requires="a14">
-          <p:sp>
-            <p:nvSpPr>
-              <p:cNvPr id="3" name="Объект 2"/>
-              <p:cNvSpPr>
-                <a:spLocks noGrp="1"/>
-              </p:cNvSpPr>
-              <p:nvPr>
-                <p:ph idx="1"/>
-              </p:nvPr>
-            </p:nvSpPr>
-            <p:spPr/>
-            <p:txBody>
-              <a:bodyPr>
-                <a:normAutofit/>
-              </a:bodyPr>
-              <a:lstStyle/>
-              <a:p>
-                <a:pPr marL="0" indent="0">
-                  <a:lnSpc>
-                    <a:spcPct val="150000"/>
-                  </a:lnSpc>
-                  <a:buNone/>
-                </a:pPr>
-                <a:r>
-                  <a:rPr lang="ru-RU" sz="1800" dirty="0">
-                    <a:latin typeface="Montserrat" panose="00000500000000000000" pitchFamily="2" charset="0"/>
-                  </a:rPr>
-                  <a:t>демонстрирует, как </a:t>
-                </a:r>
-                <a:r>
-                  <a:rPr lang="ru-RU" sz="1800" dirty="0">
-                    <a:solidFill>
-                      <a:srgbClr val="326CDB"/>
-                    </a:solidFill>
-                    <a:latin typeface="Montserrat" panose="00000500000000000000" pitchFamily="2" charset="0"/>
-                  </a:rPr>
-                  <a:t>продавцы</a:t>
-                </a:r>
-                <a:r>
-                  <a:rPr lang="ru-RU" sz="1800" dirty="0">
-                    <a:latin typeface="Montserrat" panose="00000500000000000000" pitchFamily="2" charset="0"/>
-                  </a:rPr>
-                  <a:t> реагируют на изменение цены: увеличивают или уменьшают объемы продукции на рынке</a:t>
-                </a:r>
-                <a:endParaRPr lang="en-US" sz="1800" dirty="0">
-                  <a:latin typeface="Montserrat" panose="00000500000000000000" pitchFamily="2" charset="0"/>
-                </a:endParaRPr>
-              </a:p>
-              <a:p>
-                <a:pPr marL="0" indent="0">
-                  <a:lnSpc>
-                    <a:spcPct val="150000"/>
-                  </a:lnSpc>
-                  <a:buNone/>
-                </a:pPr>
-                <a:endParaRPr lang="ru-RU" sz="1500" dirty="0">
-                  <a:latin typeface="Montserrat" panose="00000500000000000000" pitchFamily="2" charset="0"/>
-                </a:endParaRPr>
-              </a:p>
-              <a:p>
-                <a:pPr marL="0" indent="0">
-                  <a:lnSpc>
-                    <a:spcPct val="150000"/>
-                  </a:lnSpc>
-                  <a:buNone/>
-                </a:pPr>
-                <a14:m>
-                  <m:oMathPara xmlns:m="http://schemas.openxmlformats.org/officeDocument/2006/math">
-                    <m:oMathParaPr>
-                      <m:jc m:val="centerGroup"/>
-                    </m:oMathParaPr>
-                    <m:oMath xmlns:m="http://schemas.openxmlformats.org/officeDocument/2006/math">
-                      <m:sSubSup>
-                        <m:sSubSupPr>
-                          <m:ctrlPr>
-                            <a:rPr lang="en-US" sz="1800" i="1" smtClean="0">
-                              <a:latin typeface="Cambria Math" panose="02040503050406030204" pitchFamily="18" charset="0"/>
-                            </a:rPr>
-                          </m:ctrlPr>
-                        </m:sSubSupPr>
-                        <m:e>
-                          <m:r>
-                            <a:rPr lang="en-US" sz="1800" b="0" i="1" smtClean="0">
-                              <a:latin typeface="Cambria Math" panose="02040503050406030204" pitchFamily="18" charset="0"/>
-                            </a:rPr>
-                            <m:t>𝐸</m:t>
-                          </m:r>
-                        </m:e>
-                        <m:sub>
-                          <m:r>
-                            <a:rPr lang="en-US" sz="1800" b="0" i="1" smtClean="0">
-                              <a:latin typeface="Cambria Math" panose="02040503050406030204" pitchFamily="18" charset="0"/>
-                            </a:rPr>
-                            <m:t>𝑃</m:t>
-                          </m:r>
-                        </m:sub>
-                        <m:sup>
-                          <m:r>
-                            <a:rPr lang="en-US" sz="1800" b="0" i="1" smtClean="0">
-                              <a:latin typeface="Cambria Math" panose="02040503050406030204" pitchFamily="18" charset="0"/>
-                            </a:rPr>
-                            <m:t>𝑆</m:t>
-                          </m:r>
-                        </m:sup>
-                      </m:sSubSup>
-                      <m:r>
-                        <a:rPr lang="en-US" sz="1800" b="0" i="1" smtClean="0">
-                          <a:latin typeface="Cambria Math" panose="02040503050406030204" pitchFamily="18" charset="0"/>
-                        </a:rPr>
-                        <m:t>=</m:t>
-                      </m:r>
-                      <m:f>
-                        <m:fPr>
-                          <m:ctrlPr>
-                            <a:rPr lang="en-US" sz="1800" b="1" i="1">
-                              <a:latin typeface="Cambria Math" panose="02040503050406030204" pitchFamily="18" charset="0"/>
-                            </a:rPr>
-                          </m:ctrlPr>
-                        </m:fPr>
-                        <m:num>
-                          <m:r>
-                            <a:rPr lang="en-US" sz="1800" b="1" i="1">
-                              <a:latin typeface="Cambria Math" panose="02040503050406030204" pitchFamily="18" charset="0"/>
-                              <a:ea typeface="Cambria Math" panose="02040503050406030204" pitchFamily="18" charset="0"/>
-                            </a:rPr>
-                            <m:t>∆</m:t>
-                          </m:r>
-                          <m:sSub>
-                            <m:sSubPr>
-                              <m:ctrlPr>
-                                <a:rPr lang="en-US" sz="1800" b="1" i="1" smtClean="0">
-                                  <a:latin typeface="Cambria Math" panose="02040503050406030204" pitchFamily="18" charset="0"/>
-                                  <a:ea typeface="Cambria Math" panose="02040503050406030204" pitchFamily="18" charset="0"/>
-                                </a:rPr>
-                              </m:ctrlPr>
-                            </m:sSubPr>
-                            <m:e>
-                              <m:r>
-                                <a:rPr lang="en-US" sz="1800" b="1" i="1" smtClean="0">
-                                  <a:latin typeface="Cambria Math" panose="02040503050406030204" pitchFamily="18" charset="0"/>
-                                  <a:ea typeface="Cambria Math" panose="02040503050406030204" pitchFamily="18" charset="0"/>
-                                </a:rPr>
-                                <m:t>𝑸</m:t>
-                              </m:r>
-                            </m:e>
-                            <m:sub>
-                              <m:r>
-                                <a:rPr lang="en-US" sz="1800" b="1" i="1" smtClean="0">
-                                  <a:latin typeface="Cambria Math" panose="02040503050406030204" pitchFamily="18" charset="0"/>
-                                  <a:ea typeface="Cambria Math" panose="02040503050406030204" pitchFamily="18" charset="0"/>
-                                </a:rPr>
-                                <m:t>𝑿</m:t>
-                              </m:r>
-                            </m:sub>
-                          </m:sSub>
-                          <m:r>
-                            <a:rPr lang="en-US" sz="1800" b="1" i="1">
-                              <a:latin typeface="Cambria Math" panose="02040503050406030204" pitchFamily="18" charset="0"/>
-                              <a:ea typeface="Cambria Math" panose="02040503050406030204" pitchFamily="18" charset="0"/>
-                            </a:rPr>
-                            <m:t>\</m:t>
-                          </m:r>
-                          <m:sSub>
-                            <m:sSubPr>
-                              <m:ctrlPr>
-                                <a:rPr lang="en-US" sz="1800" b="1" i="1">
-                                  <a:latin typeface="Cambria Math" panose="02040503050406030204" pitchFamily="18" charset="0"/>
-                                  <a:ea typeface="Cambria Math" panose="02040503050406030204" pitchFamily="18" charset="0"/>
-                                </a:rPr>
-                              </m:ctrlPr>
-                            </m:sSubPr>
-                            <m:e>
-                              <m:r>
-                                <a:rPr lang="en-US" sz="1800" b="1" i="1">
-                                  <a:latin typeface="Cambria Math" panose="02040503050406030204" pitchFamily="18" charset="0"/>
-                                  <a:ea typeface="Cambria Math" panose="02040503050406030204" pitchFamily="18" charset="0"/>
-                                </a:rPr>
-                                <m:t>𝑸</m:t>
-                              </m:r>
-                            </m:e>
-                            <m:sub>
-                              <m:r>
-                                <a:rPr lang="en-US" sz="1800" b="1" i="1">
-                                  <a:latin typeface="Cambria Math" panose="02040503050406030204" pitchFamily="18" charset="0"/>
-                                  <a:ea typeface="Cambria Math" panose="02040503050406030204" pitchFamily="18" charset="0"/>
-                                </a:rPr>
-                                <m:t>𝑿</m:t>
-                              </m:r>
-                            </m:sub>
-                          </m:sSub>
-                        </m:num>
-                        <m:den>
-                          <m:r>
-                            <a:rPr lang="en-US" sz="1800" b="1" i="1">
-                              <a:latin typeface="Cambria Math" panose="02040503050406030204" pitchFamily="18" charset="0"/>
-                              <a:ea typeface="Cambria Math" panose="02040503050406030204" pitchFamily="18" charset="0"/>
-                            </a:rPr>
-                            <m:t>∆</m:t>
-                          </m:r>
-                          <m:r>
-                            <a:rPr lang="en-US" sz="1800" b="1" i="1" smtClean="0">
-                              <a:latin typeface="Cambria Math" panose="02040503050406030204" pitchFamily="18" charset="0"/>
-                              <a:ea typeface="Cambria Math" panose="02040503050406030204" pitchFamily="18" charset="0"/>
-                            </a:rPr>
-                            <m:t>𝑷</m:t>
-                          </m:r>
-                          <m:r>
-                            <a:rPr lang="en-US" sz="1800" b="1" i="1">
-                              <a:latin typeface="Cambria Math" panose="02040503050406030204" pitchFamily="18" charset="0"/>
-                              <a:ea typeface="Cambria Math" panose="02040503050406030204" pitchFamily="18" charset="0"/>
-                            </a:rPr>
-                            <m:t>\</m:t>
-                          </m:r>
-                          <m:r>
-                            <a:rPr lang="en-US" sz="1800" b="1" i="1" smtClean="0">
-                              <a:latin typeface="Cambria Math" panose="02040503050406030204" pitchFamily="18" charset="0"/>
-                              <a:ea typeface="Cambria Math" panose="02040503050406030204" pitchFamily="18" charset="0"/>
-                            </a:rPr>
-                            <m:t>𝑷</m:t>
-                          </m:r>
-                        </m:den>
-                      </m:f>
-                      <m:r>
-                        <a:rPr lang="ru-RU" sz="1800" b="1" i="1">
-                          <a:latin typeface="Cambria Math" panose="02040503050406030204" pitchFamily="18" charset="0"/>
-                          <a:ea typeface="Cambria Math" panose="02040503050406030204" pitchFamily="18" charset="0"/>
-                        </a:rPr>
-                        <m:t>(%)</m:t>
-                      </m:r>
-                    </m:oMath>
-                  </m:oMathPara>
-                </a14:m>
-                <a:endParaRPr lang="en-US" sz="1800" dirty="0">
-                  <a:latin typeface="Montserrat" panose="00000500000000000000" pitchFamily="2" charset="0"/>
-                </a:endParaRPr>
-              </a:p>
-              <a:p>
-                <a:pPr marL="0" indent="0">
-                  <a:lnSpc>
-                    <a:spcPct val="150000"/>
-                  </a:lnSpc>
-                  <a:buNone/>
-                </a:pPr>
-                <a:r>
-                  <a:rPr lang="en-US" sz="1500" dirty="0"/>
-                  <a:t>S – </a:t>
-                </a:r>
-                <a:r>
-                  <a:rPr lang="ru-RU" sz="1500" dirty="0"/>
-                  <a:t>предложение</a:t>
-                </a:r>
-                <a:endParaRPr lang="en-US" sz="1500" dirty="0"/>
-              </a:p>
-              <a:p>
-                <a:pPr marL="0" indent="0">
-                  <a:lnSpc>
-                    <a:spcPct val="150000"/>
-                  </a:lnSpc>
-                  <a:buNone/>
-                </a:pPr>
-                <a:r>
-                  <a:rPr lang="en-US" sz="1500" dirty="0">
-                    <a:ea typeface="Cambria Math" panose="02040503050406030204" pitchFamily="18" charset="0"/>
-                  </a:rPr>
-                  <a:t>Q – </a:t>
-                </a:r>
-                <a:r>
-                  <a:rPr lang="ru-RU" sz="1500" dirty="0">
-                    <a:ea typeface="Cambria Math" panose="02040503050406030204" pitchFamily="18" charset="0"/>
-                  </a:rPr>
-                  <a:t>количество товара </a:t>
-                </a:r>
-                <a:r>
-                  <a:rPr lang="en-US" sz="1500" dirty="0">
-                    <a:ea typeface="Cambria Math" panose="02040503050406030204" pitchFamily="18" charset="0"/>
-                  </a:rPr>
-                  <a:t>X</a:t>
-                </a:r>
-              </a:p>
-              <a:p>
-                <a:pPr marL="0" indent="0">
-                  <a:lnSpc>
-                    <a:spcPct val="150000"/>
-                  </a:lnSpc>
-                  <a:buNone/>
-                </a:pPr>
-                <a:r>
-                  <a:rPr lang="en-US" sz="1500" dirty="0">
-                    <a:latin typeface="Montserrat" panose="00000500000000000000" pitchFamily="2" charset="0"/>
-                    <a:ea typeface="Cambria Math" panose="02040503050406030204" pitchFamily="18" charset="0"/>
-                  </a:rPr>
-                  <a:t>P – </a:t>
-                </a:r>
-                <a:r>
-                  <a:rPr lang="ru-RU" sz="1500" dirty="0">
-                    <a:latin typeface="Montserrat" panose="00000500000000000000" pitchFamily="2" charset="0"/>
-                    <a:ea typeface="Cambria Math" panose="02040503050406030204" pitchFamily="18" charset="0"/>
-                  </a:rPr>
-                  <a:t>цена товара </a:t>
-                </a:r>
-                <a:r>
-                  <a:rPr lang="en-US" sz="1500" dirty="0">
-                    <a:latin typeface="Montserrat" panose="00000500000000000000" pitchFamily="2" charset="0"/>
-                    <a:ea typeface="Cambria Math" panose="02040503050406030204" pitchFamily="18" charset="0"/>
-                  </a:rPr>
-                  <a:t>X</a:t>
-                </a:r>
-                <a:endParaRPr lang="ru-RU" sz="1500" dirty="0">
-                  <a:latin typeface="Montserrat" panose="00000500000000000000" pitchFamily="2" charset="0"/>
-                </a:endParaRPr>
-              </a:p>
-            </p:txBody>
-          </p:sp>
-        </mc:Choice>
-        <mc:Fallback xmlns="">
-          <p:sp>
-            <p:nvSpPr>
-              <p:cNvPr id="3" name="Объект 2"/>
-              <p:cNvSpPr>
-                <a:spLocks noGrp="1" noRot="1" noChangeAspect="1" noMove="1" noResize="1" noEditPoints="1" noAdjustHandles="1" noChangeArrowheads="1" noChangeShapeType="1" noTextEdit="1"/>
-              </p:cNvSpPr>
-              <p:nvPr>
-                <p:ph idx="1"/>
-              </p:nvPr>
-            </p:nvSpPr>
-            <p:spPr>
-              <a:blipFill>
-                <a:blip r:embed="rId3"/>
-                <a:stretch>
-                  <a:fillRect l="-522"/>
-                </a:stretch>
-              </a:blipFill>
-            </p:spPr>
-            <p:txBody>
-              <a:bodyPr/>
-              <a:lstStyle/>
-              <a:p>
-                <a:r>
-                  <a:rPr lang="ru-RU">
-                    <a:noFill/>
-                  </a:rPr>
-                  <a:t> </a:t>
-                </a:r>
-              </a:p>
-            </p:txBody>
-          </p:sp>
-        </mc:Fallback>
-      </mc:AlternateContent>
-      <p:sp>
-        <p:nvSpPr>
-          <p:cNvPr id="4" name="Нижний колонтитул 3"/>
-          <p:cNvSpPr>
-            <a:spLocks noGrp="1"/>
-          </p:cNvSpPr>
-          <p:nvPr>
-            <p:ph type="ftr" sz="quarter" idx="11"/>
-          </p:nvPr>
-        </p:nvSpPr>
-        <p:spPr/>
-        <p:txBody>
-          <a:bodyPr/>
-          <a:lstStyle/>
-          <a:p>
-            <a:r>
-              <a:rPr lang="ru-RU" dirty="0">
-                <a:latin typeface="Montserrat" panose="00000500000000000000" pitchFamily="2" charset="0"/>
-                <a:cs typeface="Arial" panose="020B0604020202020204" pitchFamily="34" charset="0"/>
-              </a:rPr>
-              <a:t>МГТУ им. Н.Э. Баумана, ИУ7 – «Программное обеспечение ЭВМ и информационные технологии»</a:t>
-            </a:r>
-          </a:p>
-        </p:txBody>
-      </p:sp>
-      <p:sp>
-        <p:nvSpPr>
-          <p:cNvPr id="5" name="Номер слайда 4"/>
-          <p:cNvSpPr>
-            <a:spLocks noGrp="1"/>
-          </p:cNvSpPr>
-          <p:nvPr>
-            <p:ph type="sldNum" sz="quarter" idx="12"/>
-          </p:nvPr>
-        </p:nvSpPr>
-        <p:spPr/>
-        <p:txBody>
-          <a:bodyPr/>
-          <a:lstStyle/>
-          <a:p>
-            <a:fld id="{9415E33C-F962-4E59-AF47-C3576160EA36}" type="slidenum">
-              <a:rPr lang="ru-RU" smtClean="0"/>
-              <a:t>13</a:t>
-            </a:fld>
-            <a:endParaRPr lang="ru-RU"/>
-          </a:p>
-        </p:txBody>
-      </p:sp>
-      <p:pic>
-        <p:nvPicPr>
-          <p:cNvPr id="7" name="Picture 2" descr="image">
-            <a:extLst>
-              <a:ext uri="{FF2B5EF4-FFF2-40B4-BE49-F238E27FC236}">
-                <a16:creationId xmlns:a16="http://schemas.microsoft.com/office/drawing/2014/main" id="{CFC6836E-3700-421C-8822-6708949CADCA}"/>
-              </a:ext>
-            </a:extLst>
-          </p:cNvPr>
-          <p:cNvPicPr>
-            <a:picLocks noChangeAspect="1" noChangeArrowheads="1"/>
-          </p:cNvPicPr>
-          <p:nvPr/>
-        </p:nvPicPr>
-        <p:blipFill>
-          <a:blip r:embed="rId4" cstate="print">
-            <a:extLst>
-              <a:ext uri="{28A0092B-C50C-407E-A947-70E740481C1C}">
-                <a14:useLocalDpi xmlns:a14="http://schemas.microsoft.com/office/drawing/2010/main" val="0"/>
-              </a:ext>
-            </a:extLst>
-          </a:blip>
-          <a:srcRect/>
-          <a:stretch>
-            <a:fillRect/>
-          </a:stretch>
-        </p:blipFill>
-        <p:spPr bwMode="auto">
-          <a:xfrm>
-            <a:off x="10193246" y="360436"/>
-            <a:ext cx="1520954" cy="1520954"/>
-          </a:xfrm>
-          <a:prstGeom prst="rect">
-            <a:avLst/>
-          </a:prstGeom>
-          <a:noFill/>
-          <a:extLst>
-            <a:ext uri="{909E8E84-426E-40DD-AFC4-6F175D3DCCD1}">
-              <a14:hiddenFill xmlns:a14="http://schemas.microsoft.com/office/drawing/2010/main">
-                <a:solidFill>
-                  <a:srgbClr val="FFFFFF"/>
-                </a:solidFill>
-              </a14:hiddenFill>
-            </a:ext>
-          </a:extLst>
-        </p:spPr>
-      </p:pic>
-    </p:spTree>
-    <p:extLst>
-      <p:ext uri="{BB962C8B-B14F-4D97-AF65-F5344CB8AC3E}">
-        <p14:creationId xmlns:p14="http://schemas.microsoft.com/office/powerpoint/2010/main" val="2299204813"/>
-      </p:ext>
-    </p:extLst>
-  </p:cSld>
-  <p:clrMapOvr>
-    <a:masterClrMapping/>
-  </p:clrMapOvr>
-</p:sld>
-</file>
-
-<file path=ppt/slides/slide14.xml><?xml version="1.0" encoding="utf-8"?>
-<p:sld xmlns:a="http://schemas.openxmlformats.org/drawingml/2006/main" xmlns:r="http://schemas.openxmlformats.org/officeDocument/2006/relationships" xmlns:p="http://schemas.openxmlformats.org/presentationml/2006/main">
-  <p:cSld>
-    <p:spTree>
-      <p:nvGrpSpPr>
-        <p:cNvPr id="1" name=""/>
-        <p:cNvGrpSpPr/>
-        <p:nvPr/>
-      </p:nvGrpSpPr>
-      <p:grpSpPr>
-        <a:xfrm>
-          <a:off x="0" y="0"/>
-          <a:ext cx="0" cy="0"/>
-          <a:chOff x="0" y="0"/>
-          <a:chExt cx="0" cy="0"/>
-        </a:xfrm>
-      </p:grpSpPr>
-      <p:sp>
-        <p:nvSpPr>
-          <p:cNvPr id="2" name="Заголовок 1"/>
-          <p:cNvSpPr>
-            <a:spLocks noGrp="1"/>
-          </p:cNvSpPr>
-          <p:nvPr>
-            <p:ph type="title"/>
-          </p:nvPr>
-        </p:nvSpPr>
-        <p:spPr>
-          <a:xfrm>
-            <a:off x="838200" y="1039528"/>
-            <a:ext cx="10515600" cy="651160"/>
-          </a:xfrm>
-        </p:spPr>
-        <p:txBody>
-          <a:bodyPr>
-            <a:normAutofit fontScale="90000"/>
-          </a:bodyPr>
-          <a:lstStyle/>
-          <a:p>
-            <a:r>
-              <a:rPr lang="ru-RU" b="1" dirty="0">
-                <a:solidFill>
-                  <a:srgbClr val="326CDB"/>
-                </a:solidFill>
-                <a:latin typeface="Montserrat" panose="00000500000000000000" pitchFamily="2" charset="0"/>
-                <a:cs typeface="Arial" panose="020B0604020202020204" pitchFamily="34" charset="0"/>
-              </a:rPr>
-              <a:t>Эластичность предложения</a:t>
-            </a:r>
-            <a:br>
-              <a:rPr lang="en-US" b="1" dirty="0">
-                <a:solidFill>
-                  <a:srgbClr val="326CDB"/>
-                </a:solidFill>
-                <a:latin typeface="Montserrat" panose="00000500000000000000" pitchFamily="2" charset="0"/>
-                <a:cs typeface="Arial" panose="020B0604020202020204" pitchFamily="34" charset="0"/>
-              </a:rPr>
-            </a:br>
-            <a:r>
-              <a:rPr lang="ru-RU" sz="2800" b="1" dirty="0">
-                <a:solidFill>
-                  <a:srgbClr val="326CDB"/>
-                </a:solidFill>
-                <a:latin typeface="Montserrat" panose="00000500000000000000" pitchFamily="2" charset="0"/>
-                <a:cs typeface="Arial" panose="020B0604020202020204" pitchFamily="34" charset="0"/>
-              </a:rPr>
-              <a:t>по цене</a:t>
-            </a:r>
-          </a:p>
-        </p:txBody>
-      </p:sp>
-      <p:sp>
-        <p:nvSpPr>
-          <p:cNvPr id="3" name="Объект 2"/>
-          <p:cNvSpPr>
-            <a:spLocks noGrp="1"/>
-          </p:cNvSpPr>
-          <p:nvPr>
-            <p:ph idx="1"/>
-          </p:nvPr>
-        </p:nvSpPr>
-        <p:spPr>
-          <a:xfrm>
-            <a:off x="838200" y="1936457"/>
-            <a:ext cx="6005946" cy="3992847"/>
-          </a:xfrm>
-        </p:spPr>
-        <p:txBody>
-          <a:bodyPr>
-            <a:noAutofit/>
-          </a:bodyPr>
-          <a:lstStyle/>
-          <a:p>
-            <a:pPr>
-              <a:lnSpc>
-                <a:spcPct val="150000"/>
-              </a:lnSpc>
-            </a:pPr>
-            <a:r>
-              <a:rPr lang="ru-RU" sz="1500" b="1" dirty="0">
-                <a:solidFill>
-                  <a:srgbClr val="326CDB"/>
-                </a:solidFill>
-                <a:latin typeface="Montserrat" panose="00000500000000000000" pitchFamily="2" charset="0"/>
-              </a:rPr>
-              <a:t>Абсолютно эластичное предложение </a:t>
-            </a:r>
-            <a:r>
-              <a:rPr lang="ru-RU" sz="1500" dirty="0">
-                <a:latin typeface="Montserrat" panose="00000500000000000000" pitchFamily="2" charset="0"/>
-              </a:rPr>
-              <a:t>— существует только одна цена, по которой товар будет предлагаться на рынке.</a:t>
-            </a:r>
-          </a:p>
-          <a:p>
-            <a:pPr>
-              <a:lnSpc>
-                <a:spcPct val="150000"/>
-              </a:lnSpc>
-            </a:pPr>
-            <a:r>
-              <a:rPr lang="ru-RU" sz="1500" b="1" dirty="0">
-                <a:solidFill>
-                  <a:srgbClr val="326CDB"/>
-                </a:solidFill>
-                <a:latin typeface="Montserrat" panose="00000500000000000000" pitchFamily="2" charset="0"/>
-              </a:rPr>
-              <a:t>Эластичное предложение </a:t>
-            </a:r>
-            <a:r>
-              <a:rPr lang="ru-RU" sz="1500" dirty="0">
-                <a:latin typeface="Montserrat" panose="00000500000000000000" pitchFamily="2" charset="0"/>
-              </a:rPr>
-              <a:t>— при изменении цены предложение существенно изменяется </a:t>
-            </a:r>
-          </a:p>
-          <a:p>
-            <a:pPr>
-              <a:lnSpc>
-                <a:spcPct val="150000"/>
-              </a:lnSpc>
-            </a:pPr>
-            <a:r>
-              <a:rPr lang="ru-RU" sz="1500" b="1" dirty="0">
-                <a:solidFill>
-                  <a:srgbClr val="326CDB"/>
-                </a:solidFill>
-                <a:latin typeface="Montserrat" panose="00000500000000000000" pitchFamily="2" charset="0"/>
-              </a:rPr>
-              <a:t>Неэластичное предложение</a:t>
-            </a:r>
-            <a:r>
-              <a:rPr lang="ru-RU" sz="1500" dirty="0">
-                <a:latin typeface="Montserrat" panose="00000500000000000000" pitchFamily="2" charset="0"/>
-              </a:rPr>
-              <a:t> — предложение существенно не меняется при изменении цены</a:t>
-            </a:r>
-          </a:p>
-          <a:p>
-            <a:pPr>
-              <a:lnSpc>
-                <a:spcPct val="150000"/>
-              </a:lnSpc>
-            </a:pPr>
-            <a:r>
-              <a:rPr lang="ru-RU" sz="1500" b="1" dirty="0">
-                <a:solidFill>
-                  <a:srgbClr val="326CDB"/>
-                </a:solidFill>
-                <a:latin typeface="Montserrat" panose="00000500000000000000" pitchFamily="2" charset="0"/>
-              </a:rPr>
-              <a:t>Абсолютно неэластичное предложение </a:t>
-            </a:r>
-            <a:r>
-              <a:rPr lang="ru-RU" sz="1500" dirty="0">
-                <a:latin typeface="Montserrat" panose="00000500000000000000" pitchFamily="2" charset="0"/>
-              </a:rPr>
-              <a:t>— как бы ни менялась цена, предложение будет постоянно на одном уровне</a:t>
-            </a:r>
-          </a:p>
-        </p:txBody>
-      </p:sp>
-      <p:sp>
-        <p:nvSpPr>
-          <p:cNvPr id="4" name="Нижний колонтитул 3"/>
-          <p:cNvSpPr>
-            <a:spLocks noGrp="1"/>
-          </p:cNvSpPr>
-          <p:nvPr>
-            <p:ph type="ftr" sz="quarter" idx="11"/>
-          </p:nvPr>
-        </p:nvSpPr>
-        <p:spPr/>
-        <p:txBody>
-          <a:bodyPr/>
-          <a:lstStyle/>
-          <a:p>
-            <a:r>
-              <a:rPr lang="ru-RU" dirty="0">
-                <a:latin typeface="Montserrat" panose="00000500000000000000" pitchFamily="2" charset="0"/>
-                <a:cs typeface="Arial" panose="020B0604020202020204" pitchFamily="34" charset="0"/>
-              </a:rPr>
-              <a:t>МГТУ им. Н.Э. Баумана, ИУ7 – «Программное обеспечение ЭВМ и информационные технологии»</a:t>
-            </a:r>
-          </a:p>
-        </p:txBody>
-      </p:sp>
-      <p:sp>
-        <p:nvSpPr>
-          <p:cNvPr id="5" name="Номер слайда 4"/>
-          <p:cNvSpPr>
-            <a:spLocks noGrp="1"/>
-          </p:cNvSpPr>
-          <p:nvPr>
-            <p:ph type="sldNum" sz="quarter" idx="12"/>
-          </p:nvPr>
-        </p:nvSpPr>
-        <p:spPr/>
-        <p:txBody>
-          <a:bodyPr/>
-          <a:lstStyle/>
-          <a:p>
-            <a:fld id="{9415E33C-F962-4E59-AF47-C3576160EA36}" type="slidenum">
-              <a:rPr lang="ru-RU" smtClean="0"/>
-              <a:t>14</a:t>
-            </a:fld>
-            <a:endParaRPr lang="ru-RU"/>
+            <a:endParaRPr lang="ru-RU" dirty="0"/>
           </a:p>
         </p:txBody>
       </p:sp>
@@ -9272,12 +7052,111 @@
           </a:extLst>
         </p:spPr>
       </p:pic>
+      <p:sp>
+        <p:nvSpPr>
+          <p:cNvPr id="9" name="Объект 8">
+            <a:extLst>
+              <a:ext uri="{FF2B5EF4-FFF2-40B4-BE49-F238E27FC236}">
+                <a16:creationId xmlns:a16="http://schemas.microsoft.com/office/drawing/2014/main" id="{35FF70C8-7562-46A9-9709-8669F194B77B}"/>
+              </a:ext>
+            </a:extLst>
+          </p:cNvPr>
+          <p:cNvSpPr>
+            <a:spLocks noGrp="1"/>
+          </p:cNvSpPr>
+          <p:nvPr>
+            <p:ph idx="1"/>
+          </p:nvPr>
+        </p:nvSpPr>
+        <p:spPr/>
+        <p:txBody>
+          <a:bodyPr numCol="2" anchor="ctr">
+            <a:normAutofit/>
+          </a:bodyPr>
+          <a:lstStyle/>
+          <a:p>
+            <a:pPr marL="0" indent="0">
+              <a:lnSpc>
+                <a:spcPct val="150000"/>
+              </a:lnSpc>
+              <a:buNone/>
+            </a:pPr>
+            <a:r>
+              <a:rPr lang="ru-RU" sz="1800" b="1" dirty="0">
+                <a:solidFill>
+                  <a:srgbClr val="326CDB"/>
+                </a:solidFill>
+              </a:rPr>
+              <a:t>Преимущества</a:t>
+            </a:r>
+            <a:r>
+              <a:rPr lang="ru-RU" sz="1800" dirty="0"/>
+              <a:t> метода:</a:t>
+            </a:r>
+          </a:p>
+          <a:p>
+            <a:pPr>
+              <a:lnSpc>
+                <a:spcPct val="150000"/>
+              </a:lnSpc>
+            </a:pPr>
+            <a:r>
+              <a:rPr lang="ru-RU" sz="1800" dirty="0"/>
+              <a:t>планирование издержек</a:t>
+            </a:r>
+          </a:p>
+          <a:p>
+            <a:pPr>
+              <a:lnSpc>
+                <a:spcPct val="150000"/>
+              </a:lnSpc>
+            </a:pPr>
+            <a:r>
+              <a:rPr lang="ru-RU" sz="1800" dirty="0"/>
+              <a:t>планирование прибыли</a:t>
+            </a:r>
+          </a:p>
+          <a:p>
+            <a:pPr>
+              <a:lnSpc>
+                <a:spcPct val="150000"/>
+              </a:lnSpc>
+            </a:pPr>
+            <a:r>
+              <a:rPr lang="ru-RU" sz="1800" dirty="0"/>
+              <a:t> ориентация на спрос</a:t>
+            </a:r>
+          </a:p>
+          <a:p>
+            <a:pPr>
+              <a:lnSpc>
+                <a:spcPct val="150000"/>
+              </a:lnSpc>
+            </a:pPr>
+            <a:r>
+              <a:rPr lang="ru-RU" sz="1800" dirty="0"/>
+              <a:t>учет требований покупателей</a:t>
+            </a:r>
+          </a:p>
+          <a:p>
+            <a:pPr>
+              <a:lnSpc>
+                <a:spcPct val="150000"/>
+              </a:lnSpc>
+            </a:pPr>
+            <a:r>
+              <a:rPr lang="ru-RU" sz="1800" dirty="0"/>
+              <a:t>дает возможность заранее учесть модификации цены</a:t>
+            </a:r>
+          </a:p>
+        </p:txBody>
+      </p:sp>
       <p:pic>
         <p:nvPicPr>
-          <p:cNvPr id="12" name="Рисунок 11">
+          <p:cNvPr id="6" name="Рисунок 5">
             <a:extLst>
               <a:ext uri="{FF2B5EF4-FFF2-40B4-BE49-F238E27FC236}">
-                <a16:creationId xmlns:a16="http://schemas.microsoft.com/office/drawing/2014/main" id="{2A08C81A-2C63-4BEA-AFBC-BCAD96A689FE}"/>
+                <a16:creationId xmlns:a16="http://schemas.microsoft.com/office/drawing/2014/main" id="{35A904AA-3B4C-48F3-8736-A85AB5942329}"/>
               </a:ext>
             </a:extLst>
           </p:cNvPr>
@@ -9300,8 +7179,8 @@
         </p:blipFill>
         <p:spPr>
           <a:xfrm>
-            <a:off x="7067550" y="1936457"/>
-            <a:ext cx="4286250" cy="3438525"/>
+            <a:off x="5543017" y="1995772"/>
+            <a:ext cx="5810783" cy="3822700"/>
           </a:xfrm>
           <a:prstGeom prst="rect">
             <a:avLst/>
@@ -9311,7 +7190,7 @@
     </p:spTree>
     <p:extLst>
       <p:ext uri="{BB962C8B-B14F-4D97-AF65-F5344CB8AC3E}">
-        <p14:creationId xmlns:p14="http://schemas.microsoft.com/office/powerpoint/2010/main" val="1773754508"/>
+        <p14:creationId xmlns:p14="http://schemas.microsoft.com/office/powerpoint/2010/main" val="1759888321"/>
       </p:ext>
     </p:extLst>
   </p:cSld>
@@ -9321,7 +7200,7 @@
 </p:sld>
 </file>
 
-<file path=ppt/slides/slide15.xml><?xml version="1.0" encoding="utf-8"?>
+<file path=ppt/slides/slide13.xml><?xml version="1.0" encoding="utf-8"?>
 <p:sld xmlns:a="http://schemas.openxmlformats.org/drawingml/2006/main" xmlns:r="http://schemas.openxmlformats.org/officeDocument/2006/relationships" xmlns:p="http://schemas.openxmlformats.org/presentationml/2006/main">
   <p:cSld>
     <p:spTree>
@@ -9368,26 +7247,146 @@
                 <a:latin typeface="Montserrat" panose="00000500000000000000" pitchFamily="2" charset="0"/>
                 <a:cs typeface="Arial" panose="020B0604020202020204" pitchFamily="34" charset="0"/>
               </a:rPr>
-              <a:t>Эластичность предложения</a:t>
-            </a:r>
-            <a:br>
-              <a:rPr lang="en-US" b="1" dirty="0">
+              <a:t>Заключение</a:t>
+            </a:r>
+          </a:p>
+        </p:txBody>
+      </p:sp>
+      <p:sp>
+        <p:nvSpPr>
+          <p:cNvPr id="3" name="Объект 2"/>
+          <p:cNvSpPr>
+            <a:spLocks noGrp="1"/>
+          </p:cNvSpPr>
+          <p:nvPr>
+            <p:ph idx="1"/>
+          </p:nvPr>
+        </p:nvSpPr>
+        <p:spPr/>
+        <p:txBody>
+          <a:bodyPr anchor="ctr">
+            <a:normAutofit/>
+          </a:bodyPr>
+          <a:lstStyle/>
+          <a:p>
+            <a:pPr>
+              <a:lnSpc>
+                <a:spcPct val="150000"/>
+              </a:lnSpc>
+            </a:pPr>
+            <a:r>
+              <a:rPr lang="ru-RU" sz="1800" b="1" dirty="0">
                 <a:solidFill>
                   <a:srgbClr val="326CDB"/>
                 </a:solidFill>
-                <a:latin typeface="Montserrat" panose="00000500000000000000" pitchFamily="2" charset="0"/>
-                <a:cs typeface="Arial" panose="020B0604020202020204" pitchFamily="34" charset="0"/>
-              </a:rPr>
-            </a:br>
-            <a:r>
-              <a:rPr lang="ru-RU" sz="2800" b="1" dirty="0">
+              </a:rPr>
+              <a:t>р</a:t>
+            </a:r>
+            <a:r>
+              <a:rPr lang="ru-RU" sz="1800" b="1" dirty="0">
                 <a:solidFill>
                   <a:srgbClr val="326CDB"/>
                 </a:solidFill>
                 <a:latin typeface="Montserrat" panose="00000500000000000000" pitchFamily="2" charset="0"/>
-                <a:cs typeface="Arial" panose="020B0604020202020204" pitchFamily="34" charset="0"/>
-              </a:rPr>
-              <a:t>по цене</a:t>
+              </a:rPr>
+              <a:t>ынок</a:t>
+            </a:r>
+            <a:r>
+              <a:rPr lang="ru-RU" sz="1800" dirty="0">
+                <a:solidFill>
+                  <a:srgbClr val="326CDB"/>
+                </a:solidFill>
+                <a:latin typeface="Montserrat" panose="00000500000000000000" pitchFamily="2" charset="0"/>
+              </a:rPr>
+              <a:t> - </a:t>
+            </a:r>
+            <a:r>
+              <a:rPr lang="ru-RU" sz="1800" dirty="0">
+                <a:solidFill>
+                  <a:schemeClr val="tx1">
+                    <a:lumMod val="95000"/>
+                    <a:lumOff val="5000"/>
+                  </a:schemeClr>
+                </a:solidFill>
+                <a:latin typeface="Montserrat" panose="00000500000000000000" pitchFamily="2" charset="0"/>
+              </a:rPr>
+              <a:t>это экономические отношения, связанные с куплей-продажей товаров и услуг, в результате которых формируется спрос, предложение и цена</a:t>
+            </a:r>
+          </a:p>
+          <a:p>
+            <a:pPr>
+              <a:lnSpc>
+                <a:spcPct val="150000"/>
+              </a:lnSpc>
+            </a:pPr>
+            <a:r>
+              <a:rPr lang="ru-RU" sz="1800" b="1" dirty="0">
+                <a:solidFill>
+                  <a:srgbClr val="326CDB"/>
+                </a:solidFill>
+              </a:rPr>
+              <a:t>ц</a:t>
+            </a:r>
+            <a:r>
+              <a:rPr lang="ru-RU" sz="1800" b="1" dirty="0">
+                <a:solidFill>
+                  <a:srgbClr val="326CDB"/>
+                </a:solidFill>
+                <a:latin typeface="Montserrat" panose="00000500000000000000" pitchFamily="2" charset="0"/>
+              </a:rPr>
+              <a:t>ена</a:t>
+            </a:r>
+            <a:r>
+              <a:rPr lang="ru-RU" sz="1800" dirty="0">
+                <a:solidFill>
+                  <a:schemeClr val="tx1">
+                    <a:lumMod val="95000"/>
+                    <a:lumOff val="5000"/>
+                  </a:schemeClr>
+                </a:solidFill>
+                <a:latin typeface="Montserrat" panose="00000500000000000000" pitchFamily="2" charset="0"/>
+              </a:rPr>
+              <a:t> - это количество денег, которое покупатель готов отдать за конкретный товар или услугу</a:t>
+            </a:r>
+          </a:p>
+          <a:p>
+            <a:pPr>
+              <a:lnSpc>
+                <a:spcPct val="150000"/>
+              </a:lnSpc>
+            </a:pPr>
+            <a:r>
+              <a:rPr lang="ru-RU" sz="1800" dirty="0">
+                <a:solidFill>
+                  <a:schemeClr val="tx1">
+                    <a:lumMod val="95000"/>
+                    <a:lumOff val="5000"/>
+                  </a:schemeClr>
+                </a:solidFill>
+                <a:latin typeface="Montserrat" panose="00000500000000000000" pitchFamily="2" charset="0"/>
+              </a:rPr>
+              <a:t>для обеспечения конкурентоспособности можно использовать </a:t>
+            </a:r>
+            <a:r>
+              <a:rPr lang="ru-RU" sz="1800" b="1" dirty="0">
+                <a:solidFill>
+                  <a:srgbClr val="326CDB"/>
+                </a:solidFill>
+                <a:latin typeface="Montserrat" panose="00000500000000000000" pitchFamily="2" charset="0"/>
+              </a:rPr>
+              <a:t>метод целевых издержек</a:t>
+            </a:r>
+            <a:r>
+              <a:rPr lang="ru-RU" sz="1800" dirty="0">
+                <a:solidFill>
+                  <a:schemeClr val="tx1">
+                    <a:lumMod val="95000"/>
+                    <a:lumOff val="5000"/>
+                  </a:schemeClr>
+                </a:solidFill>
+                <a:latin typeface="Montserrat" panose="00000500000000000000" pitchFamily="2" charset="0"/>
+              </a:rPr>
+              <a:t>, который позволяет установить желаемую цену продукта или услуги</a:t>
             </a:r>
           </a:p>
         </p:txBody>
@@ -9434,7 +7433,7 @@
           <a:p>
             <a:fld id="{9415E33C-F962-4E59-AF47-C3576160EA36}" type="slidenum">
               <a:rPr lang="ru-RU" smtClean="0"/>
-              <a:t>15</a:t>
+              <a:t>13</a:t>
             </a:fld>
             <a:endParaRPr lang="ru-RU"/>
           </a:p>
@@ -9487,285 +7486,10 @@
           </a:extLst>
         </p:spPr>
       </p:pic>
-      <p:sp>
-        <p:nvSpPr>
-          <p:cNvPr id="10" name="TextBox 9">
-            <a:extLst>
-              <a:ext uri="{FF2B5EF4-FFF2-40B4-BE49-F238E27FC236}">
-                <a16:creationId xmlns:a16="http://schemas.microsoft.com/office/drawing/2014/main" id="{3049AAE2-0EE3-40AC-9FED-85CBE02A672D}"/>
-              </a:ext>
-            </a:extLst>
-          </p:cNvPr>
-          <p:cNvSpPr txBox="1"/>
-          <p:nvPr/>
-        </p:nvSpPr>
-        <p:spPr>
-          <a:xfrm>
-            <a:off x="1998755" y="2360525"/>
-            <a:ext cx="3413760" cy="923330"/>
-          </a:xfrm>
-          <a:prstGeom prst="rect">
-            <a:avLst/>
-          </a:prstGeom>
-          <a:noFill/>
-        </p:spPr>
-        <p:txBody>
-          <a:bodyPr wrap="square">
-            <a:spAutoFit/>
-          </a:bodyPr>
-          <a:lstStyle/>
-          <a:p>
-            <a:pPr algn="ctr"/>
-            <a:r>
-              <a:rPr lang="ru-RU" b="1" dirty="0">
-                <a:solidFill>
-                  <a:srgbClr val="326CDB"/>
-                </a:solidFill>
-                <a:latin typeface="Montserrat" panose="00000500000000000000" pitchFamily="2" charset="0"/>
-                <a:cs typeface="Arial" panose="020B0604020202020204" pitchFamily="34" charset="0"/>
-              </a:rPr>
-              <a:t>Эластичное предложение</a:t>
-            </a:r>
-          </a:p>
-          <a:p>
-            <a:pPr algn="ctr"/>
-            <a:r>
-              <a:rPr lang="ru-RU" dirty="0">
-                <a:solidFill>
-                  <a:schemeClr val="bg1">
-                    <a:lumMod val="50000"/>
-                  </a:schemeClr>
-                </a:solidFill>
-                <a:latin typeface="Montserrat" panose="00000500000000000000" pitchFamily="2" charset="0"/>
-                <a:cs typeface="Arial" panose="020B0604020202020204" pitchFamily="34" charset="0"/>
-              </a:rPr>
-              <a:t>мороженое</a:t>
-            </a:r>
-            <a:endParaRPr lang="ru-RU" dirty="0">
-              <a:solidFill>
-                <a:schemeClr val="bg1">
-                  <a:lumMod val="50000"/>
-                </a:schemeClr>
-              </a:solidFill>
-              <a:latin typeface="Montserrat" panose="00000500000000000000" pitchFamily="2" charset="0"/>
-            </a:endParaRPr>
-          </a:p>
-        </p:txBody>
-      </p:sp>
-      <p:sp>
-        <p:nvSpPr>
-          <p:cNvPr id="11" name="TextBox 10">
-            <a:extLst>
-              <a:ext uri="{FF2B5EF4-FFF2-40B4-BE49-F238E27FC236}">
-                <a16:creationId xmlns:a16="http://schemas.microsoft.com/office/drawing/2014/main" id="{76337475-23D1-4EB1-8FFC-51C03BD43632}"/>
-              </a:ext>
-            </a:extLst>
-          </p:cNvPr>
-          <p:cNvSpPr txBox="1"/>
-          <p:nvPr/>
-        </p:nvSpPr>
-        <p:spPr>
-          <a:xfrm>
-            <a:off x="6779486" y="2369780"/>
-            <a:ext cx="3413760" cy="923330"/>
-          </a:xfrm>
-          <a:prstGeom prst="rect">
-            <a:avLst/>
-          </a:prstGeom>
-          <a:noFill/>
-        </p:spPr>
-        <p:txBody>
-          <a:bodyPr wrap="square">
-            <a:spAutoFit/>
-          </a:bodyPr>
-          <a:lstStyle/>
-          <a:p>
-            <a:pPr algn="ctr"/>
-            <a:r>
-              <a:rPr lang="ru-RU" b="1" dirty="0">
-                <a:solidFill>
-                  <a:srgbClr val="326CDB"/>
-                </a:solidFill>
-                <a:latin typeface="Montserrat" panose="00000500000000000000" pitchFamily="2" charset="0"/>
-                <a:cs typeface="Arial" panose="020B0604020202020204" pitchFamily="34" charset="0"/>
-              </a:rPr>
-              <a:t>Неэластичное предложение</a:t>
-            </a:r>
-          </a:p>
-          <a:p>
-            <a:pPr algn="ctr"/>
-            <a:r>
-              <a:rPr lang="ru-RU" dirty="0">
-                <a:solidFill>
-                  <a:schemeClr val="bg1">
-                    <a:lumMod val="50000"/>
-                  </a:schemeClr>
-                </a:solidFill>
-                <a:latin typeface="Montserrat" panose="00000500000000000000" pitchFamily="2" charset="0"/>
-                <a:cs typeface="Arial" panose="020B0604020202020204" pitchFamily="34" charset="0"/>
-              </a:rPr>
-              <a:t>билет в кино</a:t>
-            </a:r>
-            <a:endParaRPr lang="ru-RU" dirty="0">
-              <a:solidFill>
-                <a:schemeClr val="bg1">
-                  <a:lumMod val="50000"/>
-                </a:schemeClr>
-              </a:solidFill>
-              <a:latin typeface="Montserrat" panose="00000500000000000000" pitchFamily="2" charset="0"/>
-            </a:endParaRPr>
-          </a:p>
-        </p:txBody>
-      </p:sp>
-      <p:sp>
-        <p:nvSpPr>
-          <p:cNvPr id="15" name="TextBox 14">
-            <a:extLst>
-              <a:ext uri="{FF2B5EF4-FFF2-40B4-BE49-F238E27FC236}">
-                <a16:creationId xmlns:a16="http://schemas.microsoft.com/office/drawing/2014/main" id="{DBBD1D5E-2F8B-470B-BC72-613749FD3CF5}"/>
-              </a:ext>
-            </a:extLst>
-          </p:cNvPr>
-          <p:cNvSpPr txBox="1"/>
-          <p:nvPr/>
-        </p:nvSpPr>
-        <p:spPr>
-          <a:xfrm>
-            <a:off x="6096000" y="3564891"/>
-            <a:ext cx="5257800" cy="1438279"/>
-          </a:xfrm>
-          <a:prstGeom prst="rect">
-            <a:avLst/>
-          </a:prstGeom>
-          <a:noFill/>
-        </p:spPr>
-        <p:txBody>
-          <a:bodyPr wrap="square">
-            <a:spAutoFit/>
-          </a:bodyPr>
-          <a:lstStyle/>
-          <a:p>
-            <a:pPr>
-              <a:lnSpc>
-                <a:spcPct val="150000"/>
-              </a:lnSpc>
-            </a:pPr>
-            <a:r>
-              <a:rPr lang="ru-RU" sz="1500" dirty="0">
-                <a:latin typeface="Montserrat" panose="00000500000000000000" pitchFamily="2" charset="0"/>
-              </a:rPr>
-              <a:t>Даже если его цена за неделю вырастет на 100%, продавец </a:t>
-            </a:r>
-            <a:r>
-              <a:rPr lang="ru-RU" sz="1500" b="1" dirty="0">
-                <a:latin typeface="Montserrat" panose="00000500000000000000" pitchFamily="2" charset="0"/>
-              </a:rPr>
-              <a:t>не сможет увеличить</a:t>
-            </a:r>
-            <a:r>
-              <a:rPr lang="ru-RU" sz="1500" dirty="0">
-                <a:latin typeface="Montserrat" panose="00000500000000000000" pitchFamily="2" charset="0"/>
-              </a:rPr>
-              <a:t> объем предложения: количество мест в зрительном зале ограничено.</a:t>
-            </a:r>
-          </a:p>
-        </p:txBody>
-      </p:sp>
-      <p:sp>
-        <p:nvSpPr>
-          <p:cNvPr id="17" name="TextBox 16">
-            <a:extLst>
-              <a:ext uri="{FF2B5EF4-FFF2-40B4-BE49-F238E27FC236}">
-                <a16:creationId xmlns:a16="http://schemas.microsoft.com/office/drawing/2014/main" id="{264D8D5F-531F-41A4-9F4F-09CC7050E985}"/>
-              </a:ext>
-            </a:extLst>
-          </p:cNvPr>
-          <p:cNvSpPr txBox="1"/>
-          <p:nvPr/>
-        </p:nvSpPr>
-        <p:spPr>
-          <a:xfrm>
-            <a:off x="838200" y="3574146"/>
-            <a:ext cx="5257800" cy="1784527"/>
-          </a:xfrm>
-          <a:prstGeom prst="rect">
-            <a:avLst/>
-          </a:prstGeom>
-          <a:noFill/>
-        </p:spPr>
-        <p:txBody>
-          <a:bodyPr wrap="square">
-            <a:spAutoFit/>
-          </a:bodyPr>
-          <a:lstStyle/>
-          <a:p>
-            <a:pPr>
-              <a:lnSpc>
-                <a:spcPct val="150000"/>
-              </a:lnSpc>
-            </a:pPr>
-            <a:r>
-              <a:rPr lang="ru-RU" sz="1500" dirty="0">
-                <a:latin typeface="Montserrat" panose="00000500000000000000" pitchFamily="2" charset="0"/>
-              </a:rPr>
-              <a:t>Если в летние месяцы установилась сильная жара, спрос на продукцию увеличивается в разы даже при том условии, что цена растет. </a:t>
-            </a:r>
-          </a:p>
-          <a:p>
-            <a:pPr>
-              <a:lnSpc>
-                <a:spcPct val="150000"/>
-              </a:lnSpc>
-            </a:pPr>
-            <a:r>
-              <a:rPr lang="ru-RU" sz="1500" dirty="0">
-                <a:latin typeface="Montserrat" panose="00000500000000000000" pitchFamily="2" charset="0"/>
-              </a:rPr>
-              <a:t>Производители </a:t>
-            </a:r>
-            <a:r>
-              <a:rPr lang="ru-RU" sz="1500" b="1" dirty="0">
-                <a:latin typeface="Montserrat" panose="00000500000000000000" pitchFamily="2" charset="0"/>
-              </a:rPr>
-              <a:t>могут</a:t>
-            </a:r>
-            <a:r>
-              <a:rPr lang="ru-RU" sz="1500" dirty="0">
-                <a:latin typeface="Montserrat" panose="00000500000000000000" pitchFamily="2" charset="0"/>
-              </a:rPr>
-              <a:t> быстро </a:t>
-            </a:r>
-            <a:r>
-              <a:rPr lang="ru-RU" sz="1500" b="1" dirty="0">
-                <a:latin typeface="Montserrat" panose="00000500000000000000" pitchFamily="2" charset="0"/>
-              </a:rPr>
-              <a:t>увеличить</a:t>
-            </a:r>
-            <a:r>
-              <a:rPr lang="ru-RU" sz="1500" dirty="0">
-                <a:latin typeface="Montserrat" panose="00000500000000000000" pitchFamily="2" charset="0"/>
-              </a:rPr>
-              <a:t> или </a:t>
-            </a:r>
-            <a:r>
-              <a:rPr lang="ru-RU" sz="1500" b="1" dirty="0">
-                <a:latin typeface="Montserrat" panose="00000500000000000000" pitchFamily="2" charset="0"/>
-              </a:rPr>
-              <a:t>снизить</a:t>
-            </a:r>
-            <a:r>
-              <a:rPr lang="ru-RU" sz="1500" dirty="0">
-                <a:latin typeface="Montserrat" panose="00000500000000000000" pitchFamily="2" charset="0"/>
-              </a:rPr>
-              <a:t> объемы производства.</a:t>
-            </a:r>
-          </a:p>
-        </p:txBody>
-      </p:sp>
     </p:spTree>
     <p:extLst>
       <p:ext uri="{BB962C8B-B14F-4D97-AF65-F5344CB8AC3E}">
-        <p14:creationId xmlns:p14="http://schemas.microsoft.com/office/powerpoint/2010/main" val="1900805023"/>
+        <p14:creationId xmlns:p14="http://schemas.microsoft.com/office/powerpoint/2010/main" val="2023720995"/>
       </p:ext>
     </p:extLst>
   </p:cSld>
@@ -9775,7 +7499,7 @@
 </p:sld>
 </file>
 
-<file path=ppt/slides/slide16.xml><?xml version="1.0" encoding="utf-8"?>
+<file path=ppt/slides/slide14.xml><?xml version="1.0" encoding="utf-8"?>
 <p:sld xmlns:a="http://schemas.openxmlformats.org/drawingml/2006/main" xmlns:r="http://schemas.openxmlformats.org/officeDocument/2006/relationships" xmlns:p="http://schemas.openxmlformats.org/presentationml/2006/main">
   <p:cSld>
     <p:spTree>
@@ -9794,142 +7518,35 @@
       </p:grpSpPr>
       <p:sp>
         <p:nvSpPr>
-          <p:cNvPr id="2" name="Заголовок 1"/>
-          <p:cNvSpPr>
-            <a:spLocks noGrp="1"/>
-          </p:cNvSpPr>
-          <p:nvPr>
-            <p:ph type="title"/>
+          <p:cNvPr id="3" name="Объект 2"/>
+          <p:cNvSpPr>
+            <a:spLocks noGrp="1"/>
+          </p:cNvSpPr>
+          <p:nvPr>
+            <p:ph idx="1"/>
           </p:nvPr>
         </p:nvSpPr>
         <p:spPr>
           <a:xfrm>
-            <a:off x="838200" y="1039528"/>
-            <a:ext cx="10515600" cy="651160"/>
+            <a:off x="838200" y="1253331"/>
+            <a:ext cx="10515600" cy="4351338"/>
           </a:xfrm>
         </p:spPr>
         <p:txBody>
-          <a:bodyPr>
-            <a:normAutofit fontScale="90000"/>
-          </a:bodyPr>
-          <a:lstStyle/>
-          <a:p>
-            <a:r>
-              <a:rPr lang="ru-RU" b="1" dirty="0">
-                <a:solidFill>
-                  <a:srgbClr val="326CDB"/>
-                </a:solidFill>
-                <a:latin typeface="Montserrat" panose="00000500000000000000" pitchFamily="2" charset="0"/>
-                <a:cs typeface="Arial" panose="020B0604020202020204" pitchFamily="34" charset="0"/>
-              </a:rPr>
-              <a:t>Заключение</a:t>
-            </a:r>
-          </a:p>
-        </p:txBody>
-      </p:sp>
-      <p:sp>
-        <p:nvSpPr>
-          <p:cNvPr id="3" name="Объект 2"/>
-          <p:cNvSpPr>
-            <a:spLocks noGrp="1"/>
-          </p:cNvSpPr>
-          <p:nvPr>
-            <p:ph idx="1"/>
-          </p:nvPr>
-        </p:nvSpPr>
-        <p:spPr/>
-        <p:txBody>
-          <a:bodyPr>
+          <a:bodyPr anchor="ctr">
             <a:normAutofit/>
           </a:bodyPr>
           <a:lstStyle/>
           <a:p>
-            <a:pPr>
-              <a:lnSpc>
-                <a:spcPct val="150000"/>
-              </a:lnSpc>
+            <a:pPr marL="0" indent="0" algn="ctr">
+              <a:buNone/>
             </a:pPr>
             <a:r>
-              <a:rPr lang="ru-RU" sz="1800" dirty="0">
-                <a:solidFill>
-                  <a:srgbClr val="326CDB"/>
-                </a:solidFill>
-                <a:latin typeface="Montserrat" panose="00000500000000000000" pitchFamily="2" charset="0"/>
-              </a:rPr>
-              <a:t>закон спроса и предложения </a:t>
-            </a:r>
-            <a:r>
-              <a:rPr lang="ru-RU" sz="1800" dirty="0">
-                <a:latin typeface="Montserrat" panose="00000500000000000000" pitchFamily="2" charset="0"/>
-              </a:rPr>
-              <a:t>- рыночный механизм, обеспечивающий согласование интересов продавцов и покупателей</a:t>
-            </a:r>
-          </a:p>
-          <a:p>
-            <a:pPr>
-              <a:lnSpc>
-                <a:spcPct val="150000"/>
-              </a:lnSpc>
-            </a:pPr>
-            <a:r>
-              <a:rPr lang="ru-RU" sz="1800" dirty="0">
-                <a:solidFill>
-                  <a:srgbClr val="326CDB"/>
-                </a:solidFill>
-                <a:latin typeface="Montserrat" panose="00000500000000000000" pitchFamily="2" charset="0"/>
-              </a:rPr>
-              <a:t>равновесная цена </a:t>
-            </a:r>
-            <a:r>
-              <a:rPr lang="ru-RU" sz="1800" dirty="0">
-                <a:latin typeface="Montserrat" panose="00000500000000000000" pitchFamily="2" charset="0"/>
-              </a:rPr>
-              <a:t>– величина, по который потребители готовы приобретать продукцию, а продавцы – ее сбывать</a:t>
-            </a:r>
-          </a:p>
-          <a:p>
-            <a:pPr>
-              <a:lnSpc>
-                <a:spcPct val="150000"/>
-              </a:lnSpc>
-            </a:pPr>
-            <a:r>
-              <a:rPr lang="ru-RU" sz="1800" dirty="0">
-                <a:solidFill>
-                  <a:srgbClr val="326CDB"/>
-                </a:solidFill>
-                <a:latin typeface="Montserrat" panose="00000500000000000000" pitchFamily="2" charset="0"/>
-              </a:rPr>
-              <a:t>спрос и предложение </a:t>
-            </a:r>
-            <a:r>
-              <a:rPr lang="ru-RU" sz="1800" dirty="0">
-                <a:latin typeface="Montserrat" panose="00000500000000000000" pitchFamily="2" charset="0"/>
-              </a:rPr>
-              <a:t>– это гибкие величины, зависящие от множества факторов, и рынок всегда адаптируется под эти события</a:t>
-            </a:r>
-          </a:p>
-          <a:p>
-            <a:pPr>
-              <a:lnSpc>
-                <a:spcPct val="150000"/>
-              </a:lnSpc>
-            </a:pPr>
-            <a:r>
-              <a:rPr lang="ru-RU" sz="1800" dirty="0">
-                <a:solidFill>
-                  <a:srgbClr val="326CDB"/>
-                </a:solidFill>
-              </a:rPr>
-              <a:t>эластичность спроса и предложения </a:t>
-            </a:r>
-            <a:r>
-              <a:rPr lang="ru-RU" sz="1800" dirty="0"/>
-              <a:t>помогает стратегию продаж, чтобы получить максимум прибыли, рассчитать потолок цен и размер скидки</a:t>
-            </a:r>
-            <a:endParaRPr lang="ru-RU" sz="1800" dirty="0">
-              <a:latin typeface="Montserrat" panose="00000500000000000000" pitchFamily="2" charset="0"/>
-            </a:endParaRPr>
+              <a:rPr lang="ru-RU" sz="5000" dirty="0">
+                <a:latin typeface="Montserrat" panose="00000500000000000000" pitchFamily="2" charset="0"/>
+              </a:rPr>
+              <a:t>Спасибо за внимание!</a:t>
+            </a:r>
           </a:p>
         </p:txBody>
       </p:sp>
@@ -9975,7 +7592,7 @@
           <a:p>
             <a:fld id="{9415E33C-F962-4E59-AF47-C3576160EA36}" type="slidenum">
               <a:rPr lang="ru-RU" smtClean="0"/>
-              <a:t>16</a:t>
+              <a:t>14</a:t>
             </a:fld>
             <a:endParaRPr lang="ru-RU"/>
           </a:p>
@@ -10031,7 +7648,7 @@
     </p:spTree>
     <p:extLst>
       <p:ext uri="{BB962C8B-B14F-4D97-AF65-F5344CB8AC3E}">
-        <p14:creationId xmlns:p14="http://schemas.microsoft.com/office/powerpoint/2010/main" val="2023720995"/>
+        <p14:creationId xmlns:p14="http://schemas.microsoft.com/office/powerpoint/2010/main" val="3474348753"/>
       </p:ext>
     </p:extLst>
   </p:cSld>
@@ -10041,7 +7658,7 @@
 </p:sld>
 </file>
 
-<file path=ppt/slides/slide17.xml><?xml version="1.0" encoding="utf-8"?>
+<file path=ppt/slides/slide2.xml><?xml version="1.0" encoding="utf-8"?>
 <p:sld xmlns:a="http://schemas.openxmlformats.org/drawingml/2006/main" xmlns:r="http://schemas.openxmlformats.org/officeDocument/2006/relationships" xmlns:p="http://schemas.openxmlformats.org/presentationml/2006/main">
   <p:cSld>
     <p:spTree>
@@ -10060,35 +7677,157 @@
       </p:grpSpPr>
       <p:sp>
         <p:nvSpPr>
-          <p:cNvPr id="3" name="Объект 2"/>
-          <p:cNvSpPr>
-            <a:spLocks noGrp="1"/>
-          </p:cNvSpPr>
-          <p:nvPr>
-            <p:ph idx="1"/>
+          <p:cNvPr id="2" name="Заголовок 1"/>
+          <p:cNvSpPr>
+            <a:spLocks noGrp="1"/>
+          </p:cNvSpPr>
+          <p:nvPr>
+            <p:ph type="title"/>
           </p:nvPr>
         </p:nvSpPr>
         <p:spPr>
           <a:xfrm>
-            <a:off x="838200" y="1253331"/>
-            <a:ext cx="10515600" cy="4351338"/>
+            <a:off x="838200" y="1039528"/>
+            <a:ext cx="10515600" cy="651160"/>
           </a:xfrm>
         </p:spPr>
+        <p:txBody>
+          <a:bodyPr>
+            <a:normAutofit fontScale="90000"/>
+          </a:bodyPr>
+          <a:lstStyle/>
+          <a:p>
+            <a:r>
+              <a:rPr lang="ru-RU" b="1" dirty="0">
+                <a:solidFill>
+                  <a:srgbClr val="326CDB"/>
+                </a:solidFill>
+                <a:latin typeface="Montserrat" pitchFamily="2" charset="77"/>
+                <a:cs typeface="Arial" panose="020B0604020202020204" pitchFamily="34" charset="0"/>
+              </a:rPr>
+              <a:t>Оглавление</a:t>
+            </a:r>
+          </a:p>
+        </p:txBody>
+      </p:sp>
+      <p:sp>
+        <p:nvSpPr>
+          <p:cNvPr id="3" name="Объект 2"/>
+          <p:cNvSpPr>
+            <a:spLocks noGrp="1"/>
+          </p:cNvSpPr>
+          <p:nvPr>
+            <p:ph idx="1"/>
+          </p:nvPr>
+        </p:nvSpPr>
+        <p:spPr/>
         <p:txBody>
           <a:bodyPr anchor="ctr">
             <a:normAutofit/>
           </a:bodyPr>
           <a:lstStyle/>
           <a:p>
-            <a:pPr marL="0" indent="0" algn="ctr">
-              <a:buNone/>
+            <a:pPr marL="514350" indent="-514350">
+              <a:lnSpc>
+                <a:spcPct val="150000"/>
+              </a:lnSpc>
+              <a:buFont typeface="+mj-lt"/>
+              <a:buAutoNum type="arabicPeriod"/>
             </a:pPr>
             <a:r>
-              <a:rPr lang="ru-RU" sz="5000" dirty="0">
-                <a:latin typeface="Montserrat" panose="00000500000000000000" pitchFamily="2" charset="0"/>
-              </a:rPr>
-              <a:t>Спасибо за внимание!</a:t>
-            </a:r>
+              <a:rPr lang="ru-RU" sz="1800" dirty="0">
+                <a:latin typeface="Montserrat" pitchFamily="2" charset="77"/>
+              </a:rPr>
+              <a:t>Понятие </a:t>
+            </a:r>
+            <a:r>
+              <a:rPr lang="ru-RU" sz="1800" dirty="0">
+                <a:solidFill>
+                  <a:srgbClr val="326CDB"/>
+                </a:solidFill>
+                <a:latin typeface="Montserrat" pitchFamily="2" charset="77"/>
+              </a:rPr>
+              <a:t>цены</a:t>
+            </a:r>
+          </a:p>
+          <a:p>
+            <a:pPr marL="514350" indent="-514350">
+              <a:lnSpc>
+                <a:spcPct val="150000"/>
+              </a:lnSpc>
+              <a:buFont typeface="+mj-lt"/>
+              <a:buAutoNum type="arabicPeriod"/>
+            </a:pPr>
+            <a:r>
+              <a:rPr lang="ru-RU" sz="1800" dirty="0">
+                <a:latin typeface="Montserrat" pitchFamily="2" charset="77"/>
+              </a:rPr>
+              <a:t>Понятие </a:t>
+            </a:r>
+            <a:r>
+              <a:rPr lang="ru-RU" sz="1800" dirty="0">
+                <a:solidFill>
+                  <a:srgbClr val="326CDB"/>
+                </a:solidFill>
+                <a:latin typeface="Montserrat" pitchFamily="2" charset="77"/>
+              </a:rPr>
+              <a:t>рынка</a:t>
+            </a:r>
+          </a:p>
+          <a:p>
+            <a:pPr marL="514350" indent="-514350">
+              <a:lnSpc>
+                <a:spcPct val="150000"/>
+              </a:lnSpc>
+              <a:buFont typeface="+mj-lt"/>
+              <a:buAutoNum type="arabicPeriod"/>
+            </a:pPr>
+            <a:r>
+              <a:rPr lang="ru-RU" sz="1800" dirty="0">
+                <a:latin typeface="Montserrat" pitchFamily="2" charset="77"/>
+              </a:rPr>
+              <a:t>Понятие </a:t>
+            </a:r>
+            <a:r>
+              <a:rPr lang="ru-RU" sz="1800" dirty="0" err="1">
+                <a:solidFill>
+                  <a:srgbClr val="326CDB"/>
+                </a:solidFill>
+                <a:latin typeface="Montserrat" pitchFamily="2" charset="77"/>
+              </a:rPr>
+              <a:t>конкуретоспособности</a:t>
+            </a:r>
+            <a:endParaRPr lang="ru-RU" sz="1800" dirty="0">
+              <a:solidFill>
+                <a:srgbClr val="326CDB"/>
+              </a:solidFill>
+              <a:latin typeface="Montserrat" pitchFamily="2" charset="77"/>
+            </a:endParaRPr>
+          </a:p>
+          <a:p>
+            <a:pPr marL="514350" indent="-514350">
+              <a:lnSpc>
+                <a:spcPct val="150000"/>
+              </a:lnSpc>
+              <a:buFont typeface="+mj-lt"/>
+              <a:buAutoNum type="arabicPeriod"/>
+            </a:pPr>
+            <a:r>
+              <a:rPr lang="ru-RU" sz="1800" dirty="0">
+                <a:latin typeface="Montserrat" pitchFamily="2" charset="77"/>
+              </a:rPr>
+              <a:t>Метод целевых издержек для обеспечения конкурентоспособности</a:t>
+            </a:r>
+          </a:p>
+          <a:p>
+            <a:pPr marL="514350" indent="-514350">
+              <a:lnSpc>
+                <a:spcPct val="150000"/>
+              </a:lnSpc>
+              <a:buFont typeface="+mj-lt"/>
+              <a:buAutoNum type="arabicPeriod"/>
+            </a:pPr>
+            <a:endParaRPr lang="ru-RU" sz="1800" dirty="0"/>
           </a:p>
         </p:txBody>
       </p:sp>
@@ -10134,7 +7873,7 @@
           <a:p>
             <a:fld id="{9415E33C-F962-4E59-AF47-C3576160EA36}" type="slidenum">
               <a:rPr lang="ru-RU" smtClean="0"/>
-              <a:t>17</a:t>
+              <a:t>2</a:t>
             </a:fld>
             <a:endParaRPr lang="ru-RU"/>
           </a:p>
@@ -10190,7 +7929,7 @@
     </p:spTree>
     <p:extLst>
       <p:ext uri="{BB962C8B-B14F-4D97-AF65-F5344CB8AC3E}">
-        <p14:creationId xmlns:p14="http://schemas.microsoft.com/office/powerpoint/2010/main" val="3474348753"/>
+        <p14:creationId xmlns:p14="http://schemas.microsoft.com/office/powerpoint/2010/main" val="4014811966"/>
       </p:ext>
     </p:extLst>
   </p:cSld>
@@ -10200,7 +7939,7 @@
 </p:sld>
 </file>
 
-<file path=ppt/slides/slide2.xml><?xml version="1.0" encoding="utf-8"?>
+<file path=ppt/slides/slide3.xml><?xml version="1.0" encoding="utf-8"?>
 <p:sld xmlns:a="http://schemas.openxmlformats.org/drawingml/2006/main" xmlns:r="http://schemas.openxmlformats.org/officeDocument/2006/relationships" xmlns:p="http://schemas.openxmlformats.org/presentationml/2006/main">
   <p:cSld>
     <p:spTree>
@@ -10244,10 +7983,10 @@
                 <a:solidFill>
                   <a:srgbClr val="326CDB"/>
                 </a:solidFill>
-                <a:latin typeface="Montserrat" pitchFamily="2" charset="77"/>
+                <a:latin typeface="Montserrat" panose="00000500000000000000" pitchFamily="2" charset="0"/>
                 <a:cs typeface="Arial" panose="020B0604020202020204" pitchFamily="34" charset="0"/>
               </a:rPr>
-              <a:t>Оглавление</a:t>
+              <a:t>Цена</a:t>
             </a:r>
           </a:p>
         </p:txBody>
@@ -10264,64 +8003,103 @@
         </p:nvSpPr>
         <p:spPr/>
         <p:txBody>
-          <a:bodyPr anchor="ctr">
+          <a:bodyPr numCol="1">
             <a:normAutofit/>
           </a:bodyPr>
           <a:lstStyle/>
           <a:p>
-            <a:pPr marL="514350" indent="-514350">
+            <a:pPr>
               <a:lnSpc>
                 <a:spcPct val="150000"/>
               </a:lnSpc>
-              <a:buFont typeface="+mj-lt"/>
-              <a:buAutoNum type="arabicPeriod"/>
+              <a:buFontTx/>
+              <a:buChar char="-"/>
             </a:pPr>
             <a:r>
               <a:rPr lang="ru-RU" sz="1800" dirty="0">
-                <a:latin typeface="Montserrat" pitchFamily="2" charset="77"/>
-              </a:rPr>
-              <a:t>Понятие спроса и предложения</a:t>
-            </a:r>
-          </a:p>
-          <a:p>
-            <a:pPr marL="514350" indent="-514350">
+                <a:latin typeface="Montserrat" panose="00000500000000000000" pitchFamily="2" charset="0"/>
+              </a:rPr>
+              <a:t>это количество денег, которое покупатель готов отдать за конкретный товар или услугу</a:t>
+            </a:r>
+          </a:p>
+          <a:p>
+            <a:pPr>
               <a:lnSpc>
                 <a:spcPct val="150000"/>
               </a:lnSpc>
-              <a:buFont typeface="+mj-lt"/>
-              <a:buAutoNum type="arabicPeriod"/>
+              <a:buFontTx/>
+              <a:buChar char="-"/>
             </a:pPr>
-            <a:r>
-              <a:rPr lang="ru-RU" sz="1800" dirty="0">
-                <a:latin typeface="Montserrat" pitchFamily="2" charset="77"/>
-              </a:rPr>
-              <a:t>Закон спроса и предложения</a:t>
-            </a:r>
-          </a:p>
-          <a:p>
-            <a:pPr marL="514350" indent="-514350">
+            <a:endParaRPr lang="ru-RU" sz="1800" dirty="0">
+              <a:latin typeface="Montserrat" panose="00000500000000000000" pitchFamily="2" charset="0"/>
+            </a:endParaRPr>
+          </a:p>
+          <a:p>
+            <a:pPr marL="0" indent="0">
               <a:lnSpc>
                 <a:spcPct val="150000"/>
               </a:lnSpc>
-              <a:buFont typeface="+mj-lt"/>
-              <a:buAutoNum type="arabicPeriod"/>
+              <a:buNone/>
             </a:pPr>
             <a:r>
               <a:rPr lang="ru-RU" sz="1800" dirty="0">
-                <a:latin typeface="Montserrat" pitchFamily="2" charset="77"/>
-              </a:rPr>
-              <a:t>Эластичность спроса и предложения</a:t>
-            </a:r>
-          </a:p>
-          <a:p>
-            <a:pPr marL="514350" indent="-514350">
+                <a:latin typeface="Montserrat" panose="00000500000000000000" pitchFamily="2" charset="0"/>
+              </a:rPr>
+              <a:t>Цена определяется на основе:</a:t>
+            </a:r>
+          </a:p>
+          <a:p>
+            <a:pPr>
               <a:lnSpc>
                 <a:spcPct val="150000"/>
               </a:lnSpc>
-              <a:buFont typeface="+mj-lt"/>
-              <a:buAutoNum type="arabicPeriod"/>
             </a:pPr>
+            <a:r>
+              <a:rPr lang="ru-RU" sz="1800" dirty="0">
+                <a:latin typeface="Montserrat" panose="00000500000000000000" pitchFamily="2" charset="0"/>
+              </a:rPr>
+              <a:t>стоимости производства и доставки товара</a:t>
+            </a:r>
+          </a:p>
+          <a:p>
+            <a:pPr>
+              <a:lnSpc>
+                <a:spcPct val="150000"/>
+              </a:lnSpc>
+            </a:pPr>
+            <a:r>
+              <a:rPr lang="ru-RU" sz="1800" dirty="0">
+                <a:latin typeface="Montserrat" panose="00000500000000000000" pitchFamily="2" charset="0"/>
+              </a:rPr>
+              <a:t>конкурентной ситуации на рынке</a:t>
+            </a:r>
             <a:endParaRPr lang="ru-RU" sz="1800" dirty="0"/>
+          </a:p>
+          <a:p>
+            <a:pPr>
+              <a:lnSpc>
+                <a:spcPct val="150000"/>
+              </a:lnSpc>
+            </a:pPr>
+            <a:r>
+              <a:rPr lang="ru-RU" sz="1800" dirty="0">
+                <a:latin typeface="Montserrat" panose="00000500000000000000" pitchFamily="2" charset="0"/>
+              </a:rPr>
+              <a:t>спроса и предложения на товар или услугу</a:t>
+            </a:r>
+          </a:p>
+          <a:p>
+            <a:pPr>
+              <a:lnSpc>
+                <a:spcPct val="150000"/>
+              </a:lnSpc>
+            </a:pPr>
+            <a:r>
+              <a:rPr lang="ru-RU" sz="1800" dirty="0">
+                <a:latin typeface="Montserrat" panose="00000500000000000000" pitchFamily="2" charset="0"/>
+              </a:rPr>
+              <a:t>рыночных условий и тенденций</a:t>
+            </a:r>
           </a:p>
         </p:txBody>
       </p:sp>
@@ -10367,9 +8145,9 @@
           <a:p>
             <a:fld id="{9415E33C-F962-4E59-AF47-C3576160EA36}" type="slidenum">
               <a:rPr lang="ru-RU" smtClean="0"/>
-              <a:t>2</a:t>
+              <a:t>3</a:t>
             </a:fld>
-            <a:endParaRPr lang="ru-RU"/>
+            <a:endParaRPr lang="ru-RU" dirty="0"/>
           </a:p>
         </p:txBody>
       </p:sp>
@@ -10423,7 +8201,7 @@
     </p:spTree>
     <p:extLst>
       <p:ext uri="{BB962C8B-B14F-4D97-AF65-F5344CB8AC3E}">
-        <p14:creationId xmlns:p14="http://schemas.microsoft.com/office/powerpoint/2010/main" val="4014811966"/>
+        <p14:creationId xmlns:p14="http://schemas.microsoft.com/office/powerpoint/2010/main" val="742912908"/>
       </p:ext>
     </p:extLst>
   </p:cSld>
@@ -10433,7 +8211,7 @@
 </p:sld>
 </file>
 
-<file path=ppt/slides/slide3.xml><?xml version="1.0" encoding="utf-8"?>
+<file path=ppt/slides/slide4.xml><?xml version="1.0" encoding="utf-8"?>
 <p:sld xmlns:a="http://schemas.openxmlformats.org/drawingml/2006/main" xmlns:r="http://schemas.openxmlformats.org/officeDocument/2006/relationships" xmlns:p="http://schemas.openxmlformats.org/presentationml/2006/main">
   <p:cSld>
     <p:spTree>
@@ -10452,41 +8230,6 @@
       </p:grpSpPr>
       <p:sp>
         <p:nvSpPr>
-          <p:cNvPr id="2" name="Заголовок 1"/>
-          <p:cNvSpPr>
-            <a:spLocks noGrp="1"/>
-          </p:cNvSpPr>
-          <p:nvPr>
-            <p:ph type="title"/>
-          </p:nvPr>
-        </p:nvSpPr>
-        <p:spPr>
-          <a:xfrm>
-            <a:off x="838200" y="1039528"/>
-            <a:ext cx="10515600" cy="651160"/>
-          </a:xfrm>
-        </p:spPr>
-        <p:txBody>
-          <a:bodyPr>
-            <a:normAutofit fontScale="90000"/>
-          </a:bodyPr>
-          <a:lstStyle/>
-          <a:p>
-            <a:r>
-              <a:rPr lang="ru-RU" b="1" dirty="0">
-                <a:solidFill>
-                  <a:srgbClr val="326CDB"/>
-                </a:solidFill>
-                <a:latin typeface="Montserrat" panose="00000500000000000000" pitchFamily="2" charset="0"/>
-                <a:cs typeface="Arial" panose="020B0604020202020204" pitchFamily="34" charset="0"/>
-              </a:rPr>
-              <a:t>Спрос</a:t>
-            </a:r>
-          </a:p>
-        </p:txBody>
-      </p:sp>
-      <p:sp>
-        <p:nvSpPr>
           <p:cNvPr id="3" name="Объект 2"/>
           <p:cNvSpPr>
             <a:spLocks noGrp="1"/>
@@ -10497,88 +8240,117 @@
         </p:nvSpPr>
         <p:spPr/>
         <p:txBody>
-          <a:bodyPr numCol="1">
+          <a:bodyPr anchor="ctr">
             <a:normAutofit/>
           </a:bodyPr>
           <a:lstStyle/>
           <a:p>
-            <a:pPr>
+            <a:pPr marL="342900" indent="-342900">
               <a:lnSpc>
                 <a:spcPct val="150000"/>
               </a:lnSpc>
-              <a:buFontTx/>
-              <a:buChar char="-"/>
+              <a:buFont typeface="+mj-lt"/>
+              <a:buAutoNum type="arabicPeriod"/>
             </a:pPr>
             <a:r>
-              <a:rPr lang="ru-RU" sz="1800" dirty="0">
-                <a:latin typeface="Montserrat" panose="00000500000000000000" pitchFamily="2" charset="0"/>
-              </a:rPr>
-              <a:t>готовность потребителей приобрести данное количество товара за определенный период времени по возможным ценам, подкрепленное денежной возможностью</a:t>
-            </a:r>
-          </a:p>
-          <a:p>
-            <a:pPr>
+              <a:rPr lang="ru-RU" sz="1800" dirty="0"/>
+              <a:t>Анализ рынка</a:t>
+            </a:r>
+          </a:p>
+          <a:p>
+            <a:pPr marL="342900" indent="-342900">
               <a:lnSpc>
                 <a:spcPct val="150000"/>
               </a:lnSpc>
-              <a:buFontTx/>
-              <a:buChar char="-"/>
+              <a:buFont typeface="+mj-lt"/>
+              <a:buAutoNum type="arabicPeriod"/>
             </a:pPr>
-            <a:endParaRPr lang="ru-RU" sz="1800" dirty="0">
-              <a:latin typeface="Montserrat" panose="00000500000000000000" pitchFamily="2" charset="0"/>
-            </a:endParaRPr>
-          </a:p>
-          <a:p>
-            <a:pPr marL="0" indent="0">
+            <a:r>
+              <a:rPr lang="ru-RU" sz="1800" dirty="0">
+                <a:latin typeface="Montserrat" panose="00000500000000000000" pitchFamily="2" charset="0"/>
+              </a:rPr>
+              <a:t>Расчет себестоимости товара</a:t>
+            </a:r>
+          </a:p>
+          <a:p>
+            <a:pPr marL="457200" lvl="1" indent="0">
               <a:lnSpc>
                 <a:spcPct val="150000"/>
               </a:lnSpc>
               <a:buNone/>
             </a:pPr>
             <a:r>
-              <a:rPr lang="ru-RU" sz="1800" dirty="0">
-                <a:latin typeface="Montserrat" panose="00000500000000000000" pitchFamily="2" charset="0"/>
-              </a:rPr>
-              <a:t>Меняется в зависимости от:</a:t>
-            </a:r>
-          </a:p>
-          <a:p>
-            <a:pPr>
+              <a:rPr lang="ru-RU" sz="1800" b="1" i="0" dirty="0">
+                <a:solidFill>
+                  <a:srgbClr val="326CDB"/>
+                </a:solidFill>
+                <a:effectLst/>
+              </a:rPr>
+              <a:t>Себестоимость товара</a:t>
+            </a:r>
+            <a:r>
+              <a:rPr lang="ru-RU" sz="1800" b="1" i="0" dirty="0">
+                <a:solidFill>
+                  <a:srgbClr val="09090B"/>
+                </a:solidFill>
+                <a:effectLst/>
+              </a:rPr>
+              <a:t> </a:t>
+            </a:r>
+            <a:r>
+              <a:rPr lang="ru-RU" sz="1800" b="0" i="0" dirty="0">
+                <a:solidFill>
+                  <a:srgbClr val="09090B"/>
+                </a:solidFill>
+                <a:effectLst/>
+              </a:rPr>
+              <a:t>- </a:t>
+            </a:r>
+            <a:r>
+              <a:rPr lang="ru-RU" sz="1800" i="0" dirty="0">
+                <a:solidFill>
+                  <a:schemeClr val="bg1">
+                    <a:lumMod val="50000"/>
+                  </a:schemeClr>
+                </a:solidFill>
+                <a:effectLst/>
+              </a:rPr>
+              <a:t>это совокупные затраты, связанные с производством или закупкой товара, включая затраты на материалы, труд и другие прямые и косвенные издержки</a:t>
+            </a:r>
+            <a:endParaRPr lang="ru-RU" sz="1800" dirty="0">
+              <a:solidFill>
+                <a:schemeClr val="bg1">
+                  <a:lumMod val="50000"/>
+                </a:schemeClr>
+              </a:solidFill>
+            </a:endParaRPr>
+          </a:p>
+          <a:p>
+            <a:pPr marL="342900" indent="-342900">
               <a:lnSpc>
                 <a:spcPct val="150000"/>
               </a:lnSpc>
+              <a:buFont typeface="+mj-lt"/>
+              <a:buAutoNum type="arabicPeriod"/>
             </a:pPr>
             <a:r>
-              <a:rPr lang="ru-RU" sz="1800" dirty="0">
-                <a:latin typeface="Montserrat" panose="00000500000000000000" pitchFamily="2" charset="0"/>
-              </a:rPr>
-              <a:t>цены</a:t>
-            </a:r>
-          </a:p>
-          <a:p>
-            <a:pPr>
+              <a:rPr lang="ru-RU" sz="1800" dirty="0"/>
+              <a:t>Определение прибыли</a:t>
+            </a:r>
+          </a:p>
+          <a:p>
+            <a:pPr marL="342900" indent="-342900">
               <a:lnSpc>
                 <a:spcPct val="150000"/>
               </a:lnSpc>
+              <a:buFont typeface="+mj-lt"/>
+              <a:buAutoNum type="arabicPeriod"/>
             </a:pPr>
             <a:r>
               <a:rPr lang="ru-RU" sz="1800" dirty="0">
                 <a:latin typeface="Montserrat" panose="00000500000000000000" pitchFamily="2" charset="0"/>
               </a:rPr>
-              <a:t>воздействия государства</a:t>
-            </a:r>
-          </a:p>
-          <a:p>
-            <a:pPr>
-              <a:lnSpc>
-                <a:spcPct val="150000"/>
-              </a:lnSpc>
-            </a:pPr>
-            <a:r>
-              <a:rPr lang="ru-RU" sz="1800" dirty="0">
-                <a:latin typeface="Montserrat" panose="00000500000000000000" pitchFamily="2" charset="0"/>
-              </a:rPr>
-              <a:t>сезона</a:t>
+              <a:t>Установление конечной цены</a:t>
             </a:r>
           </a:p>
         </p:txBody>
@@ -10625,9 +8397,9 @@
           <a:p>
             <a:fld id="{9415E33C-F962-4E59-AF47-C3576160EA36}" type="slidenum">
               <a:rPr lang="ru-RU" smtClean="0"/>
-              <a:t>3</a:t>
+              <a:t>4</a:t>
             </a:fld>
-            <a:endParaRPr lang="ru-RU" dirty="0"/>
+            <a:endParaRPr lang="ru-RU"/>
           </a:p>
         </p:txBody>
       </p:sp>
@@ -10680,33 +8452,32 @@
       </p:pic>
       <p:sp>
         <p:nvSpPr>
-          <p:cNvPr id="8" name="TextBox 7">
+          <p:cNvPr id="9" name="Заголовок 1">
             <a:extLst>
               <a:ext uri="{FF2B5EF4-FFF2-40B4-BE49-F238E27FC236}">
-                <a16:creationId xmlns:a16="http://schemas.microsoft.com/office/drawing/2014/main" id="{143DF86B-0F1D-4327-BA47-4BA88D0280EF}"/>
+                <a16:creationId xmlns:a16="http://schemas.microsoft.com/office/drawing/2014/main" id="{51BCBF61-FCB3-4D40-A556-5F4855C3AE1A}"/>
               </a:ext>
             </a:extLst>
           </p:cNvPr>
-          <p:cNvSpPr txBox="1"/>
-          <p:nvPr/>
+          <p:cNvSpPr>
+            <a:spLocks noGrp="1"/>
+          </p:cNvSpPr>
+          <p:nvPr>
+            <p:ph type="title"/>
+          </p:nvPr>
         </p:nvSpPr>
         <p:spPr>
           <a:xfrm>
-            <a:off x="8153400" y="3770711"/>
-            <a:ext cx="2692400" cy="1200329"/>
+            <a:off x="838200" y="1039528"/>
+            <a:ext cx="10515600" cy="651160"/>
           </a:xfrm>
-          <a:prstGeom prst="rect">
-            <a:avLst/>
-          </a:prstGeom>
-          <a:noFill/>
         </p:spPr>
         <p:txBody>
-          <a:bodyPr wrap="square">
-            <a:spAutoFit/>
+          <a:bodyPr>
+            <a:normAutofit fontScale="90000"/>
           </a:bodyPr>
           <a:lstStyle/>
           <a:p>
-            <a:pPr algn="ctr"/>
             <a:r>
               <a:rPr lang="ru-RU" b="1" dirty="0">
                 <a:solidFill>
@@ -10715,140 +8486,34 @@
                 <a:latin typeface="Montserrat" panose="00000500000000000000" pitchFamily="2" charset="0"/>
                 <a:cs typeface="Arial" panose="020B0604020202020204" pitchFamily="34" charset="0"/>
               </a:rPr>
-              <a:t>Эффект </a:t>
-            </a:r>
-          </a:p>
-          <a:p>
-            <a:pPr algn="ctr"/>
-            <a:r>
-              <a:rPr lang="ru-RU" b="1" dirty="0" err="1">
+              <a:t>Цена</a:t>
+            </a:r>
+            <a:br>
+              <a:rPr lang="ru-RU" b="1" dirty="0">
                 <a:solidFill>
                   <a:srgbClr val="326CDB"/>
                 </a:solidFill>
                 <a:latin typeface="Montserrat" panose="00000500000000000000" pitchFamily="2" charset="0"/>
                 <a:cs typeface="Arial" panose="020B0604020202020204" pitchFamily="34" charset="0"/>
               </a:rPr>
-              <a:t>Гиффена</a:t>
-            </a:r>
-            <a:endParaRPr lang="ru-RU" b="1" dirty="0">
-              <a:solidFill>
-                <a:srgbClr val="326CDB"/>
-              </a:solidFill>
-              <a:latin typeface="Montserrat" panose="00000500000000000000" pitchFamily="2" charset="0"/>
-              <a:cs typeface="Arial" panose="020B0604020202020204" pitchFamily="34" charset="0"/>
-            </a:endParaRPr>
-          </a:p>
-          <a:p>
-            <a:pPr algn="ctr"/>
-            <a:r>
-              <a:rPr lang="ru-RU" dirty="0">
-                <a:solidFill>
-                  <a:schemeClr val="bg1">
-                    <a:lumMod val="50000"/>
-                  </a:schemeClr>
+            </a:br>
+            <a:r>
+              <a:rPr lang="ru-RU" sz="2200" b="1" dirty="0">
+                <a:solidFill>
+                  <a:srgbClr val="326CDB"/>
                 </a:solidFill>
                 <a:latin typeface="Montserrat" panose="00000500000000000000" pitchFamily="2" charset="0"/>
                 <a:cs typeface="Arial" panose="020B0604020202020204" pitchFamily="34" charset="0"/>
               </a:rPr>
-              <a:t>жизненно важные продукты</a:t>
-            </a:r>
-            <a:endParaRPr lang="ru-RU" dirty="0">
-              <a:solidFill>
-                <a:schemeClr val="bg1">
-                  <a:lumMod val="50000"/>
-                </a:schemeClr>
-              </a:solidFill>
-              <a:latin typeface="Montserrat" panose="00000500000000000000" pitchFamily="2" charset="0"/>
-            </a:endParaRPr>
-          </a:p>
-        </p:txBody>
-      </p:sp>
-      <p:sp>
-        <p:nvSpPr>
-          <p:cNvPr id="9" name="TextBox 8">
-            <a:extLst>
-              <a:ext uri="{FF2B5EF4-FFF2-40B4-BE49-F238E27FC236}">
-                <a16:creationId xmlns:a16="http://schemas.microsoft.com/office/drawing/2014/main" id="{8FAC235C-B49B-40FD-A71D-CEF085AC2F61}"/>
-              </a:ext>
-            </a:extLst>
-          </p:cNvPr>
-          <p:cNvSpPr txBox="1"/>
-          <p:nvPr/>
-        </p:nvSpPr>
-        <p:spPr>
-          <a:xfrm>
-            <a:off x="6096000" y="3770711"/>
-            <a:ext cx="1634836" cy="1200329"/>
-          </a:xfrm>
-          <a:prstGeom prst="rect">
-            <a:avLst/>
-          </a:prstGeom>
-          <a:noFill/>
-        </p:spPr>
-        <p:txBody>
-          <a:bodyPr wrap="square">
-            <a:spAutoFit/>
-          </a:bodyPr>
-          <a:lstStyle/>
-          <a:p>
-            <a:pPr algn="ctr"/>
-            <a:r>
-              <a:rPr lang="ru-RU" b="1" dirty="0">
-                <a:solidFill>
-                  <a:srgbClr val="326CDB"/>
-                </a:solidFill>
-                <a:latin typeface="Montserrat" panose="00000500000000000000" pitchFamily="2" charset="0"/>
-                <a:cs typeface="Arial" panose="020B0604020202020204" pitchFamily="34" charset="0"/>
-              </a:rPr>
-              <a:t>Парадокс </a:t>
-            </a:r>
-            <a:r>
-              <a:rPr lang="ru-RU" b="1" dirty="0" err="1">
-                <a:solidFill>
-                  <a:srgbClr val="326CDB"/>
-                </a:solidFill>
-                <a:latin typeface="Montserrat" panose="00000500000000000000" pitchFamily="2" charset="0"/>
-                <a:cs typeface="Arial" panose="020B0604020202020204" pitchFamily="34" charset="0"/>
-              </a:rPr>
-              <a:t>Веблена</a:t>
-            </a:r>
-            <a:endParaRPr lang="ru-RU" b="1" dirty="0">
-              <a:solidFill>
-                <a:srgbClr val="326CDB"/>
-              </a:solidFill>
-              <a:latin typeface="Montserrat" panose="00000500000000000000" pitchFamily="2" charset="0"/>
-              <a:cs typeface="Arial" panose="020B0604020202020204" pitchFamily="34" charset="0"/>
-            </a:endParaRPr>
-          </a:p>
-          <a:p>
-            <a:pPr algn="ctr"/>
-            <a:r>
-              <a:rPr lang="ru-RU" dirty="0">
-                <a:solidFill>
-                  <a:schemeClr val="bg1">
-                    <a:lumMod val="50000"/>
-                  </a:schemeClr>
-                </a:solidFill>
-                <a:latin typeface="Montserrat" panose="00000500000000000000" pitchFamily="2" charset="0"/>
-                <a:cs typeface="Arial" panose="020B0604020202020204" pitchFamily="34" charset="0"/>
-              </a:rPr>
-              <a:t>товары роскоши</a:t>
-            </a:r>
-            <a:endParaRPr lang="ru-RU" dirty="0">
-              <a:solidFill>
-                <a:schemeClr val="bg1">
-                  <a:lumMod val="50000"/>
-                </a:schemeClr>
-              </a:solidFill>
-              <a:latin typeface="Montserrat" panose="00000500000000000000" pitchFamily="2" charset="0"/>
-            </a:endParaRPr>
+              <a:t>Этапы ценообразования</a:t>
+            </a:r>
           </a:p>
         </p:txBody>
       </p:sp>
     </p:spTree>
     <p:extLst>
       <p:ext uri="{BB962C8B-B14F-4D97-AF65-F5344CB8AC3E}">
-        <p14:creationId xmlns:p14="http://schemas.microsoft.com/office/powerpoint/2010/main" val="742912908"/>
+        <p14:creationId xmlns:p14="http://schemas.microsoft.com/office/powerpoint/2010/main" val="2839600060"/>
       </p:ext>
     </p:extLst>
   </p:cSld>
@@ -10858,7 +8523,7 @@
 </p:sld>
 </file>
 
-<file path=ppt/slides/slide4.xml><?xml version="1.0" encoding="utf-8"?>
+<file path=ppt/slides/slide5.xml><?xml version="1.0" encoding="utf-8"?>
 <p:sld xmlns:a="http://schemas.openxmlformats.org/drawingml/2006/main" xmlns:r="http://schemas.openxmlformats.org/officeDocument/2006/relationships" xmlns:p="http://schemas.openxmlformats.org/presentationml/2006/main">
   <p:cSld>
     <p:spTree>
@@ -10905,7 +8570,26 @@
                 <a:latin typeface="Montserrat" panose="00000500000000000000" pitchFamily="2" charset="0"/>
                 <a:cs typeface="Arial" panose="020B0604020202020204" pitchFamily="34" charset="0"/>
               </a:rPr>
-              <a:t>Предложение</a:t>
+              <a:t>Цена</a:t>
+            </a:r>
+            <a:br>
+              <a:rPr lang="ru-RU" b="1" dirty="0">
+                <a:solidFill>
+                  <a:srgbClr val="326CDB"/>
+                </a:solidFill>
+                <a:latin typeface="Montserrat" panose="00000500000000000000" pitchFamily="2" charset="0"/>
+                <a:cs typeface="Arial" panose="020B0604020202020204" pitchFamily="34" charset="0"/>
+              </a:rPr>
+            </a:br>
+            <a:r>
+              <a:rPr lang="ru-RU" sz="2200" b="1" dirty="0">
+                <a:solidFill>
+                  <a:srgbClr val="326CDB"/>
+                </a:solidFill>
+                <a:latin typeface="Montserrat" panose="00000500000000000000" pitchFamily="2" charset="0"/>
+                <a:cs typeface="Arial" panose="020B0604020202020204" pitchFamily="34" charset="0"/>
+              </a:rPr>
+              <a:t>Факторы ценообразования</a:t>
             </a:r>
           </a:p>
         </p:txBody>
@@ -10920,34 +8604,80 @@
             <p:ph idx="1"/>
           </p:nvPr>
         </p:nvSpPr>
-        <p:spPr/>
-        <p:txBody>
-          <a:bodyPr>
+        <p:spPr>
+          <a:xfrm>
+            <a:off x="838200" y="1825625"/>
+            <a:ext cx="10515600" cy="4194175"/>
+          </a:xfrm>
+        </p:spPr>
+        <p:txBody>
+          <a:bodyPr anchor="ctr">
             <a:normAutofit/>
           </a:bodyPr>
           <a:lstStyle/>
           <a:p>
-            <a:pPr>
+            <a:pPr marL="457200" indent="-457200">
               <a:lnSpc>
                 <a:spcPct val="150000"/>
               </a:lnSpc>
-              <a:buFontTx/>
-              <a:buChar char="-"/>
+              <a:buFont typeface="+mj-lt"/>
+              <a:buAutoNum type="arabicPeriod"/>
             </a:pPr>
             <a:r>
               <a:rPr lang="ru-RU" sz="1800" dirty="0">
                 <a:latin typeface="Montserrat" panose="00000500000000000000" pitchFamily="2" charset="0"/>
               </a:rPr>
-              <a:t>готовность товаропроизводителя произвести (предложить) за определенный период времени определенное количество товара по той или иной цене</a:t>
-            </a:r>
-          </a:p>
-          <a:p>
-            <a:pPr>
+              <a:t>Себестоимость продукции</a:t>
+            </a:r>
+          </a:p>
+          <a:p>
+            <a:pPr marL="457200" indent="-457200">
               <a:lnSpc>
                 <a:spcPct val="150000"/>
               </a:lnSpc>
-              <a:buFontTx/>
-              <a:buChar char="-"/>
+              <a:buFont typeface="+mj-lt"/>
+              <a:buAutoNum type="arabicPeriod"/>
+            </a:pPr>
+            <a:r>
+              <a:rPr lang="ru-RU" sz="1800" dirty="0"/>
+              <a:t>Конкуренция</a:t>
+            </a:r>
+          </a:p>
+          <a:p>
+            <a:pPr marL="457200" indent="-457200">
+              <a:lnSpc>
+                <a:spcPct val="150000"/>
+              </a:lnSpc>
+              <a:buFont typeface="+mj-lt"/>
+              <a:buAutoNum type="arabicPeriod"/>
+            </a:pPr>
+            <a:r>
+              <a:rPr lang="ru-RU" sz="1800" dirty="0">
+                <a:latin typeface="Montserrat" panose="00000500000000000000" pitchFamily="2" charset="0"/>
+              </a:rPr>
+              <a:t>Спрос и предложение</a:t>
+            </a:r>
+          </a:p>
+          <a:p>
+            <a:pPr marL="457200" indent="-457200">
+              <a:lnSpc>
+                <a:spcPct val="150000"/>
+              </a:lnSpc>
+              <a:buFont typeface="+mj-lt"/>
+              <a:buAutoNum type="arabicPeriod"/>
+            </a:pPr>
+            <a:r>
+              <a:rPr lang="ru-RU" sz="1800" dirty="0"/>
+              <a:t>Бренд и уникальность</a:t>
+            </a:r>
+          </a:p>
+          <a:p>
+            <a:pPr marL="457200" indent="-457200">
+              <a:lnSpc>
+                <a:spcPct val="150000"/>
+              </a:lnSpc>
+              <a:buFont typeface="+mj-lt"/>
+              <a:buAutoNum type="arabicPeriod"/>
             </a:pPr>
             <a:endParaRPr lang="ru-RU" sz="1800" dirty="0">
               <a:latin typeface="Montserrat" panose="00000500000000000000" pitchFamily="2" charset="0"/>
@@ -10961,60 +8691,20 @@
               <a:buNone/>
             </a:pPr>
             <a:r>
+              <a:rPr lang="ru-RU" sz="1800" b="1" dirty="0">
+                <a:solidFill>
+                  <a:srgbClr val="326CDB"/>
+                </a:solidFill>
+                <a:latin typeface="Montserrat" panose="00000500000000000000" pitchFamily="2" charset="0"/>
+              </a:rPr>
+              <a:t>Ценообразование</a:t>
+            </a:r>
+            <a:r>
               <a:rPr lang="ru-RU" sz="1800" dirty="0">
                 <a:latin typeface="Montserrat" panose="00000500000000000000" pitchFamily="2" charset="0"/>
               </a:rPr>
-              <a:t>На величину спроса влияют:</a:t>
-            </a:r>
-          </a:p>
-          <a:p>
-            <a:pPr>
-              <a:lnSpc>
-                <a:spcPct val="150000"/>
-              </a:lnSpc>
-            </a:pPr>
-            <a:r>
-              <a:rPr lang="ru-RU" sz="1800" dirty="0">
-                <a:latin typeface="Montserrat" panose="00000500000000000000" pitchFamily="2" charset="0"/>
-              </a:rPr>
-              <a:t>себестоимость производства</a:t>
-            </a:r>
-          </a:p>
-          <a:p>
-            <a:pPr>
-              <a:lnSpc>
-                <a:spcPct val="150000"/>
-              </a:lnSpc>
-            </a:pPr>
-            <a:r>
-              <a:rPr lang="ru-RU" sz="1800" dirty="0">
-                <a:latin typeface="Montserrat" panose="00000500000000000000" pitchFamily="2" charset="0"/>
-              </a:rPr>
-              <a:t>конкуренция</a:t>
-            </a:r>
-          </a:p>
-          <a:p>
-            <a:pPr>
-              <a:lnSpc>
-                <a:spcPct val="150000"/>
-              </a:lnSpc>
-            </a:pPr>
-            <a:r>
-              <a:rPr lang="ru-RU" sz="1800" dirty="0">
-                <a:latin typeface="Montserrat" panose="00000500000000000000" pitchFamily="2" charset="0"/>
-              </a:rPr>
-              <a:t>налоги</a:t>
-            </a:r>
-          </a:p>
-          <a:p>
-            <a:pPr>
-              <a:lnSpc>
-                <a:spcPct val="150000"/>
-              </a:lnSpc>
-            </a:pPr>
-            <a:endParaRPr lang="ru-RU" sz="1800" dirty="0">
-              <a:latin typeface="Montserrat" panose="00000500000000000000" pitchFamily="2" charset="0"/>
-            </a:endParaRPr>
+              <a:t> - сложный и многофакторный процесс, который требует глубокого понимания рынка, целевой аудитории и своих собственных затрат. </a:t>
+            </a:r>
           </a:p>
         </p:txBody>
       </p:sp>
@@ -11060,7 +8750,7 @@
           <a:p>
             <a:fld id="{9415E33C-F962-4E59-AF47-C3576160EA36}" type="slidenum">
               <a:rPr lang="ru-RU" smtClean="0"/>
-              <a:t>4</a:t>
+              <a:t>5</a:t>
             </a:fld>
             <a:endParaRPr lang="ru-RU"/>
           </a:p>
@@ -11116,7 +8806,7 @@
     </p:spTree>
     <p:extLst>
       <p:ext uri="{BB962C8B-B14F-4D97-AF65-F5344CB8AC3E}">
-        <p14:creationId xmlns:p14="http://schemas.microsoft.com/office/powerpoint/2010/main" val="2839600060"/>
+        <p14:creationId xmlns:p14="http://schemas.microsoft.com/office/powerpoint/2010/main" val="1758739892"/>
       </p:ext>
     </p:extLst>
   </p:cSld>
@@ -11126,7 +8816,7 @@
 </p:sld>
 </file>
 
-<file path=ppt/slides/slide5.xml><?xml version="1.0" encoding="utf-8"?>
+<file path=ppt/slides/slide6.xml><?xml version="1.0" encoding="utf-8"?>
 <p:sld xmlns:a="http://schemas.openxmlformats.org/drawingml/2006/main" xmlns:r="http://schemas.openxmlformats.org/officeDocument/2006/relationships" xmlns:p="http://schemas.openxmlformats.org/presentationml/2006/main">
   <p:cSld>
     <p:spTree>
@@ -11173,7 +8863,7 @@
                 <a:latin typeface="Montserrat" panose="00000500000000000000" pitchFamily="2" charset="0"/>
                 <a:cs typeface="Arial" panose="020B0604020202020204" pitchFamily="34" charset="0"/>
               </a:rPr>
-              <a:t>Закон спроса и предложения</a:t>
+              <a:t>Рынок</a:t>
             </a:r>
           </a:p>
         </p:txBody>
@@ -11188,17 +8878,27 @@
             <p:ph idx="1"/>
           </p:nvPr>
         </p:nvSpPr>
-        <p:spPr>
-          <a:xfrm>
-            <a:off x="838200" y="1825625"/>
-            <a:ext cx="10515600" cy="4194175"/>
-          </a:xfrm>
-        </p:spPr>
-        <p:txBody>
-          <a:bodyPr>
+        <p:spPr/>
+        <p:txBody>
+          <a:bodyPr numCol="1" anchor="ctr">
             <a:normAutofit/>
           </a:bodyPr>
           <a:lstStyle/>
+          <a:p>
+            <a:pPr>
+              <a:lnSpc>
+                <a:spcPct val="150000"/>
+              </a:lnSpc>
+              <a:buFontTx/>
+              <a:buChar char="-"/>
+            </a:pPr>
+            <a:r>
+              <a:rPr lang="ru-RU" sz="1800" dirty="0">
+                <a:latin typeface="Montserrat" panose="00000500000000000000" pitchFamily="2" charset="0"/>
+              </a:rPr>
+              <a:t>это система экономических отношений между продавцом и покупателем, которая позволяет совершать обмен необходимыми ресурсами</a:t>
+            </a:r>
+          </a:p>
           <a:p>
             <a:pPr marL="0" indent="0">
               <a:lnSpc>
@@ -11206,15 +8906,9 @@
               </a:lnSpc>
               <a:buNone/>
             </a:pPr>
-            <a:r>
-              <a:rPr lang="ru-RU" sz="2200" i="1" dirty="0">
-                <a:solidFill>
-                  <a:srgbClr val="326CDB"/>
-                </a:solidFill>
-                <a:latin typeface="Montserrat" panose="00000500000000000000" pitchFamily="2" charset="0"/>
-              </a:rPr>
-              <a:t>Закон спроса</a:t>
-            </a:r>
+            <a:endParaRPr lang="ru-RU" sz="1800" b="1" dirty="0">
+              <a:latin typeface="Montserrat" panose="00000500000000000000" pitchFamily="2" charset="0"/>
+            </a:endParaRPr>
           </a:p>
           <a:p>
             <a:pPr marL="0" indent="0">
@@ -11224,90 +8918,62 @@
               <a:buNone/>
             </a:pPr>
             <a:r>
+              <a:rPr lang="ru-RU" sz="1800" dirty="0">
+                <a:solidFill>
+                  <a:srgbClr val="326CDB"/>
+                </a:solidFill>
+              </a:rPr>
+              <a:t>Признаки</a:t>
+            </a:r>
+            <a:r>
               <a:rPr lang="ru-RU" sz="1800" dirty="0"/>
-              <a:t>п</a:t>
-            </a:r>
-            <a:r>
-              <a:rPr lang="ru-RU" sz="1800" dirty="0">
-                <a:latin typeface="Montserrat" panose="00000500000000000000" pitchFamily="2" charset="0"/>
-              </a:rPr>
-              <a:t>ри увеличении цены товара количество спроса на него снижается, а при снижении цены — увеличивается</a:t>
-            </a:r>
-          </a:p>
-          <a:p>
-            <a:pPr marL="0" indent="0">
+              <a:t> рынка:</a:t>
+            </a:r>
+          </a:p>
+          <a:p>
+            <a:pPr>
               <a:lnSpc>
                 <a:spcPct val="150000"/>
               </a:lnSpc>
-              <a:buNone/>
             </a:pPr>
-            <a:endParaRPr lang="ru-RU" sz="1800" dirty="0">
-              <a:latin typeface="Montserrat" panose="00000500000000000000" pitchFamily="2" charset="0"/>
-            </a:endParaRPr>
-          </a:p>
-          <a:p>
-            <a:pPr marL="0" indent="0">
+            <a:r>
+              <a:rPr lang="ru-RU" sz="1800" dirty="0"/>
+              <a:t>н</a:t>
+            </a:r>
+            <a:r>
+              <a:rPr lang="ru-RU" sz="1800" dirty="0">
+                <a:latin typeface="Montserrat" panose="00000500000000000000" pitchFamily="2" charset="0"/>
+              </a:rPr>
+              <a:t>ерегулируемый спрос</a:t>
+            </a:r>
+          </a:p>
+          <a:p>
+            <a:pPr>
               <a:lnSpc>
                 <a:spcPct val="150000"/>
               </a:lnSpc>
-              <a:buNone/>
             </a:pPr>
             <a:r>
-              <a:rPr lang="ru-RU" sz="2200" i="1" dirty="0">
-                <a:solidFill>
-                  <a:srgbClr val="326CDB"/>
-                </a:solidFill>
-                <a:latin typeface="Montserrat" panose="00000500000000000000" pitchFamily="2" charset="0"/>
-              </a:rPr>
-              <a:t>Закон предложения</a:t>
-            </a:r>
-          </a:p>
-          <a:p>
-            <a:pPr marL="0" indent="0">
+              <a:rPr lang="ru-RU" sz="1800" dirty="0"/>
+              <a:t>нерегулируемое предложение</a:t>
+            </a:r>
+          </a:p>
+          <a:p>
+            <a:pPr>
               <a:lnSpc>
                 <a:spcPct val="150000"/>
               </a:lnSpc>
-              <a:buNone/>
             </a:pPr>
             <a:r>
+              <a:rPr lang="ru-RU" sz="1800" dirty="0"/>
+              <a:t>ц</a:t>
+            </a:r>
+            <a:r>
               <a:rPr lang="ru-RU" sz="1800" dirty="0">
                 <a:latin typeface="Montserrat" panose="00000500000000000000" pitchFamily="2" charset="0"/>
               </a:rPr>
-              <a:t>при увеличении цены товара количество, которое производители готовы предложить на рынке, также увеличивается, а при снижении цены — уменьшается</a:t>
-            </a:r>
-          </a:p>
-          <a:p>
-            <a:pPr marL="0" indent="0">
-              <a:lnSpc>
-                <a:spcPct val="150000"/>
-              </a:lnSpc>
-              <a:buNone/>
-            </a:pPr>
-            <a:endParaRPr lang="ru-RU" sz="1800" dirty="0">
-              <a:latin typeface="Montserrat" panose="00000500000000000000" pitchFamily="2" charset="0"/>
-            </a:endParaRPr>
-          </a:p>
-          <a:p>
-            <a:pPr marL="0" indent="0">
-              <a:lnSpc>
-                <a:spcPct val="150000"/>
-              </a:lnSpc>
-              <a:buNone/>
-            </a:pPr>
-            <a:endParaRPr lang="ru-RU" sz="1800" dirty="0">
-              <a:latin typeface="Montserrat" panose="00000500000000000000" pitchFamily="2" charset="0"/>
-            </a:endParaRPr>
-          </a:p>
-          <a:p>
-            <a:pPr marL="0" indent="0">
-              <a:lnSpc>
-                <a:spcPct val="150000"/>
-              </a:lnSpc>
-              <a:buNone/>
-            </a:pPr>
-            <a:endParaRPr lang="ru-RU" sz="1800" dirty="0">
-              <a:latin typeface="Montserrat" panose="00000500000000000000" pitchFamily="2" charset="0"/>
-            </a:endParaRPr>
+              <a:t>ена</a:t>
+            </a:r>
           </a:p>
         </p:txBody>
       </p:sp>
@@ -11353,9 +9019,9 @@
           <a:p>
             <a:fld id="{9415E33C-F962-4E59-AF47-C3576160EA36}" type="slidenum">
               <a:rPr lang="ru-RU" smtClean="0"/>
-              <a:t>5</a:t>
+              <a:t>6</a:t>
             </a:fld>
-            <a:endParaRPr lang="ru-RU"/>
+            <a:endParaRPr lang="ru-RU" dirty="0"/>
           </a:p>
         </p:txBody>
       </p:sp>
@@ -11409,7 +9075,7 @@
     </p:spTree>
     <p:extLst>
       <p:ext uri="{BB962C8B-B14F-4D97-AF65-F5344CB8AC3E}">
-        <p14:creationId xmlns:p14="http://schemas.microsoft.com/office/powerpoint/2010/main" val="1758739892"/>
+        <p14:creationId xmlns:p14="http://schemas.microsoft.com/office/powerpoint/2010/main" val="3551373186"/>
       </p:ext>
     </p:extLst>
   </p:cSld>
@@ -11419,7 +9085,7 @@
 </p:sld>
 </file>
 
-<file path=ppt/slides/slide6.xml><?xml version="1.0" encoding="utf-8"?>
+<file path=ppt/slides/slide7.xml><?xml version="1.0" encoding="utf-8"?>
 <p:sld xmlns:a="http://schemas.openxmlformats.org/drawingml/2006/main" xmlns:r="http://schemas.openxmlformats.org/officeDocument/2006/relationships" xmlns:p="http://schemas.openxmlformats.org/presentationml/2006/main">
   <p:cSld>
     <p:spTree>
@@ -11466,7 +9132,26 @@
                 <a:latin typeface="Montserrat" panose="00000500000000000000" pitchFamily="2" charset="0"/>
                 <a:cs typeface="Arial" panose="020B0604020202020204" pitchFamily="34" charset="0"/>
               </a:rPr>
-              <a:t>Закон спроса и предложения</a:t>
+              <a:t>Рынок</a:t>
+            </a:r>
+            <a:br>
+              <a:rPr lang="ru-RU" b="1" dirty="0">
+                <a:solidFill>
+                  <a:srgbClr val="326CDB"/>
+                </a:solidFill>
+                <a:latin typeface="Montserrat" panose="00000500000000000000" pitchFamily="2" charset="0"/>
+                <a:cs typeface="Arial" panose="020B0604020202020204" pitchFamily="34" charset="0"/>
+              </a:rPr>
+            </a:br>
+            <a:r>
+              <a:rPr lang="ru-RU" sz="2200" b="1" dirty="0">
+                <a:solidFill>
+                  <a:srgbClr val="326CDB"/>
+                </a:solidFill>
+                <a:latin typeface="Montserrat" panose="00000500000000000000" pitchFamily="2" charset="0"/>
+                <a:cs typeface="Arial" panose="020B0604020202020204" pitchFamily="34" charset="0"/>
+              </a:rPr>
+              <a:t>Функции</a:t>
             </a:r>
           </a:p>
         </p:txBody>
@@ -11483,130 +9168,162 @@
         </p:nvSpPr>
         <p:spPr/>
         <p:txBody>
-          <a:bodyPr numCol="2">
+          <a:bodyPr numCol="1" anchor="ctr">
             <a:normAutofit/>
           </a:bodyPr>
           <a:lstStyle/>
           <a:p>
-            <a:pPr marL="0" indent="0">
+            <a:pPr marL="285750" indent="-285750">
               <a:lnSpc>
                 <a:spcPct val="150000"/>
               </a:lnSpc>
-              <a:buNone/>
+              <a:buFont typeface="Arial" panose="020B0604020202020204" pitchFamily="34" charset="0"/>
+              <a:buChar char="•"/>
             </a:pPr>
             <a:r>
-              <a:rPr lang="ru-RU" sz="1800" b="1" dirty="0">
-                <a:solidFill>
-                  <a:srgbClr val="326CDB"/>
-                </a:solidFill>
-                <a:latin typeface="Montserrat" panose="00000500000000000000" pitchFamily="2" charset="0"/>
-              </a:rPr>
-              <a:t>Рыночное равновесие </a:t>
+              <a:rPr lang="ru-RU" sz="1800" dirty="0"/>
+              <a:t>ц</a:t>
             </a:r>
             <a:r>
               <a:rPr lang="ru-RU" sz="1800" dirty="0">
                 <a:latin typeface="Montserrat" panose="00000500000000000000" pitchFamily="2" charset="0"/>
               </a:rPr>
-              <a:t>— точка, в которой объём спроса на товар равен объёму его предложения</a:t>
-            </a:r>
-          </a:p>
-          <a:p>
-            <a:pPr marL="0" indent="0">
+              <a:t>енообразование</a:t>
+            </a:r>
+          </a:p>
+          <a:p>
+            <a:pPr marL="742950" lvl="1" indent="-285750">
               <a:lnSpc>
                 <a:spcPct val="150000"/>
               </a:lnSpc>
-              <a:buNone/>
             </a:pPr>
-            <a:endParaRPr lang="ru-RU" sz="1800" dirty="0">
-              <a:latin typeface="Montserrat" panose="00000500000000000000" pitchFamily="2" charset="0"/>
-            </a:endParaRPr>
-          </a:p>
-          <a:p>
-            <a:pPr marL="0" indent="0">
+            <a:r>
+              <a:rPr lang="ru-RU" sz="1400" dirty="0">
+                <a:latin typeface="Montserrat" panose="00000500000000000000" pitchFamily="2" charset="0"/>
+              </a:rPr>
+              <a:t>цена отражает то, насколько </a:t>
+            </a:r>
+            <a:r>
+              <a:rPr lang="ru-RU" sz="1400" dirty="0">
+                <a:solidFill>
+                  <a:srgbClr val="326CDB"/>
+                </a:solidFill>
+                <a:latin typeface="Montserrat" panose="00000500000000000000" pitchFamily="2" charset="0"/>
+              </a:rPr>
+              <a:t>потребители готовы платить</a:t>
+            </a:r>
+            <a:r>
+              <a:rPr lang="ru-RU" sz="1400" dirty="0">
+                <a:latin typeface="Montserrat" panose="00000500000000000000" pitchFamily="2" charset="0"/>
+              </a:rPr>
+              <a:t> за определенный продукт или услугу и насколько производители готовы предложить его</a:t>
+            </a:r>
+          </a:p>
+          <a:p>
+            <a:pPr marL="285750" indent="-285750">
               <a:lnSpc>
                 <a:spcPct val="150000"/>
               </a:lnSpc>
-              <a:buNone/>
             </a:pPr>
             <a:r>
-              <a:rPr lang="ru-RU" sz="1800" b="1" dirty="0">
-                <a:latin typeface="Montserrat" panose="00000500000000000000" pitchFamily="2" charset="0"/>
-              </a:rPr>
-              <a:t>Равновесная цена </a:t>
-            </a:r>
-            <a:r>
-              <a:rPr lang="ru-RU" sz="1800" dirty="0">
-                <a:latin typeface="Montserrat" panose="00000500000000000000" pitchFamily="2" charset="0"/>
-              </a:rPr>
-              <a:t>означает, что товаров произведено столько, сколько требуется покупателям.</a:t>
-            </a:r>
-          </a:p>
-          <a:p>
-            <a:pPr marL="0" indent="0">
+              <a:rPr lang="ru-RU" sz="1800" dirty="0"/>
+              <a:t>посредничество</a:t>
+            </a:r>
+          </a:p>
+          <a:p>
+            <a:pPr marL="742950" lvl="1" indent="-285750">
               <a:lnSpc>
                 <a:spcPct val="150000"/>
               </a:lnSpc>
-              <a:buNone/>
             </a:pPr>
-            <a:endParaRPr lang="ru-RU" sz="1800" dirty="0">
-              <a:latin typeface="Montserrat" panose="00000500000000000000" pitchFamily="2" charset="0"/>
-            </a:endParaRPr>
-          </a:p>
-          <a:p>
-            <a:pPr marL="0" indent="0">
+            <a:r>
+              <a:rPr lang="ru-RU" sz="1400" dirty="0">
+                <a:solidFill>
+                  <a:srgbClr val="326CDB"/>
+                </a:solidFill>
+              </a:rPr>
+              <a:t>п</a:t>
+            </a:r>
+            <a:r>
+              <a:rPr lang="ru-RU" sz="1400" dirty="0">
+                <a:solidFill>
+                  <a:srgbClr val="326CDB"/>
+                </a:solidFill>
+                <a:latin typeface="Montserrat" panose="00000500000000000000" pitchFamily="2" charset="0"/>
+              </a:rPr>
+              <a:t>отребители</a:t>
+            </a:r>
+            <a:r>
+              <a:rPr lang="ru-RU" sz="1400" dirty="0">
+                <a:latin typeface="Montserrat" panose="00000500000000000000" pitchFamily="2" charset="0"/>
+              </a:rPr>
+              <a:t> могут выбирать из разнообразных предложений, а </a:t>
+            </a:r>
+            <a:r>
+              <a:rPr lang="ru-RU" sz="1400" dirty="0">
+                <a:solidFill>
+                  <a:srgbClr val="326CDB"/>
+                </a:solidFill>
+                <a:latin typeface="Montserrat" panose="00000500000000000000" pitchFamily="2" charset="0"/>
+              </a:rPr>
+              <a:t>производители</a:t>
+            </a:r>
+            <a:r>
+              <a:rPr lang="ru-RU" sz="1400" dirty="0">
+                <a:latin typeface="Montserrat" panose="00000500000000000000" pitchFamily="2" charset="0"/>
+              </a:rPr>
+              <a:t> могут находить рынок для своей продукции</a:t>
+            </a:r>
+          </a:p>
+          <a:p>
+            <a:pPr marL="285750" indent="-285750">
               <a:lnSpc>
                 <a:spcPct val="150000"/>
               </a:lnSpc>
-              <a:buNone/>
+              <a:buFont typeface="Arial" panose="020B0604020202020204" pitchFamily="34" charset="0"/>
+              <a:buChar char="•"/>
             </a:pPr>
-            <a:endParaRPr lang="ru-RU" sz="1800" dirty="0">
-              <a:latin typeface="Montserrat" panose="00000500000000000000" pitchFamily="2" charset="0"/>
-            </a:endParaRPr>
-          </a:p>
-          <a:p>
-            <a:pPr marL="0" indent="0" algn="ctr">
+            <a:r>
+              <a:rPr lang="ru-RU" sz="1800" dirty="0"/>
+              <a:t>р</a:t>
+            </a:r>
+            <a:r>
+              <a:rPr lang="ru-RU" sz="1800" dirty="0">
+                <a:latin typeface="Montserrat" panose="00000500000000000000" pitchFamily="2" charset="0"/>
+              </a:rPr>
+              <a:t>егулирование спроса и предложений</a:t>
+            </a:r>
+          </a:p>
+          <a:p>
+            <a:pPr marL="742950" lvl="1" indent="-285750">
               <a:lnSpc>
-                <a:spcPct val="100000"/>
+                <a:spcPct val="150000"/>
               </a:lnSpc>
-              <a:buNone/>
             </a:pPr>
             <a:r>
-              <a:rPr lang="ru-RU" sz="1300" i="1" dirty="0">
-                <a:latin typeface="Montserrat" panose="00000500000000000000" pitchFamily="2" charset="0"/>
-              </a:rPr>
-              <a:t>Координатами точки являются</a:t>
-            </a:r>
-          </a:p>
-          <a:p>
-            <a:pPr marL="0" indent="0" algn="ctr">
-              <a:lnSpc>
-                <a:spcPct val="100000"/>
-              </a:lnSpc>
-              <a:buNone/>
-            </a:pPr>
-            <a:r>
-              <a:rPr lang="ru-RU" sz="1300" b="1" i="1" dirty="0">
-                <a:latin typeface="Montserrat" panose="00000500000000000000" pitchFamily="2" charset="0"/>
-              </a:rPr>
-              <a:t>равновесная цена </a:t>
-            </a:r>
-            <a:r>
-              <a:rPr lang="ru-RU" sz="1300" i="1" dirty="0">
-                <a:latin typeface="Montserrat" panose="00000500000000000000" pitchFamily="2" charset="0"/>
-              </a:rPr>
-              <a:t>и </a:t>
-            </a:r>
-            <a:r>
-              <a:rPr lang="ru-RU" sz="1300" b="1" i="1" dirty="0">
-                <a:latin typeface="Montserrat" panose="00000500000000000000" pitchFamily="2" charset="0"/>
-              </a:rPr>
-              <a:t>равновесный объем</a:t>
-            </a:r>
-            <a:r>
-              <a:rPr lang="ru-RU" sz="1300" i="1" dirty="0">
-                <a:latin typeface="Montserrat" panose="00000500000000000000" pitchFamily="2" charset="0"/>
-              </a:rPr>
-              <a:t>.</a:t>
+              <a:rPr lang="ru-RU" sz="1400" dirty="0"/>
+              <a:t>р</a:t>
+            </a:r>
+            <a:r>
+              <a:rPr lang="ru-RU" sz="1400" dirty="0">
+                <a:latin typeface="Montserrat" panose="00000500000000000000" pitchFamily="2" charset="0"/>
+              </a:rPr>
+              <a:t>ынок является механизмом, который </a:t>
+            </a:r>
+            <a:r>
+              <a:rPr lang="ru-RU" sz="1400" dirty="0">
+                <a:solidFill>
+                  <a:srgbClr val="326CDB"/>
+                </a:solidFill>
+                <a:latin typeface="Montserrat" panose="00000500000000000000" pitchFamily="2" charset="0"/>
+              </a:rPr>
+              <a:t>помогает устанавливать баланс</a:t>
+            </a:r>
+            <a:r>
+              <a:rPr lang="ru-RU" sz="1400" dirty="0">
+                <a:latin typeface="Montserrat" panose="00000500000000000000" pitchFamily="2" charset="0"/>
+              </a:rPr>
+              <a:t> между спросом и предложением на товары и услуги</a:t>
             </a:r>
           </a:p>
         </p:txBody>
@@ -11653,7 +9370,7 @@
           <a:p>
             <a:fld id="{9415E33C-F962-4E59-AF47-C3576160EA36}" type="slidenum">
               <a:rPr lang="ru-RU" smtClean="0"/>
-              <a:t>6</a:t>
+              <a:t>7</a:t>
             </a:fld>
             <a:endParaRPr lang="ru-RU" dirty="0"/>
           </a:p>
@@ -11706,39 +9423,10 @@
           </a:extLst>
         </p:spPr>
       </p:pic>
-      <p:pic>
-        <p:nvPicPr>
-          <p:cNvPr id="8" name="Рисунок 7">
-            <a:extLst>
-              <a:ext uri="{FF2B5EF4-FFF2-40B4-BE49-F238E27FC236}">
-                <a16:creationId xmlns:a16="http://schemas.microsoft.com/office/drawing/2014/main" id="{D8BA093B-DDAC-4953-BA84-FAB983FB2288}"/>
-              </a:ext>
-            </a:extLst>
-          </p:cNvPr>
-          <p:cNvPicPr>
-            <a:picLocks noChangeAspect="1"/>
-          </p:cNvPicPr>
-          <p:nvPr/>
-        </p:nvPicPr>
-        <p:blipFill rotWithShape="1">
-          <a:blip r:embed="rId4"/>
-          <a:srcRect r="15190"/>
-          <a:stretch/>
-        </p:blipFill>
-        <p:spPr>
-          <a:xfrm>
-            <a:off x="6096000" y="2560483"/>
-            <a:ext cx="5257800" cy="3090378"/>
-          </a:xfrm>
-          <a:prstGeom prst="rect">
-            <a:avLst/>
-          </a:prstGeom>
-        </p:spPr>
-      </p:pic>
     </p:spTree>
     <p:extLst>
       <p:ext uri="{BB962C8B-B14F-4D97-AF65-F5344CB8AC3E}">
-        <p14:creationId xmlns:p14="http://schemas.microsoft.com/office/powerpoint/2010/main" val="3551373186"/>
+        <p14:creationId xmlns:p14="http://schemas.microsoft.com/office/powerpoint/2010/main" val="600860783"/>
       </p:ext>
     </p:extLst>
   </p:cSld>
@@ -11748,7 +9436,7 @@
 </p:sld>
 </file>
 
-<file path=ppt/slides/slide7.xml><?xml version="1.0" encoding="utf-8"?>
+<file path=ppt/slides/slide8.xml><?xml version="1.0" encoding="utf-8"?>
 <p:sld xmlns:a="http://schemas.openxmlformats.org/drawingml/2006/main" xmlns:r="http://schemas.openxmlformats.org/officeDocument/2006/relationships" xmlns:p="http://schemas.openxmlformats.org/presentationml/2006/main">
   <p:cSld>
     <p:spTree>
@@ -11795,7 +9483,26 @@
                 <a:latin typeface="Montserrat" panose="00000500000000000000" pitchFamily="2" charset="0"/>
                 <a:cs typeface="Arial" panose="020B0604020202020204" pitchFamily="34" charset="0"/>
               </a:rPr>
-              <a:t>Эластичность</a:t>
+              <a:t>Рынок</a:t>
+            </a:r>
+            <a:br>
+              <a:rPr lang="ru-RU" b="1" dirty="0">
+                <a:solidFill>
+                  <a:srgbClr val="326CDB"/>
+                </a:solidFill>
+                <a:latin typeface="Montserrat" panose="00000500000000000000" pitchFamily="2" charset="0"/>
+                <a:cs typeface="Arial" panose="020B0604020202020204" pitchFamily="34" charset="0"/>
+              </a:rPr>
+            </a:br>
+            <a:r>
+              <a:rPr lang="ru-RU" sz="2200" b="1" dirty="0">
+                <a:solidFill>
+                  <a:srgbClr val="326CDB"/>
+                </a:solidFill>
+                <a:latin typeface="Montserrat" panose="00000500000000000000" pitchFamily="2" charset="0"/>
+                <a:cs typeface="Arial" panose="020B0604020202020204" pitchFamily="34" charset="0"/>
+              </a:rPr>
+              <a:t>Функции</a:t>
             </a:r>
           </a:p>
         </p:txBody>
@@ -11812,99 +9519,149 @@
         </p:nvSpPr>
         <p:spPr/>
         <p:txBody>
-          <a:bodyPr numCol="1">
+          <a:bodyPr numCol="1" anchor="ctr">
             <a:normAutofit/>
           </a:bodyPr>
           <a:lstStyle/>
           <a:p>
-            <a:pPr marL="0" indent="0">
+            <a:pPr marL="285750" indent="-285750">
               <a:lnSpc>
                 <a:spcPct val="150000"/>
               </a:lnSpc>
-              <a:buNone/>
+              <a:buFont typeface="Arial" panose="020B0604020202020204" pitchFamily="34" charset="0"/>
+              <a:buChar char="•"/>
             </a:pPr>
             <a:r>
               <a:rPr lang="ru-RU" sz="1800" dirty="0">
                 <a:latin typeface="Montserrat" panose="00000500000000000000" pitchFamily="2" charset="0"/>
               </a:rPr>
-              <a:t>эластичностью спроса и предложения понимают то, как эти показатели реагируют на изменение цены</a:t>
-            </a:r>
-          </a:p>
-          <a:p>
-            <a:pPr marL="0" indent="0">
+              <a:t>информирование</a:t>
+            </a:r>
+          </a:p>
+          <a:p>
+            <a:pPr marL="742950" lvl="1" indent="-285750">
               <a:lnSpc>
                 <a:spcPct val="150000"/>
               </a:lnSpc>
-              <a:buNone/>
             </a:pPr>
-            <a:endParaRPr lang="ru-RU" sz="1800" dirty="0">
-              <a:latin typeface="Montserrat" panose="00000500000000000000" pitchFamily="2" charset="0"/>
-            </a:endParaRPr>
-          </a:p>
-          <a:p>
-            <a:pPr marL="0" indent="0">
+            <a:r>
+              <a:rPr lang="ru-RU" sz="1400" dirty="0"/>
+              <a:t>р</a:t>
+            </a:r>
+            <a:r>
+              <a:rPr lang="ru-RU" sz="1400" dirty="0">
+                <a:latin typeface="Montserrat" panose="00000500000000000000" pitchFamily="2" charset="0"/>
+              </a:rPr>
+              <a:t>ынок обеспечивает </a:t>
+            </a:r>
+            <a:r>
+              <a:rPr lang="ru-RU" sz="1400" dirty="0">
+                <a:solidFill>
+                  <a:srgbClr val="326CDB"/>
+                </a:solidFill>
+                <a:latin typeface="Montserrat" panose="00000500000000000000" pitchFamily="2" charset="0"/>
+              </a:rPr>
+              <a:t>доступ к информации о товарах</a:t>
+            </a:r>
+            <a:r>
+              <a:rPr lang="ru-RU" sz="1400" dirty="0">
+                <a:latin typeface="Montserrat" panose="00000500000000000000" pitchFamily="2" charset="0"/>
+              </a:rPr>
+              <a:t>, продавцах, спросе на конкретные товары и общем состоянии экономики</a:t>
+            </a:r>
+          </a:p>
+          <a:p>
+            <a:pPr marL="285750" indent="-285750">
               <a:lnSpc>
                 <a:spcPct val="150000"/>
               </a:lnSpc>
-              <a:buNone/>
+              <a:buFont typeface="Arial" panose="020B0604020202020204" pitchFamily="34" charset="0"/>
+              <a:buChar char="•"/>
             </a:pPr>
             <a:r>
-              <a:rPr lang="ru-RU" sz="1800" b="1" dirty="0">
-                <a:solidFill>
-                  <a:srgbClr val="326CDB"/>
-                </a:solidFill>
-                <a:latin typeface="Montserrat" panose="00000500000000000000" pitchFamily="2" charset="0"/>
-              </a:rPr>
-              <a:t>Эластичность спроса </a:t>
-            </a:r>
-            <a:r>
               <a:rPr lang="ru-RU" sz="1800" dirty="0">
                 <a:latin typeface="Montserrat" panose="00000500000000000000" pitchFamily="2" charset="0"/>
               </a:rPr>
-              <a:t>показывает, </a:t>
-            </a:r>
-          </a:p>
-          <a:p>
-            <a:pPr marL="0" indent="0">
+              <a:t>стимулирование</a:t>
+            </a:r>
+          </a:p>
+          <a:p>
+            <a:pPr marL="742950" lvl="1" indent="-285750">
               <a:lnSpc>
                 <a:spcPct val="150000"/>
               </a:lnSpc>
-              <a:buNone/>
             </a:pPr>
             <a:r>
-              <a:rPr lang="ru-RU" sz="1800" dirty="0">
-                <a:latin typeface="Montserrat" panose="00000500000000000000" pitchFamily="2" charset="0"/>
-              </a:rPr>
-              <a:t>как меняется поведение </a:t>
-            </a:r>
-            <a:r>
-              <a:rPr lang="ru-RU" sz="1800" dirty="0">
+              <a:rPr lang="ru-RU" sz="1400" dirty="0"/>
+              <a:t>р</a:t>
+            </a:r>
+            <a:r>
+              <a:rPr lang="ru-RU" sz="1400" dirty="0">
+                <a:latin typeface="Montserrat" panose="00000500000000000000" pitchFamily="2" charset="0"/>
+              </a:rPr>
+              <a:t>ыночная конкуренция стимулирует участников рынка постоянно </a:t>
+            </a:r>
+            <a:r>
+              <a:rPr lang="ru-RU" sz="1400" dirty="0">
                 <a:solidFill>
                   <a:srgbClr val="326CDB"/>
                 </a:solidFill>
                 <a:latin typeface="Montserrat" panose="00000500000000000000" pitchFamily="2" charset="0"/>
               </a:rPr>
-              <a:t>покупателей</a:t>
-            </a:r>
-            <a:r>
-              <a:rPr lang="ru-RU" sz="1800" dirty="0">
-                <a:latin typeface="Montserrat" panose="00000500000000000000" pitchFamily="2" charset="0"/>
-              </a:rPr>
-              <a:t>,</a:t>
-            </a:r>
-          </a:p>
-          <a:p>
-            <a:pPr marL="0" indent="0">
+              <a:t>улучшать качество товаров</a:t>
+            </a:r>
+            <a:r>
+              <a:rPr lang="ru-RU" sz="1400" dirty="0">
+                <a:latin typeface="Montserrat" panose="00000500000000000000" pitchFamily="2" charset="0"/>
+              </a:rPr>
+              <a:t>, разрабатывать новые технологии и повышать эффективность экономики в целом</a:t>
+            </a:r>
+          </a:p>
+          <a:p>
+            <a:pPr marL="285750" indent="-285750">
               <a:lnSpc>
                 <a:spcPct val="150000"/>
               </a:lnSpc>
-              <a:buNone/>
+              <a:buFont typeface="Arial" panose="020B0604020202020204" pitchFamily="34" charset="0"/>
+              <a:buChar char="•"/>
             </a:pPr>
             <a:r>
               <a:rPr lang="ru-RU" sz="1800" dirty="0">
                 <a:latin typeface="Montserrat" panose="00000500000000000000" pitchFamily="2" charset="0"/>
               </a:rPr>
-              <a:t>когда продукция дорожает или дешевеет</a:t>
+              <a:t>очищение</a:t>
+            </a:r>
+          </a:p>
+          <a:p>
+            <a:pPr marL="742950" lvl="1" indent="-285750">
+              <a:lnSpc>
+                <a:spcPct val="150000"/>
+              </a:lnSpc>
+            </a:pPr>
+            <a:r>
+              <a:rPr lang="ru-RU" sz="1400" dirty="0"/>
+              <a:t>р</a:t>
+            </a:r>
+            <a:r>
+              <a:rPr lang="ru-RU" sz="1400" dirty="0">
+                <a:latin typeface="Montserrat" panose="00000500000000000000" pitchFamily="2" charset="0"/>
+              </a:rPr>
+              <a:t>ынок способствует </a:t>
+            </a:r>
+            <a:r>
+              <a:rPr lang="ru-RU" sz="1400" dirty="0">
+                <a:solidFill>
+                  <a:srgbClr val="326CDB"/>
+                </a:solidFill>
+                <a:latin typeface="Montserrat" panose="00000500000000000000" pitchFamily="2" charset="0"/>
+              </a:rPr>
+              <a:t>освобождению экономики от ненужной деятельности</a:t>
+            </a:r>
+            <a:r>
+              <a:rPr lang="ru-RU" sz="1400" dirty="0">
+                <a:latin typeface="Montserrat" panose="00000500000000000000" pitchFamily="2" charset="0"/>
+              </a:rPr>
+              <a:t> и слабых участников, одновременно поощряя развитие перспективных секторов</a:t>
             </a:r>
           </a:p>
         </p:txBody>
@@ -11951,7 +9708,7 @@
           <a:p>
             <a:fld id="{9415E33C-F962-4E59-AF47-C3576160EA36}" type="slidenum">
               <a:rPr lang="ru-RU" smtClean="0"/>
-              <a:t>7</a:t>
+              <a:t>8</a:t>
             </a:fld>
             <a:endParaRPr lang="ru-RU" dirty="0"/>
           </a:p>
@@ -12004,557 +9761,10 @@
           </a:extLst>
         </p:spPr>
       </p:pic>
-      <p:pic>
-        <p:nvPicPr>
-          <p:cNvPr id="12" name="Рисунок 11">
-            <a:extLst>
-              <a:ext uri="{FF2B5EF4-FFF2-40B4-BE49-F238E27FC236}">
-                <a16:creationId xmlns:a16="http://schemas.microsoft.com/office/drawing/2014/main" id="{3C7851B5-3554-480E-BE26-3BB8F8EB47A8}"/>
-              </a:ext>
-            </a:extLst>
-          </p:cNvPr>
-          <p:cNvPicPr>
-            <a:picLocks noChangeAspect="1"/>
-          </p:cNvPicPr>
-          <p:nvPr/>
-        </p:nvPicPr>
-        <p:blipFill>
-          <a:blip r:embed="rId4"/>
-          <a:stretch>
-            <a:fillRect/>
-          </a:stretch>
-        </p:blipFill>
-        <p:spPr>
-          <a:xfrm>
-            <a:off x="6067217" y="2719542"/>
-            <a:ext cx="5624252" cy="2723787"/>
-          </a:xfrm>
-          <a:prstGeom prst="rect">
-            <a:avLst/>
-          </a:prstGeom>
-        </p:spPr>
-      </p:pic>
     </p:spTree>
     <p:extLst>
       <p:ext uri="{BB962C8B-B14F-4D97-AF65-F5344CB8AC3E}">
-        <p14:creationId xmlns:p14="http://schemas.microsoft.com/office/powerpoint/2010/main" val="600860783"/>
-      </p:ext>
-    </p:extLst>
-  </p:cSld>
-  <p:clrMapOvr>
-    <a:masterClrMapping/>
-  </p:clrMapOvr>
-</p:sld>
-</file>
-
-<file path=ppt/slides/slide8.xml><?xml version="1.0" encoding="utf-8"?>
-<p:sld xmlns:a="http://schemas.openxmlformats.org/drawingml/2006/main" xmlns:r="http://schemas.openxmlformats.org/officeDocument/2006/relationships" xmlns:p="http://schemas.openxmlformats.org/presentationml/2006/main">
-  <p:cSld>
-    <p:spTree>
-      <p:nvGrpSpPr>
-        <p:cNvPr id="1" name=""/>
-        <p:cNvGrpSpPr/>
-        <p:nvPr/>
-      </p:nvGrpSpPr>
-      <p:grpSpPr>
-        <a:xfrm>
-          <a:off x="0" y="0"/>
-          <a:ext cx="0" cy="0"/>
-          <a:chOff x="0" y="0"/>
-          <a:chExt cx="0" cy="0"/>
-        </a:xfrm>
-      </p:grpSpPr>
-      <p:sp>
-        <p:nvSpPr>
-          <p:cNvPr id="2" name="Заголовок 1"/>
-          <p:cNvSpPr>
-            <a:spLocks noGrp="1"/>
-          </p:cNvSpPr>
-          <p:nvPr>
-            <p:ph type="title"/>
-          </p:nvPr>
-        </p:nvSpPr>
-        <p:spPr>
-          <a:xfrm>
-            <a:off x="838200" y="1039528"/>
-            <a:ext cx="10515600" cy="651160"/>
-          </a:xfrm>
-        </p:spPr>
-        <p:txBody>
-          <a:bodyPr>
-            <a:normAutofit fontScale="90000"/>
-          </a:bodyPr>
-          <a:lstStyle/>
-          <a:p>
-            <a:r>
-              <a:rPr lang="ru-RU" b="1" dirty="0">
-                <a:solidFill>
-                  <a:srgbClr val="326CDB"/>
-                </a:solidFill>
-                <a:latin typeface="Montserrat" panose="00000500000000000000" pitchFamily="2" charset="0"/>
-                <a:cs typeface="Arial" panose="020B0604020202020204" pitchFamily="34" charset="0"/>
-              </a:rPr>
-              <a:t>Эластичность спроса</a:t>
-            </a:r>
-            <a:br>
-              <a:rPr lang="ru-RU" b="1" dirty="0">
-                <a:solidFill>
-                  <a:srgbClr val="326CDB"/>
-                </a:solidFill>
-                <a:latin typeface="Montserrat" panose="00000500000000000000" pitchFamily="2" charset="0"/>
-                <a:cs typeface="Arial" panose="020B0604020202020204" pitchFamily="34" charset="0"/>
-              </a:rPr>
-            </a:br>
-            <a:r>
-              <a:rPr lang="ru-RU" sz="2800" b="1" dirty="0">
-                <a:solidFill>
-                  <a:srgbClr val="326CDB"/>
-                </a:solidFill>
-                <a:latin typeface="Montserrat" panose="00000500000000000000" pitchFamily="2" charset="0"/>
-                <a:cs typeface="Arial" panose="020B0604020202020204" pitchFamily="34" charset="0"/>
-              </a:rPr>
-              <a:t>по цене</a:t>
-            </a:r>
-          </a:p>
-        </p:txBody>
-      </p:sp>
-      <mc:AlternateContent xmlns:mc="http://schemas.openxmlformats.org/markup-compatibility/2006" xmlns:a14="http://schemas.microsoft.com/office/drawing/2010/main">
-        <mc:Choice Requires="a14">
-          <p:sp>
-            <p:nvSpPr>
-              <p:cNvPr id="3" name="Объект 2"/>
-              <p:cNvSpPr>
-                <a:spLocks noGrp="1"/>
-              </p:cNvSpPr>
-              <p:nvPr>
-                <p:ph idx="1"/>
-              </p:nvPr>
-            </p:nvSpPr>
-            <p:spPr/>
-            <p:txBody>
-              <a:bodyPr anchor="t">
-                <a:normAutofit/>
-              </a:bodyPr>
-              <a:lstStyle/>
-              <a:p>
-                <a:pPr marL="0" indent="0">
-                  <a:lnSpc>
-                    <a:spcPct val="150000"/>
-                  </a:lnSpc>
-                  <a:buNone/>
-                </a:pPr>
-                <a:r>
-                  <a:rPr lang="ru-RU" sz="1800" dirty="0">
-                    <a:latin typeface="Montserrat" panose="00000500000000000000" pitchFamily="2" charset="0"/>
-                  </a:rPr>
-                  <a:t>помогает понять, как изменится спрос, если поднять или понизить стоимость продукта</a:t>
-                </a:r>
-              </a:p>
-              <a:p>
-                <a:pPr marL="0" indent="0">
-                  <a:lnSpc>
-                    <a:spcPct val="150000"/>
-                  </a:lnSpc>
-                  <a:buNone/>
-                </a:pPr>
-                <a:endParaRPr lang="ru-RU" sz="1800" b="0" i="0" u="none" strike="noStrike" baseline="0" dirty="0">
-                  <a:latin typeface="Montserrat" panose="00000500000000000000" pitchFamily="2" charset="0"/>
-                </a:endParaRPr>
-              </a:p>
-              <a:p>
-                <a:pPr marL="0" indent="0">
-                  <a:lnSpc>
-                    <a:spcPct val="150000"/>
-                  </a:lnSpc>
-                  <a:buNone/>
-                </a:pPr>
-                <a:r>
-                  <a:rPr lang="ru-RU" sz="1800" b="1" i="0" u="none" strike="noStrike" baseline="0" dirty="0">
-                    <a:latin typeface="Montserrat" panose="00000500000000000000" pitchFamily="2" charset="0"/>
-                  </a:rPr>
-                  <a:t>Эластичность спроса </a:t>
-                </a:r>
-                <a:r>
-                  <a:rPr lang="ru-RU" sz="1800" b="0" i="0" u="none" strike="noStrike" baseline="0" dirty="0">
-                    <a:latin typeface="Montserrat" panose="00000500000000000000" pitchFamily="2" charset="0"/>
-                  </a:rPr>
-                  <a:t>зависит от степени необходимости товара, наличия аналогов, доли расходов в личном или семейном бюджете</a:t>
-                </a:r>
-              </a:p>
-              <a:p>
-                <a:pPr marL="0" indent="0">
-                  <a:lnSpc>
-                    <a:spcPct val="150000"/>
-                  </a:lnSpc>
-                  <a:buNone/>
-                </a:pPr>
-                <a14:m>
-                  <m:oMathPara xmlns:m="http://schemas.openxmlformats.org/officeDocument/2006/math">
-                    <m:oMathParaPr>
-                      <m:jc m:val="centerGroup"/>
-                    </m:oMathParaPr>
-                    <m:oMath xmlns:m="http://schemas.openxmlformats.org/officeDocument/2006/math">
-                      <m:sSubSup>
-                        <m:sSubSupPr>
-                          <m:ctrlPr>
-                            <a:rPr lang="ru-RU" sz="1800" b="1" i="1" smtClean="0">
-                              <a:solidFill>
-                                <a:schemeClr val="tx1"/>
-                              </a:solidFill>
-                              <a:latin typeface="Cambria Math" panose="02040503050406030204" pitchFamily="18" charset="0"/>
-                            </a:rPr>
-                          </m:ctrlPr>
-                        </m:sSubSupPr>
-                        <m:e>
-                          <m:r>
-                            <a:rPr lang="en-US" sz="1800" b="1" i="1" smtClean="0">
-                              <a:solidFill>
-                                <a:schemeClr val="tx1"/>
-                              </a:solidFill>
-                              <a:latin typeface="Cambria Math" panose="02040503050406030204" pitchFamily="18" charset="0"/>
-                            </a:rPr>
-                            <m:t>𝑬</m:t>
-                          </m:r>
-                        </m:e>
-                        <m:sub>
-                          <m:r>
-                            <a:rPr lang="en-US" sz="1800" b="1" i="1" smtClean="0">
-                              <a:solidFill>
-                                <a:schemeClr val="tx1"/>
-                              </a:solidFill>
-                              <a:latin typeface="Cambria Math" panose="02040503050406030204" pitchFamily="18" charset="0"/>
-                            </a:rPr>
-                            <m:t>𝑷</m:t>
-                          </m:r>
-                        </m:sub>
-                        <m:sup>
-                          <m:r>
-                            <a:rPr lang="en-US" sz="1800" b="1" i="1" smtClean="0">
-                              <a:solidFill>
-                                <a:schemeClr val="tx1"/>
-                              </a:solidFill>
-                              <a:latin typeface="Cambria Math" panose="02040503050406030204" pitchFamily="18" charset="0"/>
-                            </a:rPr>
-                            <m:t>𝑫</m:t>
-                          </m:r>
-                        </m:sup>
-                      </m:sSubSup>
-                      <m:r>
-                        <a:rPr lang="en-US" sz="1800" b="1" i="1" smtClean="0">
-                          <a:solidFill>
-                            <a:schemeClr val="tx1"/>
-                          </a:solidFill>
-                          <a:latin typeface="Cambria Math" panose="02040503050406030204" pitchFamily="18" charset="0"/>
-                        </a:rPr>
-                        <m:t>=</m:t>
-                      </m:r>
-                      <m:f>
-                        <m:fPr>
-                          <m:ctrlPr>
-                            <a:rPr lang="en-US" sz="1800" b="1" i="1" smtClean="0">
-                              <a:solidFill>
-                                <a:schemeClr val="tx1"/>
-                              </a:solidFill>
-                              <a:latin typeface="Cambria Math" panose="02040503050406030204" pitchFamily="18" charset="0"/>
-                            </a:rPr>
-                          </m:ctrlPr>
-                        </m:fPr>
-                        <m:num>
-                          <m:r>
-                            <a:rPr lang="en-US" sz="1800" b="1" i="1" smtClean="0">
-                              <a:solidFill>
-                                <a:schemeClr val="tx1"/>
-                              </a:solidFill>
-                              <a:latin typeface="Cambria Math" panose="02040503050406030204" pitchFamily="18" charset="0"/>
-                              <a:ea typeface="Cambria Math" panose="02040503050406030204" pitchFamily="18" charset="0"/>
-                            </a:rPr>
-                            <m:t>∆</m:t>
-                          </m:r>
-                          <m:r>
-                            <a:rPr lang="en-US" sz="1800" b="1" i="1" smtClean="0">
-                              <a:solidFill>
-                                <a:schemeClr val="tx1"/>
-                              </a:solidFill>
-                              <a:latin typeface="Cambria Math" panose="02040503050406030204" pitchFamily="18" charset="0"/>
-                              <a:ea typeface="Cambria Math" panose="02040503050406030204" pitchFamily="18" charset="0"/>
-                            </a:rPr>
-                            <m:t>𝑸</m:t>
-                          </m:r>
-                          <m:r>
-                            <a:rPr lang="en-US" sz="1800" b="1" i="1" smtClean="0">
-                              <a:solidFill>
-                                <a:schemeClr val="tx1"/>
-                              </a:solidFill>
-                              <a:latin typeface="Cambria Math" panose="02040503050406030204" pitchFamily="18" charset="0"/>
-                              <a:ea typeface="Cambria Math" panose="02040503050406030204" pitchFamily="18" charset="0"/>
-                            </a:rPr>
-                            <m:t>\</m:t>
-                          </m:r>
-                          <m:r>
-                            <a:rPr lang="en-US" sz="1800" b="1" i="1" smtClean="0">
-                              <a:solidFill>
-                                <a:schemeClr val="tx1"/>
-                              </a:solidFill>
-                              <a:latin typeface="Cambria Math" panose="02040503050406030204" pitchFamily="18" charset="0"/>
-                              <a:ea typeface="Cambria Math" panose="02040503050406030204" pitchFamily="18" charset="0"/>
-                            </a:rPr>
-                            <m:t>𝑸</m:t>
-                          </m:r>
-                        </m:num>
-                        <m:den>
-                          <m:r>
-                            <a:rPr lang="en-US" sz="1800" b="1" i="1">
-                              <a:solidFill>
-                                <a:schemeClr val="tx1"/>
-                              </a:solidFill>
-                              <a:latin typeface="Cambria Math" panose="02040503050406030204" pitchFamily="18" charset="0"/>
-                              <a:ea typeface="Cambria Math" panose="02040503050406030204" pitchFamily="18" charset="0"/>
-                            </a:rPr>
-                            <m:t>∆</m:t>
-                          </m:r>
-                          <m:r>
-                            <a:rPr lang="en-US" sz="1800" b="1" i="1" smtClean="0">
-                              <a:solidFill>
-                                <a:schemeClr val="tx1"/>
-                              </a:solidFill>
-                              <a:latin typeface="Cambria Math" panose="02040503050406030204" pitchFamily="18" charset="0"/>
-                              <a:ea typeface="Cambria Math" panose="02040503050406030204" pitchFamily="18" charset="0"/>
-                            </a:rPr>
-                            <m:t>𝑷</m:t>
-                          </m:r>
-                          <m:r>
-                            <a:rPr lang="en-US" sz="1800" b="1" i="1">
-                              <a:solidFill>
-                                <a:schemeClr val="tx1"/>
-                              </a:solidFill>
-                              <a:latin typeface="Cambria Math" panose="02040503050406030204" pitchFamily="18" charset="0"/>
-                              <a:ea typeface="Cambria Math" panose="02040503050406030204" pitchFamily="18" charset="0"/>
-                            </a:rPr>
-                            <m:t>\</m:t>
-                          </m:r>
-                          <m:r>
-                            <a:rPr lang="en-US" sz="1800" b="1" i="1" smtClean="0">
-                              <a:solidFill>
-                                <a:schemeClr val="tx1"/>
-                              </a:solidFill>
-                              <a:latin typeface="Cambria Math" panose="02040503050406030204" pitchFamily="18" charset="0"/>
-                              <a:ea typeface="Cambria Math" panose="02040503050406030204" pitchFamily="18" charset="0"/>
-                            </a:rPr>
-                            <m:t>𝑷</m:t>
-                          </m:r>
-                        </m:den>
-                      </m:f>
-                      <m:r>
-                        <a:rPr lang="ru-RU" sz="1800" b="1" i="1" smtClean="0">
-                          <a:solidFill>
-                            <a:schemeClr val="tx1"/>
-                          </a:solidFill>
-                          <a:latin typeface="Cambria Math" panose="02040503050406030204" pitchFamily="18" charset="0"/>
-                          <a:ea typeface="Cambria Math" panose="02040503050406030204" pitchFamily="18" charset="0"/>
-                        </a:rPr>
-                        <m:t>(%)</m:t>
-                      </m:r>
-                    </m:oMath>
-                  </m:oMathPara>
-                </a14:m>
-                <a:endParaRPr lang="ru-RU" sz="1800" b="1" i="1" dirty="0"/>
-              </a:p>
-              <a:p>
-                <a:pPr marL="0" indent="0">
-                  <a:lnSpc>
-                    <a:spcPct val="100000"/>
-                  </a:lnSpc>
-                  <a:buNone/>
-                </a:pPr>
-                <a:r>
-                  <a:rPr lang="en-US" sz="1600" dirty="0">
-                    <a:ea typeface="Cambria Math" panose="02040503050406030204" pitchFamily="18" charset="0"/>
-                  </a:rPr>
-                  <a:t>Q – </a:t>
-                </a:r>
-                <a:r>
-                  <a:rPr lang="ru-RU" sz="1600" dirty="0">
-                    <a:ea typeface="Cambria Math" panose="02040503050406030204" pitchFamily="18" charset="0"/>
-                  </a:rPr>
-                  <a:t>количество</a:t>
-                </a:r>
-              </a:p>
-              <a:p>
-                <a:pPr marL="0" indent="0">
-                  <a:lnSpc>
-                    <a:spcPct val="100000"/>
-                  </a:lnSpc>
-                  <a:buNone/>
-                </a:pPr>
-                <a:r>
-                  <a:rPr lang="en-US" sz="1600" dirty="0">
-                    <a:ea typeface="Cambria Math" panose="02040503050406030204" pitchFamily="18" charset="0"/>
-                  </a:rPr>
-                  <a:t>P – </a:t>
-                </a:r>
-                <a:r>
-                  <a:rPr lang="ru-RU" sz="1600" dirty="0">
-                    <a:ea typeface="Cambria Math" panose="02040503050406030204" pitchFamily="18" charset="0"/>
-                  </a:rPr>
-                  <a:t>цена</a:t>
-                </a:r>
-              </a:p>
-              <a:p>
-                <a:pPr marL="0" indent="0">
-                  <a:lnSpc>
-                    <a:spcPct val="100000"/>
-                  </a:lnSpc>
-                  <a:buNone/>
-                </a:pPr>
-                <a:r>
-                  <a:rPr lang="en-US" sz="1600" dirty="0">
-                    <a:latin typeface="Montserrat" panose="00000500000000000000" pitchFamily="2" charset="0"/>
-                  </a:rPr>
-                  <a:t>D - </a:t>
-                </a:r>
-                <a:r>
-                  <a:rPr lang="ru-RU" sz="1600" dirty="0">
-                    <a:latin typeface="Montserrat" panose="00000500000000000000" pitchFamily="2" charset="0"/>
-                  </a:rPr>
-                  <a:t>спрос</a:t>
-                </a:r>
-              </a:p>
-            </p:txBody>
-          </p:sp>
-        </mc:Choice>
-        <mc:Fallback xmlns="">
-          <p:sp>
-            <p:nvSpPr>
-              <p:cNvPr id="3" name="Объект 2"/>
-              <p:cNvSpPr>
-                <a:spLocks noGrp="1" noRot="1" noChangeAspect="1" noMove="1" noResize="1" noEditPoints="1" noAdjustHandles="1" noChangeArrowheads="1" noChangeShapeType="1" noTextEdit="1"/>
-              </p:cNvSpPr>
-              <p:nvPr>
-                <p:ph idx="1"/>
-              </p:nvPr>
-            </p:nvSpPr>
-            <p:spPr>
-              <a:blipFill>
-                <a:blip r:embed="rId3"/>
-                <a:stretch>
-                  <a:fillRect l="-603"/>
-                </a:stretch>
-              </a:blipFill>
-            </p:spPr>
-            <p:txBody>
-              <a:bodyPr/>
-              <a:lstStyle/>
-              <a:p>
-                <a:r>
-                  <a:rPr lang="en-RU">
-                    <a:noFill/>
-                  </a:rPr>
-                  <a:t> </a:t>
-                </a:r>
-              </a:p>
-            </p:txBody>
-          </p:sp>
-        </mc:Fallback>
-      </mc:AlternateContent>
-      <p:sp>
-        <p:nvSpPr>
-          <p:cNvPr id="4" name="Нижний колонтитул 3"/>
-          <p:cNvSpPr>
-            <a:spLocks noGrp="1"/>
-          </p:cNvSpPr>
-          <p:nvPr>
-            <p:ph type="ftr" sz="quarter" idx="11"/>
-          </p:nvPr>
-        </p:nvSpPr>
-        <p:spPr/>
-        <p:txBody>
-          <a:bodyPr/>
-          <a:lstStyle/>
-          <a:p>
-            <a:r>
-              <a:rPr lang="ru-RU" dirty="0">
-                <a:latin typeface="Montserrat" panose="00000500000000000000" pitchFamily="2" charset="0"/>
-                <a:cs typeface="Arial" panose="020B0604020202020204" pitchFamily="34" charset="0"/>
-              </a:rPr>
-              <a:t>МГТУ им. Н.Э. Баумана, ИУ7 – «Программное обеспечение ЭВМ и информационные технологии»</a:t>
-            </a:r>
-          </a:p>
-        </p:txBody>
-      </p:sp>
-      <p:sp>
-        <p:nvSpPr>
-          <p:cNvPr id="5" name="Номер слайда 4"/>
-          <p:cNvSpPr>
-            <a:spLocks noGrp="1"/>
-          </p:cNvSpPr>
-          <p:nvPr>
-            <p:ph type="sldNum" sz="quarter" idx="12"/>
-          </p:nvPr>
-        </p:nvSpPr>
-        <p:spPr/>
-        <p:txBody>
-          <a:bodyPr/>
-          <a:lstStyle/>
-          <a:p>
-            <a:fld id="{9415E33C-F962-4E59-AF47-C3576160EA36}" type="slidenum">
-              <a:rPr lang="ru-RU" smtClean="0"/>
-              <a:t>8</a:t>
-            </a:fld>
-            <a:endParaRPr lang="ru-RU" dirty="0"/>
-          </a:p>
-        </p:txBody>
-      </p:sp>
-      <p:pic>
-        <p:nvPicPr>
-          <p:cNvPr id="7" name="Picture 2" descr="image">
-            <a:extLst>
-              <a:ext uri="{FF2B5EF4-FFF2-40B4-BE49-F238E27FC236}">
-                <a16:creationId xmlns:a16="http://schemas.microsoft.com/office/drawing/2014/main" id="{CFC6836E-3700-421C-8822-6708949CADCA}"/>
-              </a:ext>
-            </a:extLst>
-          </p:cNvPr>
-          <p:cNvPicPr>
-            <a:picLocks noChangeAspect="1" noChangeArrowheads="1"/>
-          </p:cNvPicPr>
-          <p:nvPr/>
-        </p:nvPicPr>
-        <p:blipFill>
-          <a:blip r:embed="rId4" cstate="print">
-            <a:extLst>
-              <a:ext uri="{28A0092B-C50C-407E-A947-70E740481C1C}">
-                <a14:useLocalDpi xmlns:a14="http://schemas.microsoft.com/office/drawing/2010/main" val="0"/>
-              </a:ext>
-            </a:extLst>
-          </a:blip>
-          <a:srcRect/>
-          <a:stretch>
-            <a:fillRect/>
-          </a:stretch>
-        </p:blipFill>
-        <p:spPr bwMode="auto">
-          <a:xfrm>
-            <a:off x="10193246" y="360436"/>
-            <a:ext cx="1520954" cy="1520954"/>
-          </a:xfrm>
-          <a:prstGeom prst="rect">
-            <a:avLst/>
-          </a:prstGeom>
-          <a:noFill/>
-          <a:extLst>
-            <a:ext uri="{909E8E84-426E-40DD-AFC4-6F175D3DCCD1}">
-              <a14:hiddenFill xmlns:a14="http://schemas.microsoft.com/office/drawing/2010/main">
-                <a:solidFill>
-                  <a:srgbClr val="FFFFFF"/>
-                </a:solidFill>
-              </a14:hiddenFill>
-            </a:ext>
-          </a:extLst>
-        </p:spPr>
-      </p:pic>
-    </p:spTree>
-    <p:extLst>
-      <p:ext uri="{BB962C8B-B14F-4D97-AF65-F5344CB8AC3E}">
-        <p14:creationId xmlns:p14="http://schemas.microsoft.com/office/powerpoint/2010/main" val="2293707358"/>
+        <p14:creationId xmlns:p14="http://schemas.microsoft.com/office/powerpoint/2010/main" val="1818109047"/>
       </p:ext>
     </p:extLst>
   </p:cSld>
@@ -12611,27 +9821,15 @@
                 <a:latin typeface="Montserrat" panose="00000500000000000000" pitchFamily="2" charset="0"/>
                 <a:cs typeface="Arial" panose="020B0604020202020204" pitchFamily="34" charset="0"/>
               </a:rPr>
-              <a:t>Эластичность спроса</a:t>
-            </a:r>
-            <a:br>
-              <a:rPr lang="ru-RU" b="1" dirty="0">
-                <a:solidFill>
-                  <a:srgbClr val="326CDB"/>
-                </a:solidFill>
-                <a:latin typeface="Montserrat" panose="00000500000000000000" pitchFamily="2" charset="0"/>
-                <a:cs typeface="Arial" panose="020B0604020202020204" pitchFamily="34" charset="0"/>
-              </a:rPr>
-            </a:br>
-            <a:r>
-              <a:rPr lang="ru-RU" sz="2800" b="1" dirty="0">
-                <a:solidFill>
-                  <a:srgbClr val="326CDB"/>
-                </a:solidFill>
-                <a:latin typeface="Montserrat" panose="00000500000000000000" pitchFamily="2" charset="0"/>
-                <a:cs typeface="Arial" panose="020B0604020202020204" pitchFamily="34" charset="0"/>
-              </a:rPr>
-              <a:t>по цене</a:t>
-            </a:r>
+              <a:t>Конкурентоспособность</a:t>
+            </a:r>
+            <a:endParaRPr lang="ru-RU" sz="2800" b="1" dirty="0">
+              <a:solidFill>
+                <a:srgbClr val="326CDB"/>
+              </a:solidFill>
+              <a:latin typeface="Montserrat" panose="00000500000000000000" pitchFamily="2" charset="0"/>
+              <a:cs typeface="Arial" panose="020B0604020202020204" pitchFamily="34" charset="0"/>
+            </a:endParaRPr>
           </a:p>
         </p:txBody>
       </p:sp>
@@ -12645,17 +9843,49 @@
             <p:ph idx="1"/>
           </p:nvPr>
         </p:nvSpPr>
-        <p:spPr>
-          <a:xfrm>
-            <a:off x="838200" y="1936457"/>
-            <a:ext cx="6229350" cy="3575917"/>
-          </a:xfrm>
-        </p:spPr>
-        <p:txBody>
-          <a:bodyPr>
-            <a:noAutofit/>
+        <p:spPr/>
+        <p:txBody>
+          <a:bodyPr anchor="t">
+            <a:normAutofit/>
           </a:bodyPr>
           <a:lstStyle/>
+          <a:p>
+            <a:pPr marL="0" indent="0">
+              <a:lnSpc>
+                <a:spcPct val="150000"/>
+              </a:lnSpc>
+              <a:buNone/>
+            </a:pPr>
+            <a:r>
+              <a:rPr lang="ru-RU" sz="1800" dirty="0">
+                <a:latin typeface="Montserrat" panose="00000500000000000000" pitchFamily="2" charset="0"/>
+              </a:rPr>
+              <a:t> - способность бренда продавать продукты и услуги на рынке, который наполнен аналогичными товарами и услугами</a:t>
+            </a:r>
+          </a:p>
+          <a:p>
+            <a:pPr marL="0" indent="0">
+              <a:lnSpc>
+                <a:spcPct val="150000"/>
+              </a:lnSpc>
+              <a:buNone/>
+            </a:pPr>
+            <a:endParaRPr lang="ru-RU" sz="1800" dirty="0"/>
+          </a:p>
+          <a:p>
+            <a:pPr marL="0" indent="0">
+              <a:lnSpc>
+                <a:spcPct val="150000"/>
+              </a:lnSpc>
+              <a:buNone/>
+            </a:pPr>
+            <a:r>
+              <a:rPr lang="ru-RU" sz="1800" dirty="0">
+                <a:latin typeface="Montserrat" panose="00000500000000000000" pitchFamily="2" charset="0"/>
+              </a:rPr>
+              <a:t>Конкурентоспособность могут отображать:</a:t>
+            </a:r>
+          </a:p>
           <a:p>
             <a:pPr>
               <a:lnSpc>
@@ -12663,19 +9893,25 @@
               </a:lnSpc>
             </a:pPr>
             <a:r>
-              <a:rPr lang="ru-RU" sz="1500" b="1" dirty="0">
+              <a:rPr lang="ru-RU" sz="1600" dirty="0">
+                <a:latin typeface="Montserrat" panose="00000500000000000000" pitchFamily="2" charset="0"/>
+              </a:rPr>
+              <a:t>показатель, который отражает </a:t>
+            </a:r>
+            <a:r>
+              <a:rPr lang="ru-RU" sz="1600" b="1" dirty="0">
                 <a:solidFill>
                   <a:srgbClr val="326CDB"/>
                 </a:solidFill>
                 <a:latin typeface="Montserrat" panose="00000500000000000000" pitchFamily="2" charset="0"/>
               </a:rPr>
-              <a:t>Абсолютно эластичный спрос </a:t>
-            </a:r>
-            <a:r>
-              <a:rPr lang="ru-RU" sz="1500" dirty="0">
-                <a:latin typeface="Montserrat" panose="00000500000000000000" pitchFamily="2" charset="0"/>
-              </a:rPr>
-              <a:t>— когда есть только одна цена, при которой потребители будут покупать товар</a:t>
+              <a:t>долю рынка</a:t>
+            </a:r>
+            <a:r>
+              <a:rPr lang="ru-RU" sz="1600" dirty="0">
+                <a:latin typeface="Montserrat" panose="00000500000000000000" pitchFamily="2" charset="0"/>
+              </a:rPr>
+              <a:t>, занимаемую организацией или продуктом</a:t>
             </a:r>
           </a:p>
           <a:p>
@@ -12685,38 +9921,20 @@
               </a:lnSpc>
             </a:pPr>
             <a:r>
-              <a:rPr lang="ru-RU" sz="1500" b="1" dirty="0">
+              <a:rPr lang="ru-RU" sz="1600" dirty="0">
+                <a:latin typeface="Montserrat" panose="00000500000000000000" pitchFamily="2" charset="0"/>
+              </a:rPr>
+              <a:t>оценка темпов </a:t>
+            </a:r>
+            <a:r>
+              <a:rPr lang="ru-RU" sz="1600" b="1" dirty="0">
                 <a:solidFill>
                   <a:srgbClr val="326CDB"/>
                 </a:solidFill>
                 <a:latin typeface="Montserrat" panose="00000500000000000000" pitchFamily="2" charset="0"/>
               </a:rPr>
-              <a:t>Эластичный спрос</a:t>
-            </a:r>
-            <a:r>
-              <a:rPr lang="en-US" sz="1500" b="1" dirty="0">
-                <a:solidFill>
-                  <a:srgbClr val="326CDB"/>
-                </a:solidFill>
-                <a:latin typeface="Montserrat" panose="00000500000000000000" pitchFamily="2" charset="0"/>
-              </a:rPr>
-              <a:t> </a:t>
-            </a:r>
-            <a:r>
-              <a:rPr lang="ru-RU" sz="1500" dirty="0">
-                <a:latin typeface="Montserrat" panose="00000500000000000000" pitchFamily="2" charset="0"/>
-              </a:rPr>
-              <a:t>— если при изменении цены спрос на товар сильно меняется</a:t>
-            </a:r>
-            <a:r>
-              <a:rPr lang="en-US" sz="1500" dirty="0">
-                <a:latin typeface="Montserrat" panose="00000500000000000000" pitchFamily="2" charset="0"/>
-              </a:rPr>
-              <a:t> </a:t>
-            </a:r>
-            <a:endParaRPr lang="ru-RU" sz="1500" dirty="0">
-              <a:latin typeface="Montserrat" panose="00000500000000000000" pitchFamily="2" charset="0"/>
-            </a:endParaRPr>
+              <a:t>роста продаж</a:t>
+            </a:r>
           </a:p>
           <a:p>
             <a:pPr>
@@ -12725,19 +9943,16 @@
               </a:lnSpc>
             </a:pPr>
             <a:r>
-              <a:rPr lang="ru-RU" sz="1500" b="1" dirty="0">
+              <a:rPr lang="ru-RU" sz="1600" dirty="0"/>
+              <a:t>уровень </a:t>
+            </a:r>
+            <a:r>
+              <a:rPr lang="ru-RU" sz="1600" b="1" dirty="0">
                 <a:solidFill>
                   <a:srgbClr val="326CDB"/>
                 </a:solidFill>
-                <a:latin typeface="Montserrat" panose="00000500000000000000" pitchFamily="2" charset="0"/>
-              </a:rPr>
-              <a:t>Единичная эластичность </a:t>
-            </a:r>
-            <a:r>
-              <a:rPr lang="ru-RU" sz="1500" dirty="0">
-                <a:latin typeface="Montserrat" panose="00000500000000000000" pitchFamily="2" charset="0"/>
-              </a:rPr>
-              <a:t>— спрос изменяется пропорционально цене </a:t>
+              </a:rPr>
+              <a:t>доходности</a:t>
             </a:r>
           </a:p>
           <a:p>
@@ -12747,44 +9962,25 @@
               </a:lnSpc>
             </a:pPr>
             <a:r>
-              <a:rPr lang="ru-RU" sz="1500" b="1" dirty="0">
+              <a:rPr lang="ru-RU" sz="1600" dirty="0">
+                <a:latin typeface="Montserrat" panose="00000500000000000000" pitchFamily="2" charset="0"/>
+              </a:rPr>
+              <a:t>способность организации </a:t>
+            </a:r>
+            <a:r>
+              <a:rPr lang="ru-RU" sz="1600" b="1" dirty="0">
                 <a:solidFill>
                   <a:srgbClr val="326CDB"/>
                 </a:solidFill>
                 <a:latin typeface="Montserrat" panose="00000500000000000000" pitchFamily="2" charset="0"/>
               </a:rPr>
-              <a:t>Неэластичный спрос </a:t>
-            </a:r>
-            <a:r>
-              <a:rPr lang="ru-RU" sz="1500" dirty="0">
-                <a:latin typeface="Montserrat" panose="00000500000000000000" pitchFamily="2" charset="0"/>
-              </a:rPr>
-              <a:t>— если при изменении цены спрос на товар значительно не меняется</a:t>
-            </a:r>
-            <a:endParaRPr lang="en-US" sz="1500" dirty="0">
-              <a:latin typeface="Montserrat" panose="00000500000000000000" pitchFamily="2" charset="0"/>
-            </a:endParaRPr>
-          </a:p>
-          <a:p>
-            <a:pPr>
-              <a:lnSpc>
-                <a:spcPct val="150000"/>
-              </a:lnSpc>
-            </a:pPr>
-            <a:r>
-              <a:rPr lang="ru-RU" sz="1500" b="1" dirty="0">
-                <a:solidFill>
-                  <a:srgbClr val="326CDB"/>
-                </a:solidFill>
-                <a:latin typeface="Montserrat" panose="00000500000000000000" pitchFamily="2" charset="0"/>
-              </a:rPr>
-              <a:t>Абсолютно неэластичный спрос </a:t>
-            </a:r>
-            <a:r>
-              <a:rPr lang="ru-RU" sz="1500" dirty="0">
-                <a:latin typeface="Montserrat" panose="00000500000000000000" pitchFamily="2" charset="0"/>
-              </a:rPr>
-              <a:t>— вне зависимости от изменения цены спрос остается на прежнем уровне</a:t>
+              <a:t>быстро реагировать </a:t>
+            </a:r>
+            <a:r>
+              <a:rPr lang="ru-RU" sz="1600" dirty="0">
+                <a:latin typeface="Montserrat" panose="00000500000000000000" pitchFamily="2" charset="0"/>
+              </a:rPr>
+              <a:t>на изменения</a:t>
             </a:r>
           </a:p>
         </p:txBody>
@@ -12884,46 +10080,10 @@
           </a:extLst>
         </p:spPr>
       </p:pic>
-      <p:pic>
-        <p:nvPicPr>
-          <p:cNvPr id="12" name="Рисунок 11">
-            <a:extLst>
-              <a:ext uri="{FF2B5EF4-FFF2-40B4-BE49-F238E27FC236}">
-                <a16:creationId xmlns:a16="http://schemas.microsoft.com/office/drawing/2014/main" id="{3F1EB2CD-076C-49FD-891B-CE588A6566AA}"/>
-              </a:ext>
-            </a:extLst>
-          </p:cNvPr>
-          <p:cNvPicPr>
-            <a:picLocks noChangeAspect="1"/>
-          </p:cNvPicPr>
-          <p:nvPr/>
-        </p:nvPicPr>
-        <p:blipFill>
-          <a:blip r:embed="rId4">
-            <a:extLst>
-              <a:ext uri="{28A0092B-C50C-407E-A947-70E740481C1C}">
-                <a14:useLocalDpi xmlns:a14="http://schemas.microsoft.com/office/drawing/2010/main" val="0"/>
-              </a:ext>
-            </a:extLst>
-          </a:blip>
-          <a:stretch>
-            <a:fillRect/>
-          </a:stretch>
-        </p:blipFill>
-        <p:spPr>
-          <a:xfrm>
-            <a:off x="7067550" y="1936457"/>
-            <a:ext cx="4286250" cy="3429000"/>
-          </a:xfrm>
-          <a:prstGeom prst="rect">
-            <a:avLst/>
-          </a:prstGeom>
-        </p:spPr>
-      </p:pic>
     </p:spTree>
     <p:extLst>
       <p:ext uri="{BB962C8B-B14F-4D97-AF65-F5344CB8AC3E}">
-        <p14:creationId xmlns:p14="http://schemas.microsoft.com/office/powerpoint/2010/main" val="1268225968"/>
+        <p14:creationId xmlns:p14="http://schemas.microsoft.com/office/powerpoint/2010/main" val="2293707358"/>
       </p:ext>
     </p:extLst>
   </p:cSld>

--- a/module_02/pres.pptx
+++ b/module_02/pres.pptx
@@ -5,7 +5,7 @@
     <p:sldMasterId id="2147483648" r:id="rId1"/>
   </p:sldMasterIdLst>
   <p:notesMasterIdLst>
-    <p:notesMasterId r:id="rId16"/>
+    <p:notesMasterId r:id="rId17"/>
   </p:notesMasterIdLst>
   <p:sldIdLst>
     <p:sldId id="256" r:id="rId2"/>
@@ -21,7 +21,8 @@
     <p:sldId id="272" r:id="rId12"/>
     <p:sldId id="274" r:id="rId13"/>
     <p:sldId id="269" r:id="rId14"/>
-    <p:sldId id="266" r:id="rId15"/>
+    <p:sldId id="276" r:id="rId15"/>
+    <p:sldId id="266" r:id="rId16"/>
   </p:sldIdLst>
   <p:sldSz cx="12192000" cy="6858000"/>
   <p:notesSz cx="6858000" cy="9144000"/>
@@ -131,796 +132,6 @@
 <file path=ppt/changesInfos/changesInfo1.xml><?xml version="1.0" encoding="utf-8"?>
 <pc:chgInfo xmlns:a="http://schemas.openxmlformats.org/drawingml/2006/main" xmlns:r="http://schemas.openxmlformats.org/officeDocument/2006/relationships" xmlns:ac="http://schemas.microsoft.com/office/drawing/2013/main/command" xmlns:pc="http://schemas.microsoft.com/office/powerpoint/2013/main/command">
   <pc:docChgLst>
-    <pc:chgData name="Мария Савинова" userId="e24eaf7e9b1ed84c" providerId="LiveId" clId="{FBA2780E-5BE6-4AEE-8C8C-EA7D3EE18985}"/>
-    <pc:docChg chg="undo redo custSel addSld delSld modSld sldOrd">
-      <pc:chgData name="Мария Савинова" userId="e24eaf7e9b1ed84c" providerId="LiveId" clId="{FBA2780E-5BE6-4AEE-8C8C-EA7D3EE18985}" dt="2024-09-23T14:03:41.281" v="2951"/>
-      <pc:docMkLst>
-        <pc:docMk/>
-      </pc:docMkLst>
-      <pc:sldChg chg="modSp mod">
-        <pc:chgData name="Мария Савинова" userId="e24eaf7e9b1ed84c" providerId="LiveId" clId="{FBA2780E-5BE6-4AEE-8C8C-EA7D3EE18985}" dt="2024-09-20T22:04:41.987" v="2" actId="2711"/>
-        <pc:sldMkLst>
-          <pc:docMk/>
-          <pc:sldMk cId="967994007" sldId="256"/>
-        </pc:sldMkLst>
-        <pc:spChg chg="mod">
-          <ac:chgData name="Мария Савинова" userId="e24eaf7e9b1ed84c" providerId="LiveId" clId="{FBA2780E-5BE6-4AEE-8C8C-EA7D3EE18985}" dt="2024-09-20T22:04:41.987" v="2" actId="2711"/>
-          <ac:spMkLst>
-            <pc:docMk/>
-            <pc:sldMk cId="967994007" sldId="256"/>
-            <ac:spMk id="2" creationId="{00000000-0000-0000-0000-000000000000}"/>
-          </ac:spMkLst>
-        </pc:spChg>
-      </pc:sldChg>
-      <pc:sldChg chg="modSp mod">
-        <pc:chgData name="Мария Савинова" userId="e24eaf7e9b1ed84c" providerId="LiveId" clId="{FBA2780E-5BE6-4AEE-8C8C-EA7D3EE18985}" dt="2024-09-20T22:30:23.716" v="765" actId="2710"/>
-        <pc:sldMkLst>
-          <pc:docMk/>
-          <pc:sldMk cId="4014811966" sldId="257"/>
-        </pc:sldMkLst>
-        <pc:spChg chg="mod">
-          <ac:chgData name="Мария Савинова" userId="e24eaf7e9b1ed84c" providerId="LiveId" clId="{FBA2780E-5BE6-4AEE-8C8C-EA7D3EE18985}" dt="2024-09-20T22:30:23.716" v="765" actId="2710"/>
-          <ac:spMkLst>
-            <pc:docMk/>
-            <pc:sldMk cId="4014811966" sldId="257"/>
-            <ac:spMk id="3" creationId="{00000000-0000-0000-0000-000000000000}"/>
-          </ac:spMkLst>
-        </pc:spChg>
-      </pc:sldChg>
-      <pc:sldChg chg="addSp delSp modSp mod">
-        <pc:chgData name="Мария Савинова" userId="e24eaf7e9b1ed84c" providerId="LiveId" clId="{FBA2780E-5BE6-4AEE-8C8C-EA7D3EE18985}" dt="2024-09-23T14:01:58.412" v="2927" actId="20577"/>
-        <pc:sldMkLst>
-          <pc:docMk/>
-          <pc:sldMk cId="742912908" sldId="258"/>
-        </pc:sldMkLst>
-        <pc:spChg chg="mod">
-          <ac:chgData name="Мария Савинова" userId="e24eaf7e9b1ed84c" providerId="LiveId" clId="{FBA2780E-5BE6-4AEE-8C8C-EA7D3EE18985}" dt="2024-09-20T22:06:31.655" v="25" actId="113"/>
-          <ac:spMkLst>
-            <pc:docMk/>
-            <pc:sldMk cId="742912908" sldId="258"/>
-            <ac:spMk id="2" creationId="{00000000-0000-0000-0000-000000000000}"/>
-          </ac:spMkLst>
-        </pc:spChg>
-        <pc:spChg chg="mod">
-          <ac:chgData name="Мария Савинова" userId="e24eaf7e9b1ed84c" providerId="LiveId" clId="{FBA2780E-5BE6-4AEE-8C8C-EA7D3EE18985}" dt="2024-09-23T14:01:58.412" v="2927" actId="20577"/>
-          <ac:spMkLst>
-            <pc:docMk/>
-            <pc:sldMk cId="742912908" sldId="258"/>
-            <ac:spMk id="3" creationId="{00000000-0000-0000-0000-000000000000}"/>
-          </ac:spMkLst>
-        </pc:spChg>
-        <pc:spChg chg="add del mod">
-          <ac:chgData name="Мария Савинова" userId="e24eaf7e9b1ed84c" providerId="LiveId" clId="{FBA2780E-5BE6-4AEE-8C8C-EA7D3EE18985}" dt="2024-09-20T22:21:55.870" v="468" actId="1036"/>
-          <ac:spMkLst>
-            <pc:docMk/>
-            <pc:sldMk cId="742912908" sldId="258"/>
-            <ac:spMk id="8" creationId="{143DF86B-0F1D-4327-BA47-4BA88D0280EF}"/>
-          </ac:spMkLst>
-        </pc:spChg>
-        <pc:spChg chg="add del mod">
-          <ac:chgData name="Мария Савинова" userId="e24eaf7e9b1ed84c" providerId="LiveId" clId="{FBA2780E-5BE6-4AEE-8C8C-EA7D3EE18985}" dt="2024-09-20T22:44:32.202" v="1121"/>
-          <ac:spMkLst>
-            <pc:docMk/>
-            <pc:sldMk cId="742912908" sldId="258"/>
-            <ac:spMk id="9" creationId="{8FAC235C-B49B-40FD-A71D-CEF085AC2F61}"/>
-          </ac:spMkLst>
-        </pc:spChg>
-        <pc:spChg chg="add del mod">
-          <ac:chgData name="Мария Савинова" userId="e24eaf7e9b1ed84c" providerId="LiveId" clId="{FBA2780E-5BE6-4AEE-8C8C-EA7D3EE18985}" dt="2024-09-20T22:18:36.721" v="359" actId="478"/>
-          <ac:spMkLst>
-            <pc:docMk/>
-            <pc:sldMk cId="742912908" sldId="258"/>
-            <ac:spMk id="10" creationId="{159B5573-2CA5-4320-AFF0-1FFBB07A7CA5}"/>
-          </ac:spMkLst>
-        </pc:spChg>
-      </pc:sldChg>
-      <pc:sldChg chg="modSp add mod">
-        <pc:chgData name="Мария Савинова" userId="e24eaf7e9b1ed84c" providerId="LiveId" clId="{FBA2780E-5BE6-4AEE-8C8C-EA7D3EE18985}" dt="2024-09-23T14:02:05.745" v="2928" actId="20577"/>
-        <pc:sldMkLst>
-          <pc:docMk/>
-          <pc:sldMk cId="2839600060" sldId="259"/>
-        </pc:sldMkLst>
-        <pc:spChg chg="mod">
-          <ac:chgData name="Мария Савинова" userId="e24eaf7e9b1ed84c" providerId="LiveId" clId="{FBA2780E-5BE6-4AEE-8C8C-EA7D3EE18985}" dt="2024-09-20T22:06:43.243" v="38" actId="20577"/>
-          <ac:spMkLst>
-            <pc:docMk/>
-            <pc:sldMk cId="2839600060" sldId="259"/>
-            <ac:spMk id="2" creationId="{00000000-0000-0000-0000-000000000000}"/>
-          </ac:spMkLst>
-        </pc:spChg>
-        <pc:spChg chg="mod">
-          <ac:chgData name="Мария Савинова" userId="e24eaf7e9b1ed84c" providerId="LiveId" clId="{FBA2780E-5BE6-4AEE-8C8C-EA7D3EE18985}" dt="2024-09-23T14:02:05.745" v="2928" actId="20577"/>
-          <ac:spMkLst>
-            <pc:docMk/>
-            <pc:sldMk cId="2839600060" sldId="259"/>
-            <ac:spMk id="3" creationId="{00000000-0000-0000-0000-000000000000}"/>
-          </ac:spMkLst>
-        </pc:spChg>
-      </pc:sldChg>
-      <pc:sldChg chg="addSp delSp modSp add mod">
-        <pc:chgData name="Мария Савинова" userId="e24eaf7e9b1ed84c" providerId="LiveId" clId="{FBA2780E-5BE6-4AEE-8C8C-EA7D3EE18985}" dt="2024-09-23T14:02:16.177" v="2932" actId="20577"/>
-        <pc:sldMkLst>
-          <pc:docMk/>
-          <pc:sldMk cId="1758739892" sldId="260"/>
-        </pc:sldMkLst>
-        <pc:spChg chg="mod">
-          <ac:chgData name="Мария Савинова" userId="e24eaf7e9b1ed84c" providerId="LiveId" clId="{FBA2780E-5BE6-4AEE-8C8C-EA7D3EE18985}" dt="2024-09-20T22:25:43.261" v="678" actId="20577"/>
-          <ac:spMkLst>
-            <pc:docMk/>
-            <pc:sldMk cId="1758739892" sldId="260"/>
-            <ac:spMk id="2" creationId="{00000000-0000-0000-0000-000000000000}"/>
-          </ac:spMkLst>
-        </pc:spChg>
-        <pc:spChg chg="mod">
-          <ac:chgData name="Мария Савинова" userId="e24eaf7e9b1ed84c" providerId="LiveId" clId="{FBA2780E-5BE6-4AEE-8C8C-EA7D3EE18985}" dt="2024-09-23T14:02:16.177" v="2932" actId="20577"/>
-          <ac:spMkLst>
-            <pc:docMk/>
-            <pc:sldMk cId="1758739892" sldId="260"/>
-            <ac:spMk id="3" creationId="{00000000-0000-0000-0000-000000000000}"/>
-          </ac:spMkLst>
-        </pc:spChg>
-        <pc:spChg chg="mod">
-          <ac:chgData name="Мария Савинова" userId="e24eaf7e9b1ed84c" providerId="LiveId" clId="{FBA2780E-5BE6-4AEE-8C8C-EA7D3EE18985}" dt="2024-09-23T08:20:51.586" v="1942" actId="2711"/>
-          <ac:spMkLst>
-            <pc:docMk/>
-            <pc:sldMk cId="1758739892" sldId="260"/>
-            <ac:spMk id="4" creationId="{00000000-0000-0000-0000-000000000000}"/>
-          </ac:spMkLst>
-        </pc:spChg>
-        <pc:spChg chg="add del mod">
-          <ac:chgData name="Мария Савинова" userId="e24eaf7e9b1ed84c" providerId="LiveId" clId="{FBA2780E-5BE6-4AEE-8C8C-EA7D3EE18985}" dt="2024-09-20T22:25:01.200" v="596"/>
-          <ac:spMkLst>
-            <pc:docMk/>
-            <pc:sldMk cId="1758739892" sldId="260"/>
-            <ac:spMk id="8" creationId="{E5EF931D-D382-4C75-99AA-41E8EC200C70}"/>
-          </ac:spMkLst>
-        </pc:spChg>
-        <pc:spChg chg="add del mod">
-          <ac:chgData name="Мария Савинова" userId="e24eaf7e9b1ed84c" providerId="LiveId" clId="{FBA2780E-5BE6-4AEE-8C8C-EA7D3EE18985}" dt="2024-09-20T22:25:01.200" v="596"/>
-          <ac:spMkLst>
-            <pc:docMk/>
-            <pc:sldMk cId="1758739892" sldId="260"/>
-            <ac:spMk id="9" creationId="{D9F10936-68B0-447C-B532-CEBDE6B1B911}"/>
-          </ac:spMkLst>
-        </pc:spChg>
-        <pc:spChg chg="add del mod">
-          <ac:chgData name="Мария Савинова" userId="e24eaf7e9b1ed84c" providerId="LiveId" clId="{FBA2780E-5BE6-4AEE-8C8C-EA7D3EE18985}" dt="2024-09-20T22:26:00.207" v="697" actId="478"/>
-          <ac:spMkLst>
-            <pc:docMk/>
-            <pc:sldMk cId="1758739892" sldId="260"/>
-            <ac:spMk id="10" creationId="{F77BE8FF-22FF-43AE-A5D6-3DDD19AEF4C3}"/>
-          </ac:spMkLst>
-        </pc:spChg>
-        <pc:spChg chg="add del mod">
-          <ac:chgData name="Мария Савинова" userId="e24eaf7e9b1ed84c" providerId="LiveId" clId="{FBA2780E-5BE6-4AEE-8C8C-EA7D3EE18985}" dt="2024-09-20T22:26:00.207" v="697" actId="478"/>
-          <ac:spMkLst>
-            <pc:docMk/>
-            <pc:sldMk cId="1758739892" sldId="260"/>
-            <ac:spMk id="11" creationId="{A4E96537-5032-42E5-853F-EF68D0D0E2F9}"/>
-          </ac:spMkLst>
-        </pc:spChg>
-      </pc:sldChg>
-      <pc:sldChg chg="addSp delSp modSp add mod">
-        <pc:chgData name="Мария Савинова" userId="e24eaf7e9b1ed84c" providerId="LiveId" clId="{FBA2780E-5BE6-4AEE-8C8C-EA7D3EE18985}" dt="2024-09-23T08:21:07.949" v="1944" actId="2711"/>
-        <pc:sldMkLst>
-          <pc:docMk/>
-          <pc:sldMk cId="600860783" sldId="261"/>
-        </pc:sldMkLst>
-        <pc:spChg chg="mod">
-          <ac:chgData name="Мария Савинова" userId="e24eaf7e9b1ed84c" providerId="LiveId" clId="{FBA2780E-5BE6-4AEE-8C8C-EA7D3EE18985}" dt="2024-09-20T22:45:27.292" v="1153" actId="20577"/>
-          <ac:spMkLst>
-            <pc:docMk/>
-            <pc:sldMk cId="600860783" sldId="261"/>
-            <ac:spMk id="2" creationId="{00000000-0000-0000-0000-000000000000}"/>
-          </ac:spMkLst>
-        </pc:spChg>
-        <pc:spChg chg="add del mod">
-          <ac:chgData name="Мария Савинова" userId="e24eaf7e9b1ed84c" providerId="LiveId" clId="{FBA2780E-5BE6-4AEE-8C8C-EA7D3EE18985}" dt="2024-09-20T23:04:42.008" v="1579" actId="207"/>
-          <ac:spMkLst>
-            <pc:docMk/>
-            <pc:sldMk cId="600860783" sldId="261"/>
-            <ac:spMk id="3" creationId="{00000000-0000-0000-0000-000000000000}"/>
-          </ac:spMkLst>
-        </pc:spChg>
-        <pc:spChg chg="mod">
-          <ac:chgData name="Мария Савинова" userId="e24eaf7e9b1ed84c" providerId="LiveId" clId="{FBA2780E-5BE6-4AEE-8C8C-EA7D3EE18985}" dt="2024-09-23T08:21:07.949" v="1944" actId="2711"/>
-          <ac:spMkLst>
-            <pc:docMk/>
-            <pc:sldMk cId="600860783" sldId="261"/>
-            <ac:spMk id="4" creationId="{00000000-0000-0000-0000-000000000000}"/>
-          </ac:spMkLst>
-        </pc:spChg>
-        <pc:spChg chg="add del mod">
-          <ac:chgData name="Мария Савинова" userId="e24eaf7e9b1ed84c" providerId="LiveId" clId="{FBA2780E-5BE6-4AEE-8C8C-EA7D3EE18985}" dt="2024-09-20T22:43:15.747" v="1100" actId="22"/>
-          <ac:spMkLst>
-            <pc:docMk/>
-            <pc:sldMk cId="600860783" sldId="261"/>
-            <ac:spMk id="14" creationId="{03A4D306-268D-421A-9429-E8A6D3A0783E}"/>
-          </ac:spMkLst>
-        </pc:spChg>
-        <pc:spChg chg="add del mod">
-          <ac:chgData name="Мария Савинова" userId="e24eaf7e9b1ed84c" providerId="LiveId" clId="{FBA2780E-5BE6-4AEE-8C8C-EA7D3EE18985}" dt="2024-09-20T22:43:13.526" v="1095"/>
-          <ac:spMkLst>
-            <pc:docMk/>
-            <pc:sldMk cId="600860783" sldId="261"/>
-            <ac:spMk id="15" creationId="{DB7FD0E9-6E8E-4AD9-9700-12C9E66382F4}"/>
-          </ac:spMkLst>
-        </pc:spChg>
-        <pc:spChg chg="add del mod">
-          <ac:chgData name="Мария Савинова" userId="e24eaf7e9b1ed84c" providerId="LiveId" clId="{FBA2780E-5BE6-4AEE-8C8C-EA7D3EE18985}" dt="2024-09-20T22:49:11.893" v="1215" actId="478"/>
-          <ac:spMkLst>
-            <pc:docMk/>
-            <pc:sldMk cId="600860783" sldId="261"/>
-            <ac:spMk id="17" creationId="{DBBE5F54-A7B2-4FFC-9E6D-ADEAC307AF61}"/>
-          </ac:spMkLst>
-        </pc:spChg>
-        <pc:spChg chg="add del mod">
-          <ac:chgData name="Мария Савинова" userId="e24eaf7e9b1ed84c" providerId="LiveId" clId="{FBA2780E-5BE6-4AEE-8C8C-EA7D3EE18985}" dt="2024-09-20T22:49:11.893" v="1215" actId="478"/>
-          <ac:spMkLst>
-            <pc:docMk/>
-            <pc:sldMk cId="600860783" sldId="261"/>
-            <ac:spMk id="18" creationId="{FE6A15AD-9C16-4693-B2BE-234F6D9BDF29}"/>
-          </ac:spMkLst>
-        </pc:spChg>
-        <pc:picChg chg="add del mod ord">
-          <ac:chgData name="Мария Савинова" userId="e24eaf7e9b1ed84c" providerId="LiveId" clId="{FBA2780E-5BE6-4AEE-8C8C-EA7D3EE18985}" dt="2024-09-20T22:39:02.526" v="1026" actId="22"/>
-          <ac:picMkLst>
-            <pc:docMk/>
-            <pc:sldMk cId="600860783" sldId="261"/>
-            <ac:picMk id="8" creationId="{EDED9590-9BC3-44DD-8E6F-35CDD821EC56}"/>
-          </ac:picMkLst>
-        </pc:picChg>
-        <pc:picChg chg="add del mod modCrop">
-          <ac:chgData name="Мария Савинова" userId="e24eaf7e9b1ed84c" providerId="LiveId" clId="{FBA2780E-5BE6-4AEE-8C8C-EA7D3EE18985}" dt="2024-09-20T22:39:57.028" v="1037" actId="478"/>
-          <ac:picMkLst>
-            <pc:docMk/>
-            <pc:sldMk cId="600860783" sldId="261"/>
-            <ac:picMk id="10" creationId="{E6ECBEEB-DB74-4815-83F6-DA099BFF09E4}"/>
-          </ac:picMkLst>
-        </pc:picChg>
-        <pc:picChg chg="add mod">
-          <ac:chgData name="Мария Савинова" userId="e24eaf7e9b1ed84c" providerId="LiveId" clId="{FBA2780E-5BE6-4AEE-8C8C-EA7D3EE18985}" dt="2024-09-20T23:04:36.707" v="1578" actId="1076"/>
-          <ac:picMkLst>
-            <pc:docMk/>
-            <pc:sldMk cId="600860783" sldId="261"/>
-            <ac:picMk id="12" creationId="{3C7851B5-3554-480E-BE26-3BB8F8EB47A8}"/>
-          </ac:picMkLst>
-        </pc:picChg>
-      </pc:sldChg>
-      <pc:sldChg chg="addSp delSp modSp add mod">
-        <pc:chgData name="Мария Савинова" userId="e24eaf7e9b1ed84c" providerId="LiveId" clId="{FBA2780E-5BE6-4AEE-8C8C-EA7D3EE18985}" dt="2024-09-23T14:03:06.125" v="2948" actId="20577"/>
-        <pc:sldMkLst>
-          <pc:docMk/>
-          <pc:sldMk cId="2293707358" sldId="262"/>
-        </pc:sldMkLst>
-        <pc:spChg chg="mod">
-          <ac:chgData name="Мария Савинова" userId="e24eaf7e9b1ed84c" providerId="LiveId" clId="{FBA2780E-5BE6-4AEE-8C8C-EA7D3EE18985}" dt="2024-09-20T22:49:34.578" v="1229" actId="255"/>
-          <ac:spMkLst>
-            <pc:docMk/>
-            <pc:sldMk cId="2293707358" sldId="262"/>
-            <ac:spMk id="2" creationId="{00000000-0000-0000-0000-000000000000}"/>
-          </ac:spMkLst>
-        </pc:spChg>
-        <pc:spChg chg="mod">
-          <ac:chgData name="Мария Савинова" userId="e24eaf7e9b1ed84c" providerId="LiveId" clId="{FBA2780E-5BE6-4AEE-8C8C-EA7D3EE18985}" dt="2024-09-23T14:03:06.125" v="2948" actId="20577"/>
-          <ac:spMkLst>
-            <pc:docMk/>
-            <pc:sldMk cId="2293707358" sldId="262"/>
-            <ac:spMk id="3" creationId="{00000000-0000-0000-0000-000000000000}"/>
-          </ac:spMkLst>
-        </pc:spChg>
-        <pc:spChg chg="add del mod">
-          <ac:chgData name="Мария Савинова" userId="e24eaf7e9b1ed84c" providerId="LiveId" clId="{FBA2780E-5BE6-4AEE-8C8C-EA7D3EE18985}" dt="2024-09-23T08:39:08.653" v="2004" actId="478"/>
-          <ac:spMkLst>
-            <pc:docMk/>
-            <pc:sldMk cId="2293707358" sldId="262"/>
-            <ac:spMk id="8" creationId="{D4C95291-2C23-4352-BCC0-5C4F93100524}"/>
-          </ac:spMkLst>
-        </pc:spChg>
-        <pc:spChg chg="add del mod">
-          <ac:chgData name="Мария Савинова" userId="e24eaf7e9b1ed84c" providerId="LiveId" clId="{FBA2780E-5BE6-4AEE-8C8C-EA7D3EE18985}" dt="2024-09-23T08:39:10.841" v="2005" actId="478"/>
-          <ac:spMkLst>
-            <pc:docMk/>
-            <pc:sldMk cId="2293707358" sldId="262"/>
-            <ac:spMk id="9" creationId="{B11FA133-F035-4245-8E62-A414ADF52242}"/>
-          </ac:spMkLst>
-        </pc:spChg>
-        <pc:spChg chg="add del mod">
-          <ac:chgData name="Мария Савинова" userId="e24eaf7e9b1ed84c" providerId="LiveId" clId="{FBA2780E-5BE6-4AEE-8C8C-EA7D3EE18985}" dt="2024-09-20T22:52:37.463" v="1304" actId="478"/>
-          <ac:spMkLst>
-            <pc:docMk/>
-            <pc:sldMk cId="2293707358" sldId="262"/>
-            <ac:spMk id="10" creationId="{C6319FCC-5266-4C84-9F8A-38F424A8EDAA}"/>
-          </ac:spMkLst>
-        </pc:spChg>
-      </pc:sldChg>
-      <pc:sldChg chg="addSp modSp add mod">
-        <pc:chgData name="Мария Савинова" userId="e24eaf7e9b1ed84c" providerId="LiveId" clId="{FBA2780E-5BE6-4AEE-8C8C-EA7D3EE18985}" dt="2024-09-23T14:03:19.646" v="2949"/>
-        <pc:sldMkLst>
-          <pc:docMk/>
-          <pc:sldMk cId="3632604304" sldId="263"/>
-        </pc:sldMkLst>
-        <pc:spChg chg="mod">
-          <ac:chgData name="Мария Савинова" userId="e24eaf7e9b1ed84c" providerId="LiveId" clId="{FBA2780E-5BE6-4AEE-8C8C-EA7D3EE18985}" dt="2024-09-20T22:53:24.063" v="1323" actId="255"/>
-          <ac:spMkLst>
-            <pc:docMk/>
-            <pc:sldMk cId="3632604304" sldId="263"/>
-            <ac:spMk id="2" creationId="{00000000-0000-0000-0000-000000000000}"/>
-          </ac:spMkLst>
-        </pc:spChg>
-        <pc:spChg chg="mod">
-          <ac:chgData name="Мария Савинова" userId="e24eaf7e9b1ed84c" providerId="LiveId" clId="{FBA2780E-5BE6-4AEE-8C8C-EA7D3EE18985}" dt="2024-09-23T13:49:24.098" v="2726" actId="20577"/>
-          <ac:spMkLst>
-            <pc:docMk/>
-            <pc:sldMk cId="3632604304" sldId="263"/>
-            <ac:spMk id="3" creationId="{00000000-0000-0000-0000-000000000000}"/>
-          </ac:spMkLst>
-        </pc:spChg>
-        <pc:spChg chg="mod">
-          <ac:chgData name="Мария Савинова" userId="e24eaf7e9b1ed84c" providerId="LiveId" clId="{FBA2780E-5BE6-4AEE-8C8C-EA7D3EE18985}" dt="2024-09-23T08:20:45.596" v="1941" actId="2711"/>
-          <ac:spMkLst>
-            <pc:docMk/>
-            <pc:sldMk cId="3632604304" sldId="263"/>
-            <ac:spMk id="4" creationId="{00000000-0000-0000-0000-000000000000}"/>
-          </ac:spMkLst>
-        </pc:spChg>
-        <pc:spChg chg="add mod">
-          <ac:chgData name="Мария Савинова" userId="e24eaf7e9b1ed84c" providerId="LiveId" clId="{FBA2780E-5BE6-4AEE-8C8C-EA7D3EE18985}" dt="2024-09-23T14:03:19.646" v="2949"/>
-          <ac:spMkLst>
-            <pc:docMk/>
-            <pc:sldMk cId="3632604304" sldId="263"/>
-            <ac:spMk id="10" creationId="{06F7FA00-9462-463A-82F0-CF3D67B70160}"/>
-          </ac:spMkLst>
-        </pc:spChg>
-        <pc:spChg chg="add mod">
-          <ac:chgData name="Мария Савинова" userId="e24eaf7e9b1ed84c" providerId="LiveId" clId="{FBA2780E-5BE6-4AEE-8C8C-EA7D3EE18985}" dt="2024-09-23T13:39:01.682" v="2402" actId="207"/>
-          <ac:spMkLst>
-            <pc:docMk/>
-            <pc:sldMk cId="3632604304" sldId="263"/>
-            <ac:spMk id="11" creationId="{0E686081-C68F-4292-B742-E5FC2F20847F}"/>
-          </ac:spMkLst>
-        </pc:spChg>
-        <pc:picChg chg="add mod">
-          <ac:chgData name="Мария Савинова" userId="e24eaf7e9b1ed84c" providerId="LiveId" clId="{FBA2780E-5BE6-4AEE-8C8C-EA7D3EE18985}" dt="2024-09-23T08:42:35.716" v="2134" actId="1076"/>
-          <ac:picMkLst>
-            <pc:docMk/>
-            <pc:sldMk cId="3632604304" sldId="263"/>
-            <ac:picMk id="8" creationId="{A51CFDCE-016F-46DE-A41A-3E752F019132}"/>
-          </ac:picMkLst>
-        </pc:picChg>
-      </pc:sldChg>
-      <pc:sldChg chg="modSp add mod">
-        <pc:chgData name="Мария Савинова" userId="e24eaf7e9b1ed84c" providerId="LiveId" clId="{FBA2780E-5BE6-4AEE-8C8C-EA7D3EE18985}" dt="2024-09-23T14:03:27.960" v="2950"/>
-        <pc:sldMkLst>
-          <pc:docMk/>
-          <pc:sldMk cId="36148254" sldId="264"/>
-        </pc:sldMkLst>
-        <pc:spChg chg="mod">
-          <ac:chgData name="Мария Савинова" userId="e24eaf7e9b1ed84c" providerId="LiveId" clId="{FBA2780E-5BE6-4AEE-8C8C-EA7D3EE18985}" dt="2024-09-23T13:38:38.254" v="2400" actId="20577"/>
-          <ac:spMkLst>
-            <pc:docMk/>
-            <pc:sldMk cId="36148254" sldId="264"/>
-            <ac:spMk id="2" creationId="{00000000-0000-0000-0000-000000000000}"/>
-          </ac:spMkLst>
-        </pc:spChg>
-        <pc:spChg chg="mod">
-          <ac:chgData name="Мария Савинова" userId="e24eaf7e9b1ed84c" providerId="LiveId" clId="{FBA2780E-5BE6-4AEE-8C8C-EA7D3EE18985}" dt="2024-09-23T14:03:27.960" v="2950"/>
-          <ac:spMkLst>
-            <pc:docMk/>
-            <pc:sldMk cId="36148254" sldId="264"/>
-            <ac:spMk id="3" creationId="{00000000-0000-0000-0000-000000000000}"/>
-          </ac:spMkLst>
-        </pc:spChg>
-      </pc:sldChg>
-      <pc:sldChg chg="addSp delSp modSp add mod">
-        <pc:chgData name="Мария Савинова" userId="e24eaf7e9b1ed84c" providerId="LiveId" clId="{FBA2780E-5BE6-4AEE-8C8C-EA7D3EE18985}" dt="2024-09-23T14:03:41.281" v="2951"/>
-        <pc:sldMkLst>
-          <pc:docMk/>
-          <pc:sldMk cId="2299204813" sldId="265"/>
-        </pc:sldMkLst>
-        <pc:spChg chg="mod">
-          <ac:chgData name="Мария Савинова" userId="e24eaf7e9b1ed84c" providerId="LiveId" clId="{FBA2780E-5BE6-4AEE-8C8C-EA7D3EE18985}" dt="2024-09-20T23:02:01.286" v="1535" actId="20577"/>
-          <ac:spMkLst>
-            <pc:docMk/>
-            <pc:sldMk cId="2299204813" sldId="265"/>
-            <ac:spMk id="2" creationId="{00000000-0000-0000-0000-000000000000}"/>
-          </ac:spMkLst>
-        </pc:spChg>
-        <pc:spChg chg="mod">
-          <ac:chgData name="Мария Савинова" userId="e24eaf7e9b1ed84c" providerId="LiveId" clId="{FBA2780E-5BE6-4AEE-8C8C-EA7D3EE18985}" dt="2024-09-23T14:03:41.281" v="2951"/>
-          <ac:spMkLst>
-            <pc:docMk/>
-            <pc:sldMk cId="2299204813" sldId="265"/>
-            <ac:spMk id="3" creationId="{00000000-0000-0000-0000-000000000000}"/>
-          </ac:spMkLst>
-        </pc:spChg>
-        <pc:spChg chg="add del mod">
-          <ac:chgData name="Мария Савинова" userId="e24eaf7e9b1ed84c" providerId="LiveId" clId="{FBA2780E-5BE6-4AEE-8C8C-EA7D3EE18985}" dt="2024-09-23T13:46:24.868" v="2585"/>
-          <ac:spMkLst>
-            <pc:docMk/>
-            <pc:sldMk cId="2299204813" sldId="265"/>
-            <ac:spMk id="6" creationId="{DFD64BB7-3ADF-4F6F-B34B-E853B4C08AB8}"/>
-          </ac:spMkLst>
-        </pc:spChg>
-        <pc:spChg chg="add del mod">
-          <ac:chgData name="Мария Савинова" userId="e24eaf7e9b1ed84c" providerId="LiveId" clId="{FBA2780E-5BE6-4AEE-8C8C-EA7D3EE18985}" dt="2024-09-23T13:45:59.652" v="2579" actId="478"/>
-          <ac:spMkLst>
-            <pc:docMk/>
-            <pc:sldMk cId="2299204813" sldId="265"/>
-            <ac:spMk id="8" creationId="{957AA84F-8897-4933-85BC-FB0080066665}"/>
-          </ac:spMkLst>
-        </pc:spChg>
-        <pc:spChg chg="add del mod">
-          <ac:chgData name="Мария Савинова" userId="e24eaf7e9b1ed84c" providerId="LiveId" clId="{FBA2780E-5BE6-4AEE-8C8C-EA7D3EE18985}" dt="2024-09-23T13:46:01.733" v="2580" actId="478"/>
-          <ac:spMkLst>
-            <pc:docMk/>
-            <pc:sldMk cId="2299204813" sldId="265"/>
-            <ac:spMk id="9" creationId="{791872D6-869B-4CA8-8997-4959251037CA}"/>
-          </ac:spMkLst>
-        </pc:spChg>
-        <pc:spChg chg="add del mod">
-          <ac:chgData name="Мария Савинова" userId="e24eaf7e9b1ed84c" providerId="LiveId" clId="{FBA2780E-5BE6-4AEE-8C8C-EA7D3EE18985}" dt="2024-09-23T13:46:24.868" v="2585"/>
-          <ac:spMkLst>
-            <pc:docMk/>
-            <pc:sldMk cId="2299204813" sldId="265"/>
-            <ac:spMk id="10" creationId="{5C0C52F8-DAF1-4428-9A84-853511E00A4B}"/>
-          </ac:spMkLst>
-        </pc:spChg>
-      </pc:sldChg>
-      <pc:sldChg chg="delSp modSp add mod">
-        <pc:chgData name="Мария Савинова" userId="e24eaf7e9b1ed84c" providerId="LiveId" clId="{FBA2780E-5BE6-4AEE-8C8C-EA7D3EE18985}" dt="2024-09-20T23:09:44.555" v="1702" actId="1076"/>
-        <pc:sldMkLst>
-          <pc:docMk/>
-          <pc:sldMk cId="3474348753" sldId="266"/>
-        </pc:sldMkLst>
-        <pc:spChg chg="del mod">
-          <ac:chgData name="Мария Савинова" userId="e24eaf7e9b1ed84c" providerId="LiveId" clId="{FBA2780E-5BE6-4AEE-8C8C-EA7D3EE18985}" dt="2024-09-20T22:12:05.625" v="116" actId="478"/>
-          <ac:spMkLst>
-            <pc:docMk/>
-            <pc:sldMk cId="3474348753" sldId="266"/>
-            <ac:spMk id="2" creationId="{00000000-0000-0000-0000-000000000000}"/>
-          </ac:spMkLst>
-        </pc:spChg>
-        <pc:spChg chg="mod">
-          <ac:chgData name="Мария Савинова" userId="e24eaf7e9b1ed84c" providerId="LiveId" clId="{FBA2780E-5BE6-4AEE-8C8C-EA7D3EE18985}" dt="2024-09-20T23:09:44.555" v="1702" actId="1076"/>
-          <ac:spMkLst>
-            <pc:docMk/>
-            <pc:sldMk cId="3474348753" sldId="266"/>
-            <ac:spMk id="3" creationId="{00000000-0000-0000-0000-000000000000}"/>
-          </ac:spMkLst>
-        </pc:spChg>
-      </pc:sldChg>
-      <pc:sldChg chg="add del">
-        <pc:chgData name="Мария Савинова" userId="e24eaf7e9b1ed84c" providerId="LiveId" clId="{FBA2780E-5BE6-4AEE-8C8C-EA7D3EE18985}" dt="2024-09-20T22:44:24.906" v="1119" actId="47"/>
-        <pc:sldMkLst>
-          <pc:docMk/>
-          <pc:sldMk cId="1581301969" sldId="267"/>
-        </pc:sldMkLst>
-      </pc:sldChg>
-      <pc:sldChg chg="addSp modSp add del mod">
-        <pc:chgData name="Мария Савинова" userId="e24eaf7e9b1ed84c" providerId="LiveId" clId="{FBA2780E-5BE6-4AEE-8C8C-EA7D3EE18985}" dt="2024-09-20T22:38:48.706" v="1024" actId="47"/>
-        <pc:sldMkLst>
-          <pc:docMk/>
-          <pc:sldMk cId="3762584318" sldId="267"/>
-        </pc:sldMkLst>
-        <pc:spChg chg="mod">
-          <ac:chgData name="Мария Савинова" userId="e24eaf7e9b1ed84c" providerId="LiveId" clId="{FBA2780E-5BE6-4AEE-8C8C-EA7D3EE18985}" dt="2024-09-20T22:38:27.029" v="1023" actId="20577"/>
-          <ac:spMkLst>
-            <pc:docMk/>
-            <pc:sldMk cId="3762584318" sldId="267"/>
-            <ac:spMk id="3" creationId="{00000000-0000-0000-0000-000000000000}"/>
-          </ac:spMkLst>
-        </pc:spChg>
-        <pc:picChg chg="add mod modCrop">
-          <ac:chgData name="Мария Савинова" userId="e24eaf7e9b1ed84c" providerId="LiveId" clId="{FBA2780E-5BE6-4AEE-8C8C-EA7D3EE18985}" dt="2024-09-20T22:38:08.304" v="1019" actId="14100"/>
-          <ac:picMkLst>
-            <pc:docMk/>
-            <pc:sldMk cId="3762584318" sldId="267"/>
-            <ac:picMk id="8" creationId="{4445FA39-BB8E-41B6-B13A-2DF3C2EC95AE}"/>
-          </ac:picMkLst>
-        </pc:picChg>
-      </pc:sldChg>
-      <pc:sldChg chg="addSp delSp modSp add mod ord">
-        <pc:chgData name="Мария Савинова" userId="e24eaf7e9b1ed84c" providerId="LiveId" clId="{FBA2780E-5BE6-4AEE-8C8C-EA7D3EE18985}" dt="2024-09-23T14:02:32.432" v="2935" actId="14100"/>
-        <pc:sldMkLst>
-          <pc:docMk/>
-          <pc:sldMk cId="3551373186" sldId="268"/>
-        </pc:sldMkLst>
-        <pc:spChg chg="mod">
-          <ac:chgData name="Мария Савинова" userId="e24eaf7e9b1ed84c" providerId="LiveId" clId="{FBA2780E-5BE6-4AEE-8C8C-EA7D3EE18985}" dt="2024-09-20T22:44:11.789" v="1118"/>
-          <ac:spMkLst>
-            <pc:docMk/>
-            <pc:sldMk cId="3551373186" sldId="268"/>
-            <ac:spMk id="2" creationId="{00000000-0000-0000-0000-000000000000}"/>
-          </ac:spMkLst>
-        </pc:spChg>
-        <pc:spChg chg="mod">
-          <ac:chgData name="Мария Савинова" userId="e24eaf7e9b1ed84c" providerId="LiveId" clId="{FBA2780E-5BE6-4AEE-8C8C-EA7D3EE18985}" dt="2024-09-23T14:02:24.134" v="2933" actId="20577"/>
-          <ac:spMkLst>
-            <pc:docMk/>
-            <pc:sldMk cId="3551373186" sldId="268"/>
-            <ac:spMk id="3" creationId="{00000000-0000-0000-0000-000000000000}"/>
-          </ac:spMkLst>
-        </pc:spChg>
-        <pc:spChg chg="mod">
-          <ac:chgData name="Мария Савинова" userId="e24eaf7e9b1ed84c" providerId="LiveId" clId="{FBA2780E-5BE6-4AEE-8C8C-EA7D3EE18985}" dt="2024-09-23T08:21:02.966" v="1943" actId="2711"/>
-          <ac:spMkLst>
-            <pc:docMk/>
-            <pc:sldMk cId="3551373186" sldId="268"/>
-            <ac:spMk id="4" creationId="{00000000-0000-0000-0000-000000000000}"/>
-          </ac:spMkLst>
-        </pc:spChg>
-        <pc:spChg chg="add del mod">
-          <ac:chgData name="Мария Савинова" userId="e24eaf7e9b1ed84c" providerId="LiveId" clId="{FBA2780E-5BE6-4AEE-8C8C-EA7D3EE18985}" dt="2024-09-20T22:47:30.081" v="1195" actId="22"/>
-          <ac:spMkLst>
-            <pc:docMk/>
-            <pc:sldMk cId="3551373186" sldId="268"/>
-            <ac:spMk id="11" creationId="{EC1EB092-D82C-4A8B-B0AD-9AE1ECC5B533}"/>
-          </ac:spMkLst>
-        </pc:spChg>
-        <pc:picChg chg="add mod modCrop">
-          <ac:chgData name="Мария Савинова" userId="e24eaf7e9b1ed84c" providerId="LiveId" clId="{FBA2780E-5BE6-4AEE-8C8C-EA7D3EE18985}" dt="2024-09-23T14:02:32.432" v="2935" actId="14100"/>
-          <ac:picMkLst>
-            <pc:docMk/>
-            <pc:sldMk cId="3551373186" sldId="268"/>
-            <ac:picMk id="8" creationId="{D8BA093B-DDAC-4953-BA84-FAB983FB2288}"/>
-          </ac:picMkLst>
-        </pc:picChg>
-        <pc:picChg chg="del">
-          <ac:chgData name="Мария Савинова" userId="e24eaf7e9b1ed84c" providerId="LiveId" clId="{FBA2780E-5BE6-4AEE-8C8C-EA7D3EE18985}" dt="2024-09-20T22:45:42.148" v="1154" actId="478"/>
-          <ac:picMkLst>
-            <pc:docMk/>
-            <pc:sldMk cId="3551373186" sldId="268"/>
-            <ac:picMk id="12" creationId="{3C7851B5-3554-480E-BE26-3BB8F8EB47A8}"/>
-          </ac:picMkLst>
-        </pc:picChg>
-      </pc:sldChg>
-      <pc:sldChg chg="modSp add mod">
-        <pc:chgData name="Мария Савинова" userId="e24eaf7e9b1ed84c" providerId="LiveId" clId="{FBA2780E-5BE6-4AEE-8C8C-EA7D3EE18985}" dt="2024-09-23T14:01:22.979" v="2926" actId="207"/>
-        <pc:sldMkLst>
-          <pc:docMk/>
-          <pc:sldMk cId="2023720995" sldId="269"/>
-        </pc:sldMkLst>
-        <pc:spChg chg="mod">
-          <ac:chgData name="Мария Савинова" userId="e24eaf7e9b1ed84c" providerId="LiveId" clId="{FBA2780E-5BE6-4AEE-8C8C-EA7D3EE18985}" dt="2024-09-23T14:01:22.979" v="2926" actId="207"/>
-          <ac:spMkLst>
-            <pc:docMk/>
-            <pc:sldMk cId="2023720995" sldId="269"/>
-            <ac:spMk id="3" creationId="{00000000-0000-0000-0000-000000000000}"/>
-          </ac:spMkLst>
-        </pc:spChg>
-      </pc:sldChg>
-      <pc:sldChg chg="addSp delSp modSp add mod">
-        <pc:chgData name="Мария Савинова" userId="e24eaf7e9b1ed84c" providerId="LiveId" clId="{FBA2780E-5BE6-4AEE-8C8C-EA7D3EE18985}" dt="2024-09-23T13:49:37.211" v="2731" actId="20577"/>
-        <pc:sldMkLst>
-          <pc:docMk/>
-          <pc:sldMk cId="1268225968" sldId="270"/>
-        </pc:sldMkLst>
-        <pc:spChg chg="add del mod">
-          <ac:chgData name="Мария Савинова" userId="e24eaf7e9b1ed84c" providerId="LiveId" clId="{FBA2780E-5BE6-4AEE-8C8C-EA7D3EE18985}" dt="2024-09-23T13:49:37.211" v="2731" actId="20577"/>
-          <ac:spMkLst>
-            <pc:docMk/>
-            <pc:sldMk cId="1268225968" sldId="270"/>
-            <ac:spMk id="3" creationId="{00000000-0000-0000-0000-000000000000}"/>
-          </ac:spMkLst>
-        </pc:spChg>
-        <pc:spChg chg="del">
-          <ac:chgData name="Мария Савинова" userId="e24eaf7e9b1ed84c" providerId="LiveId" clId="{FBA2780E-5BE6-4AEE-8C8C-EA7D3EE18985}" dt="2024-09-23T08:03:13.967" v="1729" actId="478"/>
-          <ac:spMkLst>
-            <pc:docMk/>
-            <pc:sldMk cId="1268225968" sldId="270"/>
-            <ac:spMk id="8" creationId="{D4C95291-2C23-4352-BCC0-5C4F93100524}"/>
-          </ac:spMkLst>
-        </pc:spChg>
-        <pc:spChg chg="del">
-          <ac:chgData name="Мария Савинова" userId="e24eaf7e9b1ed84c" providerId="LiveId" clId="{FBA2780E-5BE6-4AEE-8C8C-EA7D3EE18985}" dt="2024-09-23T08:03:12.557" v="1728" actId="478"/>
-          <ac:spMkLst>
-            <pc:docMk/>
-            <pc:sldMk cId="1268225968" sldId="270"/>
-            <ac:spMk id="9" creationId="{B11FA133-F035-4245-8E62-A414ADF52242}"/>
-          </ac:spMkLst>
-        </pc:spChg>
-        <pc:spChg chg="add del">
-          <ac:chgData name="Мария Савинова" userId="e24eaf7e9b1ed84c" providerId="LiveId" clId="{FBA2780E-5BE6-4AEE-8C8C-EA7D3EE18985}" dt="2024-09-23T08:04:07.918" v="1739" actId="22"/>
-          <ac:spMkLst>
-            <pc:docMk/>
-            <pc:sldMk cId="1268225968" sldId="270"/>
-            <ac:spMk id="14" creationId="{8455FD95-B63D-47A2-A031-D16D531B9D63}"/>
-          </ac:spMkLst>
-        </pc:spChg>
-        <pc:picChg chg="add del mod">
-          <ac:chgData name="Мария Савинова" userId="e24eaf7e9b1ed84c" providerId="LiveId" clId="{FBA2780E-5BE6-4AEE-8C8C-EA7D3EE18985}" dt="2024-09-23T08:03:29.403" v="1733"/>
-          <ac:picMkLst>
-            <pc:docMk/>
-            <pc:sldMk cId="1268225968" sldId="270"/>
-            <ac:picMk id="10" creationId="{C00D257A-41E4-46A0-ACE2-A71D549CBFE7}"/>
-          </ac:picMkLst>
-        </pc:picChg>
-        <pc:picChg chg="add mod">
-          <ac:chgData name="Мария Савинова" userId="e24eaf7e9b1ed84c" providerId="LiveId" clId="{FBA2780E-5BE6-4AEE-8C8C-EA7D3EE18985}" dt="2024-09-23T08:40:10.157" v="2021" actId="1076"/>
-          <ac:picMkLst>
-            <pc:docMk/>
-            <pc:sldMk cId="1268225968" sldId="270"/>
-            <ac:picMk id="12" creationId="{3F1EB2CD-076C-49FD-891B-CE588A6566AA}"/>
-          </ac:picMkLst>
-        </pc:picChg>
-      </pc:sldChg>
-      <pc:sldChg chg="addSp delSp modSp add mod">
-        <pc:chgData name="Мария Савинова" userId="e24eaf7e9b1ed84c" providerId="LiveId" clId="{FBA2780E-5BE6-4AEE-8C8C-EA7D3EE18985}" dt="2024-09-23T13:35:03.049" v="2398" actId="20577"/>
-        <pc:sldMkLst>
-          <pc:docMk/>
-          <pc:sldMk cId="1773754508" sldId="271"/>
-        </pc:sldMkLst>
-        <pc:spChg chg="mod">
-          <ac:chgData name="Мария Савинова" userId="e24eaf7e9b1ed84c" providerId="LiveId" clId="{FBA2780E-5BE6-4AEE-8C8C-EA7D3EE18985}" dt="2024-09-23T08:07:23.648" v="1794" actId="255"/>
-          <ac:spMkLst>
-            <pc:docMk/>
-            <pc:sldMk cId="1773754508" sldId="271"/>
-            <ac:spMk id="2" creationId="{00000000-0000-0000-0000-000000000000}"/>
-          </ac:spMkLst>
-        </pc:spChg>
-        <pc:spChg chg="add del mod">
-          <ac:chgData name="Мария Савинова" userId="e24eaf7e9b1ed84c" providerId="LiveId" clId="{FBA2780E-5BE6-4AEE-8C8C-EA7D3EE18985}" dt="2024-09-23T13:35:03.049" v="2398" actId="20577"/>
-          <ac:spMkLst>
-            <pc:docMk/>
-            <pc:sldMk cId="1773754508" sldId="271"/>
-            <ac:spMk id="3" creationId="{00000000-0000-0000-0000-000000000000}"/>
-          </ac:spMkLst>
-        </pc:spChg>
-        <pc:spChg chg="del">
-          <ac:chgData name="Мария Савинова" userId="e24eaf7e9b1ed84c" providerId="LiveId" clId="{FBA2780E-5BE6-4AEE-8C8C-EA7D3EE18985}" dt="2024-09-23T08:06:24.757" v="1769" actId="478"/>
-          <ac:spMkLst>
-            <pc:docMk/>
-            <pc:sldMk cId="1773754508" sldId="271"/>
-            <ac:spMk id="8" creationId="{957AA84F-8897-4933-85BC-FB0080066665}"/>
-          </ac:spMkLst>
-        </pc:spChg>
-        <pc:spChg chg="del">
-          <ac:chgData name="Мария Савинова" userId="e24eaf7e9b1ed84c" providerId="LiveId" clId="{FBA2780E-5BE6-4AEE-8C8C-EA7D3EE18985}" dt="2024-09-23T08:06:22.872" v="1768" actId="478"/>
-          <ac:spMkLst>
-            <pc:docMk/>
-            <pc:sldMk cId="1773754508" sldId="271"/>
-            <ac:spMk id="9" creationId="{791872D6-869B-4CA8-8997-4959251037CA}"/>
-          </ac:spMkLst>
-        </pc:spChg>
-        <pc:picChg chg="add del mod">
-          <ac:chgData name="Мария Савинова" userId="e24eaf7e9b1ed84c" providerId="LiveId" clId="{FBA2780E-5BE6-4AEE-8C8C-EA7D3EE18985}" dt="2024-09-23T08:06:31.055" v="1773"/>
-          <ac:picMkLst>
-            <pc:docMk/>
-            <pc:sldMk cId="1773754508" sldId="271"/>
-            <ac:picMk id="10" creationId="{678AC721-6BA4-411F-BA2E-6D9F59D48B97}"/>
-          </ac:picMkLst>
-        </pc:picChg>
-        <pc:picChg chg="add mod">
-          <ac:chgData name="Мария Савинова" userId="e24eaf7e9b1ed84c" providerId="LiveId" clId="{FBA2780E-5BE6-4AEE-8C8C-EA7D3EE18985}" dt="2024-09-23T08:09:57.257" v="1837" actId="1036"/>
-          <ac:picMkLst>
-            <pc:docMk/>
-            <pc:sldMk cId="1773754508" sldId="271"/>
-            <ac:picMk id="12" creationId="{2A08C81A-2C63-4BEA-AFBC-BCAD96A689FE}"/>
-          </ac:picMkLst>
-        </pc:picChg>
-      </pc:sldChg>
-      <pc:sldChg chg="addSp delSp modSp add mod">
-        <pc:chgData name="Мария Савинова" userId="e24eaf7e9b1ed84c" providerId="LiveId" clId="{FBA2780E-5BE6-4AEE-8C8C-EA7D3EE18985}" dt="2024-09-23T13:59:34.032" v="2782" actId="207"/>
-        <pc:sldMkLst>
-          <pc:docMk/>
-          <pc:sldMk cId="2214237742" sldId="272"/>
-        </pc:sldMkLst>
-        <pc:spChg chg="mod">
-          <ac:chgData name="Мария Савинова" userId="e24eaf7e9b1ed84c" providerId="LiveId" clId="{FBA2780E-5BE6-4AEE-8C8C-EA7D3EE18985}" dt="2024-09-23T13:21:47.680" v="2300" actId="1076"/>
-          <ac:spMkLst>
-            <pc:docMk/>
-            <pc:sldMk cId="2214237742" sldId="272"/>
-            <ac:spMk id="3" creationId="{00000000-0000-0000-0000-000000000000}"/>
-          </ac:spMkLst>
-        </pc:spChg>
-        <pc:spChg chg="add mod">
-          <ac:chgData name="Мария Савинова" userId="e24eaf7e9b1ed84c" providerId="LiveId" clId="{FBA2780E-5BE6-4AEE-8C8C-EA7D3EE18985}" dt="2024-09-23T13:59:34.032" v="2782" actId="207"/>
-          <ac:spMkLst>
-            <pc:docMk/>
-            <pc:sldMk cId="2214237742" sldId="272"/>
-            <ac:spMk id="8" creationId="{426C69A6-A2F1-40A8-B889-C63B1AE0A2E3}"/>
-          </ac:spMkLst>
-        </pc:spChg>
-        <pc:spChg chg="add mod">
-          <ac:chgData name="Мария Савинова" userId="e24eaf7e9b1ed84c" providerId="LiveId" clId="{FBA2780E-5BE6-4AEE-8C8C-EA7D3EE18985}" dt="2024-09-23T13:58:56.964" v="2776" actId="113"/>
-          <ac:spMkLst>
-            <pc:docMk/>
-            <pc:sldMk cId="2214237742" sldId="272"/>
-            <ac:spMk id="10" creationId="{CA34E12E-4C3B-42AE-966D-48234B6733F0}"/>
-          </ac:spMkLst>
-        </pc:spChg>
-        <pc:spChg chg="add mod">
-          <ac:chgData name="Мария Савинова" userId="e24eaf7e9b1ed84c" providerId="LiveId" clId="{FBA2780E-5BE6-4AEE-8C8C-EA7D3EE18985}" dt="2024-09-23T13:21:51.824" v="2301" actId="1076"/>
-          <ac:spMkLst>
-            <pc:docMk/>
-            <pc:sldMk cId="2214237742" sldId="272"/>
-            <ac:spMk id="13" creationId="{8EB44BDF-E5AA-4176-B86D-E881FC5501F9}"/>
-          </ac:spMkLst>
-        </pc:spChg>
-        <pc:picChg chg="del">
-          <ac:chgData name="Мария Савинова" userId="e24eaf7e9b1ed84c" providerId="LiveId" clId="{FBA2780E-5BE6-4AEE-8C8C-EA7D3EE18985}" dt="2024-09-23T13:15:02.408" v="2193" actId="478"/>
-          <ac:picMkLst>
-            <pc:docMk/>
-            <pc:sldMk cId="2214237742" sldId="272"/>
-            <ac:picMk id="12" creationId="{3F1EB2CD-076C-49FD-891B-CE588A6566AA}"/>
-          </ac:picMkLst>
-        </pc:picChg>
-      </pc:sldChg>
-      <pc:sldChg chg="addSp delSp modSp add mod">
-        <pc:chgData name="Мария Савинова" userId="e24eaf7e9b1ed84c" providerId="LiveId" clId="{FBA2780E-5BE6-4AEE-8C8C-EA7D3EE18985}" dt="2024-09-23T13:53:34.678" v="2765" actId="113"/>
-        <pc:sldMkLst>
-          <pc:docMk/>
-          <pc:sldMk cId="1900805023" sldId="273"/>
-        </pc:sldMkLst>
-        <pc:spChg chg="del">
-          <ac:chgData name="Мария Савинова" userId="e24eaf7e9b1ed84c" providerId="LiveId" clId="{FBA2780E-5BE6-4AEE-8C8C-EA7D3EE18985}" dt="2024-09-23T13:45:42.186" v="2576" actId="478"/>
-          <ac:spMkLst>
-            <pc:docMk/>
-            <pc:sldMk cId="1900805023" sldId="273"/>
-            <ac:spMk id="3" creationId="{00000000-0000-0000-0000-000000000000}"/>
-          </ac:spMkLst>
-        </pc:spChg>
-        <pc:spChg chg="add del mod">
-          <ac:chgData name="Мария Савинова" userId="e24eaf7e9b1ed84c" providerId="LiveId" clId="{FBA2780E-5BE6-4AEE-8C8C-EA7D3EE18985}" dt="2024-09-23T13:45:45.964" v="2577" actId="478"/>
-          <ac:spMkLst>
-            <pc:docMk/>
-            <pc:sldMk cId="1900805023" sldId="273"/>
-            <ac:spMk id="8" creationId="{1FBD23D8-F007-43CB-A718-A87BCA6167FF}"/>
-          </ac:spMkLst>
-        </pc:spChg>
-        <pc:spChg chg="add mod">
-          <ac:chgData name="Мария Савинова" userId="e24eaf7e9b1ed84c" providerId="LiveId" clId="{FBA2780E-5BE6-4AEE-8C8C-EA7D3EE18985}" dt="2024-09-23T13:52:03.735" v="2750" actId="1076"/>
-          <ac:spMkLst>
-            <pc:docMk/>
-            <pc:sldMk cId="1900805023" sldId="273"/>
-            <ac:spMk id="10" creationId="{3049AAE2-0EE3-40AC-9FED-85CBE02A672D}"/>
-          </ac:spMkLst>
-        </pc:spChg>
-        <pc:spChg chg="add mod">
-          <ac:chgData name="Мария Савинова" userId="e24eaf7e9b1ed84c" providerId="LiveId" clId="{FBA2780E-5BE6-4AEE-8C8C-EA7D3EE18985}" dt="2024-09-23T13:51:08.949" v="2734" actId="1076"/>
-          <ac:spMkLst>
-            <pc:docMk/>
-            <pc:sldMk cId="1900805023" sldId="273"/>
-            <ac:spMk id="11" creationId="{76337475-23D1-4EB1-8FFC-51C03BD43632}"/>
-          </ac:spMkLst>
-        </pc:spChg>
-        <pc:spChg chg="add del">
-          <ac:chgData name="Мария Савинова" userId="e24eaf7e9b1ed84c" providerId="LiveId" clId="{FBA2780E-5BE6-4AEE-8C8C-EA7D3EE18985}" dt="2024-09-23T13:51:13.459" v="2738" actId="22"/>
-          <ac:spMkLst>
-            <pc:docMk/>
-            <pc:sldMk cId="1900805023" sldId="273"/>
-            <ac:spMk id="13" creationId="{7BAE43B8-F987-4590-8C6D-2C724FB5FD19}"/>
-          </ac:spMkLst>
-        </pc:spChg>
-        <pc:spChg chg="add mod">
-          <ac:chgData name="Мария Савинова" userId="e24eaf7e9b1ed84c" providerId="LiveId" clId="{FBA2780E-5BE6-4AEE-8C8C-EA7D3EE18985}" dt="2024-09-23T13:51:55.972" v="2749" actId="113"/>
-          <ac:spMkLst>
-            <pc:docMk/>
-            <pc:sldMk cId="1900805023" sldId="273"/>
-            <ac:spMk id="15" creationId="{DBBD1D5E-2F8B-470B-BC72-613749FD3CF5}"/>
-          </ac:spMkLst>
-        </pc:spChg>
-        <pc:spChg chg="add mod">
-          <ac:chgData name="Мария Савинова" userId="e24eaf7e9b1ed84c" providerId="LiveId" clId="{FBA2780E-5BE6-4AEE-8C8C-EA7D3EE18985}" dt="2024-09-23T13:53:34.678" v="2765" actId="113"/>
-          <ac:spMkLst>
-            <pc:docMk/>
-            <pc:sldMk cId="1900805023" sldId="273"/>
-            <ac:spMk id="17" creationId="{264D8D5F-531F-41A4-9F4F-09CC7050E985}"/>
-          </ac:spMkLst>
-        </pc:spChg>
-        <pc:picChg chg="del">
-          <ac:chgData name="Мария Савинова" userId="e24eaf7e9b1ed84c" providerId="LiveId" clId="{FBA2780E-5BE6-4AEE-8C8C-EA7D3EE18985}" dt="2024-09-23T13:45:39.527" v="2575" actId="478"/>
-          <ac:picMkLst>
-            <pc:docMk/>
-            <pc:sldMk cId="1900805023" sldId="273"/>
-            <ac:picMk id="12" creationId="{2A08C81A-2C63-4BEA-AFBC-BCAD96A689FE}"/>
-          </ac:picMkLst>
-        </pc:picChg>
-      </pc:sldChg>
-    </pc:docChg>
-  </pc:docChgLst>
-  <pc:docChgLst>
     <pc:chgData name="Мария Савинова" userId="e24eaf7e9b1ed84c" providerId="LiveId" clId="{82BEC481-F629-41F1-95E7-D263E5810322}"/>
     <pc:docChg chg="undo custSel addSld delSld modSld">
       <pc:chgData name="Мария Савинова" userId="e24eaf7e9b1ed84c" providerId="LiveId" clId="{82BEC481-F629-41F1-95E7-D263E5810322}" dt="2024-10-01T08:21:59.027" v="1215" actId="207"/>
@@ -1445,6 +656,858 @@
       </pc:sldChg>
     </pc:docChg>
   </pc:docChgLst>
+  <pc:docChgLst>
+    <pc:chgData name="Мария Савинова" userId="e24eaf7e9b1ed84c" providerId="LiveId" clId="{FBA2780E-5BE6-4AEE-8C8C-EA7D3EE18985}"/>
+    <pc:docChg chg="undo redo custSel addSld delSld modSld sldOrd">
+      <pc:chgData name="Мария Савинова" userId="e24eaf7e9b1ed84c" providerId="LiveId" clId="{FBA2780E-5BE6-4AEE-8C8C-EA7D3EE18985}" dt="2024-09-23T14:03:41.281" v="2951"/>
+      <pc:docMkLst>
+        <pc:docMk/>
+      </pc:docMkLst>
+      <pc:sldChg chg="modSp mod">
+        <pc:chgData name="Мария Савинова" userId="e24eaf7e9b1ed84c" providerId="LiveId" clId="{FBA2780E-5BE6-4AEE-8C8C-EA7D3EE18985}" dt="2024-09-20T22:04:41.987" v="2" actId="2711"/>
+        <pc:sldMkLst>
+          <pc:docMk/>
+          <pc:sldMk cId="967994007" sldId="256"/>
+        </pc:sldMkLst>
+        <pc:spChg chg="mod">
+          <ac:chgData name="Мария Савинова" userId="e24eaf7e9b1ed84c" providerId="LiveId" clId="{FBA2780E-5BE6-4AEE-8C8C-EA7D3EE18985}" dt="2024-09-20T22:04:41.987" v="2" actId="2711"/>
+          <ac:spMkLst>
+            <pc:docMk/>
+            <pc:sldMk cId="967994007" sldId="256"/>
+            <ac:spMk id="2" creationId="{00000000-0000-0000-0000-000000000000}"/>
+          </ac:spMkLst>
+        </pc:spChg>
+      </pc:sldChg>
+      <pc:sldChg chg="modSp mod">
+        <pc:chgData name="Мария Савинова" userId="e24eaf7e9b1ed84c" providerId="LiveId" clId="{FBA2780E-5BE6-4AEE-8C8C-EA7D3EE18985}" dt="2024-09-20T22:30:23.716" v="765" actId="2710"/>
+        <pc:sldMkLst>
+          <pc:docMk/>
+          <pc:sldMk cId="4014811966" sldId="257"/>
+        </pc:sldMkLst>
+        <pc:spChg chg="mod">
+          <ac:chgData name="Мария Савинова" userId="e24eaf7e9b1ed84c" providerId="LiveId" clId="{FBA2780E-5BE6-4AEE-8C8C-EA7D3EE18985}" dt="2024-09-20T22:30:23.716" v="765" actId="2710"/>
+          <ac:spMkLst>
+            <pc:docMk/>
+            <pc:sldMk cId="4014811966" sldId="257"/>
+            <ac:spMk id="3" creationId="{00000000-0000-0000-0000-000000000000}"/>
+          </ac:spMkLst>
+        </pc:spChg>
+      </pc:sldChg>
+      <pc:sldChg chg="addSp delSp modSp mod">
+        <pc:chgData name="Мария Савинова" userId="e24eaf7e9b1ed84c" providerId="LiveId" clId="{FBA2780E-5BE6-4AEE-8C8C-EA7D3EE18985}" dt="2024-09-23T14:01:58.412" v="2927" actId="20577"/>
+        <pc:sldMkLst>
+          <pc:docMk/>
+          <pc:sldMk cId="742912908" sldId="258"/>
+        </pc:sldMkLst>
+        <pc:spChg chg="mod">
+          <ac:chgData name="Мария Савинова" userId="e24eaf7e9b1ed84c" providerId="LiveId" clId="{FBA2780E-5BE6-4AEE-8C8C-EA7D3EE18985}" dt="2024-09-20T22:06:31.655" v="25" actId="113"/>
+          <ac:spMkLst>
+            <pc:docMk/>
+            <pc:sldMk cId="742912908" sldId="258"/>
+            <ac:spMk id="2" creationId="{00000000-0000-0000-0000-000000000000}"/>
+          </ac:spMkLst>
+        </pc:spChg>
+        <pc:spChg chg="mod">
+          <ac:chgData name="Мария Савинова" userId="e24eaf7e9b1ed84c" providerId="LiveId" clId="{FBA2780E-5BE6-4AEE-8C8C-EA7D3EE18985}" dt="2024-09-23T14:01:58.412" v="2927" actId="20577"/>
+          <ac:spMkLst>
+            <pc:docMk/>
+            <pc:sldMk cId="742912908" sldId="258"/>
+            <ac:spMk id="3" creationId="{00000000-0000-0000-0000-000000000000}"/>
+          </ac:spMkLst>
+        </pc:spChg>
+        <pc:spChg chg="add del mod">
+          <ac:chgData name="Мария Савинова" userId="e24eaf7e9b1ed84c" providerId="LiveId" clId="{FBA2780E-5BE6-4AEE-8C8C-EA7D3EE18985}" dt="2024-09-20T22:21:55.870" v="468" actId="1036"/>
+          <ac:spMkLst>
+            <pc:docMk/>
+            <pc:sldMk cId="742912908" sldId="258"/>
+            <ac:spMk id="8" creationId="{143DF86B-0F1D-4327-BA47-4BA88D0280EF}"/>
+          </ac:spMkLst>
+        </pc:spChg>
+        <pc:spChg chg="add del mod">
+          <ac:chgData name="Мария Савинова" userId="e24eaf7e9b1ed84c" providerId="LiveId" clId="{FBA2780E-5BE6-4AEE-8C8C-EA7D3EE18985}" dt="2024-09-20T22:44:32.202" v="1121"/>
+          <ac:spMkLst>
+            <pc:docMk/>
+            <pc:sldMk cId="742912908" sldId="258"/>
+            <ac:spMk id="9" creationId="{8FAC235C-B49B-40FD-A71D-CEF085AC2F61}"/>
+          </ac:spMkLst>
+        </pc:spChg>
+        <pc:spChg chg="add del mod">
+          <ac:chgData name="Мария Савинова" userId="e24eaf7e9b1ed84c" providerId="LiveId" clId="{FBA2780E-5BE6-4AEE-8C8C-EA7D3EE18985}" dt="2024-09-20T22:18:36.721" v="359" actId="478"/>
+          <ac:spMkLst>
+            <pc:docMk/>
+            <pc:sldMk cId="742912908" sldId="258"/>
+            <ac:spMk id="10" creationId="{159B5573-2CA5-4320-AFF0-1FFBB07A7CA5}"/>
+          </ac:spMkLst>
+        </pc:spChg>
+      </pc:sldChg>
+      <pc:sldChg chg="modSp add mod">
+        <pc:chgData name="Мария Савинова" userId="e24eaf7e9b1ed84c" providerId="LiveId" clId="{FBA2780E-5BE6-4AEE-8C8C-EA7D3EE18985}" dt="2024-09-23T14:02:05.745" v="2928" actId="20577"/>
+        <pc:sldMkLst>
+          <pc:docMk/>
+          <pc:sldMk cId="2839600060" sldId="259"/>
+        </pc:sldMkLst>
+        <pc:spChg chg="mod">
+          <ac:chgData name="Мария Савинова" userId="e24eaf7e9b1ed84c" providerId="LiveId" clId="{FBA2780E-5BE6-4AEE-8C8C-EA7D3EE18985}" dt="2024-09-20T22:06:43.243" v="38" actId="20577"/>
+          <ac:spMkLst>
+            <pc:docMk/>
+            <pc:sldMk cId="2839600060" sldId="259"/>
+            <ac:spMk id="2" creationId="{00000000-0000-0000-0000-000000000000}"/>
+          </ac:spMkLst>
+        </pc:spChg>
+        <pc:spChg chg="mod">
+          <ac:chgData name="Мария Савинова" userId="e24eaf7e9b1ed84c" providerId="LiveId" clId="{FBA2780E-5BE6-4AEE-8C8C-EA7D3EE18985}" dt="2024-09-23T14:02:05.745" v="2928" actId="20577"/>
+          <ac:spMkLst>
+            <pc:docMk/>
+            <pc:sldMk cId="2839600060" sldId="259"/>
+            <ac:spMk id="3" creationId="{00000000-0000-0000-0000-000000000000}"/>
+          </ac:spMkLst>
+        </pc:spChg>
+      </pc:sldChg>
+      <pc:sldChg chg="addSp delSp modSp add mod">
+        <pc:chgData name="Мария Савинова" userId="e24eaf7e9b1ed84c" providerId="LiveId" clId="{FBA2780E-5BE6-4AEE-8C8C-EA7D3EE18985}" dt="2024-09-23T14:02:16.177" v="2932" actId="20577"/>
+        <pc:sldMkLst>
+          <pc:docMk/>
+          <pc:sldMk cId="1758739892" sldId="260"/>
+        </pc:sldMkLst>
+        <pc:spChg chg="mod">
+          <ac:chgData name="Мария Савинова" userId="e24eaf7e9b1ed84c" providerId="LiveId" clId="{FBA2780E-5BE6-4AEE-8C8C-EA7D3EE18985}" dt="2024-09-20T22:25:43.261" v="678" actId="20577"/>
+          <ac:spMkLst>
+            <pc:docMk/>
+            <pc:sldMk cId="1758739892" sldId="260"/>
+            <ac:spMk id="2" creationId="{00000000-0000-0000-0000-000000000000}"/>
+          </ac:spMkLst>
+        </pc:spChg>
+        <pc:spChg chg="mod">
+          <ac:chgData name="Мария Савинова" userId="e24eaf7e9b1ed84c" providerId="LiveId" clId="{FBA2780E-5BE6-4AEE-8C8C-EA7D3EE18985}" dt="2024-09-23T14:02:16.177" v="2932" actId="20577"/>
+          <ac:spMkLst>
+            <pc:docMk/>
+            <pc:sldMk cId="1758739892" sldId="260"/>
+            <ac:spMk id="3" creationId="{00000000-0000-0000-0000-000000000000}"/>
+          </ac:spMkLst>
+        </pc:spChg>
+        <pc:spChg chg="mod">
+          <ac:chgData name="Мария Савинова" userId="e24eaf7e9b1ed84c" providerId="LiveId" clId="{FBA2780E-5BE6-4AEE-8C8C-EA7D3EE18985}" dt="2024-09-23T08:20:51.586" v="1942" actId="2711"/>
+          <ac:spMkLst>
+            <pc:docMk/>
+            <pc:sldMk cId="1758739892" sldId="260"/>
+            <ac:spMk id="4" creationId="{00000000-0000-0000-0000-000000000000}"/>
+          </ac:spMkLst>
+        </pc:spChg>
+        <pc:spChg chg="add del mod">
+          <ac:chgData name="Мария Савинова" userId="e24eaf7e9b1ed84c" providerId="LiveId" clId="{FBA2780E-5BE6-4AEE-8C8C-EA7D3EE18985}" dt="2024-09-20T22:25:01.200" v="596"/>
+          <ac:spMkLst>
+            <pc:docMk/>
+            <pc:sldMk cId="1758739892" sldId="260"/>
+            <ac:spMk id="8" creationId="{E5EF931D-D382-4C75-99AA-41E8EC200C70}"/>
+          </ac:spMkLst>
+        </pc:spChg>
+        <pc:spChg chg="add del mod">
+          <ac:chgData name="Мария Савинова" userId="e24eaf7e9b1ed84c" providerId="LiveId" clId="{FBA2780E-5BE6-4AEE-8C8C-EA7D3EE18985}" dt="2024-09-20T22:25:01.200" v="596"/>
+          <ac:spMkLst>
+            <pc:docMk/>
+            <pc:sldMk cId="1758739892" sldId="260"/>
+            <ac:spMk id="9" creationId="{D9F10936-68B0-447C-B532-CEBDE6B1B911}"/>
+          </ac:spMkLst>
+        </pc:spChg>
+        <pc:spChg chg="add del mod">
+          <ac:chgData name="Мария Савинова" userId="e24eaf7e9b1ed84c" providerId="LiveId" clId="{FBA2780E-5BE6-4AEE-8C8C-EA7D3EE18985}" dt="2024-09-20T22:26:00.207" v="697" actId="478"/>
+          <ac:spMkLst>
+            <pc:docMk/>
+            <pc:sldMk cId="1758739892" sldId="260"/>
+            <ac:spMk id="10" creationId="{F77BE8FF-22FF-43AE-A5D6-3DDD19AEF4C3}"/>
+          </ac:spMkLst>
+        </pc:spChg>
+        <pc:spChg chg="add del mod">
+          <ac:chgData name="Мария Савинова" userId="e24eaf7e9b1ed84c" providerId="LiveId" clId="{FBA2780E-5BE6-4AEE-8C8C-EA7D3EE18985}" dt="2024-09-20T22:26:00.207" v="697" actId="478"/>
+          <ac:spMkLst>
+            <pc:docMk/>
+            <pc:sldMk cId="1758739892" sldId="260"/>
+            <ac:spMk id="11" creationId="{A4E96537-5032-42E5-853F-EF68D0D0E2F9}"/>
+          </ac:spMkLst>
+        </pc:spChg>
+      </pc:sldChg>
+      <pc:sldChg chg="addSp delSp modSp add mod">
+        <pc:chgData name="Мария Савинова" userId="e24eaf7e9b1ed84c" providerId="LiveId" clId="{FBA2780E-5BE6-4AEE-8C8C-EA7D3EE18985}" dt="2024-09-23T08:21:07.949" v="1944" actId="2711"/>
+        <pc:sldMkLst>
+          <pc:docMk/>
+          <pc:sldMk cId="600860783" sldId="261"/>
+        </pc:sldMkLst>
+        <pc:spChg chg="mod">
+          <ac:chgData name="Мария Савинова" userId="e24eaf7e9b1ed84c" providerId="LiveId" clId="{FBA2780E-5BE6-4AEE-8C8C-EA7D3EE18985}" dt="2024-09-20T22:45:27.292" v="1153" actId="20577"/>
+          <ac:spMkLst>
+            <pc:docMk/>
+            <pc:sldMk cId="600860783" sldId="261"/>
+            <ac:spMk id="2" creationId="{00000000-0000-0000-0000-000000000000}"/>
+          </ac:spMkLst>
+        </pc:spChg>
+        <pc:spChg chg="add del mod">
+          <ac:chgData name="Мария Савинова" userId="e24eaf7e9b1ed84c" providerId="LiveId" clId="{FBA2780E-5BE6-4AEE-8C8C-EA7D3EE18985}" dt="2024-09-20T23:04:42.008" v="1579" actId="207"/>
+          <ac:spMkLst>
+            <pc:docMk/>
+            <pc:sldMk cId="600860783" sldId="261"/>
+            <ac:spMk id="3" creationId="{00000000-0000-0000-0000-000000000000}"/>
+          </ac:spMkLst>
+        </pc:spChg>
+        <pc:spChg chg="mod">
+          <ac:chgData name="Мария Савинова" userId="e24eaf7e9b1ed84c" providerId="LiveId" clId="{FBA2780E-5BE6-4AEE-8C8C-EA7D3EE18985}" dt="2024-09-23T08:21:07.949" v="1944" actId="2711"/>
+          <ac:spMkLst>
+            <pc:docMk/>
+            <pc:sldMk cId="600860783" sldId="261"/>
+            <ac:spMk id="4" creationId="{00000000-0000-0000-0000-000000000000}"/>
+          </ac:spMkLst>
+        </pc:spChg>
+        <pc:spChg chg="add del mod">
+          <ac:chgData name="Мария Савинова" userId="e24eaf7e9b1ed84c" providerId="LiveId" clId="{FBA2780E-5BE6-4AEE-8C8C-EA7D3EE18985}" dt="2024-09-20T22:43:15.747" v="1100" actId="22"/>
+          <ac:spMkLst>
+            <pc:docMk/>
+            <pc:sldMk cId="600860783" sldId="261"/>
+            <ac:spMk id="14" creationId="{03A4D306-268D-421A-9429-E8A6D3A0783E}"/>
+          </ac:spMkLst>
+        </pc:spChg>
+        <pc:spChg chg="add del mod">
+          <ac:chgData name="Мария Савинова" userId="e24eaf7e9b1ed84c" providerId="LiveId" clId="{FBA2780E-5BE6-4AEE-8C8C-EA7D3EE18985}" dt="2024-09-20T22:43:13.526" v="1095"/>
+          <ac:spMkLst>
+            <pc:docMk/>
+            <pc:sldMk cId="600860783" sldId="261"/>
+            <ac:spMk id="15" creationId="{DB7FD0E9-6E8E-4AD9-9700-12C9E66382F4}"/>
+          </ac:spMkLst>
+        </pc:spChg>
+        <pc:spChg chg="add del mod">
+          <ac:chgData name="Мария Савинова" userId="e24eaf7e9b1ed84c" providerId="LiveId" clId="{FBA2780E-5BE6-4AEE-8C8C-EA7D3EE18985}" dt="2024-09-20T22:49:11.893" v="1215" actId="478"/>
+          <ac:spMkLst>
+            <pc:docMk/>
+            <pc:sldMk cId="600860783" sldId="261"/>
+            <ac:spMk id="17" creationId="{DBBE5F54-A7B2-4FFC-9E6D-ADEAC307AF61}"/>
+          </ac:spMkLst>
+        </pc:spChg>
+        <pc:spChg chg="add del mod">
+          <ac:chgData name="Мария Савинова" userId="e24eaf7e9b1ed84c" providerId="LiveId" clId="{FBA2780E-5BE6-4AEE-8C8C-EA7D3EE18985}" dt="2024-09-20T22:49:11.893" v="1215" actId="478"/>
+          <ac:spMkLst>
+            <pc:docMk/>
+            <pc:sldMk cId="600860783" sldId="261"/>
+            <ac:spMk id="18" creationId="{FE6A15AD-9C16-4693-B2BE-234F6D9BDF29}"/>
+          </ac:spMkLst>
+        </pc:spChg>
+        <pc:picChg chg="add del mod ord">
+          <ac:chgData name="Мария Савинова" userId="e24eaf7e9b1ed84c" providerId="LiveId" clId="{FBA2780E-5BE6-4AEE-8C8C-EA7D3EE18985}" dt="2024-09-20T22:39:02.526" v="1026" actId="22"/>
+          <ac:picMkLst>
+            <pc:docMk/>
+            <pc:sldMk cId="600860783" sldId="261"/>
+            <ac:picMk id="8" creationId="{EDED9590-9BC3-44DD-8E6F-35CDD821EC56}"/>
+          </ac:picMkLst>
+        </pc:picChg>
+        <pc:picChg chg="add del mod modCrop">
+          <ac:chgData name="Мария Савинова" userId="e24eaf7e9b1ed84c" providerId="LiveId" clId="{FBA2780E-5BE6-4AEE-8C8C-EA7D3EE18985}" dt="2024-09-20T22:39:57.028" v="1037" actId="478"/>
+          <ac:picMkLst>
+            <pc:docMk/>
+            <pc:sldMk cId="600860783" sldId="261"/>
+            <ac:picMk id="10" creationId="{E6ECBEEB-DB74-4815-83F6-DA099BFF09E4}"/>
+          </ac:picMkLst>
+        </pc:picChg>
+        <pc:picChg chg="add mod">
+          <ac:chgData name="Мария Савинова" userId="e24eaf7e9b1ed84c" providerId="LiveId" clId="{FBA2780E-5BE6-4AEE-8C8C-EA7D3EE18985}" dt="2024-09-20T23:04:36.707" v="1578" actId="1076"/>
+          <ac:picMkLst>
+            <pc:docMk/>
+            <pc:sldMk cId="600860783" sldId="261"/>
+            <ac:picMk id="12" creationId="{3C7851B5-3554-480E-BE26-3BB8F8EB47A8}"/>
+          </ac:picMkLst>
+        </pc:picChg>
+      </pc:sldChg>
+      <pc:sldChg chg="addSp delSp modSp add mod">
+        <pc:chgData name="Мария Савинова" userId="e24eaf7e9b1ed84c" providerId="LiveId" clId="{FBA2780E-5BE6-4AEE-8C8C-EA7D3EE18985}" dt="2024-09-23T14:03:06.125" v="2948" actId="20577"/>
+        <pc:sldMkLst>
+          <pc:docMk/>
+          <pc:sldMk cId="2293707358" sldId="262"/>
+        </pc:sldMkLst>
+        <pc:spChg chg="mod">
+          <ac:chgData name="Мария Савинова" userId="e24eaf7e9b1ed84c" providerId="LiveId" clId="{FBA2780E-5BE6-4AEE-8C8C-EA7D3EE18985}" dt="2024-09-20T22:49:34.578" v="1229" actId="255"/>
+          <ac:spMkLst>
+            <pc:docMk/>
+            <pc:sldMk cId="2293707358" sldId="262"/>
+            <ac:spMk id="2" creationId="{00000000-0000-0000-0000-000000000000}"/>
+          </ac:spMkLst>
+        </pc:spChg>
+        <pc:spChg chg="mod">
+          <ac:chgData name="Мария Савинова" userId="e24eaf7e9b1ed84c" providerId="LiveId" clId="{FBA2780E-5BE6-4AEE-8C8C-EA7D3EE18985}" dt="2024-09-23T14:03:06.125" v="2948" actId="20577"/>
+          <ac:spMkLst>
+            <pc:docMk/>
+            <pc:sldMk cId="2293707358" sldId="262"/>
+            <ac:spMk id="3" creationId="{00000000-0000-0000-0000-000000000000}"/>
+          </ac:spMkLst>
+        </pc:spChg>
+        <pc:spChg chg="add del mod">
+          <ac:chgData name="Мария Савинова" userId="e24eaf7e9b1ed84c" providerId="LiveId" clId="{FBA2780E-5BE6-4AEE-8C8C-EA7D3EE18985}" dt="2024-09-23T08:39:08.653" v="2004" actId="478"/>
+          <ac:spMkLst>
+            <pc:docMk/>
+            <pc:sldMk cId="2293707358" sldId="262"/>
+            <ac:spMk id="8" creationId="{D4C95291-2C23-4352-BCC0-5C4F93100524}"/>
+          </ac:spMkLst>
+        </pc:spChg>
+        <pc:spChg chg="add del mod">
+          <ac:chgData name="Мария Савинова" userId="e24eaf7e9b1ed84c" providerId="LiveId" clId="{FBA2780E-5BE6-4AEE-8C8C-EA7D3EE18985}" dt="2024-09-23T08:39:10.841" v="2005" actId="478"/>
+          <ac:spMkLst>
+            <pc:docMk/>
+            <pc:sldMk cId="2293707358" sldId="262"/>
+            <ac:spMk id="9" creationId="{B11FA133-F035-4245-8E62-A414ADF52242}"/>
+          </ac:spMkLst>
+        </pc:spChg>
+        <pc:spChg chg="add del mod">
+          <ac:chgData name="Мария Савинова" userId="e24eaf7e9b1ed84c" providerId="LiveId" clId="{FBA2780E-5BE6-4AEE-8C8C-EA7D3EE18985}" dt="2024-09-20T22:52:37.463" v="1304" actId="478"/>
+          <ac:spMkLst>
+            <pc:docMk/>
+            <pc:sldMk cId="2293707358" sldId="262"/>
+            <ac:spMk id="10" creationId="{C6319FCC-5266-4C84-9F8A-38F424A8EDAA}"/>
+          </ac:spMkLst>
+        </pc:spChg>
+      </pc:sldChg>
+      <pc:sldChg chg="addSp modSp add mod">
+        <pc:chgData name="Мария Савинова" userId="e24eaf7e9b1ed84c" providerId="LiveId" clId="{FBA2780E-5BE6-4AEE-8C8C-EA7D3EE18985}" dt="2024-09-23T14:03:19.646" v="2949"/>
+        <pc:sldMkLst>
+          <pc:docMk/>
+          <pc:sldMk cId="3632604304" sldId="263"/>
+        </pc:sldMkLst>
+        <pc:spChg chg="mod">
+          <ac:chgData name="Мария Савинова" userId="e24eaf7e9b1ed84c" providerId="LiveId" clId="{FBA2780E-5BE6-4AEE-8C8C-EA7D3EE18985}" dt="2024-09-20T22:53:24.063" v="1323" actId="255"/>
+          <ac:spMkLst>
+            <pc:docMk/>
+            <pc:sldMk cId="3632604304" sldId="263"/>
+            <ac:spMk id="2" creationId="{00000000-0000-0000-0000-000000000000}"/>
+          </ac:spMkLst>
+        </pc:spChg>
+        <pc:spChg chg="mod">
+          <ac:chgData name="Мария Савинова" userId="e24eaf7e9b1ed84c" providerId="LiveId" clId="{FBA2780E-5BE6-4AEE-8C8C-EA7D3EE18985}" dt="2024-09-23T13:49:24.098" v="2726" actId="20577"/>
+          <ac:spMkLst>
+            <pc:docMk/>
+            <pc:sldMk cId="3632604304" sldId="263"/>
+            <ac:spMk id="3" creationId="{00000000-0000-0000-0000-000000000000}"/>
+          </ac:spMkLst>
+        </pc:spChg>
+        <pc:spChg chg="mod">
+          <ac:chgData name="Мария Савинова" userId="e24eaf7e9b1ed84c" providerId="LiveId" clId="{FBA2780E-5BE6-4AEE-8C8C-EA7D3EE18985}" dt="2024-09-23T08:20:45.596" v="1941" actId="2711"/>
+          <ac:spMkLst>
+            <pc:docMk/>
+            <pc:sldMk cId="3632604304" sldId="263"/>
+            <ac:spMk id="4" creationId="{00000000-0000-0000-0000-000000000000}"/>
+          </ac:spMkLst>
+        </pc:spChg>
+        <pc:spChg chg="add mod">
+          <ac:chgData name="Мария Савинова" userId="e24eaf7e9b1ed84c" providerId="LiveId" clId="{FBA2780E-5BE6-4AEE-8C8C-EA7D3EE18985}" dt="2024-09-23T14:03:19.646" v="2949"/>
+          <ac:spMkLst>
+            <pc:docMk/>
+            <pc:sldMk cId="3632604304" sldId="263"/>
+            <ac:spMk id="10" creationId="{06F7FA00-9462-463A-82F0-CF3D67B70160}"/>
+          </ac:spMkLst>
+        </pc:spChg>
+        <pc:spChg chg="add mod">
+          <ac:chgData name="Мария Савинова" userId="e24eaf7e9b1ed84c" providerId="LiveId" clId="{FBA2780E-5BE6-4AEE-8C8C-EA7D3EE18985}" dt="2024-09-23T13:39:01.682" v="2402" actId="207"/>
+          <ac:spMkLst>
+            <pc:docMk/>
+            <pc:sldMk cId="3632604304" sldId="263"/>
+            <ac:spMk id="11" creationId="{0E686081-C68F-4292-B742-E5FC2F20847F}"/>
+          </ac:spMkLst>
+        </pc:spChg>
+        <pc:picChg chg="add mod">
+          <ac:chgData name="Мария Савинова" userId="e24eaf7e9b1ed84c" providerId="LiveId" clId="{FBA2780E-5BE6-4AEE-8C8C-EA7D3EE18985}" dt="2024-09-23T08:42:35.716" v="2134" actId="1076"/>
+          <ac:picMkLst>
+            <pc:docMk/>
+            <pc:sldMk cId="3632604304" sldId="263"/>
+            <ac:picMk id="8" creationId="{A51CFDCE-016F-46DE-A41A-3E752F019132}"/>
+          </ac:picMkLst>
+        </pc:picChg>
+      </pc:sldChg>
+      <pc:sldChg chg="modSp add mod">
+        <pc:chgData name="Мария Савинова" userId="e24eaf7e9b1ed84c" providerId="LiveId" clId="{FBA2780E-5BE6-4AEE-8C8C-EA7D3EE18985}" dt="2024-09-23T14:03:27.960" v="2950"/>
+        <pc:sldMkLst>
+          <pc:docMk/>
+          <pc:sldMk cId="36148254" sldId="264"/>
+        </pc:sldMkLst>
+        <pc:spChg chg="mod">
+          <ac:chgData name="Мария Савинова" userId="e24eaf7e9b1ed84c" providerId="LiveId" clId="{FBA2780E-5BE6-4AEE-8C8C-EA7D3EE18985}" dt="2024-09-23T13:38:38.254" v="2400" actId="20577"/>
+          <ac:spMkLst>
+            <pc:docMk/>
+            <pc:sldMk cId="36148254" sldId="264"/>
+            <ac:spMk id="2" creationId="{00000000-0000-0000-0000-000000000000}"/>
+          </ac:spMkLst>
+        </pc:spChg>
+        <pc:spChg chg="mod">
+          <ac:chgData name="Мария Савинова" userId="e24eaf7e9b1ed84c" providerId="LiveId" clId="{FBA2780E-5BE6-4AEE-8C8C-EA7D3EE18985}" dt="2024-09-23T14:03:27.960" v="2950"/>
+          <ac:spMkLst>
+            <pc:docMk/>
+            <pc:sldMk cId="36148254" sldId="264"/>
+            <ac:spMk id="3" creationId="{00000000-0000-0000-0000-000000000000}"/>
+          </ac:spMkLst>
+        </pc:spChg>
+      </pc:sldChg>
+      <pc:sldChg chg="addSp delSp modSp add mod">
+        <pc:chgData name="Мария Савинова" userId="e24eaf7e9b1ed84c" providerId="LiveId" clId="{FBA2780E-5BE6-4AEE-8C8C-EA7D3EE18985}" dt="2024-09-23T14:03:41.281" v="2951"/>
+        <pc:sldMkLst>
+          <pc:docMk/>
+          <pc:sldMk cId="2299204813" sldId="265"/>
+        </pc:sldMkLst>
+        <pc:spChg chg="mod">
+          <ac:chgData name="Мария Савинова" userId="e24eaf7e9b1ed84c" providerId="LiveId" clId="{FBA2780E-5BE6-4AEE-8C8C-EA7D3EE18985}" dt="2024-09-20T23:02:01.286" v="1535" actId="20577"/>
+          <ac:spMkLst>
+            <pc:docMk/>
+            <pc:sldMk cId="2299204813" sldId="265"/>
+            <ac:spMk id="2" creationId="{00000000-0000-0000-0000-000000000000}"/>
+          </ac:spMkLst>
+        </pc:spChg>
+        <pc:spChg chg="mod">
+          <ac:chgData name="Мария Савинова" userId="e24eaf7e9b1ed84c" providerId="LiveId" clId="{FBA2780E-5BE6-4AEE-8C8C-EA7D3EE18985}" dt="2024-09-23T14:03:41.281" v="2951"/>
+          <ac:spMkLst>
+            <pc:docMk/>
+            <pc:sldMk cId="2299204813" sldId="265"/>
+            <ac:spMk id="3" creationId="{00000000-0000-0000-0000-000000000000}"/>
+          </ac:spMkLst>
+        </pc:spChg>
+        <pc:spChg chg="add del mod">
+          <ac:chgData name="Мария Савинова" userId="e24eaf7e9b1ed84c" providerId="LiveId" clId="{FBA2780E-5BE6-4AEE-8C8C-EA7D3EE18985}" dt="2024-09-23T13:46:24.868" v="2585"/>
+          <ac:spMkLst>
+            <pc:docMk/>
+            <pc:sldMk cId="2299204813" sldId="265"/>
+            <ac:spMk id="6" creationId="{DFD64BB7-3ADF-4F6F-B34B-E853B4C08AB8}"/>
+          </ac:spMkLst>
+        </pc:spChg>
+        <pc:spChg chg="add del mod">
+          <ac:chgData name="Мария Савинова" userId="e24eaf7e9b1ed84c" providerId="LiveId" clId="{FBA2780E-5BE6-4AEE-8C8C-EA7D3EE18985}" dt="2024-09-23T13:45:59.652" v="2579" actId="478"/>
+          <ac:spMkLst>
+            <pc:docMk/>
+            <pc:sldMk cId="2299204813" sldId="265"/>
+            <ac:spMk id="8" creationId="{957AA84F-8897-4933-85BC-FB0080066665}"/>
+          </ac:spMkLst>
+        </pc:spChg>
+        <pc:spChg chg="add del mod">
+          <ac:chgData name="Мария Савинова" userId="e24eaf7e9b1ed84c" providerId="LiveId" clId="{FBA2780E-5BE6-4AEE-8C8C-EA7D3EE18985}" dt="2024-09-23T13:46:01.733" v="2580" actId="478"/>
+          <ac:spMkLst>
+            <pc:docMk/>
+            <pc:sldMk cId="2299204813" sldId="265"/>
+            <ac:spMk id="9" creationId="{791872D6-869B-4CA8-8997-4959251037CA}"/>
+          </ac:spMkLst>
+        </pc:spChg>
+        <pc:spChg chg="add del mod">
+          <ac:chgData name="Мария Савинова" userId="e24eaf7e9b1ed84c" providerId="LiveId" clId="{FBA2780E-5BE6-4AEE-8C8C-EA7D3EE18985}" dt="2024-09-23T13:46:24.868" v="2585"/>
+          <ac:spMkLst>
+            <pc:docMk/>
+            <pc:sldMk cId="2299204813" sldId="265"/>
+            <ac:spMk id="10" creationId="{5C0C52F8-DAF1-4428-9A84-853511E00A4B}"/>
+          </ac:spMkLst>
+        </pc:spChg>
+      </pc:sldChg>
+      <pc:sldChg chg="delSp modSp add mod">
+        <pc:chgData name="Мария Савинова" userId="e24eaf7e9b1ed84c" providerId="LiveId" clId="{FBA2780E-5BE6-4AEE-8C8C-EA7D3EE18985}" dt="2024-09-20T23:09:44.555" v="1702" actId="1076"/>
+        <pc:sldMkLst>
+          <pc:docMk/>
+          <pc:sldMk cId="3474348753" sldId="266"/>
+        </pc:sldMkLst>
+        <pc:spChg chg="del mod">
+          <ac:chgData name="Мария Савинова" userId="e24eaf7e9b1ed84c" providerId="LiveId" clId="{FBA2780E-5BE6-4AEE-8C8C-EA7D3EE18985}" dt="2024-09-20T22:12:05.625" v="116" actId="478"/>
+          <ac:spMkLst>
+            <pc:docMk/>
+            <pc:sldMk cId="3474348753" sldId="266"/>
+            <ac:spMk id="2" creationId="{00000000-0000-0000-0000-000000000000}"/>
+          </ac:spMkLst>
+        </pc:spChg>
+        <pc:spChg chg="mod">
+          <ac:chgData name="Мария Савинова" userId="e24eaf7e9b1ed84c" providerId="LiveId" clId="{FBA2780E-5BE6-4AEE-8C8C-EA7D3EE18985}" dt="2024-09-20T23:09:44.555" v="1702" actId="1076"/>
+          <ac:spMkLst>
+            <pc:docMk/>
+            <pc:sldMk cId="3474348753" sldId="266"/>
+            <ac:spMk id="3" creationId="{00000000-0000-0000-0000-000000000000}"/>
+          </ac:spMkLst>
+        </pc:spChg>
+      </pc:sldChg>
+      <pc:sldChg chg="add del">
+        <pc:chgData name="Мария Савинова" userId="e24eaf7e9b1ed84c" providerId="LiveId" clId="{FBA2780E-5BE6-4AEE-8C8C-EA7D3EE18985}" dt="2024-09-20T22:44:24.906" v="1119" actId="47"/>
+        <pc:sldMkLst>
+          <pc:docMk/>
+          <pc:sldMk cId="1581301969" sldId="267"/>
+        </pc:sldMkLst>
+      </pc:sldChg>
+      <pc:sldChg chg="addSp modSp add del mod">
+        <pc:chgData name="Мария Савинова" userId="e24eaf7e9b1ed84c" providerId="LiveId" clId="{FBA2780E-5BE6-4AEE-8C8C-EA7D3EE18985}" dt="2024-09-20T22:38:48.706" v="1024" actId="47"/>
+        <pc:sldMkLst>
+          <pc:docMk/>
+          <pc:sldMk cId="3762584318" sldId="267"/>
+        </pc:sldMkLst>
+        <pc:spChg chg="mod">
+          <ac:chgData name="Мария Савинова" userId="e24eaf7e9b1ed84c" providerId="LiveId" clId="{FBA2780E-5BE6-4AEE-8C8C-EA7D3EE18985}" dt="2024-09-20T22:38:27.029" v="1023" actId="20577"/>
+          <ac:spMkLst>
+            <pc:docMk/>
+            <pc:sldMk cId="3762584318" sldId="267"/>
+            <ac:spMk id="3" creationId="{00000000-0000-0000-0000-000000000000}"/>
+          </ac:spMkLst>
+        </pc:spChg>
+        <pc:picChg chg="add mod modCrop">
+          <ac:chgData name="Мария Савинова" userId="e24eaf7e9b1ed84c" providerId="LiveId" clId="{FBA2780E-5BE6-4AEE-8C8C-EA7D3EE18985}" dt="2024-09-20T22:38:08.304" v="1019" actId="14100"/>
+          <ac:picMkLst>
+            <pc:docMk/>
+            <pc:sldMk cId="3762584318" sldId="267"/>
+            <ac:picMk id="8" creationId="{4445FA39-BB8E-41B6-B13A-2DF3C2EC95AE}"/>
+          </ac:picMkLst>
+        </pc:picChg>
+      </pc:sldChg>
+      <pc:sldChg chg="addSp delSp modSp add mod ord">
+        <pc:chgData name="Мария Савинова" userId="e24eaf7e9b1ed84c" providerId="LiveId" clId="{FBA2780E-5BE6-4AEE-8C8C-EA7D3EE18985}" dt="2024-09-23T14:02:32.432" v="2935" actId="14100"/>
+        <pc:sldMkLst>
+          <pc:docMk/>
+          <pc:sldMk cId="3551373186" sldId="268"/>
+        </pc:sldMkLst>
+        <pc:spChg chg="mod">
+          <ac:chgData name="Мария Савинова" userId="e24eaf7e9b1ed84c" providerId="LiveId" clId="{FBA2780E-5BE6-4AEE-8C8C-EA7D3EE18985}" dt="2024-09-20T22:44:11.789" v="1118"/>
+          <ac:spMkLst>
+            <pc:docMk/>
+            <pc:sldMk cId="3551373186" sldId="268"/>
+            <ac:spMk id="2" creationId="{00000000-0000-0000-0000-000000000000}"/>
+          </ac:spMkLst>
+        </pc:spChg>
+        <pc:spChg chg="mod">
+          <ac:chgData name="Мария Савинова" userId="e24eaf7e9b1ed84c" providerId="LiveId" clId="{FBA2780E-5BE6-4AEE-8C8C-EA7D3EE18985}" dt="2024-09-23T14:02:24.134" v="2933" actId="20577"/>
+          <ac:spMkLst>
+            <pc:docMk/>
+            <pc:sldMk cId="3551373186" sldId="268"/>
+            <ac:spMk id="3" creationId="{00000000-0000-0000-0000-000000000000}"/>
+          </ac:spMkLst>
+        </pc:spChg>
+        <pc:spChg chg="mod">
+          <ac:chgData name="Мария Савинова" userId="e24eaf7e9b1ed84c" providerId="LiveId" clId="{FBA2780E-5BE6-4AEE-8C8C-EA7D3EE18985}" dt="2024-09-23T08:21:02.966" v="1943" actId="2711"/>
+          <ac:spMkLst>
+            <pc:docMk/>
+            <pc:sldMk cId="3551373186" sldId="268"/>
+            <ac:spMk id="4" creationId="{00000000-0000-0000-0000-000000000000}"/>
+          </ac:spMkLst>
+        </pc:spChg>
+        <pc:spChg chg="add del mod">
+          <ac:chgData name="Мария Савинова" userId="e24eaf7e9b1ed84c" providerId="LiveId" clId="{FBA2780E-5BE6-4AEE-8C8C-EA7D3EE18985}" dt="2024-09-20T22:47:30.081" v="1195" actId="22"/>
+          <ac:spMkLst>
+            <pc:docMk/>
+            <pc:sldMk cId="3551373186" sldId="268"/>
+            <ac:spMk id="11" creationId="{EC1EB092-D82C-4A8B-B0AD-9AE1ECC5B533}"/>
+          </ac:spMkLst>
+        </pc:spChg>
+        <pc:picChg chg="add mod modCrop">
+          <ac:chgData name="Мария Савинова" userId="e24eaf7e9b1ed84c" providerId="LiveId" clId="{FBA2780E-5BE6-4AEE-8C8C-EA7D3EE18985}" dt="2024-09-23T14:02:32.432" v="2935" actId="14100"/>
+          <ac:picMkLst>
+            <pc:docMk/>
+            <pc:sldMk cId="3551373186" sldId="268"/>
+            <ac:picMk id="8" creationId="{D8BA093B-DDAC-4953-BA84-FAB983FB2288}"/>
+          </ac:picMkLst>
+        </pc:picChg>
+        <pc:picChg chg="del">
+          <ac:chgData name="Мария Савинова" userId="e24eaf7e9b1ed84c" providerId="LiveId" clId="{FBA2780E-5BE6-4AEE-8C8C-EA7D3EE18985}" dt="2024-09-20T22:45:42.148" v="1154" actId="478"/>
+          <ac:picMkLst>
+            <pc:docMk/>
+            <pc:sldMk cId="3551373186" sldId="268"/>
+            <ac:picMk id="12" creationId="{3C7851B5-3554-480E-BE26-3BB8F8EB47A8}"/>
+          </ac:picMkLst>
+        </pc:picChg>
+      </pc:sldChg>
+      <pc:sldChg chg="modSp add mod">
+        <pc:chgData name="Мария Савинова" userId="e24eaf7e9b1ed84c" providerId="LiveId" clId="{FBA2780E-5BE6-4AEE-8C8C-EA7D3EE18985}" dt="2024-09-23T14:01:22.979" v="2926" actId="207"/>
+        <pc:sldMkLst>
+          <pc:docMk/>
+          <pc:sldMk cId="2023720995" sldId="269"/>
+        </pc:sldMkLst>
+        <pc:spChg chg="mod">
+          <ac:chgData name="Мария Савинова" userId="e24eaf7e9b1ed84c" providerId="LiveId" clId="{FBA2780E-5BE6-4AEE-8C8C-EA7D3EE18985}" dt="2024-09-23T14:01:22.979" v="2926" actId="207"/>
+          <ac:spMkLst>
+            <pc:docMk/>
+            <pc:sldMk cId="2023720995" sldId="269"/>
+            <ac:spMk id="3" creationId="{00000000-0000-0000-0000-000000000000}"/>
+          </ac:spMkLst>
+        </pc:spChg>
+      </pc:sldChg>
+      <pc:sldChg chg="addSp delSp modSp add mod">
+        <pc:chgData name="Мария Савинова" userId="e24eaf7e9b1ed84c" providerId="LiveId" clId="{FBA2780E-5BE6-4AEE-8C8C-EA7D3EE18985}" dt="2024-09-23T13:49:37.211" v="2731" actId="20577"/>
+        <pc:sldMkLst>
+          <pc:docMk/>
+          <pc:sldMk cId="1268225968" sldId="270"/>
+        </pc:sldMkLst>
+        <pc:spChg chg="add del mod">
+          <ac:chgData name="Мария Савинова" userId="e24eaf7e9b1ed84c" providerId="LiveId" clId="{FBA2780E-5BE6-4AEE-8C8C-EA7D3EE18985}" dt="2024-09-23T13:49:37.211" v="2731" actId="20577"/>
+          <ac:spMkLst>
+            <pc:docMk/>
+            <pc:sldMk cId="1268225968" sldId="270"/>
+            <ac:spMk id="3" creationId="{00000000-0000-0000-0000-000000000000}"/>
+          </ac:spMkLst>
+        </pc:spChg>
+        <pc:spChg chg="del">
+          <ac:chgData name="Мария Савинова" userId="e24eaf7e9b1ed84c" providerId="LiveId" clId="{FBA2780E-5BE6-4AEE-8C8C-EA7D3EE18985}" dt="2024-09-23T08:03:13.967" v="1729" actId="478"/>
+          <ac:spMkLst>
+            <pc:docMk/>
+            <pc:sldMk cId="1268225968" sldId="270"/>
+            <ac:spMk id="8" creationId="{D4C95291-2C23-4352-BCC0-5C4F93100524}"/>
+          </ac:spMkLst>
+        </pc:spChg>
+        <pc:spChg chg="del">
+          <ac:chgData name="Мария Савинова" userId="e24eaf7e9b1ed84c" providerId="LiveId" clId="{FBA2780E-5BE6-4AEE-8C8C-EA7D3EE18985}" dt="2024-09-23T08:03:12.557" v="1728" actId="478"/>
+          <ac:spMkLst>
+            <pc:docMk/>
+            <pc:sldMk cId="1268225968" sldId="270"/>
+            <ac:spMk id="9" creationId="{B11FA133-F035-4245-8E62-A414ADF52242}"/>
+          </ac:spMkLst>
+        </pc:spChg>
+        <pc:spChg chg="add del">
+          <ac:chgData name="Мария Савинова" userId="e24eaf7e9b1ed84c" providerId="LiveId" clId="{FBA2780E-5BE6-4AEE-8C8C-EA7D3EE18985}" dt="2024-09-23T08:04:07.918" v="1739" actId="22"/>
+          <ac:spMkLst>
+            <pc:docMk/>
+            <pc:sldMk cId="1268225968" sldId="270"/>
+            <ac:spMk id="14" creationId="{8455FD95-B63D-47A2-A031-D16D531B9D63}"/>
+          </ac:spMkLst>
+        </pc:spChg>
+        <pc:picChg chg="add del mod">
+          <ac:chgData name="Мария Савинова" userId="e24eaf7e9b1ed84c" providerId="LiveId" clId="{FBA2780E-5BE6-4AEE-8C8C-EA7D3EE18985}" dt="2024-09-23T08:03:29.403" v="1733"/>
+          <ac:picMkLst>
+            <pc:docMk/>
+            <pc:sldMk cId="1268225968" sldId="270"/>
+            <ac:picMk id="10" creationId="{C00D257A-41E4-46A0-ACE2-A71D549CBFE7}"/>
+          </ac:picMkLst>
+        </pc:picChg>
+        <pc:picChg chg="add mod">
+          <ac:chgData name="Мария Савинова" userId="e24eaf7e9b1ed84c" providerId="LiveId" clId="{FBA2780E-5BE6-4AEE-8C8C-EA7D3EE18985}" dt="2024-09-23T08:40:10.157" v="2021" actId="1076"/>
+          <ac:picMkLst>
+            <pc:docMk/>
+            <pc:sldMk cId="1268225968" sldId="270"/>
+            <ac:picMk id="12" creationId="{3F1EB2CD-076C-49FD-891B-CE588A6566AA}"/>
+          </ac:picMkLst>
+        </pc:picChg>
+      </pc:sldChg>
+      <pc:sldChg chg="addSp delSp modSp add mod">
+        <pc:chgData name="Мария Савинова" userId="e24eaf7e9b1ed84c" providerId="LiveId" clId="{FBA2780E-5BE6-4AEE-8C8C-EA7D3EE18985}" dt="2024-09-23T13:35:03.049" v="2398" actId="20577"/>
+        <pc:sldMkLst>
+          <pc:docMk/>
+          <pc:sldMk cId="1773754508" sldId="271"/>
+        </pc:sldMkLst>
+        <pc:spChg chg="mod">
+          <ac:chgData name="Мария Савинова" userId="e24eaf7e9b1ed84c" providerId="LiveId" clId="{FBA2780E-5BE6-4AEE-8C8C-EA7D3EE18985}" dt="2024-09-23T08:07:23.648" v="1794" actId="255"/>
+          <ac:spMkLst>
+            <pc:docMk/>
+            <pc:sldMk cId="1773754508" sldId="271"/>
+            <ac:spMk id="2" creationId="{00000000-0000-0000-0000-000000000000}"/>
+          </ac:spMkLst>
+        </pc:spChg>
+        <pc:spChg chg="add del mod">
+          <ac:chgData name="Мария Савинова" userId="e24eaf7e9b1ed84c" providerId="LiveId" clId="{FBA2780E-5BE6-4AEE-8C8C-EA7D3EE18985}" dt="2024-09-23T13:35:03.049" v="2398" actId="20577"/>
+          <ac:spMkLst>
+            <pc:docMk/>
+            <pc:sldMk cId="1773754508" sldId="271"/>
+            <ac:spMk id="3" creationId="{00000000-0000-0000-0000-000000000000}"/>
+          </ac:spMkLst>
+        </pc:spChg>
+        <pc:spChg chg="del">
+          <ac:chgData name="Мария Савинова" userId="e24eaf7e9b1ed84c" providerId="LiveId" clId="{FBA2780E-5BE6-4AEE-8C8C-EA7D3EE18985}" dt="2024-09-23T08:06:24.757" v="1769" actId="478"/>
+          <ac:spMkLst>
+            <pc:docMk/>
+            <pc:sldMk cId="1773754508" sldId="271"/>
+            <ac:spMk id="8" creationId="{957AA84F-8897-4933-85BC-FB0080066665}"/>
+          </ac:spMkLst>
+        </pc:spChg>
+        <pc:spChg chg="del">
+          <ac:chgData name="Мария Савинова" userId="e24eaf7e9b1ed84c" providerId="LiveId" clId="{FBA2780E-5BE6-4AEE-8C8C-EA7D3EE18985}" dt="2024-09-23T08:06:22.872" v="1768" actId="478"/>
+          <ac:spMkLst>
+            <pc:docMk/>
+            <pc:sldMk cId="1773754508" sldId="271"/>
+            <ac:spMk id="9" creationId="{791872D6-869B-4CA8-8997-4959251037CA}"/>
+          </ac:spMkLst>
+        </pc:spChg>
+        <pc:picChg chg="add del mod">
+          <ac:chgData name="Мария Савинова" userId="e24eaf7e9b1ed84c" providerId="LiveId" clId="{FBA2780E-5BE6-4AEE-8C8C-EA7D3EE18985}" dt="2024-09-23T08:06:31.055" v="1773"/>
+          <ac:picMkLst>
+            <pc:docMk/>
+            <pc:sldMk cId="1773754508" sldId="271"/>
+            <ac:picMk id="10" creationId="{678AC721-6BA4-411F-BA2E-6D9F59D48B97}"/>
+          </ac:picMkLst>
+        </pc:picChg>
+        <pc:picChg chg="add mod">
+          <ac:chgData name="Мария Савинова" userId="e24eaf7e9b1ed84c" providerId="LiveId" clId="{FBA2780E-5BE6-4AEE-8C8C-EA7D3EE18985}" dt="2024-09-23T08:09:57.257" v="1837" actId="1036"/>
+          <ac:picMkLst>
+            <pc:docMk/>
+            <pc:sldMk cId="1773754508" sldId="271"/>
+            <ac:picMk id="12" creationId="{2A08C81A-2C63-4BEA-AFBC-BCAD96A689FE}"/>
+          </ac:picMkLst>
+        </pc:picChg>
+      </pc:sldChg>
+      <pc:sldChg chg="addSp delSp modSp add mod">
+        <pc:chgData name="Мария Савинова" userId="e24eaf7e9b1ed84c" providerId="LiveId" clId="{FBA2780E-5BE6-4AEE-8C8C-EA7D3EE18985}" dt="2024-09-23T13:59:34.032" v="2782" actId="207"/>
+        <pc:sldMkLst>
+          <pc:docMk/>
+          <pc:sldMk cId="2214237742" sldId="272"/>
+        </pc:sldMkLst>
+        <pc:spChg chg="mod">
+          <ac:chgData name="Мария Савинова" userId="e24eaf7e9b1ed84c" providerId="LiveId" clId="{FBA2780E-5BE6-4AEE-8C8C-EA7D3EE18985}" dt="2024-09-23T13:21:47.680" v="2300" actId="1076"/>
+          <ac:spMkLst>
+            <pc:docMk/>
+            <pc:sldMk cId="2214237742" sldId="272"/>
+            <ac:spMk id="3" creationId="{00000000-0000-0000-0000-000000000000}"/>
+          </ac:spMkLst>
+        </pc:spChg>
+        <pc:spChg chg="add mod">
+          <ac:chgData name="Мария Савинова" userId="e24eaf7e9b1ed84c" providerId="LiveId" clId="{FBA2780E-5BE6-4AEE-8C8C-EA7D3EE18985}" dt="2024-09-23T13:59:34.032" v="2782" actId="207"/>
+          <ac:spMkLst>
+            <pc:docMk/>
+            <pc:sldMk cId="2214237742" sldId="272"/>
+            <ac:spMk id="8" creationId="{426C69A6-A2F1-40A8-B889-C63B1AE0A2E3}"/>
+          </ac:spMkLst>
+        </pc:spChg>
+        <pc:spChg chg="add mod">
+          <ac:chgData name="Мария Савинова" userId="e24eaf7e9b1ed84c" providerId="LiveId" clId="{FBA2780E-5BE6-4AEE-8C8C-EA7D3EE18985}" dt="2024-09-23T13:58:56.964" v="2776" actId="113"/>
+          <ac:spMkLst>
+            <pc:docMk/>
+            <pc:sldMk cId="2214237742" sldId="272"/>
+            <ac:spMk id="10" creationId="{CA34E12E-4C3B-42AE-966D-48234B6733F0}"/>
+          </ac:spMkLst>
+        </pc:spChg>
+        <pc:spChg chg="add mod">
+          <ac:chgData name="Мария Савинова" userId="e24eaf7e9b1ed84c" providerId="LiveId" clId="{FBA2780E-5BE6-4AEE-8C8C-EA7D3EE18985}" dt="2024-09-23T13:21:51.824" v="2301" actId="1076"/>
+          <ac:spMkLst>
+            <pc:docMk/>
+            <pc:sldMk cId="2214237742" sldId="272"/>
+            <ac:spMk id="13" creationId="{8EB44BDF-E5AA-4176-B86D-E881FC5501F9}"/>
+          </ac:spMkLst>
+        </pc:spChg>
+        <pc:picChg chg="del">
+          <ac:chgData name="Мария Савинова" userId="e24eaf7e9b1ed84c" providerId="LiveId" clId="{FBA2780E-5BE6-4AEE-8C8C-EA7D3EE18985}" dt="2024-09-23T13:15:02.408" v="2193" actId="478"/>
+          <ac:picMkLst>
+            <pc:docMk/>
+            <pc:sldMk cId="2214237742" sldId="272"/>
+            <ac:picMk id="12" creationId="{3F1EB2CD-076C-49FD-891B-CE588A6566AA}"/>
+          </ac:picMkLst>
+        </pc:picChg>
+      </pc:sldChg>
+      <pc:sldChg chg="addSp delSp modSp add mod">
+        <pc:chgData name="Мария Савинова" userId="e24eaf7e9b1ed84c" providerId="LiveId" clId="{FBA2780E-5BE6-4AEE-8C8C-EA7D3EE18985}" dt="2024-09-23T13:53:34.678" v="2765" actId="113"/>
+        <pc:sldMkLst>
+          <pc:docMk/>
+          <pc:sldMk cId="1900805023" sldId="273"/>
+        </pc:sldMkLst>
+        <pc:spChg chg="del">
+          <ac:chgData name="Мария Савинова" userId="e24eaf7e9b1ed84c" providerId="LiveId" clId="{FBA2780E-5BE6-4AEE-8C8C-EA7D3EE18985}" dt="2024-09-23T13:45:42.186" v="2576" actId="478"/>
+          <ac:spMkLst>
+            <pc:docMk/>
+            <pc:sldMk cId="1900805023" sldId="273"/>
+            <ac:spMk id="3" creationId="{00000000-0000-0000-0000-000000000000}"/>
+          </ac:spMkLst>
+        </pc:spChg>
+        <pc:spChg chg="add del mod">
+          <ac:chgData name="Мария Савинова" userId="e24eaf7e9b1ed84c" providerId="LiveId" clId="{FBA2780E-5BE6-4AEE-8C8C-EA7D3EE18985}" dt="2024-09-23T13:45:45.964" v="2577" actId="478"/>
+          <ac:spMkLst>
+            <pc:docMk/>
+            <pc:sldMk cId="1900805023" sldId="273"/>
+            <ac:spMk id="8" creationId="{1FBD23D8-F007-43CB-A718-A87BCA6167FF}"/>
+          </ac:spMkLst>
+        </pc:spChg>
+        <pc:spChg chg="add mod">
+          <ac:chgData name="Мария Савинова" userId="e24eaf7e9b1ed84c" providerId="LiveId" clId="{FBA2780E-5BE6-4AEE-8C8C-EA7D3EE18985}" dt="2024-09-23T13:52:03.735" v="2750" actId="1076"/>
+          <ac:spMkLst>
+            <pc:docMk/>
+            <pc:sldMk cId="1900805023" sldId="273"/>
+            <ac:spMk id="10" creationId="{3049AAE2-0EE3-40AC-9FED-85CBE02A672D}"/>
+          </ac:spMkLst>
+        </pc:spChg>
+        <pc:spChg chg="add mod">
+          <ac:chgData name="Мария Савинова" userId="e24eaf7e9b1ed84c" providerId="LiveId" clId="{FBA2780E-5BE6-4AEE-8C8C-EA7D3EE18985}" dt="2024-09-23T13:51:08.949" v="2734" actId="1076"/>
+          <ac:spMkLst>
+            <pc:docMk/>
+            <pc:sldMk cId="1900805023" sldId="273"/>
+            <ac:spMk id="11" creationId="{76337475-23D1-4EB1-8FFC-51C03BD43632}"/>
+          </ac:spMkLst>
+        </pc:spChg>
+        <pc:spChg chg="add del">
+          <ac:chgData name="Мария Савинова" userId="e24eaf7e9b1ed84c" providerId="LiveId" clId="{FBA2780E-5BE6-4AEE-8C8C-EA7D3EE18985}" dt="2024-09-23T13:51:13.459" v="2738" actId="22"/>
+          <ac:spMkLst>
+            <pc:docMk/>
+            <pc:sldMk cId="1900805023" sldId="273"/>
+            <ac:spMk id="13" creationId="{7BAE43B8-F987-4590-8C6D-2C724FB5FD19}"/>
+          </ac:spMkLst>
+        </pc:spChg>
+        <pc:spChg chg="add mod">
+          <ac:chgData name="Мария Савинова" userId="e24eaf7e9b1ed84c" providerId="LiveId" clId="{FBA2780E-5BE6-4AEE-8C8C-EA7D3EE18985}" dt="2024-09-23T13:51:55.972" v="2749" actId="113"/>
+          <ac:spMkLst>
+            <pc:docMk/>
+            <pc:sldMk cId="1900805023" sldId="273"/>
+            <ac:spMk id="15" creationId="{DBBD1D5E-2F8B-470B-BC72-613749FD3CF5}"/>
+          </ac:spMkLst>
+        </pc:spChg>
+        <pc:spChg chg="add mod">
+          <ac:chgData name="Мария Савинова" userId="e24eaf7e9b1ed84c" providerId="LiveId" clId="{FBA2780E-5BE6-4AEE-8C8C-EA7D3EE18985}" dt="2024-09-23T13:53:34.678" v="2765" actId="113"/>
+          <ac:spMkLst>
+            <pc:docMk/>
+            <pc:sldMk cId="1900805023" sldId="273"/>
+            <ac:spMk id="17" creationId="{264D8D5F-531F-41A4-9F4F-09CC7050E985}"/>
+          </ac:spMkLst>
+        </pc:spChg>
+        <pc:picChg chg="del">
+          <ac:chgData name="Мария Савинова" userId="e24eaf7e9b1ed84c" providerId="LiveId" clId="{FBA2780E-5BE6-4AEE-8C8C-EA7D3EE18985}" dt="2024-09-23T13:45:39.527" v="2575" actId="478"/>
+          <ac:picMkLst>
+            <pc:docMk/>
+            <pc:sldMk cId="1900805023" sldId="273"/>
+            <ac:picMk id="12" creationId="{2A08C81A-2C63-4BEA-AFBC-BCAD96A689FE}"/>
+          </ac:picMkLst>
+        </pc:picChg>
+      </pc:sldChg>
+    </pc:docChg>
+  </pc:docChgLst>
+  <pc:docChgLst>
+    <pc:chgData name="Мария Савинова" userId="e24eaf7e9b1ed84c" providerId="LiveId" clId="{68FAC86A-2F91-4513-9991-B2223732D39B}"/>
+    <pc:docChg chg="undo redo custSel addSld modSld">
+      <pc:chgData name="Мария Савинова" userId="e24eaf7e9b1ed84c" providerId="LiveId" clId="{68FAC86A-2F91-4513-9991-B2223732D39B}" dt="2024-10-27T07:15:09.504" v="216" actId="729"/>
+      <pc:docMkLst>
+        <pc:docMk/>
+      </pc:docMkLst>
+      <pc:sldChg chg="modSp mod">
+        <pc:chgData name="Мария Савинова" userId="e24eaf7e9b1ed84c" providerId="LiveId" clId="{68FAC86A-2F91-4513-9991-B2223732D39B}" dt="2024-10-27T07:11:02.831" v="100" actId="20577"/>
+        <pc:sldMkLst>
+          <pc:docMk/>
+          <pc:sldMk cId="967994007" sldId="256"/>
+        </pc:sldMkLst>
+        <pc:spChg chg="mod">
+          <ac:chgData name="Мария Савинова" userId="e24eaf7e9b1ed84c" providerId="LiveId" clId="{68FAC86A-2F91-4513-9991-B2223732D39B}" dt="2024-10-27T07:11:02.831" v="100" actId="20577"/>
+          <ac:spMkLst>
+            <pc:docMk/>
+            <pc:sldMk cId="967994007" sldId="256"/>
+            <ac:spMk id="10" creationId="{00000000-0000-0000-0000-000000000000}"/>
+          </ac:spMkLst>
+        </pc:spChg>
+      </pc:sldChg>
+      <pc:sldChg chg="addSp delSp mod modShow">
+        <pc:chgData name="Мария Савинова" userId="e24eaf7e9b1ed84c" providerId="LiveId" clId="{68FAC86A-2F91-4513-9991-B2223732D39B}" dt="2024-10-27T07:15:09.504" v="216" actId="729"/>
+        <pc:sldMkLst>
+          <pc:docMk/>
+          <pc:sldMk cId="2023720995" sldId="269"/>
+        </pc:sldMkLst>
+        <pc:spChg chg="add del">
+          <ac:chgData name="Мария Савинова" userId="e24eaf7e9b1ed84c" providerId="LiveId" clId="{68FAC86A-2F91-4513-9991-B2223732D39B}" dt="2024-10-26T17:59:39.106" v="2" actId="22"/>
+          <ac:spMkLst>
+            <pc:docMk/>
+            <pc:sldMk cId="2023720995" sldId="269"/>
+            <ac:spMk id="8" creationId="{2769A22D-AB78-4E7B-B80A-A12EC4CDC2C3}"/>
+          </ac:spMkLst>
+        </pc:spChg>
+      </pc:sldChg>
+      <pc:sldChg chg="modSp add mod modShow">
+        <pc:chgData name="Мария Савинова" userId="e24eaf7e9b1ed84c" providerId="LiveId" clId="{68FAC86A-2F91-4513-9991-B2223732D39B}" dt="2024-10-27T07:15:05.847" v="215" actId="729"/>
+        <pc:sldMkLst>
+          <pc:docMk/>
+          <pc:sldMk cId="647362323" sldId="276"/>
+        </pc:sldMkLst>
+        <pc:spChg chg="mod">
+          <ac:chgData name="Мария Савинова" userId="e24eaf7e9b1ed84c" providerId="LiveId" clId="{68FAC86A-2F91-4513-9991-B2223732D39B}" dt="2024-10-26T18:18:09.393" v="47" actId="14100"/>
+          <ac:spMkLst>
+            <pc:docMk/>
+            <pc:sldMk cId="647362323" sldId="276"/>
+            <ac:spMk id="2" creationId="{00000000-0000-0000-0000-000000000000}"/>
+          </ac:spMkLst>
+        </pc:spChg>
+        <pc:spChg chg="mod">
+          <ac:chgData name="Мария Савинова" userId="e24eaf7e9b1ed84c" providerId="LiveId" clId="{68FAC86A-2F91-4513-9991-B2223732D39B}" dt="2024-10-27T07:13:26.281" v="214" actId="20577"/>
+          <ac:spMkLst>
+            <pc:docMk/>
+            <pc:sldMk cId="647362323" sldId="276"/>
+            <ac:spMk id="3" creationId="{00000000-0000-0000-0000-000000000000}"/>
+          </ac:spMkLst>
+        </pc:spChg>
+      </pc:sldChg>
+    </pc:docChg>
+  </pc:docChgLst>
 </pc:chgInfo>
 </file>
 
@@ -1535,7 +1598,7 @@
             <a:fld id="{C65AC966-90DC-47D7-B999-4B8AD4DFB48E}" type="datetimeFigureOut">
               <a:rPr lang="ru-RU" smtClean="0"/>
               <a:pPr/>
-              <a:t>01.10.2024</a:t>
+              <a:t>27.10.2024</a:t>
             </a:fld>
             <a:endParaRPr lang="ru-RU" dirty="0"/>
           </a:p>
@@ -2301,6 +2364,90 @@
     </p:spTree>
     <p:extLst>
       <p:ext uri="{BB962C8B-B14F-4D97-AF65-F5344CB8AC3E}">
+        <p14:creationId xmlns:p14="http://schemas.microsoft.com/office/powerpoint/2010/main" val="824391904"/>
+      </p:ext>
+    </p:extLst>
+  </p:cSld>
+  <p:clrMapOvr>
+    <a:masterClrMapping/>
+  </p:clrMapOvr>
+</p:notes>
+</file>
+
+<file path=ppt/notesSlides/notesSlide15.xml><?xml version="1.0" encoding="utf-8"?>
+<p:notes xmlns:a="http://schemas.openxmlformats.org/drawingml/2006/main" xmlns:r="http://schemas.openxmlformats.org/officeDocument/2006/relationships" xmlns:p="http://schemas.openxmlformats.org/presentationml/2006/main">
+  <p:cSld>
+    <p:spTree>
+      <p:nvGrpSpPr>
+        <p:cNvPr id="1" name=""/>
+        <p:cNvGrpSpPr/>
+        <p:nvPr/>
+      </p:nvGrpSpPr>
+      <p:grpSpPr>
+        <a:xfrm>
+          <a:off x="0" y="0"/>
+          <a:ext cx="0" cy="0"/>
+          <a:chOff x="0" y="0"/>
+          <a:chExt cx="0" cy="0"/>
+        </a:xfrm>
+      </p:grpSpPr>
+      <p:sp>
+        <p:nvSpPr>
+          <p:cNvPr id="2" name="Образ слайда 1"/>
+          <p:cNvSpPr>
+            <a:spLocks noGrp="1" noRot="1" noChangeAspect="1"/>
+          </p:cNvSpPr>
+          <p:nvPr>
+            <p:ph type="sldImg"/>
+          </p:nvPr>
+        </p:nvSpPr>
+        <p:spPr/>
+      </p:sp>
+      <p:sp>
+        <p:nvSpPr>
+          <p:cNvPr id="3" name="Заметки 2"/>
+          <p:cNvSpPr>
+            <a:spLocks noGrp="1"/>
+          </p:cNvSpPr>
+          <p:nvPr>
+            <p:ph type="body" idx="1"/>
+          </p:nvPr>
+        </p:nvSpPr>
+        <p:spPr/>
+        <p:txBody>
+          <a:bodyPr/>
+          <a:lstStyle/>
+          <a:p>
+            <a:endParaRPr lang="ru-RU"/>
+          </a:p>
+        </p:txBody>
+      </p:sp>
+      <p:sp>
+        <p:nvSpPr>
+          <p:cNvPr id="4" name="Номер слайда 3"/>
+          <p:cNvSpPr>
+            <a:spLocks noGrp="1"/>
+          </p:cNvSpPr>
+          <p:nvPr>
+            <p:ph type="sldNum" sz="quarter" idx="10"/>
+          </p:nvPr>
+        </p:nvSpPr>
+        <p:spPr/>
+        <p:txBody>
+          <a:bodyPr/>
+          <a:lstStyle/>
+          <a:p>
+            <a:fld id="{2C580A59-B265-4FF3-9170-5C16494D3846}" type="slidenum">
+              <a:rPr lang="ru-RU" smtClean="0"/>
+              <a:t>15</a:t>
+            </a:fld>
+            <a:endParaRPr lang="ru-RU"/>
+          </a:p>
+        </p:txBody>
+      </p:sp>
+    </p:spTree>
+    <p:extLst>
+      <p:ext uri="{BB962C8B-B14F-4D97-AF65-F5344CB8AC3E}">
         <p14:creationId xmlns:p14="http://schemas.microsoft.com/office/powerpoint/2010/main" val="2130478481"/>
       </p:ext>
     </p:extLst>
@@ -3112,7 +3259,7 @@
           <a:p>
             <a:fld id="{ECC89CEC-ADFD-4489-90FF-547616DBC041}" type="datetime1">
               <a:rPr lang="ru-RU" smtClean="0"/>
-              <a:t>01.10.2024</a:t>
+              <a:t>27.10.2024</a:t>
             </a:fld>
             <a:endParaRPr lang="ru-RU"/>
           </a:p>
@@ -3283,7 +3430,7 @@
           <a:p>
             <a:fld id="{86B7BB86-73CF-40D4-8C7F-CA234FF7A1EB}" type="datetime1">
               <a:rPr lang="ru-RU" smtClean="0"/>
-              <a:t>01.10.2024</a:t>
+              <a:t>27.10.2024</a:t>
             </a:fld>
             <a:endParaRPr lang="ru-RU"/>
           </a:p>
@@ -3464,7 +3611,7 @@
           <a:p>
             <a:fld id="{36B73C63-5989-47F0-8A38-867659112843}" type="datetime1">
               <a:rPr lang="ru-RU" smtClean="0"/>
-              <a:t>01.10.2024</a:t>
+              <a:t>27.10.2024</a:t>
             </a:fld>
             <a:endParaRPr lang="ru-RU"/>
           </a:p>
@@ -3635,7 +3782,7 @@
           <a:p>
             <a:fld id="{3BF531FB-401D-4CE6-8E3E-F90EF76016F4}" type="datetime1">
               <a:rPr lang="ru-RU" smtClean="0"/>
-              <a:t>01.10.2024</a:t>
+              <a:t>27.10.2024</a:t>
             </a:fld>
             <a:endParaRPr lang="ru-RU"/>
           </a:p>
@@ -3883,7 +4030,7 @@
           <a:p>
             <a:fld id="{90C6E959-BFD7-4835-A209-4198B71FE91E}" type="datetime1">
               <a:rPr lang="ru-RU" smtClean="0"/>
-              <a:t>01.10.2024</a:t>
+              <a:t>27.10.2024</a:t>
             </a:fld>
             <a:endParaRPr lang="ru-RU"/>
           </a:p>
@@ -4115,7 +4262,7 @@
           <a:p>
             <a:fld id="{523FC2E9-7EB8-4737-8E9A-9590B7C8EA3D}" type="datetime1">
               <a:rPr lang="ru-RU" smtClean="0"/>
-              <a:t>01.10.2024</a:t>
+              <a:t>27.10.2024</a:t>
             </a:fld>
             <a:endParaRPr lang="ru-RU"/>
           </a:p>
@@ -4482,7 +4629,7 @@
           <a:p>
             <a:fld id="{AD9897CF-2BDA-410D-933A-6B9BAFD70E05}" type="datetime1">
               <a:rPr lang="ru-RU" smtClean="0"/>
-              <a:t>01.10.2024</a:t>
+              <a:t>27.10.2024</a:t>
             </a:fld>
             <a:endParaRPr lang="ru-RU"/>
           </a:p>
@@ -4602,7 +4749,7 @@
           <a:p>
             <a:fld id="{417622BC-58AC-4A2D-91CE-B90BE15D141D}" type="datetime1">
               <a:rPr lang="ru-RU" smtClean="0"/>
-              <a:t>01.10.2024</a:t>
+              <a:t>27.10.2024</a:t>
             </a:fld>
             <a:endParaRPr lang="ru-RU"/>
           </a:p>
@@ -4700,7 +4847,7 @@
           <a:p>
             <a:fld id="{2DD411C1-03FD-4174-8B29-1952A17761AD}" type="datetime1">
               <a:rPr lang="ru-RU" smtClean="0"/>
-              <a:t>01.10.2024</a:t>
+              <a:t>27.10.2024</a:t>
             </a:fld>
             <a:endParaRPr lang="ru-RU"/>
           </a:p>
@@ -4978,7 +5125,7 @@
           <a:p>
             <a:fld id="{8CD6FCDF-025A-4558-B7C0-9D70D2EBCE6F}" type="datetime1">
               <a:rPr lang="ru-RU" smtClean="0"/>
-              <a:t>01.10.2024</a:t>
+              <a:t>27.10.2024</a:t>
             </a:fld>
             <a:endParaRPr lang="ru-RU"/>
           </a:p>
@@ -5233,7 +5380,7 @@
           <a:p>
             <a:fld id="{4636EB14-F614-45DD-AF15-06D5CD69D646}" type="datetime1">
               <a:rPr lang="ru-RU" smtClean="0"/>
-              <a:t>01.10.2024</a:t>
+              <a:t>27.10.2024</a:t>
             </a:fld>
             <a:endParaRPr lang="ru-RU"/>
           </a:p>
@@ -5449,7 +5596,7 @@
             <a:fld id="{149376B8-C295-4A7D-87DF-C95CA526DB0A}" type="datetime1">
               <a:rPr lang="ru-RU" smtClean="0"/>
               <a:pPr/>
-              <a:t>01.10.2024</a:t>
+              <a:t>27.10.2024</a:t>
             </a:fld>
             <a:endParaRPr lang="ru-RU" dirty="0"/>
           </a:p>
@@ -6226,7 +6373,7 @@
                 </a:solidFill>
                 <a:latin typeface="Montserrat" panose="00000500000000000000" pitchFamily="2" charset="0"/>
               </a:rPr>
-              <a:t>студент(ка) группы ИУ7-71Б</a:t>
+              <a:t>студент группы ИУ7-71Б</a:t>
             </a:r>
             <a:endParaRPr kumimoji="0" lang="en-US" altLang="ru-RU" sz="2000" dirty="0">
               <a:solidFill>
@@ -7518,6 +7665,544 @@
       </p:grpSpPr>
       <p:sp>
         <p:nvSpPr>
+          <p:cNvPr id="2" name="Заголовок 1"/>
+          <p:cNvSpPr>
+            <a:spLocks noGrp="1"/>
+          </p:cNvSpPr>
+          <p:nvPr>
+            <p:ph type="title"/>
+          </p:nvPr>
+        </p:nvSpPr>
+        <p:spPr>
+          <a:xfrm>
+            <a:off x="838200" y="1039528"/>
+            <a:ext cx="8813800" cy="651160"/>
+          </a:xfrm>
+        </p:spPr>
+        <p:txBody>
+          <a:bodyPr>
+            <a:normAutofit fontScale="90000"/>
+          </a:bodyPr>
+          <a:lstStyle/>
+          <a:p>
+            <a:r>
+              <a:rPr lang="ru-RU" b="1" dirty="0">
+                <a:solidFill>
+                  <a:srgbClr val="326CDB"/>
+                </a:solidFill>
+                <a:latin typeface="Montserrat" panose="00000500000000000000" pitchFamily="2" charset="0"/>
+                <a:cs typeface="Arial" panose="020B0604020202020204" pitchFamily="34" charset="0"/>
+              </a:rPr>
+              <a:t>Список использованных источников</a:t>
+            </a:r>
+          </a:p>
+        </p:txBody>
+      </p:sp>
+      <p:sp>
+        <p:nvSpPr>
+          <p:cNvPr id="3" name="Объект 2"/>
+          <p:cNvSpPr>
+            <a:spLocks noGrp="1"/>
+          </p:cNvSpPr>
+          <p:nvPr>
+            <p:ph idx="1"/>
+          </p:nvPr>
+        </p:nvSpPr>
+        <p:spPr/>
+        <p:txBody>
+          <a:bodyPr anchor="ctr">
+            <a:normAutofit/>
+          </a:bodyPr>
+          <a:lstStyle/>
+          <a:p>
+            <a:pPr>
+              <a:lnSpc>
+                <a:spcPct val="150000"/>
+              </a:lnSpc>
+            </a:pPr>
+            <a:r>
+              <a:rPr lang="ru-RU" sz="1300" dirty="0" err="1"/>
+              <a:t>Амангелди</a:t>
+            </a:r>
+            <a:r>
+              <a:rPr lang="ru-RU" sz="1300" dirty="0"/>
+              <a:t> Х., </a:t>
+            </a:r>
+            <a:r>
+              <a:rPr lang="ru-RU" sz="1300" dirty="0" err="1"/>
+              <a:t>Вепаберди</a:t>
+            </a:r>
+            <a:r>
+              <a:rPr lang="ru-RU" sz="1300" dirty="0"/>
+              <a:t> Д., </a:t>
+            </a:r>
+            <a:r>
+              <a:rPr lang="ru-RU" sz="1300" dirty="0" err="1"/>
+              <a:t>Реджепдурды</a:t>
+            </a:r>
+            <a:r>
+              <a:rPr lang="ru-RU" sz="1300" dirty="0"/>
+              <a:t> Г. </a:t>
+            </a:r>
+            <a:r>
+              <a:rPr lang="ru-RU" sz="1300" i="1" dirty="0"/>
+              <a:t>Цена, ее виды, факторы влияющие на цену.</a:t>
+            </a:r>
+            <a:r>
+              <a:rPr lang="ru-RU" sz="1300" dirty="0"/>
+              <a:t> — [Электронный ресурс]. — Режим доступа: </a:t>
+            </a:r>
+            <a:r>
+              <a:rPr lang="ru-RU" sz="1300" dirty="0">
+                <a:hlinkClick r:id="rId3"/>
+              </a:rPr>
+              <a:t>https://cyberleninka.ru/article/n/tsena-ee-vidy-faktory-vliyayuschiena-tsenu</a:t>
+            </a:r>
+            <a:r>
+              <a:rPr lang="ru-RU" sz="1300" dirty="0"/>
+              <a:t> 		                  </a:t>
+            </a:r>
+            <a:r>
+              <a:rPr lang="ru-RU" sz="1300" b="1" dirty="0"/>
+              <a:t>(Дата обращения: 30.09.2024 г.)</a:t>
+            </a:r>
+            <a:endParaRPr lang="ru-RU" sz="1300" b="1" dirty="0">
+              <a:latin typeface="Montserrat" panose="00000500000000000000" pitchFamily="2" charset="0"/>
+            </a:endParaRPr>
+          </a:p>
+          <a:p>
+            <a:pPr>
+              <a:lnSpc>
+                <a:spcPct val="150000"/>
+              </a:lnSpc>
+            </a:pPr>
+            <a:r>
+              <a:rPr lang="ru-RU" sz="1300" dirty="0" err="1"/>
+              <a:t>Жильцова</a:t>
+            </a:r>
+            <a:r>
+              <a:rPr lang="ru-RU" sz="1300" dirty="0"/>
+              <a:t> Э. Л. </a:t>
+            </a:r>
+            <a:r>
+              <a:rPr lang="ru-RU" sz="1300" i="1" dirty="0"/>
+              <a:t>Цена в условиях рынка. Функции цен.</a:t>
+            </a:r>
+            <a:r>
+              <a:rPr lang="ru-RU" sz="1300" dirty="0"/>
+              <a:t> — [Электронный ресурс]. — Режим доступа: </a:t>
+            </a:r>
+            <a:r>
+              <a:rPr lang="ru-RU" sz="1300" dirty="0">
+                <a:hlinkClick r:id="rId3"/>
+              </a:rPr>
+              <a:t>https://cyberleninka.ru/article/n/tsenyv-usloviyah-rynka-funktsii-tsen</a:t>
+            </a:r>
+            <a:r>
+              <a:rPr lang="ru-RU" sz="1300" dirty="0"/>
+              <a:t> </a:t>
+            </a:r>
+            <a:r>
+              <a:rPr lang="ru-RU" sz="1300" b="1" dirty="0"/>
+              <a:t>(Дата обращения: 30.09.2024 г.)</a:t>
+            </a:r>
+            <a:endParaRPr lang="ru-RU" sz="1300" b="1" dirty="0">
+              <a:latin typeface="Montserrat" panose="00000500000000000000" pitchFamily="2" charset="0"/>
+            </a:endParaRPr>
+          </a:p>
+          <a:p>
+            <a:pPr>
+              <a:lnSpc>
+                <a:spcPct val="150000"/>
+              </a:lnSpc>
+            </a:pPr>
+            <a:r>
+              <a:rPr lang="ru-RU" sz="1300" dirty="0">
+                <a:solidFill>
+                  <a:schemeClr val="tx1">
+                    <a:lumMod val="95000"/>
+                    <a:lumOff val="5000"/>
+                  </a:schemeClr>
+                </a:solidFill>
+                <a:latin typeface="Montserrat" panose="00000500000000000000" pitchFamily="2" charset="0"/>
+              </a:rPr>
+              <a:t>Ковалева Н. В</a:t>
+            </a:r>
+            <a:r>
+              <a:rPr lang="ru-RU" sz="1300" i="1" dirty="0">
+                <a:solidFill>
+                  <a:schemeClr val="tx1">
+                    <a:lumMod val="95000"/>
+                    <a:lumOff val="5000"/>
+                  </a:schemeClr>
+                </a:solidFill>
+                <a:latin typeface="Montserrat" panose="00000500000000000000" pitchFamily="2" charset="0"/>
+              </a:rPr>
+              <a:t>. Потребительский рынок.</a:t>
+            </a:r>
+            <a:r>
+              <a:rPr lang="ru-RU" sz="1300" dirty="0">
+                <a:solidFill>
+                  <a:schemeClr val="tx1">
+                    <a:lumMod val="95000"/>
+                    <a:lumOff val="5000"/>
+                  </a:schemeClr>
+                </a:solidFill>
+                <a:latin typeface="Montserrat" panose="00000500000000000000" pitchFamily="2" charset="0"/>
+              </a:rPr>
+              <a:t> — [Электронный ресурс]. — Режим доступа: </a:t>
+            </a:r>
+            <a:r>
+              <a:rPr lang="ru-RU" sz="1300" dirty="0">
+                <a:solidFill>
+                  <a:schemeClr val="tx1">
+                    <a:lumMod val="95000"/>
+                    <a:lumOff val="5000"/>
+                  </a:schemeClr>
+                </a:solidFill>
+                <a:latin typeface="Montserrat" panose="00000500000000000000" pitchFamily="2" charset="0"/>
+                <a:hlinkClick r:id="rId4"/>
+              </a:rPr>
+              <a:t>https://cyberleninka.ru/article/n/potrebitelskiyrynok</a:t>
+            </a:r>
+            <a:r>
+              <a:rPr lang="ru-RU" sz="1300" dirty="0">
+                <a:solidFill>
+                  <a:schemeClr val="tx1">
+                    <a:lumMod val="95000"/>
+                    <a:lumOff val="5000"/>
+                  </a:schemeClr>
+                </a:solidFill>
+                <a:latin typeface="Montserrat" panose="00000500000000000000" pitchFamily="2" charset="0"/>
+              </a:rPr>
+              <a:t> </a:t>
+            </a:r>
+            <a:r>
+              <a:rPr lang="ru-RU" sz="1300" b="1" dirty="0">
+                <a:solidFill>
+                  <a:schemeClr val="tx1">
+                    <a:lumMod val="95000"/>
+                    <a:lumOff val="5000"/>
+                  </a:schemeClr>
+                </a:solidFill>
+                <a:latin typeface="Montserrat" panose="00000500000000000000" pitchFamily="2" charset="0"/>
+              </a:rPr>
+              <a:t>(Дата обращения: 30.09.2024 г.)</a:t>
+            </a:r>
+          </a:p>
+          <a:p>
+            <a:pPr>
+              <a:lnSpc>
+                <a:spcPct val="150000"/>
+              </a:lnSpc>
+            </a:pPr>
+            <a:r>
+              <a:rPr lang="ru-RU" sz="1300" dirty="0" err="1">
+                <a:solidFill>
+                  <a:schemeClr val="tx1">
+                    <a:lumMod val="95000"/>
+                    <a:lumOff val="5000"/>
+                  </a:schemeClr>
+                </a:solidFill>
+                <a:latin typeface="Montserrat" panose="00000500000000000000" pitchFamily="2" charset="0"/>
+              </a:rPr>
+              <a:t>Кривенда</a:t>
+            </a:r>
+            <a:r>
+              <a:rPr lang="ru-RU" sz="1300" dirty="0">
+                <a:solidFill>
+                  <a:schemeClr val="tx1">
+                    <a:lumMod val="95000"/>
+                    <a:lumOff val="5000"/>
+                  </a:schemeClr>
+                </a:solidFill>
+                <a:latin typeface="Montserrat" panose="00000500000000000000" pitchFamily="2" charset="0"/>
+              </a:rPr>
+              <a:t> Е. А. </a:t>
+            </a:r>
+            <a:r>
+              <a:rPr lang="ru-RU" sz="1300" i="1" dirty="0">
+                <a:solidFill>
+                  <a:schemeClr val="tx1">
+                    <a:lumMod val="95000"/>
+                    <a:lumOff val="5000"/>
+                  </a:schemeClr>
+                </a:solidFill>
+                <a:latin typeface="Montserrat" panose="00000500000000000000" pitchFamily="2" charset="0"/>
+              </a:rPr>
+              <a:t>Конкурентоспособность и ее роль в рыночной экономике.</a:t>
+            </a:r>
+            <a:r>
+              <a:rPr lang="ru-RU" sz="1300" dirty="0">
+                <a:solidFill>
+                  <a:schemeClr val="tx1">
+                    <a:lumMod val="95000"/>
+                    <a:lumOff val="5000"/>
+                  </a:schemeClr>
+                </a:solidFill>
+                <a:latin typeface="Montserrat" panose="00000500000000000000" pitchFamily="2" charset="0"/>
+              </a:rPr>
+              <a:t> — Электронный ресурс]. — Режим доступа: </a:t>
+            </a:r>
+            <a:r>
+              <a:rPr lang="ru-RU" sz="1300" dirty="0">
+                <a:solidFill>
+                  <a:schemeClr val="tx1">
+                    <a:lumMod val="95000"/>
+                    <a:lumOff val="5000"/>
+                  </a:schemeClr>
+                </a:solidFill>
+                <a:latin typeface="Montserrat" panose="00000500000000000000" pitchFamily="2" charset="0"/>
+                <a:hlinkClick r:id="rId5"/>
+              </a:rPr>
+              <a:t>https://cyberleninka.ru/article/n/konkurentosposobnost-i-eyo-rol-v-rynochnoy-ekonomike</a:t>
+            </a:r>
+            <a:r>
+              <a:rPr lang="ru-RU" sz="1300" dirty="0">
+                <a:solidFill>
+                  <a:schemeClr val="tx1">
+                    <a:lumMod val="95000"/>
+                    <a:lumOff val="5000"/>
+                  </a:schemeClr>
+                </a:solidFill>
+                <a:latin typeface="Montserrat" panose="00000500000000000000" pitchFamily="2" charset="0"/>
+              </a:rPr>
+              <a:t>     </a:t>
+            </a:r>
+            <a:r>
+              <a:rPr lang="ru-RU" sz="1300" b="1" dirty="0">
+                <a:solidFill>
+                  <a:schemeClr val="tx1">
+                    <a:lumMod val="95000"/>
+                    <a:lumOff val="5000"/>
+                  </a:schemeClr>
+                </a:solidFill>
+                <a:latin typeface="Montserrat" panose="00000500000000000000" pitchFamily="2" charset="0"/>
+              </a:rPr>
+              <a:t>                             (Дата обращения: 01.10.2024 г.)</a:t>
+            </a:r>
+          </a:p>
+          <a:p>
+            <a:pPr>
+              <a:lnSpc>
+                <a:spcPct val="150000"/>
+              </a:lnSpc>
+            </a:pPr>
+            <a:r>
+              <a:rPr lang="ru-RU" sz="1300" dirty="0">
+                <a:solidFill>
+                  <a:schemeClr val="tx1">
+                    <a:lumMod val="95000"/>
+                    <a:lumOff val="5000"/>
+                  </a:schemeClr>
+                </a:solidFill>
+                <a:latin typeface="Montserrat" panose="00000500000000000000" pitchFamily="2" charset="0"/>
+              </a:rPr>
+              <a:t>Смирнова Н. И. </a:t>
+            </a:r>
+            <a:r>
+              <a:rPr lang="ru-RU" sz="1300" i="1" dirty="0">
+                <a:solidFill>
+                  <a:schemeClr val="tx1">
+                    <a:lumMod val="95000"/>
+                    <a:lumOff val="5000"/>
+                  </a:schemeClr>
+                </a:solidFill>
+                <a:latin typeface="Montserrat" panose="00000500000000000000" pitchFamily="2" charset="0"/>
+              </a:rPr>
+              <a:t>Управление затратами - метод «</a:t>
+            </a:r>
+            <a:r>
+              <a:rPr lang="ru-RU" sz="1300" i="1" dirty="0" err="1">
+                <a:solidFill>
+                  <a:schemeClr val="tx1">
+                    <a:lumMod val="95000"/>
+                    <a:lumOff val="5000"/>
+                  </a:schemeClr>
+                </a:solidFill>
+                <a:latin typeface="Montserrat" panose="00000500000000000000" pitchFamily="2" charset="0"/>
+              </a:rPr>
+              <a:t>таргет-костинг</a:t>
+            </a:r>
+            <a:r>
+              <a:rPr lang="ru-RU" sz="1300" i="1" dirty="0">
+                <a:solidFill>
+                  <a:schemeClr val="tx1">
+                    <a:lumMod val="95000"/>
+                    <a:lumOff val="5000"/>
+                  </a:schemeClr>
+                </a:solidFill>
+                <a:latin typeface="Montserrat" panose="00000500000000000000" pitchFamily="2" charset="0"/>
+              </a:rPr>
+              <a:t>»</a:t>
+            </a:r>
+            <a:r>
+              <a:rPr lang="ru-RU" sz="1300" dirty="0">
+                <a:solidFill>
+                  <a:schemeClr val="tx1">
+                    <a:lumMod val="95000"/>
+                    <a:lumOff val="5000"/>
+                  </a:schemeClr>
+                </a:solidFill>
+                <a:latin typeface="Montserrat" panose="00000500000000000000" pitchFamily="2" charset="0"/>
+              </a:rPr>
+              <a:t>. — [Электронный ресурс]. — Режим доступа: </a:t>
+            </a:r>
+            <a:r>
+              <a:rPr lang="en-US" sz="1300" dirty="0">
+                <a:solidFill>
+                  <a:schemeClr val="tx1">
+                    <a:lumMod val="95000"/>
+                    <a:lumOff val="5000"/>
+                  </a:schemeClr>
+                </a:solidFill>
+                <a:latin typeface="Montserrat" panose="00000500000000000000" pitchFamily="2" charset="0"/>
+                <a:hlinkClick r:id="rId6"/>
+              </a:rPr>
+              <a:t>https://cyberleninka.ru/article/n/upravlenie-zatratami-metod-target-kosting</a:t>
+            </a:r>
+            <a:r>
+              <a:rPr lang="ru-RU" sz="1300" b="1" dirty="0">
+                <a:solidFill>
+                  <a:schemeClr val="tx1">
+                    <a:lumMod val="95000"/>
+                    <a:lumOff val="5000"/>
+                  </a:schemeClr>
+                </a:solidFill>
+                <a:latin typeface="Montserrat" panose="00000500000000000000" pitchFamily="2" charset="0"/>
+              </a:rPr>
+              <a:t> (Дата обращения:30.09.2024 г.)</a:t>
+            </a:r>
+          </a:p>
+        </p:txBody>
+      </p:sp>
+      <p:sp>
+        <p:nvSpPr>
+          <p:cNvPr id="4" name="Нижний колонтитул 3"/>
+          <p:cNvSpPr>
+            <a:spLocks noGrp="1"/>
+          </p:cNvSpPr>
+          <p:nvPr>
+            <p:ph type="ftr" sz="quarter" idx="11"/>
+          </p:nvPr>
+        </p:nvSpPr>
+        <p:spPr/>
+        <p:txBody>
+          <a:bodyPr/>
+          <a:lstStyle/>
+          <a:p>
+            <a:r>
+              <a:rPr lang="ru-RU" dirty="0">
+                <a:latin typeface="Montserrat" panose="00000500000000000000" pitchFamily="2" charset="0"/>
+                <a:cs typeface="Arial" panose="020B0604020202020204" pitchFamily="34" charset="0"/>
+              </a:rPr>
+              <a:t>МГТУ им. Н.Э. Баумана, ИУ7 – «Программное обеспечение ЭВМ и информационные технологии»</a:t>
+            </a:r>
+          </a:p>
+        </p:txBody>
+      </p:sp>
+      <p:sp>
+        <p:nvSpPr>
+          <p:cNvPr id="5" name="Номер слайда 4"/>
+          <p:cNvSpPr>
+            <a:spLocks noGrp="1"/>
+          </p:cNvSpPr>
+          <p:nvPr>
+            <p:ph type="sldNum" sz="quarter" idx="12"/>
+          </p:nvPr>
+        </p:nvSpPr>
+        <p:spPr/>
+        <p:txBody>
+          <a:bodyPr/>
+          <a:lstStyle/>
+          <a:p>
+            <a:fld id="{9415E33C-F962-4E59-AF47-C3576160EA36}" type="slidenum">
+              <a:rPr lang="ru-RU" smtClean="0"/>
+              <a:t>14</a:t>
+            </a:fld>
+            <a:endParaRPr lang="ru-RU"/>
+          </a:p>
+        </p:txBody>
+      </p:sp>
+      <p:pic>
+        <p:nvPicPr>
+          <p:cNvPr id="7" name="Picture 2" descr="image">
+            <a:extLst>
+              <a:ext uri="{FF2B5EF4-FFF2-40B4-BE49-F238E27FC236}">
+                <a16:creationId xmlns:a16="http://schemas.microsoft.com/office/drawing/2014/main" id="{CFC6836E-3700-421C-8822-6708949CADCA}"/>
+              </a:ext>
+            </a:extLst>
+          </p:cNvPr>
+          <p:cNvPicPr>
+            <a:picLocks noChangeAspect="1" noChangeArrowheads="1"/>
+          </p:cNvPicPr>
+          <p:nvPr/>
+        </p:nvPicPr>
+        <p:blipFill>
+          <a:blip r:embed="rId7" cstate="print">
+            <a:extLst>
+              <a:ext uri="{28A0092B-C50C-407E-A947-70E740481C1C}">
+                <a14:useLocalDpi xmlns:a14="http://schemas.microsoft.com/office/drawing/2010/main" val="0"/>
+              </a:ext>
+            </a:extLst>
+          </a:blip>
+          <a:srcRect/>
+          <a:stretch>
+            <a:fillRect/>
+          </a:stretch>
+        </p:blipFill>
+        <p:spPr bwMode="auto">
+          <a:xfrm>
+            <a:off x="10193246" y="360436"/>
+            <a:ext cx="1520954" cy="1520954"/>
+          </a:xfrm>
+          <a:prstGeom prst="rect">
+            <a:avLst/>
+          </a:prstGeom>
+          <a:noFill/>
+          <a:extLst>
+            <a:ext uri="{909E8E84-426E-40DD-AFC4-6F175D3DCCD1}">
+              <a14:hiddenFill xmlns:a14="http://schemas.microsoft.com/office/drawing/2010/main">
+                <a:solidFill>
+                  <a:srgbClr val="FFFFFF"/>
+                </a:solidFill>
+              </a14:hiddenFill>
+            </a:ext>
+          </a:extLst>
+        </p:spPr>
+      </p:pic>
+    </p:spTree>
+    <p:extLst>
+      <p:ext uri="{BB962C8B-B14F-4D97-AF65-F5344CB8AC3E}">
+        <p14:creationId xmlns:p14="http://schemas.microsoft.com/office/powerpoint/2010/main" val="647362323"/>
+      </p:ext>
+    </p:extLst>
+  </p:cSld>
+  <p:clrMapOvr>
+    <a:masterClrMapping/>
+  </p:clrMapOvr>
+</p:sld>
+</file>
+
+<file path=ppt/slides/slide15.xml><?xml version="1.0" encoding="utf-8"?>
+<p:sld xmlns:a="http://schemas.openxmlformats.org/drawingml/2006/main" xmlns:r="http://schemas.openxmlformats.org/officeDocument/2006/relationships" xmlns:p="http://schemas.openxmlformats.org/presentationml/2006/main">
+  <p:cSld>
+    <p:spTree>
+      <p:nvGrpSpPr>
+        <p:cNvPr id="1" name=""/>
+        <p:cNvGrpSpPr/>
+        <p:nvPr/>
+      </p:nvGrpSpPr>
+      <p:grpSpPr>
+        <a:xfrm>
+          <a:off x="0" y="0"/>
+          <a:ext cx="0" cy="0"/>
+          <a:chOff x="0" y="0"/>
+          <a:chExt cx="0" cy="0"/>
+        </a:xfrm>
+      </p:grpSpPr>
+      <p:sp>
+        <p:nvSpPr>
           <p:cNvPr id="3" name="Объект 2"/>
           <p:cNvSpPr>
             <a:spLocks noGrp="1"/>
@@ -7592,7 +8277,7 @@
           <a:p>
             <a:fld id="{9415E33C-F962-4E59-AF47-C3576160EA36}" type="slidenum">
               <a:rPr lang="ru-RU" smtClean="0"/>
-              <a:t>14</a:t>
+              <a:t>15</a:t>
             </a:fld>
             <a:endParaRPr lang="ru-RU"/>
           </a:p>
